--- a/dc3/doc/iot-dc3-architecture.pptx
+++ b/dc3/doc/iot-dc3-architecture.pptx
@@ -5,11 +5,12 @@
     <p:sldMasterId id="2147483648" r:id="rId1"/>
   </p:sldMasterIdLst>
   <p:notesMasterIdLst>
-    <p:notesMasterId r:id="rId4"/>
+    <p:notesMasterId r:id="rId5"/>
   </p:notesMasterIdLst>
   <p:sldIdLst>
     <p:sldId id="256" r:id="rId2"/>
     <p:sldId id="257" r:id="rId3"/>
+    <p:sldId id="258" r:id="rId4"/>
   </p:sldIdLst>
   <p:sldSz cx="12192000" cy="6858000"/>
   <p:notesSz cx="6858000" cy="9144000"/>
@@ -198,7 +199,7 @@
           <a:p>
             <a:fld id="{6EE3B9A8-D85C-445A-8AE4-653E2C11D910}" type="datetimeFigureOut">
               <a:rPr lang="zh-CN" altLang="en-US" smtClean="0"/>
-              <a:t>2018/9/7</a:t>
+              <a:t>2019/5/31</a:t>
             </a:fld>
             <a:endParaRPr lang="zh-CN" altLang="en-US"/>
           </a:p>
@@ -780,7 +781,7 @@
           <a:p>
             <a:fld id="{9BF28833-E291-4948-8DAA-251BCB67763B}" type="datetimeFigureOut">
               <a:rPr lang="zh-CN" altLang="en-US" smtClean="0"/>
-              <a:t>2018/9/7</a:t>
+              <a:t>2019/5/31</a:t>
             </a:fld>
             <a:endParaRPr lang="zh-CN" altLang="en-US"/>
           </a:p>
@@ -978,7 +979,7 @@
           <a:p>
             <a:fld id="{9BF28833-E291-4948-8DAA-251BCB67763B}" type="datetimeFigureOut">
               <a:rPr lang="zh-CN" altLang="en-US" smtClean="0"/>
-              <a:t>2018/9/7</a:t>
+              <a:t>2019/5/31</a:t>
             </a:fld>
             <a:endParaRPr lang="zh-CN" altLang="en-US"/>
           </a:p>
@@ -1186,7 +1187,7 @@
           <a:p>
             <a:fld id="{9BF28833-E291-4948-8DAA-251BCB67763B}" type="datetimeFigureOut">
               <a:rPr lang="zh-CN" altLang="en-US" smtClean="0"/>
-              <a:t>2018/9/7</a:t>
+              <a:t>2019/5/31</a:t>
             </a:fld>
             <a:endParaRPr lang="zh-CN" altLang="en-US"/>
           </a:p>
@@ -1384,7 +1385,7 @@
           <a:p>
             <a:fld id="{9BF28833-E291-4948-8DAA-251BCB67763B}" type="datetimeFigureOut">
               <a:rPr lang="zh-CN" altLang="en-US" smtClean="0"/>
-              <a:t>2018/9/7</a:t>
+              <a:t>2019/5/31</a:t>
             </a:fld>
             <a:endParaRPr lang="zh-CN" altLang="en-US"/>
           </a:p>
@@ -1659,7 +1660,7 @@
           <a:p>
             <a:fld id="{9BF28833-E291-4948-8DAA-251BCB67763B}" type="datetimeFigureOut">
               <a:rPr lang="zh-CN" altLang="en-US" smtClean="0"/>
-              <a:t>2018/9/7</a:t>
+              <a:t>2019/5/31</a:t>
             </a:fld>
             <a:endParaRPr lang="zh-CN" altLang="en-US"/>
           </a:p>
@@ -1924,7 +1925,7 @@
           <a:p>
             <a:fld id="{9BF28833-E291-4948-8DAA-251BCB67763B}" type="datetimeFigureOut">
               <a:rPr lang="zh-CN" altLang="en-US" smtClean="0"/>
-              <a:t>2018/9/7</a:t>
+              <a:t>2019/5/31</a:t>
             </a:fld>
             <a:endParaRPr lang="zh-CN" altLang="en-US"/>
           </a:p>
@@ -2336,7 +2337,7 @@
           <a:p>
             <a:fld id="{9BF28833-E291-4948-8DAA-251BCB67763B}" type="datetimeFigureOut">
               <a:rPr lang="zh-CN" altLang="en-US" smtClean="0"/>
-              <a:t>2018/9/7</a:t>
+              <a:t>2019/5/31</a:t>
             </a:fld>
             <a:endParaRPr lang="zh-CN" altLang="en-US"/>
           </a:p>
@@ -2477,7 +2478,7 @@
           <a:p>
             <a:fld id="{9BF28833-E291-4948-8DAA-251BCB67763B}" type="datetimeFigureOut">
               <a:rPr lang="zh-CN" altLang="en-US" smtClean="0"/>
-              <a:t>2018/9/7</a:t>
+              <a:t>2019/5/31</a:t>
             </a:fld>
             <a:endParaRPr lang="zh-CN" altLang="en-US"/>
           </a:p>
@@ -2590,7 +2591,7 @@
           <a:p>
             <a:fld id="{9BF28833-E291-4948-8DAA-251BCB67763B}" type="datetimeFigureOut">
               <a:rPr lang="zh-CN" altLang="en-US" smtClean="0"/>
-              <a:t>2018/9/7</a:t>
+              <a:t>2019/5/31</a:t>
             </a:fld>
             <a:endParaRPr lang="zh-CN" altLang="en-US"/>
           </a:p>
@@ -2901,7 +2902,7 @@
           <a:p>
             <a:fld id="{9BF28833-E291-4948-8DAA-251BCB67763B}" type="datetimeFigureOut">
               <a:rPr lang="zh-CN" altLang="en-US" smtClean="0"/>
-              <a:t>2018/9/7</a:t>
+              <a:t>2019/5/31</a:t>
             </a:fld>
             <a:endParaRPr lang="zh-CN" altLang="en-US"/>
           </a:p>
@@ -3189,7 +3190,7 @@
           <a:p>
             <a:fld id="{9BF28833-E291-4948-8DAA-251BCB67763B}" type="datetimeFigureOut">
               <a:rPr lang="zh-CN" altLang="en-US" smtClean="0"/>
-              <a:t>2018/9/7</a:t>
+              <a:t>2019/5/31</a:t>
             </a:fld>
             <a:endParaRPr lang="zh-CN" altLang="en-US"/>
           </a:p>
@@ -3430,7 +3431,7 @@
           <a:p>
             <a:fld id="{9BF28833-E291-4948-8DAA-251BCB67763B}" type="datetimeFigureOut">
               <a:rPr lang="zh-CN" altLang="en-US" smtClean="0"/>
-              <a:t>2018/9/7</a:t>
+              <a:t>2019/5/31</a:t>
             </a:fld>
             <a:endParaRPr lang="zh-CN" altLang="en-US"/>
           </a:p>
@@ -6757,7 +6758,7 @@
         </p:nvSpPr>
         <p:spPr>
           <a:xfrm>
-            <a:off x="386321" y="667779"/>
+            <a:off x="245645" y="794391"/>
             <a:ext cx="1147057" cy="644475"/>
           </a:xfrm>
           <a:prstGeom prst="roundRect">
@@ -6840,7 +6841,7 @@
         </p:nvSpPr>
         <p:spPr>
           <a:xfrm>
-            <a:off x="2297720" y="541167"/>
+            <a:off x="2227385" y="667779"/>
             <a:ext cx="2330552" cy="891688"/>
           </a:xfrm>
           <a:prstGeom prst="roundRect">
@@ -6902,7 +6903,7 @@
         </p:nvSpPr>
         <p:spPr>
           <a:xfrm>
-            <a:off x="5404703" y="541167"/>
+            <a:off x="5601655" y="667779"/>
             <a:ext cx="1911400" cy="891688"/>
           </a:xfrm>
           <a:prstGeom prst="roundRect">
@@ -6964,7 +6965,7 @@
         </p:nvSpPr>
         <p:spPr>
           <a:xfrm>
-            <a:off x="9376117" y="541167"/>
+            <a:off x="9573069" y="667779"/>
             <a:ext cx="2330552" cy="1597122"/>
           </a:xfrm>
           <a:prstGeom prst="roundRect">
@@ -7026,7 +7027,7 @@
         </p:nvSpPr>
         <p:spPr>
           <a:xfrm>
-            <a:off x="2930782" y="1976803"/>
+            <a:off x="2916718" y="2103415"/>
             <a:ext cx="1076956" cy="4452132"/>
           </a:xfrm>
           <a:prstGeom prst="roundRect">
@@ -7100,7 +7101,7 @@
         </p:nvSpPr>
         <p:spPr>
           <a:xfrm>
-            <a:off x="246395" y="3003257"/>
+            <a:off x="232331" y="3129869"/>
             <a:ext cx="1112226" cy="2380115"/>
           </a:xfrm>
           <a:prstGeom prst="roundRect">
@@ -7169,7 +7170,7 @@
         </p:nvSpPr>
         <p:spPr>
           <a:xfrm>
-            <a:off x="5404702" y="1967723"/>
+            <a:off x="5601654" y="2094335"/>
             <a:ext cx="3542350" cy="4461212"/>
           </a:xfrm>
           <a:prstGeom prst="roundRect">
@@ -7238,7 +7239,7 @@
         </p:nvSpPr>
         <p:spPr>
           <a:xfrm>
-            <a:off x="9795269" y="2424491"/>
+            <a:off x="9992221" y="2551103"/>
             <a:ext cx="1911400" cy="998297"/>
           </a:xfrm>
           <a:prstGeom prst="roundRect">
@@ -7327,7 +7328,7 @@
         </p:nvSpPr>
         <p:spPr>
           <a:xfrm>
-            <a:off x="9795269" y="3708990"/>
+            <a:off x="9992221" y="3835602"/>
             <a:ext cx="1911400" cy="998297"/>
           </a:xfrm>
           <a:prstGeom prst="roundRect">
@@ -7390,7 +7391,7 @@
                 <a:latin typeface="Microsoft YaHei UI" panose="020B0503020204020204" pitchFamily="34" charset="-122"/>
                 <a:ea typeface="Microsoft YaHei UI" panose="020B0503020204020204" pitchFamily="34" charset="-122"/>
               </a:rPr>
-              <a:t>MySQL</a:t>
+              <a:t>MariaDB</a:t>
             </a:r>
           </a:p>
         </p:txBody>
@@ -7409,7 +7410,7 @@
         </p:nvSpPr>
         <p:spPr>
           <a:xfrm>
-            <a:off x="9795269" y="4993489"/>
+            <a:off x="9992221" y="5120101"/>
             <a:ext cx="1911400" cy="998297"/>
           </a:xfrm>
           <a:prstGeom prst="roundRect">
@@ -7491,8 +7492,8 @@
         </p:nvSpPr>
         <p:spPr>
           <a:xfrm>
-            <a:off x="4367168" y="3872862"/>
-            <a:ext cx="743079" cy="644475"/>
+            <a:off x="4314350" y="3999474"/>
+            <a:ext cx="992849" cy="644475"/>
           </a:xfrm>
           <a:prstGeom prst="roundRect">
             <a:avLst/>
@@ -7544,6 +7545,26 @@
               <a:ea typeface="Microsoft YaHei UI" panose="020B0503020204020204" pitchFamily="34" charset="-122"/>
             </a:endParaRPr>
           </a:p>
+          <a:p>
+            <a:pPr algn="ctr"/>
+            <a:r>
+              <a:rPr lang="en-US" altLang="zh-CN" sz="1400" dirty="0" err="1">
+                <a:solidFill>
+                  <a:schemeClr val="tx1"/>
+                </a:solidFill>
+                <a:latin typeface="Microsoft YaHei UI" panose="020B0503020204020204" pitchFamily="34" charset="-122"/>
+                <a:ea typeface="Microsoft YaHei UI" panose="020B0503020204020204" pitchFamily="34" charset="-122"/>
+              </a:rPr>
+              <a:t>Gataway</a:t>
+            </a:r>
+            <a:endParaRPr lang="en-US" altLang="zh-CN" sz="1400" dirty="0">
+              <a:solidFill>
+                <a:schemeClr val="tx1"/>
+              </a:solidFill>
+              <a:latin typeface="Microsoft YaHei UI" panose="020B0503020204020204" pitchFamily="34" charset="-122"/>
+              <a:ea typeface="Microsoft YaHei UI" panose="020B0503020204020204" pitchFamily="34" charset="-122"/>
+            </a:endParaRPr>
+          </a:p>
         </p:txBody>
       </p:sp>
       <p:sp>
@@ -7560,7 +7581,7 @@
         </p:nvSpPr>
         <p:spPr>
           <a:xfrm>
-            <a:off x="2600515" y="926592"/>
+            <a:off x="2797467" y="1053204"/>
             <a:ext cx="1724962" cy="389279"/>
           </a:xfrm>
           <a:prstGeom prst="roundRect">
@@ -7627,7 +7648,7 @@
         </p:nvSpPr>
         <p:spPr>
           <a:xfrm>
-            <a:off x="5657616" y="3593403"/>
+            <a:off x="5854568" y="3720015"/>
             <a:ext cx="1437815" cy="496468"/>
           </a:xfrm>
           <a:prstGeom prst="roundRect">
@@ -7701,7 +7722,7 @@
         </p:nvSpPr>
         <p:spPr>
           <a:xfrm>
-            <a:off x="385938" y="4236926"/>
+            <a:off x="371874" y="4363538"/>
             <a:ext cx="846407" cy="644475"/>
           </a:xfrm>
           <a:prstGeom prst="roundRect">
@@ -7770,7 +7791,7 @@
         </p:nvSpPr>
         <p:spPr>
           <a:xfrm>
-            <a:off x="5635686" y="926593"/>
+            <a:off x="5832638" y="1053205"/>
             <a:ext cx="1447224" cy="385658"/>
           </a:xfrm>
           <a:prstGeom prst="roundRect">
@@ -7844,7 +7865,7 @@
         </p:nvSpPr>
         <p:spPr>
           <a:xfrm>
-            <a:off x="9619622" y="1546451"/>
+            <a:off x="9816574" y="1673063"/>
             <a:ext cx="1853854" cy="445843"/>
           </a:xfrm>
           <a:prstGeom prst="roundRect">
@@ -7921,7 +7942,7 @@
         </p:nvSpPr>
         <p:spPr>
           <a:xfrm>
-            <a:off x="9619621" y="987011"/>
+            <a:off x="9816573" y="1113623"/>
             <a:ext cx="1853855" cy="445843"/>
           </a:xfrm>
           <a:prstGeom prst="roundRect">
@@ -8009,8 +8030,8 @@
         </p:nvCxnSpPr>
         <p:spPr>
           <a:xfrm flipV="1">
-            <a:off x="1533378" y="987011"/>
-            <a:ext cx="764342" cy="3006"/>
+            <a:off x="1392702" y="1113623"/>
+            <a:ext cx="834683" cy="3006"/>
           </a:xfrm>
           <a:prstGeom prst="straightConnector1">
             <a:avLst/>
@@ -8058,8 +8079,8 @@
         </p:nvCxnSpPr>
         <p:spPr>
           <a:xfrm>
-            <a:off x="4628272" y="987011"/>
-            <a:ext cx="776431" cy="0"/>
+            <a:off x="4557937" y="1113623"/>
+            <a:ext cx="1043718" cy="0"/>
           </a:xfrm>
           <a:prstGeom prst="straightConnector1">
             <a:avLst/>
@@ -8106,7 +8127,7 @@
         </p:nvCxnSpPr>
         <p:spPr>
           <a:xfrm rot="10800000">
-            <a:off x="7316103" y="987012"/>
+            <a:off x="7513055" y="1113624"/>
             <a:ext cx="2060014" cy="352717"/>
           </a:xfrm>
           <a:prstGeom prst="bentConnector3">
@@ -8155,8 +8176,8 @@
         </p:nvCxnSpPr>
         <p:spPr>
           <a:xfrm rot="16200000" flipH="1">
-            <a:off x="5052002" y="-156152"/>
-            <a:ext cx="534868" cy="3712881"/>
+            <a:off x="5115311" y="-163183"/>
+            <a:ext cx="534868" cy="3980168"/>
           </a:xfrm>
           <a:prstGeom prst="bentConnector3">
             <a:avLst/>
@@ -8203,7 +8224,7 @@
         </p:nvCxnSpPr>
         <p:spPr>
           <a:xfrm rot="16200000" flipV="1">
-            <a:off x="6500706" y="1292552"/>
+            <a:off x="6697658" y="1419164"/>
             <a:ext cx="534868" cy="815474"/>
           </a:xfrm>
           <a:prstGeom prst="bentConnector3">
@@ -8252,8 +8273,8 @@
         </p:nvCxnSpPr>
         <p:spPr>
           <a:xfrm rot="16200000" flipV="1">
-            <a:off x="5052003" y="-156152"/>
-            <a:ext cx="534868" cy="3712881"/>
+            <a:off x="5115311" y="-163183"/>
+            <a:ext cx="534868" cy="3980168"/>
           </a:xfrm>
           <a:prstGeom prst="bentConnector3">
             <a:avLst/>
@@ -8300,7 +8321,7 @@
         </p:nvCxnSpPr>
         <p:spPr>
           <a:xfrm rot="10800000" flipV="1">
-            <a:off x="8947053" y="1339727"/>
+            <a:off x="9144005" y="1466339"/>
             <a:ext cx="429065" cy="2858601"/>
           </a:xfrm>
           <a:prstGeom prst="bentConnector3">
@@ -8351,7 +8372,7 @@
         </p:nvCxnSpPr>
         <p:spPr>
           <a:xfrm rot="10800000" flipV="1">
-            <a:off x="8947053" y="2923639"/>
+            <a:off x="9144005" y="3050251"/>
             <a:ext cx="848217" cy="1274689"/>
           </a:xfrm>
           <a:prstGeom prst="bentConnector3">
@@ -8400,7 +8421,7 @@
         </p:nvCxnSpPr>
         <p:spPr>
           <a:xfrm rot="10800000">
-            <a:off x="8947053" y="4198329"/>
+            <a:off x="9144005" y="4324941"/>
             <a:ext cx="848217" cy="9810"/>
           </a:xfrm>
           <a:prstGeom prst="bentConnector3">
@@ -8449,7 +8470,7 @@
         </p:nvCxnSpPr>
         <p:spPr>
           <a:xfrm rot="10800000">
-            <a:off x="8947053" y="4198330"/>
+            <a:off x="9144005" y="4324942"/>
             <a:ext cx="848217" cy="1294309"/>
           </a:xfrm>
           <a:prstGeom prst="bentConnector3">
@@ -8499,7 +8520,7 @@
         </p:nvCxnSpPr>
         <p:spPr>
           <a:xfrm flipV="1">
-            <a:off x="4007738" y="4195100"/>
+            <a:off x="3993674" y="4321712"/>
             <a:ext cx="320676" cy="7769"/>
           </a:xfrm>
           <a:prstGeom prst="straightConnector1">
@@ -8549,7 +8570,7 @@
         </p:nvCxnSpPr>
         <p:spPr>
           <a:xfrm>
-            <a:off x="5110247" y="4195100"/>
+            <a:off x="5307199" y="4321712"/>
             <a:ext cx="294455" cy="3229"/>
           </a:xfrm>
           <a:prstGeom prst="straightConnector1">
@@ -8595,7 +8616,7 @@
         </p:nvSpPr>
         <p:spPr>
           <a:xfrm>
-            <a:off x="3080185" y="5139289"/>
+            <a:off x="3066121" y="5265901"/>
             <a:ext cx="767765" cy="644475"/>
           </a:xfrm>
           <a:prstGeom prst="roundRect">
@@ -8664,7 +8685,7 @@
         </p:nvSpPr>
         <p:spPr>
           <a:xfrm>
-            <a:off x="3080185" y="3950866"/>
+            <a:off x="3066121" y="4077478"/>
             <a:ext cx="767765" cy="644475"/>
           </a:xfrm>
           <a:prstGeom prst="roundRect">
@@ -8746,7 +8767,7 @@
         </p:nvSpPr>
         <p:spPr>
           <a:xfrm>
-            <a:off x="3080185" y="2759174"/>
+            <a:off x="3066121" y="2885786"/>
             <a:ext cx="767765" cy="644475"/>
           </a:xfrm>
           <a:prstGeom prst="roundRect">
@@ -8818,7 +8839,7 @@
         </p:nvCxnSpPr>
         <p:spPr>
           <a:xfrm>
-            <a:off x="3464068" y="3403649"/>
+            <a:off x="3450004" y="3530261"/>
             <a:ext cx="0" cy="547217"/>
           </a:xfrm>
           <a:prstGeom prst="straightConnector1">
@@ -8866,7 +8887,7 @@
         </p:nvCxnSpPr>
         <p:spPr>
           <a:xfrm flipV="1">
-            <a:off x="3464068" y="4595341"/>
+            <a:off x="3450004" y="4721953"/>
             <a:ext cx="0" cy="543948"/>
           </a:xfrm>
           <a:prstGeom prst="straightConnector1">
@@ -8911,7 +8932,7 @@
         </p:nvSpPr>
         <p:spPr>
           <a:xfrm>
-            <a:off x="400409" y="3472470"/>
+            <a:off x="386345" y="3599082"/>
             <a:ext cx="793549" cy="644475"/>
           </a:xfrm>
           <a:prstGeom prst="roundRect">
@@ -8980,7 +9001,7 @@
         </p:nvSpPr>
         <p:spPr>
           <a:xfrm>
-            <a:off x="7256323" y="3593403"/>
+            <a:off x="7453275" y="3720015"/>
             <a:ext cx="1437815" cy="496468"/>
           </a:xfrm>
           <a:prstGeom prst="roundRect">
@@ -9054,7 +9075,7 @@
         </p:nvSpPr>
         <p:spPr>
           <a:xfrm>
-            <a:off x="5657616" y="4268890"/>
+            <a:off x="5854568" y="4395502"/>
             <a:ext cx="1437815" cy="496468"/>
           </a:xfrm>
           <a:prstGeom prst="roundRect">
@@ -9123,7 +9144,7 @@
         </p:nvSpPr>
         <p:spPr>
           <a:xfrm>
-            <a:off x="7256323" y="4268890"/>
+            <a:off x="7453275" y="4395502"/>
             <a:ext cx="1437815" cy="496468"/>
           </a:xfrm>
           <a:prstGeom prst="roundRect">
@@ -9192,7 +9213,7 @@
         </p:nvSpPr>
         <p:spPr>
           <a:xfrm>
-            <a:off x="5578641" y="5008746"/>
+            <a:off x="5775593" y="5135358"/>
             <a:ext cx="1437815" cy="496468"/>
           </a:xfrm>
           <a:prstGeom prst="roundRect">
@@ -9276,7 +9297,7 @@
         </p:nvSpPr>
         <p:spPr>
           <a:xfrm>
-            <a:off x="7177348" y="5008746"/>
+            <a:off x="7374300" y="5135358"/>
             <a:ext cx="1592255" cy="496468"/>
           </a:xfrm>
           <a:prstGeom prst="roundRect">
@@ -9360,7 +9381,7 @@
         </p:nvSpPr>
         <p:spPr>
           <a:xfrm>
-            <a:off x="5578641" y="5684233"/>
+            <a:off x="5775593" y="5810845"/>
             <a:ext cx="2149648" cy="496468"/>
           </a:xfrm>
           <a:prstGeom prst="roundRect">
@@ -9464,7 +9485,7 @@
         </p:nvSpPr>
         <p:spPr>
           <a:xfrm>
-            <a:off x="7826763" y="5684233"/>
+            <a:off x="8023715" y="5810845"/>
             <a:ext cx="942840" cy="496468"/>
           </a:xfrm>
           <a:prstGeom prst="roundRect">
@@ -9535,7 +9556,7 @@
         </p:nvCxnSpPr>
         <p:spPr>
           <a:xfrm>
-            <a:off x="5110247" y="4195100"/>
+            <a:off x="5307199" y="4321712"/>
             <a:ext cx="294455" cy="3229"/>
           </a:xfrm>
           <a:prstGeom prst="straightConnector1">
@@ -9581,7 +9602,7 @@
         </p:nvSpPr>
         <p:spPr>
           <a:xfrm>
-            <a:off x="5671130" y="2413565"/>
+            <a:off x="5868082" y="2540177"/>
             <a:ext cx="1179282" cy="473033"/>
           </a:xfrm>
           <a:prstGeom prst="roundRect">
@@ -9648,7 +9669,7 @@
         </p:nvSpPr>
         <p:spPr>
           <a:xfrm>
-            <a:off x="5676766" y="2998676"/>
+            <a:off x="5873718" y="3125288"/>
             <a:ext cx="1179282" cy="473033"/>
           </a:xfrm>
           <a:prstGeom prst="roundRect">
@@ -9715,7 +9736,7 @@
         </p:nvSpPr>
         <p:spPr>
           <a:xfrm>
-            <a:off x="7030746" y="2473985"/>
+            <a:off x="7227698" y="2600597"/>
             <a:ext cx="669408" cy="997724"/>
           </a:xfrm>
           <a:prstGeom prst="roundRect">
@@ -9777,7 +9798,7 @@
         </p:nvSpPr>
         <p:spPr>
           <a:xfrm>
-            <a:off x="7826064" y="3019460"/>
+            <a:off x="8023016" y="3146072"/>
             <a:ext cx="942840" cy="424113"/>
           </a:xfrm>
           <a:prstGeom prst="roundRect">
@@ -9839,7 +9860,7 @@
         </p:nvSpPr>
         <p:spPr>
           <a:xfrm>
-            <a:off x="7826064" y="2469660"/>
+            <a:off x="8023016" y="2596272"/>
             <a:ext cx="942840" cy="424113"/>
           </a:xfrm>
           <a:prstGeom prst="roundRect">
@@ -9901,7 +9922,7 @@
         </p:nvSpPr>
         <p:spPr>
           <a:xfrm>
-            <a:off x="373979" y="4962947"/>
+            <a:off x="359915" y="5089559"/>
             <a:ext cx="846407" cy="387667"/>
           </a:xfrm>
           <a:prstGeom prst="roundRect">
@@ -9958,7 +9979,7 @@
         </p:nvSpPr>
         <p:spPr>
           <a:xfrm>
-            <a:off x="1777223" y="3533024"/>
+            <a:off x="1763159" y="3659636"/>
             <a:ext cx="767765" cy="1330776"/>
           </a:xfrm>
           <a:prstGeom prst="roundRect">
@@ -10036,7 +10057,7 @@
         </p:nvCxnSpPr>
         <p:spPr>
           <a:xfrm>
-            <a:off x="1358621" y="4193315"/>
+            <a:off x="1344557" y="4319927"/>
             <a:ext cx="418602" cy="5097"/>
           </a:xfrm>
           <a:prstGeom prst="straightConnector1">
@@ -10086,7 +10107,7 @@
         </p:nvCxnSpPr>
         <p:spPr>
           <a:xfrm>
-            <a:off x="2544988" y="4198412"/>
+            <a:off x="2530924" y="4325024"/>
             <a:ext cx="385794" cy="4457"/>
           </a:xfrm>
           <a:prstGeom prst="straightConnector1">
@@ -10122,6 +10143,2633 @@
     <p:extLst>
       <p:ext uri="{BB962C8B-B14F-4D97-AF65-F5344CB8AC3E}">
         <p14:creationId xmlns:p14="http://schemas.microsoft.com/office/powerpoint/2010/main" val="2313978827"/>
+      </p:ext>
+    </p:extLst>
+  </p:cSld>
+  <p:clrMapOvr>
+    <a:masterClrMapping/>
+  </p:clrMapOvr>
+</p:sld>
+</file>
+
+<file path=ppt/slides/slide3.xml><?xml version="1.0" encoding="utf-8"?>
+<p:sld xmlns:a="http://schemas.openxmlformats.org/drawingml/2006/main" xmlns:r="http://schemas.openxmlformats.org/officeDocument/2006/relationships" xmlns:p="http://schemas.openxmlformats.org/presentationml/2006/main">
+  <p:cSld>
+    <p:spTree>
+      <p:nvGrpSpPr>
+        <p:cNvPr id="1" name=""/>
+        <p:cNvGrpSpPr/>
+        <p:nvPr/>
+      </p:nvGrpSpPr>
+      <p:grpSpPr>
+        <a:xfrm>
+          <a:off x="0" y="0"/>
+          <a:ext cx="0" cy="0"/>
+          <a:chOff x="0" y="0"/>
+          <a:chExt cx="0" cy="0"/>
+        </a:xfrm>
+      </p:grpSpPr>
+      <p:sp>
+        <p:nvSpPr>
+          <p:cNvPr id="4" name="矩形: 圆角 3">
+            <a:extLst>
+              <a:ext uri="{FF2B5EF4-FFF2-40B4-BE49-F238E27FC236}">
+                <a16:creationId xmlns:a16="http://schemas.microsoft.com/office/drawing/2014/main" id="{77E8499B-0CBC-4229-AED7-8638EE1B88AC}"/>
+              </a:ext>
+            </a:extLst>
+          </p:cNvPr>
+          <p:cNvSpPr/>
+          <p:nvPr/>
+        </p:nvSpPr>
+        <p:spPr>
+          <a:xfrm>
+            <a:off x="6796147" y="4799736"/>
+            <a:ext cx="2665161" cy="644458"/>
+          </a:xfrm>
+          <a:prstGeom prst="roundRect">
+            <a:avLst/>
+          </a:prstGeom>
+          <a:noFill/>
+          <a:ln>
+            <a:solidFill>
+              <a:schemeClr val="accent1"/>
+            </a:solidFill>
+          </a:ln>
+        </p:spPr>
+        <p:style>
+          <a:lnRef idx="2">
+            <a:schemeClr val="accent1">
+              <a:shade val="50000"/>
+            </a:schemeClr>
+          </a:lnRef>
+          <a:fillRef idx="1">
+            <a:schemeClr val="accent1"/>
+          </a:fillRef>
+          <a:effectRef idx="0">
+            <a:schemeClr val="accent1"/>
+          </a:effectRef>
+          <a:fontRef idx="minor">
+            <a:schemeClr val="lt1"/>
+          </a:fontRef>
+        </p:style>
+        <p:txBody>
+          <a:bodyPr rtlCol="0" anchor="ctr"/>
+          <a:lstStyle/>
+          <a:p>
+            <a:pPr algn="ctr"/>
+            <a:endParaRPr lang="zh-CN" altLang="en-US" sz="1400">
+              <a:solidFill>
+                <a:schemeClr val="tx1"/>
+              </a:solidFill>
+              <a:latin typeface="Microsoft JhengHei UI" panose="020B0604030504040204" pitchFamily="34" charset="-120"/>
+              <a:ea typeface="Microsoft JhengHei UI" panose="020B0604030504040204" pitchFamily="34" charset="-120"/>
+            </a:endParaRPr>
+          </a:p>
+        </p:txBody>
+      </p:sp>
+      <p:sp>
+        <p:nvSpPr>
+          <p:cNvPr id="5" name="矩形: 圆角 4">
+            <a:extLst>
+              <a:ext uri="{FF2B5EF4-FFF2-40B4-BE49-F238E27FC236}">
+                <a16:creationId xmlns:a16="http://schemas.microsoft.com/office/drawing/2014/main" id="{81693770-E6BA-47F9-A734-DA5186717FB7}"/>
+              </a:ext>
+            </a:extLst>
+          </p:cNvPr>
+          <p:cNvSpPr/>
+          <p:nvPr/>
+        </p:nvSpPr>
+        <p:spPr>
+          <a:xfrm>
+            <a:off x="5422958" y="0"/>
+            <a:ext cx="1007165" cy="636105"/>
+          </a:xfrm>
+          <a:prstGeom prst="roundRect">
+            <a:avLst/>
+          </a:prstGeom>
+          <a:noFill/>
+          <a:ln>
+            <a:solidFill>
+              <a:schemeClr val="accent1"/>
+            </a:solidFill>
+          </a:ln>
+        </p:spPr>
+        <p:style>
+          <a:lnRef idx="2">
+            <a:schemeClr val="accent1">
+              <a:shade val="50000"/>
+            </a:schemeClr>
+          </a:lnRef>
+          <a:fillRef idx="1">
+            <a:schemeClr val="accent1"/>
+          </a:fillRef>
+          <a:effectRef idx="0">
+            <a:schemeClr val="accent1"/>
+          </a:effectRef>
+          <a:fontRef idx="minor">
+            <a:schemeClr val="lt1"/>
+          </a:fontRef>
+        </p:style>
+        <p:txBody>
+          <a:bodyPr rtlCol="0" anchor="ctr"/>
+          <a:lstStyle/>
+          <a:p>
+            <a:pPr algn="ctr"/>
+            <a:r>
+              <a:rPr lang="zh-CN" altLang="en-US" sz="1400" dirty="0">
+                <a:solidFill>
+                  <a:schemeClr val="tx1"/>
+                </a:solidFill>
+                <a:latin typeface="Microsoft JhengHei UI" panose="020B0604030504040204" pitchFamily="34" charset="-120"/>
+                <a:ea typeface="Microsoft JhengHei UI" panose="020B0604030504040204" pitchFamily="34" charset="-120"/>
+              </a:rPr>
+              <a:t>浏览器</a:t>
+            </a:r>
+          </a:p>
+        </p:txBody>
+      </p:sp>
+      <p:cxnSp>
+        <p:nvCxnSpPr>
+          <p:cNvPr id="6" name="直接连接符 5">
+            <a:extLst>
+              <a:ext uri="{FF2B5EF4-FFF2-40B4-BE49-F238E27FC236}">
+                <a16:creationId xmlns:a16="http://schemas.microsoft.com/office/drawing/2014/main" id="{67A37B59-61F1-4C6F-BA6B-DA869FDA41B8}"/>
+              </a:ext>
+            </a:extLst>
+          </p:cNvPr>
+          <p:cNvCxnSpPr/>
+          <p:nvPr/>
+        </p:nvCxnSpPr>
+        <p:spPr>
+          <a:xfrm>
+            <a:off x="3296474" y="967408"/>
+            <a:ext cx="5353879" cy="0"/>
+          </a:xfrm>
+          <a:prstGeom prst="line">
+            <a:avLst/>
+          </a:prstGeom>
+          <a:ln>
+            <a:prstDash val="dash"/>
+          </a:ln>
+        </p:spPr>
+        <p:style>
+          <a:lnRef idx="1">
+            <a:schemeClr val="accent1"/>
+          </a:lnRef>
+          <a:fillRef idx="0">
+            <a:schemeClr val="accent1"/>
+          </a:fillRef>
+          <a:effectRef idx="0">
+            <a:schemeClr val="accent1"/>
+          </a:effectRef>
+          <a:fontRef idx="minor">
+            <a:schemeClr val="tx1"/>
+          </a:fontRef>
+        </p:style>
+      </p:cxnSp>
+      <p:sp>
+        <p:nvSpPr>
+          <p:cNvPr id="7" name="矩形: 圆角 6">
+            <a:extLst>
+              <a:ext uri="{FF2B5EF4-FFF2-40B4-BE49-F238E27FC236}">
+                <a16:creationId xmlns:a16="http://schemas.microsoft.com/office/drawing/2014/main" id="{70F4AA79-1A10-4D3A-8874-3CB82011D534}"/>
+              </a:ext>
+            </a:extLst>
+          </p:cNvPr>
+          <p:cNvSpPr/>
+          <p:nvPr/>
+        </p:nvSpPr>
+        <p:spPr>
+          <a:xfrm>
+            <a:off x="4922688" y="1192696"/>
+            <a:ext cx="2007704" cy="636105"/>
+          </a:xfrm>
+          <a:prstGeom prst="roundRect">
+            <a:avLst/>
+          </a:prstGeom>
+          <a:noFill/>
+          <a:ln>
+            <a:solidFill>
+              <a:schemeClr val="accent1"/>
+            </a:solidFill>
+            <a:prstDash val="lgDash"/>
+          </a:ln>
+        </p:spPr>
+        <p:style>
+          <a:lnRef idx="2">
+            <a:schemeClr val="accent1">
+              <a:shade val="50000"/>
+            </a:schemeClr>
+          </a:lnRef>
+          <a:fillRef idx="1">
+            <a:schemeClr val="accent1"/>
+          </a:fillRef>
+          <a:effectRef idx="0">
+            <a:schemeClr val="accent1"/>
+          </a:effectRef>
+          <a:fontRef idx="minor">
+            <a:schemeClr val="lt1"/>
+          </a:fontRef>
+        </p:style>
+        <p:txBody>
+          <a:bodyPr rtlCol="0" anchor="ctr"/>
+          <a:lstStyle/>
+          <a:p>
+            <a:pPr algn="ctr"/>
+            <a:r>
+              <a:rPr lang="en-US" altLang="zh-CN" sz="1400" dirty="0" err="1">
+                <a:solidFill>
+                  <a:schemeClr val="tx1"/>
+                </a:solidFill>
+                <a:latin typeface="Microsoft JhengHei UI" panose="020B0604030504040204" pitchFamily="34" charset="-120"/>
+                <a:ea typeface="Microsoft JhengHei UI" panose="020B0604030504040204" pitchFamily="34" charset="-120"/>
+              </a:rPr>
+              <a:t>NodeJs</a:t>
+            </a:r>
+            <a:r>
+              <a:rPr lang="zh-CN" altLang="en-US" sz="1400" dirty="0">
+                <a:solidFill>
+                  <a:schemeClr val="tx1"/>
+                </a:solidFill>
+                <a:latin typeface="Microsoft JhengHei UI" panose="020B0604030504040204" pitchFamily="34" charset="-120"/>
+                <a:ea typeface="Microsoft JhengHei UI" panose="020B0604030504040204" pitchFamily="34" charset="-120"/>
+              </a:rPr>
+              <a:t>服务器</a:t>
+            </a:r>
+          </a:p>
+        </p:txBody>
+      </p:sp>
+      <p:cxnSp>
+        <p:nvCxnSpPr>
+          <p:cNvPr id="8" name="直接箭头连接符 7">
+            <a:extLst>
+              <a:ext uri="{FF2B5EF4-FFF2-40B4-BE49-F238E27FC236}">
+                <a16:creationId xmlns:a16="http://schemas.microsoft.com/office/drawing/2014/main" id="{E5B1CB50-69DF-44EA-9ED4-2AEDF4079FA3}"/>
+              </a:ext>
+            </a:extLst>
+          </p:cNvPr>
+          <p:cNvCxnSpPr>
+            <a:stCxn id="5" idx="2"/>
+            <a:endCxn id="7" idx="0"/>
+          </p:cNvCxnSpPr>
+          <p:nvPr/>
+        </p:nvCxnSpPr>
+        <p:spPr>
+          <a:xfrm flipH="1">
+            <a:off x="5926540" y="636105"/>
+            <a:ext cx="1" cy="556591"/>
+          </a:xfrm>
+          <a:prstGeom prst="straightConnector1">
+            <a:avLst/>
+          </a:prstGeom>
+          <a:ln>
+            <a:headEnd type="triangle"/>
+            <a:tailEnd type="triangle"/>
+          </a:ln>
+        </p:spPr>
+        <p:style>
+          <a:lnRef idx="1">
+            <a:schemeClr val="accent1"/>
+          </a:lnRef>
+          <a:fillRef idx="0">
+            <a:schemeClr val="accent1"/>
+          </a:fillRef>
+          <a:effectRef idx="0">
+            <a:schemeClr val="accent1"/>
+          </a:effectRef>
+          <a:fontRef idx="minor">
+            <a:schemeClr val="tx1"/>
+          </a:fontRef>
+        </p:style>
+      </p:cxnSp>
+      <p:sp>
+        <p:nvSpPr>
+          <p:cNvPr id="9" name="文本框 8">
+            <a:extLst>
+              <a:ext uri="{FF2B5EF4-FFF2-40B4-BE49-F238E27FC236}">
+                <a16:creationId xmlns:a16="http://schemas.microsoft.com/office/drawing/2014/main" id="{3AB47F2C-A68D-4DF2-90CA-FABF178F7FFC}"/>
+              </a:ext>
+            </a:extLst>
+          </p:cNvPr>
+          <p:cNvSpPr txBox="1"/>
+          <p:nvPr/>
+        </p:nvSpPr>
+        <p:spPr>
+          <a:xfrm>
+            <a:off x="5919424" y="636105"/>
+            <a:ext cx="713657" cy="369332"/>
+          </a:xfrm>
+          <a:prstGeom prst="rect">
+            <a:avLst/>
+          </a:prstGeom>
+          <a:noFill/>
+        </p:spPr>
+        <p:txBody>
+          <a:bodyPr wrap="none" rtlCol="0">
+            <a:spAutoFit/>
+          </a:bodyPr>
+          <a:lstStyle/>
+          <a:p>
+            <a:r>
+              <a:rPr lang="en-US" altLang="zh-CN" dirty="0"/>
+              <a:t>http2</a:t>
+            </a:r>
+          </a:p>
+        </p:txBody>
+      </p:sp>
+      <p:sp>
+        <p:nvSpPr>
+          <p:cNvPr id="10" name="矩形: 圆角 9">
+            <a:extLst>
+              <a:ext uri="{FF2B5EF4-FFF2-40B4-BE49-F238E27FC236}">
+                <a16:creationId xmlns:a16="http://schemas.microsoft.com/office/drawing/2014/main" id="{9AE30D40-5C36-46DB-97D3-5DFB5E027039}"/>
+              </a:ext>
+            </a:extLst>
+          </p:cNvPr>
+          <p:cNvSpPr/>
+          <p:nvPr/>
+        </p:nvSpPr>
+        <p:spPr>
+          <a:xfrm>
+            <a:off x="4922688" y="2405270"/>
+            <a:ext cx="2007704" cy="636105"/>
+          </a:xfrm>
+          <a:prstGeom prst="roundRect">
+            <a:avLst/>
+          </a:prstGeom>
+          <a:noFill/>
+          <a:ln>
+            <a:solidFill>
+              <a:schemeClr val="accent1"/>
+            </a:solidFill>
+          </a:ln>
+        </p:spPr>
+        <p:style>
+          <a:lnRef idx="2">
+            <a:schemeClr val="accent1">
+              <a:shade val="50000"/>
+            </a:schemeClr>
+          </a:lnRef>
+          <a:fillRef idx="1">
+            <a:schemeClr val="accent1"/>
+          </a:fillRef>
+          <a:effectRef idx="0">
+            <a:schemeClr val="accent1"/>
+          </a:effectRef>
+          <a:fontRef idx="minor">
+            <a:schemeClr val="lt1"/>
+          </a:fontRef>
+        </p:style>
+        <p:txBody>
+          <a:bodyPr rtlCol="0" anchor="ctr"/>
+          <a:lstStyle/>
+          <a:p>
+            <a:pPr algn="ctr"/>
+            <a:r>
+              <a:rPr lang="en-US" altLang="zh-CN" sz="1400" dirty="0">
+                <a:solidFill>
+                  <a:schemeClr val="tx1"/>
+                </a:solidFill>
+                <a:latin typeface="Microsoft JhengHei UI" panose="020B0604030504040204" pitchFamily="34" charset="-120"/>
+                <a:ea typeface="Microsoft JhengHei UI" panose="020B0604030504040204" pitchFamily="34" charset="-120"/>
+              </a:rPr>
+              <a:t>Web</a:t>
+            </a:r>
+            <a:r>
+              <a:rPr lang="zh-CN" altLang="en-US" sz="1400" dirty="0">
+                <a:solidFill>
+                  <a:schemeClr val="tx1"/>
+                </a:solidFill>
+                <a:latin typeface="Microsoft JhengHei UI" panose="020B0604030504040204" pitchFamily="34" charset="-120"/>
+                <a:ea typeface="Microsoft JhengHei UI" panose="020B0604030504040204" pitchFamily="34" charset="-120"/>
+              </a:rPr>
+              <a:t>服务器</a:t>
+            </a:r>
+          </a:p>
+        </p:txBody>
+      </p:sp>
+      <p:cxnSp>
+        <p:nvCxnSpPr>
+          <p:cNvPr id="11" name="直接箭头连接符 10">
+            <a:extLst>
+              <a:ext uri="{FF2B5EF4-FFF2-40B4-BE49-F238E27FC236}">
+                <a16:creationId xmlns:a16="http://schemas.microsoft.com/office/drawing/2014/main" id="{CA4B40FA-2DD9-41D3-93AF-0500A3D96EB9}"/>
+              </a:ext>
+            </a:extLst>
+          </p:cNvPr>
+          <p:cNvCxnSpPr>
+            <a:stCxn id="7" idx="2"/>
+            <a:endCxn id="10" idx="0"/>
+          </p:cNvCxnSpPr>
+          <p:nvPr/>
+        </p:nvCxnSpPr>
+        <p:spPr>
+          <a:xfrm>
+            <a:off x="5926540" y="1828801"/>
+            <a:ext cx="0" cy="576469"/>
+          </a:xfrm>
+          <a:prstGeom prst="straightConnector1">
+            <a:avLst/>
+          </a:prstGeom>
+          <a:ln>
+            <a:headEnd type="triangle"/>
+            <a:tailEnd type="triangle"/>
+          </a:ln>
+        </p:spPr>
+        <p:style>
+          <a:lnRef idx="1">
+            <a:schemeClr val="accent1"/>
+          </a:lnRef>
+          <a:fillRef idx="0">
+            <a:schemeClr val="accent1"/>
+          </a:fillRef>
+          <a:effectRef idx="0">
+            <a:schemeClr val="accent1"/>
+          </a:effectRef>
+          <a:fontRef idx="minor">
+            <a:schemeClr val="tx1"/>
+          </a:fontRef>
+        </p:style>
+      </p:cxnSp>
+      <p:sp>
+        <p:nvSpPr>
+          <p:cNvPr id="12" name="文本框 11">
+            <a:extLst>
+              <a:ext uri="{FF2B5EF4-FFF2-40B4-BE49-F238E27FC236}">
+                <a16:creationId xmlns:a16="http://schemas.microsoft.com/office/drawing/2014/main" id="{3B342E42-63B5-42BC-A4D3-108568205ACF}"/>
+              </a:ext>
+            </a:extLst>
+          </p:cNvPr>
+          <p:cNvSpPr txBox="1"/>
+          <p:nvPr/>
+        </p:nvSpPr>
+        <p:spPr>
+          <a:xfrm>
+            <a:off x="5919424" y="1932369"/>
+            <a:ext cx="591829" cy="369332"/>
+          </a:xfrm>
+          <a:prstGeom prst="rect">
+            <a:avLst/>
+          </a:prstGeom>
+          <a:noFill/>
+        </p:spPr>
+        <p:txBody>
+          <a:bodyPr wrap="none" rtlCol="0">
+            <a:spAutoFit/>
+          </a:bodyPr>
+          <a:lstStyle/>
+          <a:p>
+            <a:r>
+              <a:rPr lang="en-US" altLang="zh-CN" dirty="0"/>
+              <a:t>http</a:t>
+            </a:r>
+          </a:p>
+        </p:txBody>
+      </p:sp>
+      <p:cxnSp>
+        <p:nvCxnSpPr>
+          <p:cNvPr id="13" name="连接符: 曲线 12">
+            <a:extLst>
+              <a:ext uri="{FF2B5EF4-FFF2-40B4-BE49-F238E27FC236}">
+                <a16:creationId xmlns:a16="http://schemas.microsoft.com/office/drawing/2014/main" id="{A5F6A39C-C274-4F61-BB8B-F099F93BFECA}"/>
+              </a:ext>
+            </a:extLst>
+          </p:cNvPr>
+          <p:cNvCxnSpPr>
+            <a:stCxn id="5" idx="3"/>
+            <a:endCxn id="10" idx="3"/>
+          </p:cNvCxnSpPr>
+          <p:nvPr/>
+        </p:nvCxnSpPr>
+        <p:spPr>
+          <a:xfrm>
+            <a:off x="6430123" y="318053"/>
+            <a:ext cx="500269" cy="2405270"/>
+          </a:xfrm>
+          <a:prstGeom prst="curvedConnector3">
+            <a:avLst>
+              <a:gd name="adj1" fmla="val 145695"/>
+            </a:avLst>
+          </a:prstGeom>
+          <a:ln>
+            <a:solidFill>
+              <a:srgbClr val="92D050"/>
+            </a:solidFill>
+            <a:prstDash val="dash"/>
+            <a:headEnd type="triangle"/>
+            <a:tailEnd type="triangle"/>
+          </a:ln>
+        </p:spPr>
+        <p:style>
+          <a:lnRef idx="1">
+            <a:schemeClr val="accent1"/>
+          </a:lnRef>
+          <a:fillRef idx="0">
+            <a:schemeClr val="accent1"/>
+          </a:fillRef>
+          <a:effectRef idx="0">
+            <a:schemeClr val="accent1"/>
+          </a:effectRef>
+          <a:fontRef idx="minor">
+            <a:schemeClr val="tx1"/>
+          </a:fontRef>
+        </p:style>
+      </p:cxnSp>
+      <p:sp>
+        <p:nvSpPr>
+          <p:cNvPr id="14" name="文本框 13">
+            <a:extLst>
+              <a:ext uri="{FF2B5EF4-FFF2-40B4-BE49-F238E27FC236}">
+                <a16:creationId xmlns:a16="http://schemas.microsoft.com/office/drawing/2014/main" id="{8DBCC723-1E40-440E-B640-0A59E3C45E4E}"/>
+              </a:ext>
+            </a:extLst>
+          </p:cNvPr>
+          <p:cNvSpPr txBox="1"/>
+          <p:nvPr/>
+        </p:nvSpPr>
+        <p:spPr>
+          <a:xfrm>
+            <a:off x="7223900" y="1336022"/>
+            <a:ext cx="713657" cy="369332"/>
+          </a:xfrm>
+          <a:prstGeom prst="rect">
+            <a:avLst/>
+          </a:prstGeom>
+          <a:noFill/>
+        </p:spPr>
+        <p:txBody>
+          <a:bodyPr wrap="none" rtlCol="0">
+            <a:spAutoFit/>
+          </a:bodyPr>
+          <a:lstStyle/>
+          <a:p>
+            <a:r>
+              <a:rPr lang="en-US" altLang="zh-CN" dirty="0">
+                <a:solidFill>
+                  <a:srgbClr val="92D050"/>
+                </a:solidFill>
+              </a:rPr>
+              <a:t>http2</a:t>
+            </a:r>
+          </a:p>
+        </p:txBody>
+      </p:sp>
+      <p:sp>
+        <p:nvSpPr>
+          <p:cNvPr id="15" name="矩形: 圆角 14">
+            <a:extLst>
+              <a:ext uri="{FF2B5EF4-FFF2-40B4-BE49-F238E27FC236}">
+                <a16:creationId xmlns:a16="http://schemas.microsoft.com/office/drawing/2014/main" id="{CD051B36-F2E5-4677-A59E-9C9D1518E77E}"/>
+              </a:ext>
+            </a:extLst>
+          </p:cNvPr>
+          <p:cNvSpPr/>
+          <p:nvPr/>
+        </p:nvSpPr>
+        <p:spPr>
+          <a:xfrm>
+            <a:off x="5181106" y="3617844"/>
+            <a:ext cx="1490867" cy="636105"/>
+          </a:xfrm>
+          <a:prstGeom prst="roundRect">
+            <a:avLst/>
+          </a:prstGeom>
+          <a:noFill/>
+          <a:ln>
+            <a:solidFill>
+              <a:srgbClr val="FFC000"/>
+            </a:solidFill>
+          </a:ln>
+        </p:spPr>
+        <p:style>
+          <a:lnRef idx="2">
+            <a:schemeClr val="accent1">
+              <a:shade val="50000"/>
+            </a:schemeClr>
+          </a:lnRef>
+          <a:fillRef idx="1">
+            <a:schemeClr val="accent1"/>
+          </a:fillRef>
+          <a:effectRef idx="0">
+            <a:schemeClr val="accent1"/>
+          </a:effectRef>
+          <a:fontRef idx="minor">
+            <a:schemeClr val="lt1"/>
+          </a:fontRef>
+        </p:style>
+        <p:txBody>
+          <a:bodyPr rtlCol="0" anchor="ctr"/>
+          <a:lstStyle/>
+          <a:p>
+            <a:pPr algn="ctr"/>
+            <a:r>
+              <a:rPr lang="zh-CN" altLang="en-US" sz="1400" dirty="0">
+                <a:solidFill>
+                  <a:schemeClr val="tx1"/>
+                </a:solidFill>
+                <a:latin typeface="Microsoft JhengHei UI" panose="020B0604030504040204" pitchFamily="34" charset="-120"/>
+                <a:ea typeface="Microsoft JhengHei UI" panose="020B0604030504040204" pitchFamily="34" charset="-120"/>
+              </a:rPr>
+              <a:t>服务注册中心</a:t>
+            </a:r>
+          </a:p>
+        </p:txBody>
+      </p:sp>
+      <p:cxnSp>
+        <p:nvCxnSpPr>
+          <p:cNvPr id="16" name="直接箭头连接符 15">
+            <a:extLst>
+              <a:ext uri="{FF2B5EF4-FFF2-40B4-BE49-F238E27FC236}">
+                <a16:creationId xmlns:a16="http://schemas.microsoft.com/office/drawing/2014/main" id="{0053B915-FE9A-4065-A057-67F00BD716A9}"/>
+              </a:ext>
+            </a:extLst>
+          </p:cNvPr>
+          <p:cNvCxnSpPr>
+            <a:cxnSpLocks/>
+            <a:stCxn id="15" idx="0"/>
+            <a:endCxn id="10" idx="2"/>
+          </p:cNvCxnSpPr>
+          <p:nvPr/>
+        </p:nvCxnSpPr>
+        <p:spPr>
+          <a:xfrm flipV="1">
+            <a:off x="5926540" y="3041375"/>
+            <a:ext cx="0" cy="576469"/>
+          </a:xfrm>
+          <a:prstGeom prst="straightConnector1">
+            <a:avLst/>
+          </a:prstGeom>
+          <a:ln>
+            <a:headEnd type="triangle"/>
+            <a:tailEnd type="triangle"/>
+          </a:ln>
+        </p:spPr>
+        <p:style>
+          <a:lnRef idx="1">
+            <a:schemeClr val="accent1"/>
+          </a:lnRef>
+          <a:fillRef idx="0">
+            <a:schemeClr val="accent1"/>
+          </a:fillRef>
+          <a:effectRef idx="0">
+            <a:schemeClr val="accent1"/>
+          </a:effectRef>
+          <a:fontRef idx="minor">
+            <a:schemeClr val="tx1"/>
+          </a:fontRef>
+        </p:style>
+      </p:cxnSp>
+      <p:sp>
+        <p:nvSpPr>
+          <p:cNvPr id="17" name="矩形: 圆角 16">
+            <a:extLst>
+              <a:ext uri="{FF2B5EF4-FFF2-40B4-BE49-F238E27FC236}">
+                <a16:creationId xmlns:a16="http://schemas.microsoft.com/office/drawing/2014/main" id="{20BA0BC2-F5CA-41D4-8A42-53DF13B29240}"/>
+              </a:ext>
+            </a:extLst>
+          </p:cNvPr>
+          <p:cNvSpPr/>
+          <p:nvPr/>
+        </p:nvSpPr>
+        <p:spPr>
+          <a:xfrm>
+            <a:off x="9786723" y="4803910"/>
+            <a:ext cx="1007165" cy="636105"/>
+          </a:xfrm>
+          <a:prstGeom prst="roundRect">
+            <a:avLst/>
+          </a:prstGeom>
+          <a:noFill/>
+          <a:ln>
+            <a:solidFill>
+              <a:schemeClr val="accent1"/>
+            </a:solidFill>
+          </a:ln>
+        </p:spPr>
+        <p:style>
+          <a:lnRef idx="2">
+            <a:schemeClr val="accent1">
+              <a:shade val="50000"/>
+            </a:schemeClr>
+          </a:lnRef>
+          <a:fillRef idx="1">
+            <a:schemeClr val="accent1"/>
+          </a:fillRef>
+          <a:effectRef idx="0">
+            <a:schemeClr val="accent1"/>
+          </a:effectRef>
+          <a:fontRef idx="minor">
+            <a:schemeClr val="lt1"/>
+          </a:fontRef>
+        </p:style>
+        <p:txBody>
+          <a:bodyPr rtlCol="0" anchor="ctr"/>
+          <a:lstStyle/>
+          <a:p>
+            <a:pPr algn="ctr"/>
+            <a:r>
+              <a:rPr lang="en-US" altLang="zh-CN" sz="1400" dirty="0">
+                <a:solidFill>
+                  <a:schemeClr val="tx1"/>
+                </a:solidFill>
+                <a:latin typeface="Microsoft JhengHei UI" panose="020B0604030504040204" pitchFamily="34" charset="-120"/>
+                <a:ea typeface="Microsoft JhengHei UI" panose="020B0604030504040204" pitchFamily="34" charset="-120"/>
+              </a:rPr>
+              <a:t>RTSP</a:t>
+            </a:r>
+            <a:r>
+              <a:rPr lang="zh-CN" altLang="en-US" sz="1400" dirty="0">
+                <a:solidFill>
+                  <a:schemeClr val="tx1"/>
+                </a:solidFill>
+                <a:latin typeface="Microsoft JhengHei UI" panose="020B0604030504040204" pitchFamily="34" charset="-120"/>
+                <a:ea typeface="Microsoft JhengHei UI" panose="020B0604030504040204" pitchFamily="34" charset="-120"/>
+              </a:rPr>
+              <a:t>流接入服务</a:t>
+            </a:r>
+          </a:p>
+        </p:txBody>
+      </p:sp>
+      <p:sp>
+        <p:nvSpPr>
+          <p:cNvPr id="18" name="矩形: 圆角 17">
+            <a:extLst>
+              <a:ext uri="{FF2B5EF4-FFF2-40B4-BE49-F238E27FC236}">
+                <a16:creationId xmlns:a16="http://schemas.microsoft.com/office/drawing/2014/main" id="{45B3FB6A-9663-45DB-B223-1EC999A3BB97}"/>
+              </a:ext>
+            </a:extLst>
+          </p:cNvPr>
+          <p:cNvSpPr/>
+          <p:nvPr/>
+        </p:nvSpPr>
+        <p:spPr>
+          <a:xfrm>
+            <a:off x="2309189" y="3617844"/>
+            <a:ext cx="1490867" cy="636105"/>
+          </a:xfrm>
+          <a:prstGeom prst="roundRect">
+            <a:avLst/>
+          </a:prstGeom>
+          <a:noFill/>
+          <a:ln>
+            <a:solidFill>
+              <a:srgbClr val="00B050"/>
+            </a:solidFill>
+          </a:ln>
+        </p:spPr>
+        <p:style>
+          <a:lnRef idx="2">
+            <a:schemeClr val="accent1">
+              <a:shade val="50000"/>
+            </a:schemeClr>
+          </a:lnRef>
+          <a:fillRef idx="1">
+            <a:schemeClr val="accent1"/>
+          </a:fillRef>
+          <a:effectRef idx="0">
+            <a:schemeClr val="accent1"/>
+          </a:effectRef>
+          <a:fontRef idx="minor">
+            <a:schemeClr val="lt1"/>
+          </a:fontRef>
+        </p:style>
+        <p:txBody>
+          <a:bodyPr rtlCol="0" anchor="ctr"/>
+          <a:lstStyle/>
+          <a:p>
+            <a:pPr algn="ctr"/>
+            <a:r>
+              <a:rPr lang="zh-CN" altLang="en-US" sz="1400" dirty="0">
+                <a:solidFill>
+                  <a:schemeClr val="tx1"/>
+                </a:solidFill>
+                <a:latin typeface="Microsoft JhengHei UI" panose="020B0604030504040204" pitchFamily="34" charset="-120"/>
+                <a:ea typeface="Microsoft JhengHei UI" panose="020B0604030504040204" pitchFamily="34" charset="-120"/>
+              </a:rPr>
+              <a:t>监控中心</a:t>
+            </a:r>
+          </a:p>
+        </p:txBody>
+      </p:sp>
+      <p:cxnSp>
+        <p:nvCxnSpPr>
+          <p:cNvPr id="19" name="直接箭头连接符 18">
+            <a:extLst>
+              <a:ext uri="{FF2B5EF4-FFF2-40B4-BE49-F238E27FC236}">
+                <a16:creationId xmlns:a16="http://schemas.microsoft.com/office/drawing/2014/main" id="{5BD39AFB-FBE6-491A-8B68-32FD9725C345}"/>
+              </a:ext>
+            </a:extLst>
+          </p:cNvPr>
+          <p:cNvCxnSpPr>
+            <a:cxnSpLocks/>
+            <a:stCxn id="18" idx="3"/>
+            <a:endCxn id="15" idx="1"/>
+          </p:cNvCxnSpPr>
+          <p:nvPr/>
+        </p:nvCxnSpPr>
+        <p:spPr>
+          <a:xfrm>
+            <a:off x="3800056" y="3935897"/>
+            <a:ext cx="1381050" cy="0"/>
+          </a:xfrm>
+          <a:prstGeom prst="straightConnector1">
+            <a:avLst/>
+          </a:prstGeom>
+          <a:ln>
+            <a:headEnd type="triangle"/>
+            <a:tailEnd type="triangle"/>
+          </a:ln>
+        </p:spPr>
+        <p:style>
+          <a:lnRef idx="1">
+            <a:schemeClr val="accent1"/>
+          </a:lnRef>
+          <a:fillRef idx="0">
+            <a:schemeClr val="accent1"/>
+          </a:fillRef>
+          <a:effectRef idx="0">
+            <a:schemeClr val="accent1"/>
+          </a:effectRef>
+          <a:fontRef idx="minor">
+            <a:schemeClr val="tx1"/>
+          </a:fontRef>
+        </p:style>
+      </p:cxnSp>
+      <p:sp>
+        <p:nvSpPr>
+          <p:cNvPr id="20" name="矩形: 圆角 19">
+            <a:extLst>
+              <a:ext uri="{FF2B5EF4-FFF2-40B4-BE49-F238E27FC236}">
+                <a16:creationId xmlns:a16="http://schemas.microsoft.com/office/drawing/2014/main" id="{A419C8A3-BA72-48AF-A12A-5434B1DF9520}"/>
+              </a:ext>
+            </a:extLst>
+          </p:cNvPr>
+          <p:cNvSpPr/>
+          <p:nvPr/>
+        </p:nvSpPr>
+        <p:spPr>
+          <a:xfrm>
+            <a:off x="9551500" y="2405270"/>
+            <a:ext cx="1477611" cy="636105"/>
+          </a:xfrm>
+          <a:prstGeom prst="roundRect">
+            <a:avLst/>
+          </a:prstGeom>
+          <a:noFill/>
+          <a:ln>
+            <a:solidFill>
+              <a:schemeClr val="accent1"/>
+            </a:solidFill>
+          </a:ln>
+        </p:spPr>
+        <p:style>
+          <a:lnRef idx="2">
+            <a:schemeClr val="accent1">
+              <a:shade val="50000"/>
+            </a:schemeClr>
+          </a:lnRef>
+          <a:fillRef idx="1">
+            <a:schemeClr val="accent1"/>
+          </a:fillRef>
+          <a:effectRef idx="0">
+            <a:schemeClr val="accent1"/>
+          </a:effectRef>
+          <a:fontRef idx="minor">
+            <a:schemeClr val="lt1"/>
+          </a:fontRef>
+        </p:style>
+        <p:txBody>
+          <a:bodyPr rtlCol="0" anchor="ctr"/>
+          <a:lstStyle/>
+          <a:p>
+            <a:pPr algn="ctr"/>
+            <a:r>
+              <a:rPr lang="en-US" altLang="zh-CN" sz="1400" dirty="0">
+                <a:solidFill>
+                  <a:schemeClr val="tx1"/>
+                </a:solidFill>
+                <a:latin typeface="Microsoft JhengHei UI" panose="020B0604030504040204" pitchFamily="34" charset="-120"/>
+                <a:ea typeface="Microsoft JhengHei UI" panose="020B0604030504040204" pitchFamily="34" charset="-120"/>
+              </a:rPr>
+              <a:t>Nginx</a:t>
+            </a:r>
+          </a:p>
+          <a:p>
+            <a:pPr algn="ctr"/>
+            <a:r>
+              <a:rPr lang="en-US" altLang="zh-CN" sz="1400" dirty="0" err="1">
+                <a:solidFill>
+                  <a:schemeClr val="tx1"/>
+                </a:solidFill>
+                <a:latin typeface="Microsoft JhengHei UI" panose="020B0604030504040204" pitchFamily="34" charset="-120"/>
+                <a:ea typeface="Microsoft JhengHei UI" panose="020B0604030504040204" pitchFamily="34" charset="-120"/>
+              </a:rPr>
+              <a:t>Rtmp</a:t>
+            </a:r>
+            <a:r>
+              <a:rPr lang="zh-CN" altLang="en-US" sz="1400" dirty="0">
+                <a:solidFill>
+                  <a:schemeClr val="tx1"/>
+                </a:solidFill>
+                <a:latin typeface="Microsoft JhengHei UI" panose="020B0604030504040204" pitchFamily="34" charset="-120"/>
+                <a:ea typeface="Microsoft JhengHei UI" panose="020B0604030504040204" pitchFamily="34" charset="-120"/>
+              </a:rPr>
+              <a:t>流服务器</a:t>
+            </a:r>
+          </a:p>
+        </p:txBody>
+      </p:sp>
+      <p:cxnSp>
+        <p:nvCxnSpPr>
+          <p:cNvPr id="21" name="连接符: 肘形 20">
+            <a:extLst>
+              <a:ext uri="{FF2B5EF4-FFF2-40B4-BE49-F238E27FC236}">
+                <a16:creationId xmlns:a16="http://schemas.microsoft.com/office/drawing/2014/main" id="{541E8300-59AA-45C9-AF36-B5B94CB75B86}"/>
+              </a:ext>
+            </a:extLst>
+          </p:cNvPr>
+          <p:cNvCxnSpPr>
+            <a:stCxn id="15" idx="3"/>
+            <a:endCxn id="17" idx="0"/>
+          </p:cNvCxnSpPr>
+          <p:nvPr/>
+        </p:nvCxnSpPr>
+        <p:spPr>
+          <a:xfrm>
+            <a:off x="6671973" y="3935897"/>
+            <a:ext cx="3618333" cy="868013"/>
+          </a:xfrm>
+          <a:prstGeom prst="bentConnector2">
+            <a:avLst/>
+          </a:prstGeom>
+          <a:ln>
+            <a:headEnd type="triangle"/>
+            <a:tailEnd type="triangle"/>
+          </a:ln>
+        </p:spPr>
+        <p:style>
+          <a:lnRef idx="1">
+            <a:schemeClr val="accent1"/>
+          </a:lnRef>
+          <a:fillRef idx="0">
+            <a:schemeClr val="accent1"/>
+          </a:fillRef>
+          <a:effectRef idx="0">
+            <a:schemeClr val="accent1"/>
+          </a:effectRef>
+          <a:fontRef idx="minor">
+            <a:schemeClr val="tx1"/>
+          </a:fontRef>
+        </p:style>
+      </p:cxnSp>
+      <p:cxnSp>
+        <p:nvCxnSpPr>
+          <p:cNvPr id="22" name="连接符: 肘形 21">
+            <a:extLst>
+              <a:ext uri="{FF2B5EF4-FFF2-40B4-BE49-F238E27FC236}">
+                <a16:creationId xmlns:a16="http://schemas.microsoft.com/office/drawing/2014/main" id="{8B5205D7-52DD-4325-AE62-5285CAB3A06C}"/>
+              </a:ext>
+            </a:extLst>
+          </p:cNvPr>
+          <p:cNvCxnSpPr>
+            <a:stCxn id="17" idx="3"/>
+            <a:endCxn id="20" idx="3"/>
+          </p:cNvCxnSpPr>
+          <p:nvPr/>
+        </p:nvCxnSpPr>
+        <p:spPr>
+          <a:xfrm flipV="1">
+            <a:off x="10793888" y="2723323"/>
+            <a:ext cx="235223" cy="2398640"/>
+          </a:xfrm>
+          <a:prstGeom prst="bentConnector3">
+            <a:avLst>
+              <a:gd name="adj1" fmla="val 197184"/>
+            </a:avLst>
+          </a:prstGeom>
+          <a:ln>
+            <a:headEnd type="triangle"/>
+            <a:tailEnd type="triangle"/>
+          </a:ln>
+        </p:spPr>
+        <p:style>
+          <a:lnRef idx="1">
+            <a:schemeClr val="accent1"/>
+          </a:lnRef>
+          <a:fillRef idx="0">
+            <a:schemeClr val="accent1"/>
+          </a:fillRef>
+          <a:effectRef idx="0">
+            <a:schemeClr val="accent1"/>
+          </a:effectRef>
+          <a:fontRef idx="minor">
+            <a:schemeClr val="tx1"/>
+          </a:fontRef>
+        </p:style>
+      </p:cxnSp>
+      <p:sp>
+        <p:nvSpPr>
+          <p:cNvPr id="23" name="文本框 22">
+            <a:extLst>
+              <a:ext uri="{FF2B5EF4-FFF2-40B4-BE49-F238E27FC236}">
+                <a16:creationId xmlns:a16="http://schemas.microsoft.com/office/drawing/2014/main" id="{BFFF5A42-DFEB-40DA-A40B-F74E523ACD5F}"/>
+              </a:ext>
+            </a:extLst>
+          </p:cNvPr>
+          <p:cNvSpPr txBox="1"/>
+          <p:nvPr/>
+        </p:nvSpPr>
+        <p:spPr>
+          <a:xfrm>
+            <a:off x="11297471" y="3299842"/>
+            <a:ext cx="894529" cy="954107"/>
+          </a:xfrm>
+          <a:prstGeom prst="rect">
+            <a:avLst/>
+          </a:prstGeom>
+          <a:noFill/>
+        </p:spPr>
+        <p:txBody>
+          <a:bodyPr wrap="square" rtlCol="0">
+            <a:spAutoFit/>
+          </a:bodyPr>
+          <a:lstStyle/>
+          <a:p>
+            <a:r>
+              <a:rPr lang="zh-CN" altLang="en-US" sz="1400" dirty="0">
+                <a:latin typeface="Microsoft JhengHei UI" panose="020B0604030504040204" pitchFamily="34" charset="-120"/>
+                <a:ea typeface="Microsoft JhengHei UI" panose="020B0604030504040204" pitchFamily="34" charset="-120"/>
+              </a:rPr>
+              <a:t>转成</a:t>
+            </a:r>
+            <a:r>
+              <a:rPr lang="en-US" altLang="zh-CN" sz="1400" dirty="0" err="1">
+                <a:latin typeface="Microsoft JhengHei UI" panose="020B0604030504040204" pitchFamily="34" charset="-120"/>
+                <a:ea typeface="Microsoft JhengHei UI" panose="020B0604030504040204" pitchFamily="34" charset="-120"/>
+              </a:rPr>
+              <a:t>Rtmp</a:t>
+            </a:r>
+            <a:r>
+              <a:rPr lang="zh-CN" altLang="en-US" sz="1400" dirty="0">
+                <a:latin typeface="Microsoft JhengHei UI" panose="020B0604030504040204" pitchFamily="34" charset="-120"/>
+                <a:ea typeface="Microsoft JhengHei UI" panose="020B0604030504040204" pitchFamily="34" charset="-120"/>
+              </a:rPr>
+              <a:t>流推送至</a:t>
+            </a:r>
+            <a:r>
+              <a:rPr lang="en-US" altLang="zh-CN" sz="1400" dirty="0">
+                <a:latin typeface="Microsoft JhengHei UI" panose="020B0604030504040204" pitchFamily="34" charset="-120"/>
+                <a:ea typeface="Microsoft JhengHei UI" panose="020B0604030504040204" pitchFamily="34" charset="-120"/>
+              </a:rPr>
+              <a:t>Nginx</a:t>
+            </a:r>
+          </a:p>
+        </p:txBody>
+      </p:sp>
+      <p:pic>
+        <p:nvPicPr>
+          <p:cNvPr id="24" name="图片 23">
+            <a:extLst>
+              <a:ext uri="{FF2B5EF4-FFF2-40B4-BE49-F238E27FC236}">
+                <a16:creationId xmlns:a16="http://schemas.microsoft.com/office/drawing/2014/main" id="{1BCA246C-BBB9-476E-B137-EAA0643E7ADD}"/>
+              </a:ext>
+            </a:extLst>
+          </p:cNvPr>
+          <p:cNvPicPr>
+            <a:picLocks noChangeAspect="1"/>
+          </p:cNvPicPr>
+          <p:nvPr/>
+        </p:nvPicPr>
+        <p:blipFill>
+          <a:blip r:embed="rId2">
+            <a:extLst>
+              <a:ext uri="{28A0092B-C50C-407E-A947-70E740481C1C}">
+                <a14:useLocalDpi xmlns:a14="http://schemas.microsoft.com/office/drawing/2010/main" val="0"/>
+              </a:ext>
+            </a:extLst>
+          </a:blip>
+          <a:stretch>
+            <a:fillRect/>
+          </a:stretch>
+        </p:blipFill>
+        <p:spPr>
+          <a:xfrm>
+            <a:off x="9616100" y="6158944"/>
+            <a:ext cx="341247" cy="341247"/>
+          </a:xfrm>
+          <a:prstGeom prst="rect">
+            <a:avLst/>
+          </a:prstGeom>
+          <a:noFill/>
+        </p:spPr>
+      </p:pic>
+      <p:pic>
+        <p:nvPicPr>
+          <p:cNvPr id="25" name="图片 24">
+            <a:extLst>
+              <a:ext uri="{FF2B5EF4-FFF2-40B4-BE49-F238E27FC236}">
+                <a16:creationId xmlns:a16="http://schemas.microsoft.com/office/drawing/2014/main" id="{6B85E95C-7D06-48A0-8664-231795CA3058}"/>
+              </a:ext>
+            </a:extLst>
+          </p:cNvPr>
+          <p:cNvPicPr>
+            <a:picLocks noChangeAspect="1"/>
+          </p:cNvPicPr>
+          <p:nvPr/>
+        </p:nvPicPr>
+        <p:blipFill>
+          <a:blip r:embed="rId2">
+            <a:extLst>
+              <a:ext uri="{28A0092B-C50C-407E-A947-70E740481C1C}">
+                <a14:useLocalDpi xmlns:a14="http://schemas.microsoft.com/office/drawing/2010/main" val="0"/>
+              </a:ext>
+            </a:extLst>
+          </a:blip>
+          <a:stretch>
+            <a:fillRect/>
+          </a:stretch>
+        </p:blipFill>
+        <p:spPr>
+          <a:xfrm>
+            <a:off x="10119682" y="6158943"/>
+            <a:ext cx="341247" cy="341247"/>
+          </a:xfrm>
+          <a:prstGeom prst="rect">
+            <a:avLst/>
+          </a:prstGeom>
+          <a:noFill/>
+        </p:spPr>
+      </p:pic>
+      <p:pic>
+        <p:nvPicPr>
+          <p:cNvPr id="26" name="图片 25">
+            <a:extLst>
+              <a:ext uri="{FF2B5EF4-FFF2-40B4-BE49-F238E27FC236}">
+                <a16:creationId xmlns:a16="http://schemas.microsoft.com/office/drawing/2014/main" id="{6FF5E788-65AD-4E17-96A5-E7186B08396A}"/>
+              </a:ext>
+            </a:extLst>
+          </p:cNvPr>
+          <p:cNvPicPr>
+            <a:picLocks noChangeAspect="1"/>
+          </p:cNvPicPr>
+          <p:nvPr/>
+        </p:nvPicPr>
+        <p:blipFill>
+          <a:blip r:embed="rId2">
+            <a:extLst>
+              <a:ext uri="{28A0092B-C50C-407E-A947-70E740481C1C}">
+                <a14:useLocalDpi xmlns:a14="http://schemas.microsoft.com/office/drawing/2010/main" val="0"/>
+              </a:ext>
+            </a:extLst>
+          </a:blip>
+          <a:stretch>
+            <a:fillRect/>
+          </a:stretch>
+        </p:blipFill>
+        <p:spPr>
+          <a:xfrm>
+            <a:off x="10623264" y="6158942"/>
+            <a:ext cx="341247" cy="341247"/>
+          </a:xfrm>
+          <a:prstGeom prst="rect">
+            <a:avLst/>
+          </a:prstGeom>
+          <a:noFill/>
+        </p:spPr>
+      </p:pic>
+      <p:cxnSp>
+        <p:nvCxnSpPr>
+          <p:cNvPr id="27" name="连接符: 肘形 26">
+            <a:extLst>
+              <a:ext uri="{FF2B5EF4-FFF2-40B4-BE49-F238E27FC236}">
+                <a16:creationId xmlns:a16="http://schemas.microsoft.com/office/drawing/2014/main" id="{7CCD44EF-71C0-48BF-9D0F-20181AEF3F98}"/>
+              </a:ext>
+            </a:extLst>
+          </p:cNvPr>
+          <p:cNvCxnSpPr>
+            <a:stCxn id="17" idx="2"/>
+            <a:endCxn id="24" idx="0"/>
+          </p:cNvCxnSpPr>
+          <p:nvPr/>
+        </p:nvCxnSpPr>
+        <p:spPr>
+          <a:xfrm rot="5400000">
+            <a:off x="9679051" y="5547688"/>
+            <a:ext cx="718929" cy="503582"/>
+          </a:xfrm>
+          <a:prstGeom prst="bentConnector3">
+            <a:avLst/>
+          </a:prstGeom>
+          <a:ln>
+            <a:tailEnd type="triangle"/>
+          </a:ln>
+        </p:spPr>
+        <p:style>
+          <a:lnRef idx="1">
+            <a:schemeClr val="accent1"/>
+          </a:lnRef>
+          <a:fillRef idx="0">
+            <a:schemeClr val="accent1"/>
+          </a:fillRef>
+          <a:effectRef idx="0">
+            <a:schemeClr val="accent1"/>
+          </a:effectRef>
+          <a:fontRef idx="minor">
+            <a:schemeClr val="tx1"/>
+          </a:fontRef>
+        </p:style>
+      </p:cxnSp>
+      <p:cxnSp>
+        <p:nvCxnSpPr>
+          <p:cNvPr id="28" name="连接符: 肘形 27">
+            <a:extLst>
+              <a:ext uri="{FF2B5EF4-FFF2-40B4-BE49-F238E27FC236}">
+                <a16:creationId xmlns:a16="http://schemas.microsoft.com/office/drawing/2014/main" id="{A996A48B-E492-4396-9C1E-86A1342C7F23}"/>
+              </a:ext>
+            </a:extLst>
+          </p:cNvPr>
+          <p:cNvCxnSpPr>
+            <a:stCxn id="17" idx="2"/>
+            <a:endCxn id="26" idx="0"/>
+          </p:cNvCxnSpPr>
+          <p:nvPr/>
+        </p:nvCxnSpPr>
+        <p:spPr>
+          <a:xfrm rot="16200000" flipH="1">
+            <a:off x="10182634" y="5547687"/>
+            <a:ext cx="718927" cy="503582"/>
+          </a:xfrm>
+          <a:prstGeom prst="bentConnector3">
+            <a:avLst/>
+          </a:prstGeom>
+          <a:ln>
+            <a:tailEnd type="triangle"/>
+          </a:ln>
+        </p:spPr>
+        <p:style>
+          <a:lnRef idx="1">
+            <a:schemeClr val="accent1"/>
+          </a:lnRef>
+          <a:fillRef idx="0">
+            <a:schemeClr val="accent1"/>
+          </a:fillRef>
+          <a:effectRef idx="0">
+            <a:schemeClr val="accent1"/>
+          </a:effectRef>
+          <a:fontRef idx="minor">
+            <a:schemeClr val="tx1"/>
+          </a:fontRef>
+        </p:style>
+      </p:cxnSp>
+      <p:cxnSp>
+        <p:nvCxnSpPr>
+          <p:cNvPr id="29" name="直接箭头连接符 28">
+            <a:extLst>
+              <a:ext uri="{FF2B5EF4-FFF2-40B4-BE49-F238E27FC236}">
+                <a16:creationId xmlns:a16="http://schemas.microsoft.com/office/drawing/2014/main" id="{D499CB52-16CF-44AD-AB4F-5A7E2FE8D92B}"/>
+              </a:ext>
+            </a:extLst>
+          </p:cNvPr>
+          <p:cNvCxnSpPr>
+            <a:stCxn id="17" idx="2"/>
+            <a:endCxn id="25" idx="0"/>
+          </p:cNvCxnSpPr>
+          <p:nvPr/>
+        </p:nvCxnSpPr>
+        <p:spPr>
+          <a:xfrm>
+            <a:off x="10290306" y="5440015"/>
+            <a:ext cx="0" cy="718928"/>
+          </a:xfrm>
+          <a:prstGeom prst="straightConnector1">
+            <a:avLst/>
+          </a:prstGeom>
+          <a:ln>
+            <a:tailEnd type="triangle"/>
+          </a:ln>
+        </p:spPr>
+        <p:style>
+          <a:lnRef idx="1">
+            <a:schemeClr val="accent1"/>
+          </a:lnRef>
+          <a:fillRef idx="0">
+            <a:schemeClr val="accent1"/>
+          </a:fillRef>
+          <a:effectRef idx="0">
+            <a:schemeClr val="accent1"/>
+          </a:effectRef>
+          <a:fontRef idx="minor">
+            <a:schemeClr val="tx1"/>
+          </a:fontRef>
+        </p:style>
+      </p:cxnSp>
+      <p:sp>
+        <p:nvSpPr>
+          <p:cNvPr id="30" name="矩形: 圆角 29">
+            <a:extLst>
+              <a:ext uri="{FF2B5EF4-FFF2-40B4-BE49-F238E27FC236}">
+                <a16:creationId xmlns:a16="http://schemas.microsoft.com/office/drawing/2014/main" id="{33FB296F-3B94-4832-9E95-E819F304B19F}"/>
+              </a:ext>
+            </a:extLst>
+          </p:cNvPr>
+          <p:cNvSpPr/>
+          <p:nvPr/>
+        </p:nvSpPr>
+        <p:spPr>
+          <a:xfrm>
+            <a:off x="7003951" y="4874279"/>
+            <a:ext cx="1007165" cy="512727"/>
+          </a:xfrm>
+          <a:prstGeom prst="roundRect">
+            <a:avLst/>
+          </a:prstGeom>
+          <a:noFill/>
+          <a:ln/>
+        </p:spPr>
+        <p:style>
+          <a:lnRef idx="2">
+            <a:schemeClr val="accent3"/>
+          </a:lnRef>
+          <a:fillRef idx="1">
+            <a:schemeClr val="lt1"/>
+          </a:fillRef>
+          <a:effectRef idx="0">
+            <a:schemeClr val="accent3"/>
+          </a:effectRef>
+          <a:fontRef idx="minor">
+            <a:schemeClr val="dk1"/>
+          </a:fontRef>
+        </p:style>
+        <p:txBody>
+          <a:bodyPr rtlCol="0" anchor="ctr"/>
+          <a:lstStyle/>
+          <a:p>
+            <a:pPr algn="ctr"/>
+            <a:r>
+              <a:rPr lang="en-US" altLang="zh-CN" sz="1100" dirty="0">
+                <a:solidFill>
+                  <a:schemeClr val="tx1"/>
+                </a:solidFill>
+                <a:latin typeface="Microsoft JhengHei UI" panose="020B0604030504040204" pitchFamily="34" charset="-120"/>
+                <a:ea typeface="Microsoft JhengHei UI" panose="020B0604030504040204" pitchFamily="34" charset="-120"/>
+              </a:rPr>
+              <a:t>OPC</a:t>
+            </a:r>
+          </a:p>
+          <a:p>
+            <a:pPr algn="ctr"/>
+            <a:r>
+              <a:rPr lang="en-US" altLang="zh-CN" sz="1100" dirty="0">
+                <a:solidFill>
+                  <a:schemeClr val="tx1"/>
+                </a:solidFill>
+                <a:latin typeface="Microsoft JhengHei UI" panose="020B0604030504040204" pitchFamily="34" charset="-120"/>
+                <a:ea typeface="Microsoft JhengHei UI" panose="020B0604030504040204" pitchFamily="34" charset="-120"/>
+              </a:rPr>
+              <a:t>Client</a:t>
+            </a:r>
+            <a:endParaRPr lang="zh-CN" altLang="en-US" sz="1100" dirty="0">
+              <a:solidFill>
+                <a:schemeClr val="tx1"/>
+              </a:solidFill>
+              <a:latin typeface="Microsoft JhengHei UI" panose="020B0604030504040204" pitchFamily="34" charset="-120"/>
+              <a:ea typeface="Microsoft JhengHei UI" panose="020B0604030504040204" pitchFamily="34" charset="-120"/>
+            </a:endParaRPr>
+          </a:p>
+        </p:txBody>
+      </p:sp>
+      <p:sp>
+        <p:nvSpPr>
+          <p:cNvPr id="31" name="矩形: 圆角 30">
+            <a:extLst>
+              <a:ext uri="{FF2B5EF4-FFF2-40B4-BE49-F238E27FC236}">
+                <a16:creationId xmlns:a16="http://schemas.microsoft.com/office/drawing/2014/main" id="{589D3C08-9BD9-4F40-9A66-F32A9348654C}"/>
+              </a:ext>
+            </a:extLst>
+          </p:cNvPr>
+          <p:cNvSpPr/>
+          <p:nvPr/>
+        </p:nvSpPr>
+        <p:spPr>
+          <a:xfrm>
+            <a:off x="8246339" y="4874279"/>
+            <a:ext cx="1007165" cy="512727"/>
+          </a:xfrm>
+          <a:prstGeom prst="roundRect">
+            <a:avLst/>
+          </a:prstGeom>
+          <a:noFill/>
+          <a:ln/>
+        </p:spPr>
+        <p:style>
+          <a:lnRef idx="2">
+            <a:schemeClr val="accent2"/>
+          </a:lnRef>
+          <a:fillRef idx="1">
+            <a:schemeClr val="lt1"/>
+          </a:fillRef>
+          <a:effectRef idx="0">
+            <a:schemeClr val="accent2"/>
+          </a:effectRef>
+          <a:fontRef idx="minor">
+            <a:schemeClr val="dk1"/>
+          </a:fontRef>
+        </p:style>
+        <p:txBody>
+          <a:bodyPr rtlCol="0" anchor="ctr"/>
+          <a:lstStyle/>
+          <a:p>
+            <a:pPr algn="ctr"/>
+            <a:r>
+              <a:rPr lang="en-US" altLang="zh-CN" sz="1100" dirty="0">
+                <a:solidFill>
+                  <a:schemeClr val="tx1"/>
+                </a:solidFill>
+                <a:latin typeface="Microsoft JhengHei UI" panose="020B0604030504040204" pitchFamily="34" charset="-120"/>
+                <a:ea typeface="Microsoft JhengHei UI" panose="020B0604030504040204" pitchFamily="34" charset="-120"/>
+              </a:rPr>
+              <a:t>OPC</a:t>
+            </a:r>
+          </a:p>
+          <a:p>
+            <a:pPr algn="ctr"/>
+            <a:r>
+              <a:rPr lang="en-US" altLang="zh-CN" sz="1100" dirty="0">
+                <a:solidFill>
+                  <a:schemeClr val="tx1"/>
+                </a:solidFill>
+                <a:latin typeface="Microsoft JhengHei UI" panose="020B0604030504040204" pitchFamily="34" charset="-120"/>
+                <a:ea typeface="Microsoft JhengHei UI" panose="020B0604030504040204" pitchFamily="34" charset="-120"/>
+              </a:rPr>
+              <a:t>Server</a:t>
+            </a:r>
+            <a:endParaRPr lang="zh-CN" altLang="en-US" sz="1100" dirty="0">
+              <a:solidFill>
+                <a:schemeClr val="tx1"/>
+              </a:solidFill>
+              <a:latin typeface="Microsoft JhengHei UI" panose="020B0604030504040204" pitchFamily="34" charset="-120"/>
+              <a:ea typeface="Microsoft JhengHei UI" panose="020B0604030504040204" pitchFamily="34" charset="-120"/>
+            </a:endParaRPr>
+          </a:p>
+        </p:txBody>
+      </p:sp>
+      <p:cxnSp>
+        <p:nvCxnSpPr>
+          <p:cNvPr id="32" name="连接符: 肘形 31">
+            <a:extLst>
+              <a:ext uri="{FF2B5EF4-FFF2-40B4-BE49-F238E27FC236}">
+                <a16:creationId xmlns:a16="http://schemas.microsoft.com/office/drawing/2014/main" id="{AACE4653-9065-4F4C-AC8C-52A8715FC2A6}"/>
+              </a:ext>
+            </a:extLst>
+          </p:cNvPr>
+          <p:cNvCxnSpPr>
+            <a:stCxn id="15" idx="3"/>
+            <a:endCxn id="4" idx="0"/>
+          </p:cNvCxnSpPr>
+          <p:nvPr/>
+        </p:nvCxnSpPr>
+        <p:spPr>
+          <a:xfrm>
+            <a:off x="6671973" y="3935897"/>
+            <a:ext cx="1456755" cy="863839"/>
+          </a:xfrm>
+          <a:prstGeom prst="bentConnector2">
+            <a:avLst/>
+          </a:prstGeom>
+          <a:ln>
+            <a:tailEnd type="triangle"/>
+          </a:ln>
+        </p:spPr>
+        <p:style>
+          <a:lnRef idx="1">
+            <a:schemeClr val="accent1"/>
+          </a:lnRef>
+          <a:fillRef idx="0">
+            <a:schemeClr val="accent1"/>
+          </a:fillRef>
+          <a:effectRef idx="0">
+            <a:schemeClr val="accent1"/>
+          </a:effectRef>
+          <a:fontRef idx="minor">
+            <a:schemeClr val="tx1"/>
+          </a:fontRef>
+        </p:style>
+      </p:cxnSp>
+      <p:sp>
+        <p:nvSpPr>
+          <p:cNvPr id="33" name="文本框 32">
+            <a:extLst>
+              <a:ext uri="{FF2B5EF4-FFF2-40B4-BE49-F238E27FC236}">
+                <a16:creationId xmlns:a16="http://schemas.microsoft.com/office/drawing/2014/main" id="{6D44A8F4-752B-4297-8CA4-D2173AB6277A}"/>
+              </a:ext>
+            </a:extLst>
+          </p:cNvPr>
+          <p:cNvSpPr txBox="1"/>
+          <p:nvPr/>
+        </p:nvSpPr>
+        <p:spPr>
+          <a:xfrm>
+            <a:off x="10300668" y="5466682"/>
+            <a:ext cx="543739" cy="307777"/>
+          </a:xfrm>
+          <a:prstGeom prst="rect">
+            <a:avLst/>
+          </a:prstGeom>
+          <a:noFill/>
+        </p:spPr>
+        <p:txBody>
+          <a:bodyPr wrap="none" rtlCol="0">
+            <a:spAutoFit/>
+          </a:bodyPr>
+          <a:lstStyle/>
+          <a:p>
+            <a:r>
+              <a:rPr lang="zh-CN" altLang="en-US" sz="1400" dirty="0">
+                <a:latin typeface="Microsoft JhengHei UI" panose="020B0604030504040204" pitchFamily="34" charset="-120"/>
+                <a:ea typeface="Microsoft JhengHei UI" panose="020B0604030504040204" pitchFamily="34" charset="-120"/>
+              </a:rPr>
+              <a:t>接入</a:t>
+            </a:r>
+            <a:endParaRPr lang="en-US" altLang="zh-CN" sz="1400" dirty="0">
+              <a:latin typeface="Microsoft JhengHei UI" panose="020B0604030504040204" pitchFamily="34" charset="-120"/>
+              <a:ea typeface="Microsoft JhengHei UI" panose="020B0604030504040204" pitchFamily="34" charset="-120"/>
+            </a:endParaRPr>
+          </a:p>
+        </p:txBody>
+      </p:sp>
+      <p:sp>
+        <p:nvSpPr>
+          <p:cNvPr id="34" name="矩形: 圆角 33">
+            <a:extLst>
+              <a:ext uri="{FF2B5EF4-FFF2-40B4-BE49-F238E27FC236}">
+                <a16:creationId xmlns:a16="http://schemas.microsoft.com/office/drawing/2014/main" id="{CA2C0DEC-8208-4CF3-9F81-0A59E9F6289F}"/>
+              </a:ext>
+            </a:extLst>
+          </p:cNvPr>
+          <p:cNvSpPr/>
+          <p:nvPr/>
+        </p:nvSpPr>
+        <p:spPr>
+          <a:xfrm>
+            <a:off x="5414607" y="4803909"/>
+            <a:ext cx="1007165" cy="636105"/>
+          </a:xfrm>
+          <a:prstGeom prst="roundRect">
+            <a:avLst/>
+          </a:prstGeom>
+          <a:noFill/>
+          <a:ln>
+            <a:solidFill>
+              <a:schemeClr val="accent1"/>
+            </a:solidFill>
+          </a:ln>
+        </p:spPr>
+        <p:style>
+          <a:lnRef idx="2">
+            <a:schemeClr val="accent1">
+              <a:shade val="50000"/>
+            </a:schemeClr>
+          </a:lnRef>
+          <a:fillRef idx="1">
+            <a:schemeClr val="accent1"/>
+          </a:fillRef>
+          <a:effectRef idx="0">
+            <a:schemeClr val="accent1"/>
+          </a:effectRef>
+          <a:fontRef idx="minor">
+            <a:schemeClr val="lt1"/>
+          </a:fontRef>
+        </p:style>
+        <p:txBody>
+          <a:bodyPr rtlCol="0" anchor="ctr"/>
+          <a:lstStyle/>
+          <a:p>
+            <a:pPr algn="ctr"/>
+            <a:r>
+              <a:rPr lang="zh-CN" altLang="en-US" sz="1400" dirty="0">
+                <a:solidFill>
+                  <a:schemeClr val="tx1"/>
+                </a:solidFill>
+                <a:latin typeface="Microsoft JhengHei UI" panose="020B0604030504040204" pitchFamily="34" charset="-120"/>
+                <a:ea typeface="Microsoft JhengHei UI" panose="020B0604030504040204" pitchFamily="34" charset="-120"/>
+              </a:rPr>
+              <a:t>设备管理</a:t>
+            </a:r>
+          </a:p>
+        </p:txBody>
+      </p:sp>
+      <p:sp>
+        <p:nvSpPr>
+          <p:cNvPr id="35" name="矩形: 圆角 34">
+            <a:extLst>
+              <a:ext uri="{FF2B5EF4-FFF2-40B4-BE49-F238E27FC236}">
+                <a16:creationId xmlns:a16="http://schemas.microsoft.com/office/drawing/2014/main" id="{D968C92B-1CB7-4527-83ED-8EA30BF8C8DD}"/>
+              </a:ext>
+            </a:extLst>
+          </p:cNvPr>
+          <p:cNvSpPr/>
+          <p:nvPr/>
+        </p:nvSpPr>
+        <p:spPr>
+          <a:xfrm>
+            <a:off x="3900547" y="4803909"/>
+            <a:ext cx="1007165" cy="636105"/>
+          </a:xfrm>
+          <a:prstGeom prst="roundRect">
+            <a:avLst/>
+          </a:prstGeom>
+          <a:noFill/>
+          <a:ln>
+            <a:solidFill>
+              <a:schemeClr val="accent1"/>
+            </a:solidFill>
+          </a:ln>
+        </p:spPr>
+        <p:style>
+          <a:lnRef idx="2">
+            <a:schemeClr val="accent1">
+              <a:shade val="50000"/>
+            </a:schemeClr>
+          </a:lnRef>
+          <a:fillRef idx="1">
+            <a:schemeClr val="accent1"/>
+          </a:fillRef>
+          <a:effectRef idx="0">
+            <a:schemeClr val="accent1"/>
+          </a:effectRef>
+          <a:fontRef idx="minor">
+            <a:schemeClr val="lt1"/>
+          </a:fontRef>
+        </p:style>
+        <p:txBody>
+          <a:bodyPr rtlCol="0" anchor="ctr"/>
+          <a:lstStyle/>
+          <a:p>
+            <a:pPr algn="ctr"/>
+            <a:r>
+              <a:rPr lang="zh-CN" altLang="en-US" sz="1400" dirty="0">
+                <a:solidFill>
+                  <a:schemeClr val="tx1"/>
+                </a:solidFill>
+                <a:latin typeface="Microsoft JhengHei UI" panose="020B0604030504040204" pitchFamily="34" charset="-120"/>
+                <a:ea typeface="Microsoft JhengHei UI" panose="020B0604030504040204" pitchFamily="34" charset="-120"/>
+              </a:rPr>
+              <a:t>设备数采</a:t>
+            </a:r>
+          </a:p>
+        </p:txBody>
+      </p:sp>
+      <p:cxnSp>
+        <p:nvCxnSpPr>
+          <p:cNvPr id="36" name="直接箭头连接符 35">
+            <a:extLst>
+              <a:ext uri="{FF2B5EF4-FFF2-40B4-BE49-F238E27FC236}">
+                <a16:creationId xmlns:a16="http://schemas.microsoft.com/office/drawing/2014/main" id="{50060DA4-07D8-47D0-A1B4-18DB094A32F4}"/>
+              </a:ext>
+            </a:extLst>
+          </p:cNvPr>
+          <p:cNvCxnSpPr>
+            <a:stCxn id="15" idx="2"/>
+            <a:endCxn id="34" idx="0"/>
+          </p:cNvCxnSpPr>
+          <p:nvPr/>
+        </p:nvCxnSpPr>
+        <p:spPr>
+          <a:xfrm flipH="1">
+            <a:off x="5918190" y="4253949"/>
+            <a:ext cx="8350" cy="549960"/>
+          </a:xfrm>
+          <a:prstGeom prst="straightConnector1">
+            <a:avLst/>
+          </a:prstGeom>
+          <a:ln>
+            <a:headEnd type="triangle"/>
+            <a:tailEnd type="triangle"/>
+          </a:ln>
+        </p:spPr>
+        <p:style>
+          <a:lnRef idx="1">
+            <a:schemeClr val="accent1"/>
+          </a:lnRef>
+          <a:fillRef idx="0">
+            <a:schemeClr val="accent1"/>
+          </a:fillRef>
+          <a:effectRef idx="0">
+            <a:schemeClr val="accent1"/>
+          </a:effectRef>
+          <a:fontRef idx="minor">
+            <a:schemeClr val="tx1"/>
+          </a:fontRef>
+        </p:style>
+      </p:cxnSp>
+      <p:cxnSp>
+        <p:nvCxnSpPr>
+          <p:cNvPr id="37" name="连接符: 肘形 36">
+            <a:extLst>
+              <a:ext uri="{FF2B5EF4-FFF2-40B4-BE49-F238E27FC236}">
+                <a16:creationId xmlns:a16="http://schemas.microsoft.com/office/drawing/2014/main" id="{256BC1B5-3B41-4243-87A3-3237D06D94B9}"/>
+              </a:ext>
+            </a:extLst>
+          </p:cNvPr>
+          <p:cNvCxnSpPr>
+            <a:stCxn id="15" idx="1"/>
+            <a:endCxn id="35" idx="0"/>
+          </p:cNvCxnSpPr>
+          <p:nvPr/>
+        </p:nvCxnSpPr>
+        <p:spPr>
+          <a:xfrm rot="10800000" flipV="1">
+            <a:off x="4404130" y="3935897"/>
+            <a:ext cx="776976" cy="868012"/>
+          </a:xfrm>
+          <a:prstGeom prst="bentConnector2">
+            <a:avLst/>
+          </a:prstGeom>
+          <a:ln>
+            <a:headEnd type="triangle"/>
+            <a:tailEnd type="triangle"/>
+          </a:ln>
+        </p:spPr>
+        <p:style>
+          <a:lnRef idx="1">
+            <a:schemeClr val="accent1"/>
+          </a:lnRef>
+          <a:fillRef idx="0">
+            <a:schemeClr val="accent1"/>
+          </a:fillRef>
+          <a:effectRef idx="0">
+            <a:schemeClr val="accent1"/>
+          </a:effectRef>
+          <a:fontRef idx="minor">
+            <a:schemeClr val="tx1"/>
+          </a:fontRef>
+        </p:style>
+      </p:cxnSp>
+      <p:grpSp>
+        <p:nvGrpSpPr>
+          <p:cNvPr id="38" name="组合 37">
+            <a:extLst>
+              <a:ext uri="{FF2B5EF4-FFF2-40B4-BE49-F238E27FC236}">
+                <a16:creationId xmlns:a16="http://schemas.microsoft.com/office/drawing/2014/main" id="{4FA5C5E8-84C0-4EA9-A27B-C00CCC73F22B}"/>
+              </a:ext>
+            </a:extLst>
+          </p:cNvPr>
+          <p:cNvGrpSpPr/>
+          <p:nvPr/>
+        </p:nvGrpSpPr>
+        <p:grpSpPr>
+          <a:xfrm>
+            <a:off x="4600952" y="5768025"/>
+            <a:ext cx="2638906" cy="871316"/>
+            <a:chOff x="4033067" y="5377064"/>
+            <a:chExt cx="2638906" cy="871316"/>
+          </a:xfrm>
+          <a:noFill/>
+        </p:grpSpPr>
+        <p:sp>
+          <p:nvSpPr>
+            <p:cNvPr id="39" name="矩形: 圆角 38">
+              <a:extLst>
+                <a:ext uri="{FF2B5EF4-FFF2-40B4-BE49-F238E27FC236}">
+                  <a16:creationId xmlns:a16="http://schemas.microsoft.com/office/drawing/2014/main" id="{145ADD45-7C80-415A-BD06-CEAA3BB9A64D}"/>
+                </a:ext>
+              </a:extLst>
+            </p:cNvPr>
+            <p:cNvSpPr/>
+            <p:nvPr/>
+          </p:nvSpPr>
+          <p:spPr>
+            <a:xfrm>
+              <a:off x="4033067" y="5377064"/>
+              <a:ext cx="2638906" cy="871316"/>
+            </a:xfrm>
+            <a:prstGeom prst="roundRect">
+              <a:avLst/>
+            </a:prstGeom>
+            <a:grpFill/>
+            <a:ln>
+              <a:solidFill>
+                <a:schemeClr val="accent1"/>
+              </a:solidFill>
+            </a:ln>
+          </p:spPr>
+          <p:style>
+            <a:lnRef idx="2">
+              <a:schemeClr val="accent1">
+                <a:shade val="50000"/>
+              </a:schemeClr>
+            </a:lnRef>
+            <a:fillRef idx="1">
+              <a:schemeClr val="accent1"/>
+            </a:fillRef>
+            <a:effectRef idx="0">
+              <a:schemeClr val="accent1"/>
+            </a:effectRef>
+            <a:fontRef idx="minor">
+              <a:schemeClr val="lt1"/>
+            </a:fontRef>
+          </p:style>
+          <p:txBody>
+            <a:bodyPr rtlCol="0" anchor="ctr"/>
+            <a:lstStyle/>
+            <a:p>
+              <a:pPr algn="ctr"/>
+              <a:endParaRPr lang="zh-CN" altLang="en-US" sz="1400">
+                <a:solidFill>
+                  <a:schemeClr val="tx1"/>
+                </a:solidFill>
+                <a:latin typeface="Microsoft JhengHei UI" panose="020B0604030504040204" pitchFamily="34" charset="-120"/>
+                <a:ea typeface="Microsoft JhengHei UI" panose="020B0604030504040204" pitchFamily="34" charset="-120"/>
+              </a:endParaRPr>
+            </a:p>
+          </p:txBody>
+        </p:sp>
+        <p:grpSp>
+          <p:nvGrpSpPr>
+            <p:cNvPr id="40" name="组合 39">
+              <a:extLst>
+                <a:ext uri="{FF2B5EF4-FFF2-40B4-BE49-F238E27FC236}">
+                  <a16:creationId xmlns:a16="http://schemas.microsoft.com/office/drawing/2014/main" id="{FC40C55A-8461-448B-BD5B-AC65CEEE5BFD}"/>
+                </a:ext>
+              </a:extLst>
+            </p:cNvPr>
+            <p:cNvGrpSpPr/>
+            <p:nvPr/>
+          </p:nvGrpSpPr>
+          <p:grpSpPr>
+            <a:xfrm>
+              <a:off x="4149747" y="5514824"/>
+              <a:ext cx="2414261" cy="612648"/>
+              <a:chOff x="4189503" y="5488320"/>
+              <a:chExt cx="2414261" cy="612648"/>
+            </a:xfrm>
+            <a:grpFill/>
+          </p:grpSpPr>
+          <p:sp>
+            <p:nvSpPr>
+              <p:cNvPr id="41" name="流程图: 离页连接符 40">
+                <a:extLst>
+                  <a:ext uri="{FF2B5EF4-FFF2-40B4-BE49-F238E27FC236}">
+                    <a16:creationId xmlns:a16="http://schemas.microsoft.com/office/drawing/2014/main" id="{C5741830-7ACB-47D9-9F46-3BDE641D096A}"/>
+                  </a:ext>
+                </a:extLst>
+              </p:cNvPr>
+              <p:cNvSpPr/>
+              <p:nvPr/>
+            </p:nvSpPr>
+            <p:spPr>
+              <a:xfrm>
+                <a:off x="4189503" y="5488320"/>
+                <a:ext cx="644457" cy="612648"/>
+              </a:xfrm>
+              <a:prstGeom prst="flowChartOffpageConnector">
+                <a:avLst/>
+              </a:prstGeom>
+              <a:grpFill/>
+              <a:ln>
+                <a:solidFill>
+                  <a:srgbClr val="00B050"/>
+                </a:solidFill>
+              </a:ln>
+            </p:spPr>
+            <p:style>
+              <a:lnRef idx="2">
+                <a:schemeClr val="accent1">
+                  <a:shade val="50000"/>
+                </a:schemeClr>
+              </a:lnRef>
+              <a:fillRef idx="1">
+                <a:schemeClr val="accent1"/>
+              </a:fillRef>
+              <a:effectRef idx="0">
+                <a:schemeClr val="accent1"/>
+              </a:effectRef>
+              <a:fontRef idx="minor">
+                <a:schemeClr val="lt1"/>
+              </a:fontRef>
+            </p:style>
+            <p:txBody>
+              <a:bodyPr rtlCol="0" anchor="ctr"/>
+              <a:lstStyle/>
+              <a:p>
+                <a:pPr algn="ctr"/>
+                <a:r>
+                  <a:rPr lang="zh-CN" altLang="en-US" sz="1400" dirty="0">
+                    <a:solidFill>
+                      <a:schemeClr val="tx1"/>
+                    </a:solidFill>
+                    <a:latin typeface="Microsoft JhengHei UI" panose="020B0604030504040204" pitchFamily="34" charset="-120"/>
+                    <a:ea typeface="Microsoft JhengHei UI" panose="020B0604030504040204" pitchFamily="34" charset="-120"/>
+                  </a:rPr>
+                  <a:t>设备</a:t>
+                </a:r>
+                <a:endParaRPr lang="en-US" altLang="zh-CN" sz="1400" dirty="0">
+                  <a:solidFill>
+                    <a:schemeClr val="tx1"/>
+                  </a:solidFill>
+                  <a:latin typeface="Microsoft JhengHei UI" panose="020B0604030504040204" pitchFamily="34" charset="-120"/>
+                  <a:ea typeface="Microsoft JhengHei UI" panose="020B0604030504040204" pitchFamily="34" charset="-120"/>
+                </a:endParaRPr>
+              </a:p>
+              <a:p>
+                <a:pPr algn="ctr"/>
+                <a:r>
+                  <a:rPr lang="en-US" altLang="zh-CN" sz="1400" dirty="0">
+                    <a:solidFill>
+                      <a:schemeClr val="tx1"/>
+                    </a:solidFill>
+                    <a:latin typeface="Microsoft JhengHei UI" panose="020B0604030504040204" pitchFamily="34" charset="-120"/>
+                    <a:ea typeface="Microsoft JhengHei UI" panose="020B0604030504040204" pitchFamily="34" charset="-120"/>
+                  </a:rPr>
+                  <a:t>SDK</a:t>
+                </a:r>
+                <a:endParaRPr lang="zh-CN" altLang="en-US" sz="1400" dirty="0">
+                  <a:solidFill>
+                    <a:schemeClr val="tx1"/>
+                  </a:solidFill>
+                  <a:latin typeface="Microsoft JhengHei UI" panose="020B0604030504040204" pitchFamily="34" charset="-120"/>
+                  <a:ea typeface="Microsoft JhengHei UI" panose="020B0604030504040204" pitchFamily="34" charset="-120"/>
+                </a:endParaRPr>
+              </a:p>
+            </p:txBody>
+          </p:sp>
+          <p:sp>
+            <p:nvSpPr>
+              <p:cNvPr id="42" name="流程图: 离页连接符 41">
+                <a:extLst>
+                  <a:ext uri="{FF2B5EF4-FFF2-40B4-BE49-F238E27FC236}">
+                    <a16:creationId xmlns:a16="http://schemas.microsoft.com/office/drawing/2014/main" id="{35E68748-DD13-4E60-A9E3-86D6658CF941}"/>
+                  </a:ext>
+                </a:extLst>
+              </p:cNvPr>
+              <p:cNvSpPr/>
+              <p:nvPr/>
+            </p:nvSpPr>
+            <p:spPr>
+              <a:xfrm>
+                <a:off x="5074405" y="5488320"/>
+                <a:ext cx="644457" cy="612648"/>
+              </a:xfrm>
+              <a:prstGeom prst="flowChartOffpageConnector">
+                <a:avLst/>
+              </a:prstGeom>
+              <a:grpFill/>
+              <a:ln>
+                <a:solidFill>
+                  <a:srgbClr val="00B050"/>
+                </a:solidFill>
+              </a:ln>
+            </p:spPr>
+            <p:style>
+              <a:lnRef idx="2">
+                <a:schemeClr val="accent1">
+                  <a:shade val="50000"/>
+                </a:schemeClr>
+              </a:lnRef>
+              <a:fillRef idx="1">
+                <a:schemeClr val="accent1"/>
+              </a:fillRef>
+              <a:effectRef idx="0">
+                <a:schemeClr val="accent1"/>
+              </a:effectRef>
+              <a:fontRef idx="minor">
+                <a:schemeClr val="lt1"/>
+              </a:fontRef>
+            </p:style>
+            <p:txBody>
+              <a:bodyPr rtlCol="0" anchor="ctr"/>
+              <a:lstStyle/>
+              <a:p>
+                <a:pPr algn="ctr"/>
+                <a:r>
+                  <a:rPr lang="zh-CN" altLang="en-US" sz="1400" dirty="0">
+                    <a:solidFill>
+                      <a:schemeClr val="tx1"/>
+                    </a:solidFill>
+                    <a:latin typeface="Microsoft JhengHei UI" panose="020B0604030504040204" pitchFamily="34" charset="-120"/>
+                    <a:ea typeface="Microsoft JhengHei UI" panose="020B0604030504040204" pitchFamily="34" charset="-120"/>
+                  </a:rPr>
+                  <a:t>设备</a:t>
+                </a:r>
+                <a:endParaRPr lang="en-US" altLang="zh-CN" sz="1400" dirty="0">
+                  <a:solidFill>
+                    <a:schemeClr val="tx1"/>
+                  </a:solidFill>
+                  <a:latin typeface="Microsoft JhengHei UI" panose="020B0604030504040204" pitchFamily="34" charset="-120"/>
+                  <a:ea typeface="Microsoft JhengHei UI" panose="020B0604030504040204" pitchFamily="34" charset="-120"/>
+                </a:endParaRPr>
+              </a:p>
+              <a:p>
+                <a:pPr algn="ctr"/>
+                <a:r>
+                  <a:rPr lang="en-US" altLang="zh-CN" sz="1400" dirty="0">
+                    <a:solidFill>
+                      <a:schemeClr val="tx1"/>
+                    </a:solidFill>
+                    <a:latin typeface="Microsoft JhengHei UI" panose="020B0604030504040204" pitchFamily="34" charset="-120"/>
+                    <a:ea typeface="Microsoft JhengHei UI" panose="020B0604030504040204" pitchFamily="34" charset="-120"/>
+                  </a:rPr>
+                  <a:t>SDK</a:t>
+                </a:r>
+                <a:endParaRPr lang="zh-CN" altLang="en-US" sz="1400" dirty="0">
+                  <a:solidFill>
+                    <a:schemeClr val="tx1"/>
+                  </a:solidFill>
+                  <a:latin typeface="Microsoft JhengHei UI" panose="020B0604030504040204" pitchFamily="34" charset="-120"/>
+                  <a:ea typeface="Microsoft JhengHei UI" panose="020B0604030504040204" pitchFamily="34" charset="-120"/>
+                </a:endParaRPr>
+              </a:p>
+            </p:txBody>
+          </p:sp>
+          <p:sp>
+            <p:nvSpPr>
+              <p:cNvPr id="43" name="流程图: 离页连接符 42">
+                <a:extLst>
+                  <a:ext uri="{FF2B5EF4-FFF2-40B4-BE49-F238E27FC236}">
+                    <a16:creationId xmlns:a16="http://schemas.microsoft.com/office/drawing/2014/main" id="{2F4ED45F-25E5-4B21-9422-4F49D5AEB955}"/>
+                  </a:ext>
+                </a:extLst>
+              </p:cNvPr>
+              <p:cNvSpPr/>
+              <p:nvPr/>
+            </p:nvSpPr>
+            <p:spPr>
+              <a:xfrm>
+                <a:off x="5959307" y="5488320"/>
+                <a:ext cx="644457" cy="612648"/>
+              </a:xfrm>
+              <a:prstGeom prst="flowChartOffpageConnector">
+                <a:avLst/>
+              </a:prstGeom>
+              <a:grpFill/>
+              <a:ln>
+                <a:solidFill>
+                  <a:srgbClr val="00B050"/>
+                </a:solidFill>
+              </a:ln>
+            </p:spPr>
+            <p:style>
+              <a:lnRef idx="2">
+                <a:schemeClr val="accent1">
+                  <a:shade val="50000"/>
+                </a:schemeClr>
+              </a:lnRef>
+              <a:fillRef idx="1">
+                <a:schemeClr val="accent1"/>
+              </a:fillRef>
+              <a:effectRef idx="0">
+                <a:schemeClr val="accent1"/>
+              </a:effectRef>
+              <a:fontRef idx="minor">
+                <a:schemeClr val="lt1"/>
+              </a:fontRef>
+            </p:style>
+            <p:txBody>
+              <a:bodyPr rtlCol="0" anchor="ctr"/>
+              <a:lstStyle/>
+              <a:p>
+                <a:pPr algn="ctr"/>
+                <a:r>
+                  <a:rPr lang="zh-CN" altLang="en-US" sz="1400" dirty="0">
+                    <a:solidFill>
+                      <a:schemeClr val="tx1"/>
+                    </a:solidFill>
+                    <a:latin typeface="Microsoft JhengHei UI" panose="020B0604030504040204" pitchFamily="34" charset="-120"/>
+                    <a:ea typeface="Microsoft JhengHei UI" panose="020B0604030504040204" pitchFamily="34" charset="-120"/>
+                  </a:rPr>
+                  <a:t>设备</a:t>
+                </a:r>
+                <a:endParaRPr lang="en-US" altLang="zh-CN" sz="1400" dirty="0">
+                  <a:solidFill>
+                    <a:schemeClr val="tx1"/>
+                  </a:solidFill>
+                  <a:latin typeface="Microsoft JhengHei UI" panose="020B0604030504040204" pitchFamily="34" charset="-120"/>
+                  <a:ea typeface="Microsoft JhengHei UI" panose="020B0604030504040204" pitchFamily="34" charset="-120"/>
+                </a:endParaRPr>
+              </a:p>
+              <a:p>
+                <a:pPr algn="ctr"/>
+                <a:r>
+                  <a:rPr lang="en-US" altLang="zh-CN" sz="1400" dirty="0">
+                    <a:solidFill>
+                      <a:schemeClr val="tx1"/>
+                    </a:solidFill>
+                    <a:latin typeface="Microsoft JhengHei UI" panose="020B0604030504040204" pitchFamily="34" charset="-120"/>
+                    <a:ea typeface="Microsoft JhengHei UI" panose="020B0604030504040204" pitchFamily="34" charset="-120"/>
+                  </a:rPr>
+                  <a:t>SDK</a:t>
+                </a:r>
+                <a:endParaRPr lang="zh-CN" altLang="en-US" sz="1400" dirty="0">
+                  <a:solidFill>
+                    <a:schemeClr val="tx1"/>
+                  </a:solidFill>
+                  <a:latin typeface="Microsoft JhengHei UI" panose="020B0604030504040204" pitchFamily="34" charset="-120"/>
+                  <a:ea typeface="Microsoft JhengHei UI" panose="020B0604030504040204" pitchFamily="34" charset="-120"/>
+                </a:endParaRPr>
+              </a:p>
+            </p:txBody>
+          </p:sp>
+        </p:grpSp>
+      </p:grpSp>
+      <p:cxnSp>
+        <p:nvCxnSpPr>
+          <p:cNvPr id="44" name="直接箭头连接符 43">
+            <a:extLst>
+              <a:ext uri="{FF2B5EF4-FFF2-40B4-BE49-F238E27FC236}">
+                <a16:creationId xmlns:a16="http://schemas.microsoft.com/office/drawing/2014/main" id="{3A400545-B625-4B24-BEE6-7422A4B0D216}"/>
+              </a:ext>
+            </a:extLst>
+          </p:cNvPr>
+          <p:cNvCxnSpPr>
+            <a:cxnSpLocks/>
+            <a:stCxn id="34" idx="2"/>
+            <a:endCxn id="39" idx="0"/>
+          </p:cNvCxnSpPr>
+          <p:nvPr/>
+        </p:nvCxnSpPr>
+        <p:spPr>
+          <a:xfrm>
+            <a:off x="5918190" y="5440014"/>
+            <a:ext cx="2215" cy="328011"/>
+          </a:xfrm>
+          <a:prstGeom prst="straightConnector1">
+            <a:avLst/>
+          </a:prstGeom>
+          <a:ln>
+            <a:headEnd type="triangle"/>
+            <a:tailEnd type="triangle"/>
+          </a:ln>
+        </p:spPr>
+        <p:style>
+          <a:lnRef idx="1">
+            <a:schemeClr val="accent1"/>
+          </a:lnRef>
+          <a:fillRef idx="0">
+            <a:schemeClr val="accent1"/>
+          </a:fillRef>
+          <a:effectRef idx="0">
+            <a:schemeClr val="accent1"/>
+          </a:effectRef>
+          <a:fontRef idx="minor">
+            <a:schemeClr val="tx1"/>
+          </a:fontRef>
+        </p:style>
+      </p:cxnSp>
+      <p:sp>
+        <p:nvSpPr>
+          <p:cNvPr id="45" name="文本框 44">
+            <a:extLst>
+              <a:ext uri="{FF2B5EF4-FFF2-40B4-BE49-F238E27FC236}">
+                <a16:creationId xmlns:a16="http://schemas.microsoft.com/office/drawing/2014/main" id="{4F8BEB54-F770-4AA1-8BF7-93E3551054BB}"/>
+              </a:ext>
+            </a:extLst>
+          </p:cNvPr>
+          <p:cNvSpPr txBox="1"/>
+          <p:nvPr/>
+        </p:nvSpPr>
+        <p:spPr>
+          <a:xfrm>
+            <a:off x="5937364" y="5435493"/>
+            <a:ext cx="543739" cy="307777"/>
+          </a:xfrm>
+          <a:prstGeom prst="rect">
+            <a:avLst/>
+          </a:prstGeom>
+          <a:noFill/>
+        </p:spPr>
+        <p:txBody>
+          <a:bodyPr wrap="none" rtlCol="0">
+            <a:spAutoFit/>
+          </a:bodyPr>
+          <a:lstStyle/>
+          <a:p>
+            <a:r>
+              <a:rPr lang="zh-CN" altLang="en-US" sz="1400" dirty="0">
+                <a:latin typeface="Microsoft JhengHei UI" panose="020B0604030504040204" pitchFamily="34" charset="-120"/>
+                <a:ea typeface="Microsoft JhengHei UI" panose="020B0604030504040204" pitchFamily="34" charset="-120"/>
+              </a:rPr>
+              <a:t>注册</a:t>
+            </a:r>
+            <a:endParaRPr lang="en-US" altLang="zh-CN" sz="1400" dirty="0">
+              <a:latin typeface="Microsoft JhengHei UI" panose="020B0604030504040204" pitchFamily="34" charset="-120"/>
+              <a:ea typeface="Microsoft JhengHei UI" panose="020B0604030504040204" pitchFamily="34" charset="-120"/>
+            </a:endParaRPr>
+          </a:p>
+        </p:txBody>
+      </p:sp>
+      <p:sp>
+        <p:nvSpPr>
+          <p:cNvPr id="46" name="矩形: 圆角 45">
+            <a:extLst>
+              <a:ext uri="{FF2B5EF4-FFF2-40B4-BE49-F238E27FC236}">
+                <a16:creationId xmlns:a16="http://schemas.microsoft.com/office/drawing/2014/main" id="{B8830AA0-5F15-4B97-88B6-2BAC1C44B8F0}"/>
+              </a:ext>
+            </a:extLst>
+          </p:cNvPr>
+          <p:cNvSpPr/>
+          <p:nvPr/>
+        </p:nvSpPr>
+        <p:spPr>
+          <a:xfrm>
+            <a:off x="210381" y="5425217"/>
+            <a:ext cx="1007165" cy="636105"/>
+          </a:xfrm>
+          <a:prstGeom prst="roundRect">
+            <a:avLst/>
+          </a:prstGeom>
+          <a:noFill/>
+          <a:ln>
+            <a:solidFill>
+              <a:schemeClr val="accent1"/>
+            </a:solidFill>
+          </a:ln>
+        </p:spPr>
+        <p:style>
+          <a:lnRef idx="2">
+            <a:schemeClr val="accent1">
+              <a:shade val="50000"/>
+            </a:schemeClr>
+          </a:lnRef>
+          <a:fillRef idx="1">
+            <a:schemeClr val="accent1"/>
+          </a:fillRef>
+          <a:effectRef idx="0">
+            <a:schemeClr val="accent1"/>
+          </a:effectRef>
+          <a:fontRef idx="minor">
+            <a:schemeClr val="lt1"/>
+          </a:fontRef>
+        </p:style>
+        <p:txBody>
+          <a:bodyPr rtlCol="0" anchor="ctr"/>
+          <a:lstStyle/>
+          <a:p>
+            <a:pPr algn="ctr"/>
+            <a:r>
+              <a:rPr lang="en-US" altLang="zh-CN" sz="1400" dirty="0">
+                <a:solidFill>
+                  <a:schemeClr val="tx1"/>
+                </a:solidFill>
+                <a:latin typeface="Microsoft JhengHei UI" panose="020B0604030504040204" pitchFamily="34" charset="-120"/>
+                <a:ea typeface="Microsoft JhengHei UI" panose="020B0604030504040204" pitchFamily="34" charset="-120"/>
+              </a:rPr>
+              <a:t>MQTT</a:t>
+            </a:r>
+          </a:p>
+          <a:p>
+            <a:pPr algn="ctr"/>
+            <a:r>
+              <a:rPr lang="zh-CN" altLang="en-US" sz="1400" dirty="0">
+                <a:solidFill>
+                  <a:schemeClr val="tx1"/>
+                </a:solidFill>
+                <a:latin typeface="Microsoft JhengHei UI" panose="020B0604030504040204" pitchFamily="34" charset="-120"/>
+                <a:ea typeface="Microsoft JhengHei UI" panose="020B0604030504040204" pitchFamily="34" charset="-120"/>
+              </a:rPr>
+              <a:t>服务器</a:t>
+            </a:r>
+          </a:p>
+        </p:txBody>
+      </p:sp>
+      <p:cxnSp>
+        <p:nvCxnSpPr>
+          <p:cNvPr id="47" name="连接符: 肘形 46">
+            <a:extLst>
+              <a:ext uri="{FF2B5EF4-FFF2-40B4-BE49-F238E27FC236}">
+                <a16:creationId xmlns:a16="http://schemas.microsoft.com/office/drawing/2014/main" id="{6BA5F326-C3D9-46DB-B86D-3CEA479EAAC1}"/>
+              </a:ext>
+            </a:extLst>
+          </p:cNvPr>
+          <p:cNvCxnSpPr>
+            <a:cxnSpLocks/>
+            <a:stCxn id="46" idx="2"/>
+            <a:endCxn id="39" idx="2"/>
+          </p:cNvCxnSpPr>
+          <p:nvPr/>
+        </p:nvCxnSpPr>
+        <p:spPr>
+          <a:xfrm rot="16200000" flipH="1">
+            <a:off x="3028175" y="3747110"/>
+            <a:ext cx="578019" cy="5206441"/>
+          </a:xfrm>
+          <a:prstGeom prst="bentConnector3">
+            <a:avLst>
+              <a:gd name="adj1" fmla="val 139549"/>
+            </a:avLst>
+          </a:prstGeom>
+          <a:ln>
+            <a:headEnd type="triangle"/>
+            <a:tailEnd type="triangle"/>
+          </a:ln>
+        </p:spPr>
+        <p:style>
+          <a:lnRef idx="1">
+            <a:schemeClr val="accent1"/>
+          </a:lnRef>
+          <a:fillRef idx="0">
+            <a:schemeClr val="accent1"/>
+          </a:fillRef>
+          <a:effectRef idx="0">
+            <a:schemeClr val="accent1"/>
+          </a:effectRef>
+          <a:fontRef idx="minor">
+            <a:schemeClr val="tx1"/>
+          </a:fontRef>
+        </p:style>
+      </p:cxnSp>
+      <p:cxnSp>
+        <p:nvCxnSpPr>
+          <p:cNvPr id="48" name="连接符: 肘形 47">
+            <a:extLst>
+              <a:ext uri="{FF2B5EF4-FFF2-40B4-BE49-F238E27FC236}">
+                <a16:creationId xmlns:a16="http://schemas.microsoft.com/office/drawing/2014/main" id="{A5995586-AF57-4CFE-B46B-99C9EB715066}"/>
+              </a:ext>
+            </a:extLst>
+          </p:cNvPr>
+          <p:cNvCxnSpPr>
+            <a:cxnSpLocks/>
+            <a:stCxn id="46" idx="3"/>
+            <a:endCxn id="35" idx="2"/>
+          </p:cNvCxnSpPr>
+          <p:nvPr/>
+        </p:nvCxnSpPr>
+        <p:spPr>
+          <a:xfrm flipV="1">
+            <a:off x="1217546" y="5440014"/>
+            <a:ext cx="3186584" cy="303256"/>
+          </a:xfrm>
+          <a:prstGeom prst="bentConnector2">
+            <a:avLst/>
+          </a:prstGeom>
+          <a:ln>
+            <a:headEnd type="triangle"/>
+            <a:tailEnd type="triangle"/>
+          </a:ln>
+        </p:spPr>
+        <p:style>
+          <a:lnRef idx="1">
+            <a:schemeClr val="accent1"/>
+          </a:lnRef>
+          <a:fillRef idx="0">
+            <a:schemeClr val="accent1"/>
+          </a:fillRef>
+          <a:effectRef idx="0">
+            <a:schemeClr val="accent1"/>
+          </a:effectRef>
+          <a:fontRef idx="minor">
+            <a:schemeClr val="tx1"/>
+          </a:fontRef>
+        </p:style>
+      </p:cxnSp>
+      <p:cxnSp>
+        <p:nvCxnSpPr>
+          <p:cNvPr id="49" name="直接箭头连接符 48">
+            <a:extLst>
+              <a:ext uri="{FF2B5EF4-FFF2-40B4-BE49-F238E27FC236}">
+                <a16:creationId xmlns:a16="http://schemas.microsoft.com/office/drawing/2014/main" id="{6D5CBFC1-217B-4D4C-A9C6-D4BF766AA16A}"/>
+              </a:ext>
+            </a:extLst>
+          </p:cNvPr>
+          <p:cNvCxnSpPr>
+            <a:stCxn id="35" idx="3"/>
+            <a:endCxn id="34" idx="1"/>
+          </p:cNvCxnSpPr>
+          <p:nvPr/>
+        </p:nvCxnSpPr>
+        <p:spPr>
+          <a:xfrm>
+            <a:off x="4907712" y="5121962"/>
+            <a:ext cx="506895" cy="0"/>
+          </a:xfrm>
+          <a:prstGeom prst="straightConnector1">
+            <a:avLst/>
+          </a:prstGeom>
+          <a:ln>
+            <a:headEnd type="triangle"/>
+            <a:tailEnd type="triangle"/>
+          </a:ln>
+        </p:spPr>
+        <p:style>
+          <a:lnRef idx="1">
+            <a:schemeClr val="accent1"/>
+          </a:lnRef>
+          <a:fillRef idx="0">
+            <a:schemeClr val="accent1"/>
+          </a:fillRef>
+          <a:effectRef idx="0">
+            <a:schemeClr val="accent1"/>
+          </a:effectRef>
+          <a:fontRef idx="minor">
+            <a:schemeClr val="tx1"/>
+          </a:fontRef>
+        </p:style>
+      </p:cxnSp>
+      <p:sp>
+        <p:nvSpPr>
+          <p:cNvPr id="50" name="文本框 49">
+            <a:extLst>
+              <a:ext uri="{FF2B5EF4-FFF2-40B4-BE49-F238E27FC236}">
+                <a16:creationId xmlns:a16="http://schemas.microsoft.com/office/drawing/2014/main" id="{9DE39D5E-C588-4B23-B423-0A371D2A305F}"/>
+              </a:ext>
+            </a:extLst>
+          </p:cNvPr>
+          <p:cNvSpPr txBox="1"/>
+          <p:nvPr/>
+        </p:nvSpPr>
+        <p:spPr>
+          <a:xfrm>
+            <a:off x="5597741" y="5433845"/>
+            <a:ext cx="364202" cy="307777"/>
+          </a:xfrm>
+          <a:prstGeom prst="rect">
+            <a:avLst/>
+          </a:prstGeom>
+          <a:noFill/>
+        </p:spPr>
+        <p:txBody>
+          <a:bodyPr wrap="none" rtlCol="0">
+            <a:spAutoFit/>
+          </a:bodyPr>
+          <a:lstStyle/>
+          <a:p>
+            <a:r>
+              <a:rPr lang="en-US" altLang="zh-CN" sz="1400" dirty="0">
+                <a:latin typeface="Microsoft JhengHei UI" panose="020B0604030504040204" pitchFamily="34" charset="-120"/>
+                <a:ea typeface="Microsoft JhengHei UI" panose="020B0604030504040204" pitchFamily="34" charset="-120"/>
+              </a:rPr>
+              <a:t>①</a:t>
+            </a:r>
+          </a:p>
+        </p:txBody>
+      </p:sp>
+      <p:sp>
+        <p:nvSpPr>
+          <p:cNvPr id="51" name="文本框 50">
+            <a:extLst>
+              <a:ext uri="{FF2B5EF4-FFF2-40B4-BE49-F238E27FC236}">
+                <a16:creationId xmlns:a16="http://schemas.microsoft.com/office/drawing/2014/main" id="{43A99A1A-4990-4D23-86D8-151CDFEF3E17}"/>
+              </a:ext>
+            </a:extLst>
+          </p:cNvPr>
+          <p:cNvSpPr txBox="1"/>
+          <p:nvPr/>
+        </p:nvSpPr>
+        <p:spPr>
+          <a:xfrm>
+            <a:off x="2872521" y="6596607"/>
+            <a:ext cx="364202" cy="307777"/>
+          </a:xfrm>
+          <a:prstGeom prst="rect">
+            <a:avLst/>
+          </a:prstGeom>
+          <a:noFill/>
+        </p:spPr>
+        <p:txBody>
+          <a:bodyPr wrap="none" rtlCol="0">
+            <a:spAutoFit/>
+          </a:bodyPr>
+          <a:lstStyle/>
+          <a:p>
+            <a:r>
+              <a:rPr lang="en-US" altLang="zh-CN" sz="1400" dirty="0">
+                <a:latin typeface="Microsoft JhengHei UI" panose="020B0604030504040204" pitchFamily="34" charset="-120"/>
+                <a:ea typeface="Microsoft JhengHei UI" panose="020B0604030504040204" pitchFamily="34" charset="-120"/>
+              </a:rPr>
+              <a:t>②</a:t>
+            </a:r>
+          </a:p>
+        </p:txBody>
+      </p:sp>
+      <p:sp>
+        <p:nvSpPr>
+          <p:cNvPr id="52" name="文本框 51">
+            <a:extLst>
+              <a:ext uri="{FF2B5EF4-FFF2-40B4-BE49-F238E27FC236}">
+                <a16:creationId xmlns:a16="http://schemas.microsoft.com/office/drawing/2014/main" id="{94021015-B73B-4FBD-85BF-FFA0EB043169}"/>
+              </a:ext>
+            </a:extLst>
+          </p:cNvPr>
+          <p:cNvSpPr txBox="1"/>
+          <p:nvPr/>
+        </p:nvSpPr>
+        <p:spPr>
+          <a:xfrm>
+            <a:off x="2869204" y="5450288"/>
+            <a:ext cx="364202" cy="307777"/>
+          </a:xfrm>
+          <a:prstGeom prst="rect">
+            <a:avLst/>
+          </a:prstGeom>
+          <a:noFill/>
+        </p:spPr>
+        <p:txBody>
+          <a:bodyPr wrap="none" rtlCol="0">
+            <a:spAutoFit/>
+          </a:bodyPr>
+          <a:lstStyle/>
+          <a:p>
+            <a:r>
+              <a:rPr lang="en-US" altLang="zh-CN" sz="1400" dirty="0">
+                <a:latin typeface="Microsoft JhengHei UI" panose="020B0604030504040204" pitchFamily="34" charset="-120"/>
+                <a:ea typeface="Microsoft JhengHei UI" panose="020B0604030504040204" pitchFamily="34" charset="-120"/>
+              </a:rPr>
+              <a:t>③</a:t>
+            </a:r>
+          </a:p>
+        </p:txBody>
+      </p:sp>
+      <p:sp>
+        <p:nvSpPr>
+          <p:cNvPr id="53" name="文本框 52">
+            <a:extLst>
+              <a:ext uri="{FF2B5EF4-FFF2-40B4-BE49-F238E27FC236}">
+                <a16:creationId xmlns:a16="http://schemas.microsoft.com/office/drawing/2014/main" id="{7B5CADAD-DA01-42AB-99CB-2BCBBC5F7C8B}"/>
+              </a:ext>
+            </a:extLst>
+          </p:cNvPr>
+          <p:cNvSpPr txBox="1"/>
+          <p:nvPr/>
+        </p:nvSpPr>
+        <p:spPr>
+          <a:xfrm>
+            <a:off x="4985916" y="4828665"/>
+            <a:ext cx="364202" cy="307777"/>
+          </a:xfrm>
+          <a:prstGeom prst="rect">
+            <a:avLst/>
+          </a:prstGeom>
+          <a:noFill/>
+        </p:spPr>
+        <p:txBody>
+          <a:bodyPr wrap="none" rtlCol="0">
+            <a:spAutoFit/>
+          </a:bodyPr>
+          <a:lstStyle/>
+          <a:p>
+            <a:r>
+              <a:rPr lang="en-US" altLang="zh-CN" sz="1400" dirty="0">
+                <a:latin typeface="Microsoft JhengHei UI" panose="020B0604030504040204" pitchFamily="34" charset="-120"/>
+                <a:ea typeface="Microsoft JhengHei UI" panose="020B0604030504040204" pitchFamily="34" charset="-120"/>
+              </a:rPr>
+              <a:t>④</a:t>
+            </a:r>
+          </a:p>
+        </p:txBody>
+      </p:sp>
+      <p:cxnSp>
+        <p:nvCxnSpPr>
+          <p:cNvPr id="54" name="连接符: 曲线 53">
+            <a:extLst>
+              <a:ext uri="{FF2B5EF4-FFF2-40B4-BE49-F238E27FC236}">
+                <a16:creationId xmlns:a16="http://schemas.microsoft.com/office/drawing/2014/main" id="{356136F7-B939-432D-B4B6-1D72950CCA32}"/>
+              </a:ext>
+            </a:extLst>
+          </p:cNvPr>
+          <p:cNvCxnSpPr>
+            <a:cxnSpLocks/>
+            <a:stCxn id="46" idx="0"/>
+            <a:endCxn id="34" idx="0"/>
+          </p:cNvCxnSpPr>
+          <p:nvPr/>
+        </p:nvCxnSpPr>
+        <p:spPr>
+          <a:xfrm rot="5400000" flipH="1" flipV="1">
+            <a:off x="3005423" y="2512450"/>
+            <a:ext cx="621308" cy="5204226"/>
+          </a:xfrm>
+          <a:prstGeom prst="curvedConnector3">
+            <a:avLst>
+              <a:gd name="adj1" fmla="val 160255"/>
+            </a:avLst>
+          </a:prstGeom>
+          <a:ln>
+            <a:solidFill>
+              <a:srgbClr val="92D050"/>
+            </a:solidFill>
+            <a:prstDash val="dash"/>
+            <a:headEnd type="triangle"/>
+            <a:tailEnd type="triangle"/>
+          </a:ln>
+        </p:spPr>
+        <p:style>
+          <a:lnRef idx="1">
+            <a:schemeClr val="accent1"/>
+          </a:lnRef>
+          <a:fillRef idx="0">
+            <a:schemeClr val="accent1"/>
+          </a:fillRef>
+          <a:effectRef idx="0">
+            <a:schemeClr val="accent1"/>
+          </a:effectRef>
+          <a:fontRef idx="minor">
+            <a:schemeClr val="tx1"/>
+          </a:fontRef>
+        </p:style>
+      </p:cxnSp>
+    </p:spTree>
+    <p:extLst>
+      <p:ext uri="{BB962C8B-B14F-4D97-AF65-F5344CB8AC3E}">
+        <p14:creationId xmlns:p14="http://schemas.microsoft.com/office/powerpoint/2010/main" val="153091316"/>
       </p:ext>
     </p:extLst>
   </p:cSld>

--- a/dc3/doc/iot-dc3-architecture.pptx
+++ b/dc3/doc/iot-dc3-architecture.pptx
@@ -5,12 +5,13 @@
     <p:sldMasterId id="2147483648" r:id="rId1"/>
   </p:sldMasterIdLst>
   <p:notesMasterIdLst>
-    <p:notesMasterId r:id="rId5"/>
+    <p:notesMasterId r:id="rId6"/>
   </p:notesMasterIdLst>
   <p:sldIdLst>
     <p:sldId id="256" r:id="rId2"/>
     <p:sldId id="257" r:id="rId3"/>
     <p:sldId id="258" r:id="rId4"/>
+    <p:sldId id="259" r:id="rId5"/>
   </p:sldIdLst>
   <p:sldSz cx="12192000" cy="6858000"/>
   <p:notesSz cx="6858000" cy="9144000"/>
@@ -199,7 +200,7 @@
           <a:p>
             <a:fld id="{6EE3B9A8-D85C-445A-8AE4-653E2C11D910}" type="datetimeFigureOut">
               <a:rPr lang="zh-CN" altLang="en-US" smtClean="0"/>
-              <a:t>2019/5/31</a:t>
+              <a:t>2019/6/6</a:t>
             </a:fld>
             <a:endParaRPr lang="zh-CN" altLang="en-US"/>
           </a:p>
@@ -781,7 +782,7 @@
           <a:p>
             <a:fld id="{9BF28833-E291-4948-8DAA-251BCB67763B}" type="datetimeFigureOut">
               <a:rPr lang="zh-CN" altLang="en-US" smtClean="0"/>
-              <a:t>2019/5/31</a:t>
+              <a:t>2019/6/6</a:t>
             </a:fld>
             <a:endParaRPr lang="zh-CN" altLang="en-US"/>
           </a:p>
@@ -979,7 +980,7 @@
           <a:p>
             <a:fld id="{9BF28833-E291-4948-8DAA-251BCB67763B}" type="datetimeFigureOut">
               <a:rPr lang="zh-CN" altLang="en-US" smtClean="0"/>
-              <a:t>2019/5/31</a:t>
+              <a:t>2019/6/6</a:t>
             </a:fld>
             <a:endParaRPr lang="zh-CN" altLang="en-US"/>
           </a:p>
@@ -1187,7 +1188,7 @@
           <a:p>
             <a:fld id="{9BF28833-E291-4948-8DAA-251BCB67763B}" type="datetimeFigureOut">
               <a:rPr lang="zh-CN" altLang="en-US" smtClean="0"/>
-              <a:t>2019/5/31</a:t>
+              <a:t>2019/6/6</a:t>
             </a:fld>
             <a:endParaRPr lang="zh-CN" altLang="en-US"/>
           </a:p>
@@ -1385,7 +1386,7 @@
           <a:p>
             <a:fld id="{9BF28833-E291-4948-8DAA-251BCB67763B}" type="datetimeFigureOut">
               <a:rPr lang="zh-CN" altLang="en-US" smtClean="0"/>
-              <a:t>2019/5/31</a:t>
+              <a:t>2019/6/6</a:t>
             </a:fld>
             <a:endParaRPr lang="zh-CN" altLang="en-US"/>
           </a:p>
@@ -1660,7 +1661,7 @@
           <a:p>
             <a:fld id="{9BF28833-E291-4948-8DAA-251BCB67763B}" type="datetimeFigureOut">
               <a:rPr lang="zh-CN" altLang="en-US" smtClean="0"/>
-              <a:t>2019/5/31</a:t>
+              <a:t>2019/6/6</a:t>
             </a:fld>
             <a:endParaRPr lang="zh-CN" altLang="en-US"/>
           </a:p>
@@ -1925,7 +1926,7 @@
           <a:p>
             <a:fld id="{9BF28833-E291-4948-8DAA-251BCB67763B}" type="datetimeFigureOut">
               <a:rPr lang="zh-CN" altLang="en-US" smtClean="0"/>
-              <a:t>2019/5/31</a:t>
+              <a:t>2019/6/6</a:t>
             </a:fld>
             <a:endParaRPr lang="zh-CN" altLang="en-US"/>
           </a:p>
@@ -2337,7 +2338,7 @@
           <a:p>
             <a:fld id="{9BF28833-E291-4948-8DAA-251BCB67763B}" type="datetimeFigureOut">
               <a:rPr lang="zh-CN" altLang="en-US" smtClean="0"/>
-              <a:t>2019/5/31</a:t>
+              <a:t>2019/6/6</a:t>
             </a:fld>
             <a:endParaRPr lang="zh-CN" altLang="en-US"/>
           </a:p>
@@ -2478,7 +2479,7 @@
           <a:p>
             <a:fld id="{9BF28833-E291-4948-8DAA-251BCB67763B}" type="datetimeFigureOut">
               <a:rPr lang="zh-CN" altLang="en-US" smtClean="0"/>
-              <a:t>2019/5/31</a:t>
+              <a:t>2019/6/6</a:t>
             </a:fld>
             <a:endParaRPr lang="zh-CN" altLang="en-US"/>
           </a:p>
@@ -2591,7 +2592,7 @@
           <a:p>
             <a:fld id="{9BF28833-E291-4948-8DAA-251BCB67763B}" type="datetimeFigureOut">
               <a:rPr lang="zh-CN" altLang="en-US" smtClean="0"/>
-              <a:t>2019/5/31</a:t>
+              <a:t>2019/6/6</a:t>
             </a:fld>
             <a:endParaRPr lang="zh-CN" altLang="en-US"/>
           </a:p>
@@ -2902,7 +2903,7 @@
           <a:p>
             <a:fld id="{9BF28833-E291-4948-8DAA-251BCB67763B}" type="datetimeFigureOut">
               <a:rPr lang="zh-CN" altLang="en-US" smtClean="0"/>
-              <a:t>2019/5/31</a:t>
+              <a:t>2019/6/6</a:t>
             </a:fld>
             <a:endParaRPr lang="zh-CN" altLang="en-US"/>
           </a:p>
@@ -3190,7 +3191,7 @@
           <a:p>
             <a:fld id="{9BF28833-E291-4948-8DAA-251BCB67763B}" type="datetimeFigureOut">
               <a:rPr lang="zh-CN" altLang="en-US" smtClean="0"/>
-              <a:t>2019/5/31</a:t>
+              <a:t>2019/6/6</a:t>
             </a:fld>
             <a:endParaRPr lang="zh-CN" altLang="en-US"/>
           </a:p>
@@ -3431,7 +3432,7 @@
           <a:p>
             <a:fld id="{9BF28833-E291-4948-8DAA-251BCB67763B}" type="datetimeFigureOut">
               <a:rPr lang="zh-CN" altLang="en-US" smtClean="0"/>
-              <a:t>2019/5/31</a:t>
+              <a:t>2019/6/6</a:t>
             </a:fld>
             <a:endParaRPr lang="zh-CN" altLang="en-US"/>
           </a:p>
@@ -10192,7 +10193,10 @@
           <a:noFill/>
           <a:ln>
             <a:solidFill>
-              <a:schemeClr val="accent1"/>
+              <a:schemeClr val="accent5">
+                <a:lumMod val="60000"/>
+                <a:lumOff val="40000"/>
+              </a:schemeClr>
             </a:solidFill>
           </a:ln>
         </p:spPr>
@@ -10250,7 +10254,10 @@
           <a:noFill/>
           <a:ln>
             <a:solidFill>
-              <a:schemeClr val="accent1"/>
+              <a:schemeClr val="accent5">
+                <a:lumMod val="60000"/>
+                <a:lumOff val="40000"/>
+              </a:schemeClr>
             </a:solidFill>
           </a:ln>
         </p:spPr>
@@ -10309,6 +10316,12 @@
             <a:avLst/>
           </a:prstGeom>
           <a:ln>
+            <a:solidFill>
+              <a:schemeClr val="accent5">
+                <a:lumMod val="60000"/>
+                <a:lumOff val="40000"/>
+              </a:schemeClr>
+            </a:solidFill>
             <a:prstDash val="dash"/>
           </a:ln>
         </p:spPr>
@@ -10350,7 +10363,10 @@
           <a:noFill/>
           <a:ln>
             <a:solidFill>
-              <a:schemeClr val="accent1"/>
+              <a:schemeClr val="accent5">
+                <a:lumMod val="60000"/>
+                <a:lumOff val="40000"/>
+              </a:schemeClr>
             </a:solidFill>
             <a:prstDash val="lgDash"/>
           </a:ln>
@@ -10423,6 +10439,12 @@
             <a:avLst/>
           </a:prstGeom>
           <a:ln>
+            <a:solidFill>
+              <a:schemeClr val="accent5">
+                <a:lumMod val="60000"/>
+                <a:lumOff val="40000"/>
+              </a:schemeClr>
+            </a:solidFill>
             <a:headEnd type="triangle"/>
             <a:tailEnd type="triangle"/>
           </a:ln>
@@ -10463,6 +10485,9 @@
             <a:avLst/>
           </a:prstGeom>
           <a:noFill/>
+          <a:ln>
+            <a:noFill/>
+          </a:ln>
         </p:spPr>
         <p:txBody>
           <a:bodyPr wrap="none" rtlCol="0">
@@ -10500,7 +10525,10 @@
           <a:noFill/>
           <a:ln>
             <a:solidFill>
-              <a:schemeClr val="accent1"/>
+              <a:schemeClr val="accent5">
+                <a:lumMod val="60000"/>
+                <a:lumOff val="40000"/>
+              </a:schemeClr>
             </a:solidFill>
           </a:ln>
         </p:spPr>
@@ -10572,6 +10600,12 @@
             <a:avLst/>
           </a:prstGeom>
           <a:ln>
+            <a:solidFill>
+              <a:schemeClr val="accent5">
+                <a:lumMod val="60000"/>
+                <a:lumOff val="40000"/>
+              </a:schemeClr>
+            </a:solidFill>
             <a:headEnd type="triangle"/>
             <a:tailEnd type="triangle"/>
           </a:ln>
@@ -10612,6 +10646,9 @@
             <a:avLst/>
           </a:prstGeom>
           <a:noFill/>
+          <a:ln>
+            <a:noFill/>
+          </a:ln>
         </p:spPr>
         <p:txBody>
           <a:bodyPr wrap="none" rtlCol="0">
@@ -10653,7 +10690,10 @@
           </a:prstGeom>
           <a:ln>
             <a:solidFill>
-              <a:srgbClr val="92D050"/>
+              <a:schemeClr val="accent5">
+                <a:lumMod val="60000"/>
+                <a:lumOff val="40000"/>
+              </a:schemeClr>
             </a:solidFill>
             <a:prstDash val="dash"/>
             <a:headEnd type="triangle"/>
@@ -10696,6 +10736,9 @@
             <a:avLst/>
           </a:prstGeom>
           <a:noFill/>
+          <a:ln>
+            <a:noFill/>
+          </a:ln>
         </p:spPr>
         <p:txBody>
           <a:bodyPr wrap="none" rtlCol="0">
@@ -10737,7 +10780,10 @@
           <a:noFill/>
           <a:ln>
             <a:solidFill>
-              <a:srgbClr val="FFC000"/>
+              <a:schemeClr val="accent5">
+                <a:lumMod val="60000"/>
+                <a:lumOff val="40000"/>
+              </a:schemeClr>
             </a:solidFill>
           </a:ln>
         </p:spPr>
@@ -10800,6 +10846,12 @@
             <a:avLst/>
           </a:prstGeom>
           <a:ln>
+            <a:solidFill>
+              <a:schemeClr val="accent5">
+                <a:lumMod val="60000"/>
+                <a:lumOff val="40000"/>
+              </a:schemeClr>
+            </a:solidFill>
             <a:headEnd type="triangle"/>
             <a:tailEnd type="triangle"/>
           </a:ln>
@@ -10842,7 +10894,10 @@
           <a:noFill/>
           <a:ln>
             <a:solidFill>
-              <a:schemeClr val="accent1"/>
+              <a:schemeClr val="accent5">
+                <a:lumMod val="60000"/>
+                <a:lumOff val="40000"/>
+              </a:schemeClr>
             </a:solidFill>
           </a:ln>
         </p:spPr>
@@ -10913,7 +10968,10 @@
           <a:noFill/>
           <a:ln>
             <a:solidFill>
-              <a:srgbClr val="00B050"/>
+              <a:schemeClr val="accent5">
+                <a:lumMod val="60000"/>
+                <a:lumOff val="40000"/>
+              </a:schemeClr>
             </a:solidFill>
           </a:ln>
         </p:spPr>
@@ -10976,6 +11034,12 @@
             <a:avLst/>
           </a:prstGeom>
           <a:ln>
+            <a:solidFill>
+              <a:schemeClr val="accent5">
+                <a:lumMod val="60000"/>
+                <a:lumOff val="40000"/>
+              </a:schemeClr>
+            </a:solidFill>
             <a:headEnd type="triangle"/>
             <a:tailEnd type="triangle"/>
           </a:ln>
@@ -11018,7 +11082,10 @@
           <a:noFill/>
           <a:ln>
             <a:solidFill>
-              <a:schemeClr val="accent1"/>
+              <a:schemeClr val="accent5">
+                <a:lumMod val="60000"/>
+                <a:lumOff val="40000"/>
+              </a:schemeClr>
             </a:solidFill>
           </a:ln>
         </p:spPr>
@@ -11103,6 +11170,12 @@
             <a:avLst/>
           </a:prstGeom>
           <a:ln>
+            <a:solidFill>
+              <a:schemeClr val="accent5">
+                <a:lumMod val="60000"/>
+                <a:lumOff val="40000"/>
+              </a:schemeClr>
+            </a:solidFill>
             <a:headEnd type="triangle"/>
             <a:tailEnd type="triangle"/>
           </a:ln>
@@ -11148,6 +11221,12 @@
             </a:avLst>
           </a:prstGeom>
           <a:ln>
+            <a:solidFill>
+              <a:schemeClr val="accent5">
+                <a:lumMod val="60000"/>
+                <a:lumOff val="40000"/>
+              </a:schemeClr>
+            </a:solidFill>
             <a:headEnd type="triangle"/>
             <a:tailEnd type="triangle"/>
           </a:ln>
@@ -11188,6 +11267,9 @@
             <a:avLst/>
           </a:prstGeom>
           <a:noFill/>
+          <a:ln>
+            <a:noFill/>
+          </a:ln>
         </p:spPr>
         <p:txBody>
           <a:bodyPr wrap="square" rtlCol="0">
@@ -11261,6 +11343,9 @@
             <a:avLst/>
           </a:prstGeom>
           <a:noFill/>
+          <a:ln>
+            <a:noFill/>
+          </a:ln>
         </p:spPr>
       </p:pic>
       <p:pic>
@@ -11298,6 +11383,9 @@
             <a:avLst/>
           </a:prstGeom>
           <a:noFill/>
+          <a:ln>
+            <a:noFill/>
+          </a:ln>
         </p:spPr>
       </p:pic>
       <p:pic>
@@ -11335,6 +11423,9 @@
             <a:avLst/>
           </a:prstGeom>
           <a:noFill/>
+          <a:ln>
+            <a:noFill/>
+          </a:ln>
         </p:spPr>
       </p:pic>
       <p:cxnSp>
@@ -11361,6 +11452,12 @@
             <a:avLst/>
           </a:prstGeom>
           <a:ln>
+            <a:solidFill>
+              <a:schemeClr val="accent5">
+                <a:lumMod val="60000"/>
+                <a:lumOff val="40000"/>
+              </a:schemeClr>
+            </a:solidFill>
             <a:tailEnd type="triangle"/>
           </a:ln>
         </p:spPr>
@@ -11403,6 +11500,12 @@
             <a:avLst/>
           </a:prstGeom>
           <a:ln>
+            <a:solidFill>
+              <a:schemeClr val="accent5">
+                <a:lumMod val="60000"/>
+                <a:lumOff val="40000"/>
+              </a:schemeClr>
+            </a:solidFill>
             <a:tailEnd type="triangle"/>
           </a:ln>
         </p:spPr>
@@ -11445,6 +11548,12 @@
             <a:avLst/>
           </a:prstGeom>
           <a:ln>
+            <a:solidFill>
+              <a:schemeClr val="accent5">
+                <a:lumMod val="60000"/>
+                <a:lumOff val="40000"/>
+              </a:schemeClr>
+            </a:solidFill>
             <a:tailEnd type="triangle"/>
           </a:ln>
         </p:spPr>
@@ -11483,8 +11592,15 @@
           <a:prstGeom prst="roundRect">
             <a:avLst/>
           </a:prstGeom>
-          <a:noFill/>
-          <a:ln/>
+          <a:solidFill>
+            <a:schemeClr val="accent5">
+              <a:lumMod val="60000"/>
+              <a:lumOff val="40000"/>
+            </a:schemeClr>
+          </a:solidFill>
+          <a:ln>
+            <a:noFill/>
+          </a:ln>
         </p:spPr>
         <p:style>
           <a:lnRef idx="2">
@@ -11558,8 +11674,15 @@
           <a:prstGeom prst="roundRect">
             <a:avLst/>
           </a:prstGeom>
-          <a:noFill/>
-          <a:ln/>
+          <a:solidFill>
+            <a:schemeClr val="accent6">
+              <a:lumMod val="40000"/>
+              <a:lumOff val="60000"/>
+            </a:schemeClr>
+          </a:solidFill>
+          <a:ln>
+            <a:noFill/>
+          </a:ln>
         </p:spPr>
         <p:style>
           <a:lnRef idx="2">
@@ -11637,6 +11760,12 @@
             <a:avLst/>
           </a:prstGeom>
           <a:ln>
+            <a:solidFill>
+              <a:schemeClr val="accent5">
+                <a:lumMod val="60000"/>
+                <a:lumOff val="40000"/>
+              </a:schemeClr>
+            </a:solidFill>
             <a:tailEnd type="triangle"/>
           </a:ln>
         </p:spPr>
@@ -11676,6 +11805,9 @@
             <a:avLst/>
           </a:prstGeom>
           <a:noFill/>
+          <a:ln>
+            <a:noFill/>
+          </a:ln>
         </p:spPr>
         <p:txBody>
           <a:bodyPr wrap="none" rtlCol="0">
@@ -11720,7 +11852,10 @@
           <a:noFill/>
           <a:ln>
             <a:solidFill>
-              <a:schemeClr val="accent1"/>
+              <a:schemeClr val="accent5">
+                <a:lumMod val="60000"/>
+                <a:lumOff val="40000"/>
+              </a:schemeClr>
             </a:solidFill>
           </a:ln>
         </p:spPr>
@@ -11781,7 +11916,10 @@
           <a:noFill/>
           <a:ln>
             <a:solidFill>
-              <a:schemeClr val="accent1"/>
+              <a:schemeClr val="accent5">
+                <a:lumMod val="60000"/>
+                <a:lumOff val="40000"/>
+              </a:schemeClr>
             </a:solidFill>
           </a:ln>
         </p:spPr>
@@ -11843,6 +11981,12 @@
             <a:avLst/>
           </a:prstGeom>
           <a:ln>
+            <a:solidFill>
+              <a:schemeClr val="accent5">
+                <a:lumMod val="60000"/>
+                <a:lumOff val="40000"/>
+              </a:schemeClr>
+            </a:solidFill>
             <a:headEnd type="triangle"/>
             <a:tailEnd type="triangle"/>
           </a:ln>
@@ -11886,6 +12030,12 @@
             <a:avLst/>
           </a:prstGeom>
           <a:ln>
+            <a:solidFill>
+              <a:schemeClr val="accent5">
+                <a:lumMod val="60000"/>
+                <a:lumOff val="40000"/>
+              </a:schemeClr>
+            </a:solidFill>
             <a:headEnd type="triangle"/>
             <a:tailEnd type="triangle"/>
           </a:ln>
@@ -11949,7 +12099,10 @@
             <a:grpFill/>
             <a:ln>
               <a:solidFill>
-                <a:schemeClr val="accent1"/>
+                <a:schemeClr val="accent5">
+                  <a:lumMod val="60000"/>
+                  <a:lumOff val="40000"/>
+                </a:schemeClr>
               </a:solidFill>
             </a:ln>
           </p:spPr>
@@ -12025,11 +12178,14 @@
               <a:prstGeom prst="flowChartOffpageConnector">
                 <a:avLst/>
               </a:prstGeom>
-              <a:grpFill/>
+              <a:solidFill>
+                <a:schemeClr val="accent2">
+                  <a:lumMod val="40000"/>
+                  <a:lumOff val="60000"/>
+                </a:schemeClr>
+              </a:solidFill>
               <a:ln>
-                <a:solidFill>
-                  <a:srgbClr val="00B050"/>
-                </a:solidFill>
+                <a:noFill/>
               </a:ln>
             </p:spPr>
             <p:style>
@@ -12113,11 +12269,14 @@
               <a:prstGeom prst="flowChartOffpageConnector">
                 <a:avLst/>
               </a:prstGeom>
-              <a:grpFill/>
+              <a:solidFill>
+                <a:schemeClr val="accent2">
+                  <a:lumMod val="40000"/>
+                  <a:lumOff val="60000"/>
+                </a:schemeClr>
+              </a:solidFill>
               <a:ln>
-                <a:solidFill>
-                  <a:srgbClr val="00B050"/>
-                </a:solidFill>
+                <a:noFill/>
               </a:ln>
             </p:spPr>
             <p:style>
@@ -12201,11 +12360,14 @@
               <a:prstGeom prst="flowChartOffpageConnector">
                 <a:avLst/>
               </a:prstGeom>
-              <a:grpFill/>
+              <a:solidFill>
+                <a:schemeClr val="accent2">
+                  <a:lumMod val="40000"/>
+                  <a:lumOff val="60000"/>
+                </a:schemeClr>
+              </a:solidFill>
               <a:ln>
-                <a:solidFill>
-                  <a:srgbClr val="00B050"/>
-                </a:solidFill>
+                <a:noFill/>
               </a:ln>
             </p:spPr>
             <p:style>
@@ -12296,6 +12458,12 @@
             <a:avLst/>
           </a:prstGeom>
           <a:ln>
+            <a:solidFill>
+              <a:schemeClr val="accent5">
+                <a:lumMod val="60000"/>
+                <a:lumOff val="40000"/>
+              </a:schemeClr>
+            </a:solidFill>
             <a:headEnd type="triangle"/>
             <a:tailEnd type="triangle"/>
           </a:ln>
@@ -12336,6 +12504,9 @@
             <a:avLst/>
           </a:prstGeom>
           <a:noFill/>
+          <a:ln>
+            <a:noFill/>
+          </a:ln>
         </p:spPr>
         <p:txBody>
           <a:bodyPr wrap="none" rtlCol="0">
@@ -12380,7 +12551,10 @@
           <a:noFill/>
           <a:ln>
             <a:solidFill>
-              <a:schemeClr val="accent1"/>
+              <a:schemeClr val="accent5">
+                <a:lumMod val="60000"/>
+                <a:lumOff val="40000"/>
+              </a:schemeClr>
             </a:solidFill>
           </a:ln>
         </p:spPr>
@@ -12458,6 +12632,12 @@
             </a:avLst>
           </a:prstGeom>
           <a:ln>
+            <a:solidFill>
+              <a:schemeClr val="accent5">
+                <a:lumMod val="60000"/>
+                <a:lumOff val="40000"/>
+              </a:schemeClr>
+            </a:solidFill>
             <a:headEnd type="triangle"/>
             <a:tailEnd type="triangle"/>
           </a:ln>
@@ -12502,6 +12682,12 @@
             <a:avLst/>
           </a:prstGeom>
           <a:ln>
+            <a:solidFill>
+              <a:schemeClr val="accent5">
+                <a:lumMod val="60000"/>
+                <a:lumOff val="40000"/>
+              </a:schemeClr>
+            </a:solidFill>
             <a:headEnd type="triangle"/>
             <a:tailEnd type="triangle"/>
           </a:ln>
@@ -12545,6 +12731,12 @@
             <a:avLst/>
           </a:prstGeom>
           <a:ln>
+            <a:solidFill>
+              <a:schemeClr val="accent5">
+                <a:lumMod val="60000"/>
+                <a:lumOff val="40000"/>
+              </a:schemeClr>
+            </a:solidFill>
             <a:headEnd type="triangle"/>
             <a:tailEnd type="triangle"/>
           </a:ln>
@@ -12585,6 +12777,9 @@
             <a:avLst/>
           </a:prstGeom>
           <a:noFill/>
+          <a:ln>
+            <a:noFill/>
+          </a:ln>
         </p:spPr>
         <p:txBody>
           <a:bodyPr wrap="none" rtlCol="0">
@@ -12623,6 +12818,9 @@
             <a:avLst/>
           </a:prstGeom>
           <a:noFill/>
+          <a:ln>
+            <a:noFill/>
+          </a:ln>
         </p:spPr>
         <p:txBody>
           <a:bodyPr wrap="none" rtlCol="0">
@@ -12661,6 +12859,9 @@
             <a:avLst/>
           </a:prstGeom>
           <a:noFill/>
+          <a:ln>
+            <a:noFill/>
+          </a:ln>
         </p:spPr>
         <p:txBody>
           <a:bodyPr wrap="none" rtlCol="0">
@@ -12699,6 +12900,9 @@
             <a:avLst/>
           </a:prstGeom>
           <a:noFill/>
+          <a:ln>
+            <a:noFill/>
+          </a:ln>
         </p:spPr>
         <p:txBody>
           <a:bodyPr wrap="none" rtlCol="0">
@@ -12744,7 +12948,10 @@
           </a:prstGeom>
           <a:ln>
             <a:solidFill>
-              <a:srgbClr val="92D050"/>
+              <a:schemeClr val="accent5">
+                <a:lumMod val="60000"/>
+                <a:lumOff val="40000"/>
+              </a:schemeClr>
             </a:solidFill>
             <a:prstDash val="dash"/>
             <a:headEnd type="triangle"/>
@@ -12770,6 +12977,763 @@
     <p:extLst>
       <p:ext uri="{BB962C8B-B14F-4D97-AF65-F5344CB8AC3E}">
         <p14:creationId xmlns:p14="http://schemas.microsoft.com/office/powerpoint/2010/main" val="153091316"/>
+      </p:ext>
+    </p:extLst>
+  </p:cSld>
+  <p:clrMapOvr>
+    <a:masterClrMapping/>
+  </p:clrMapOvr>
+</p:sld>
+</file>
+
+<file path=ppt/slides/slide4.xml><?xml version="1.0" encoding="utf-8"?>
+<p:sld xmlns:a="http://schemas.openxmlformats.org/drawingml/2006/main" xmlns:r="http://schemas.openxmlformats.org/officeDocument/2006/relationships" xmlns:p="http://schemas.openxmlformats.org/presentationml/2006/main">
+  <p:cSld>
+    <p:spTree>
+      <p:nvGrpSpPr>
+        <p:cNvPr id="1" name=""/>
+        <p:cNvGrpSpPr/>
+        <p:nvPr/>
+      </p:nvGrpSpPr>
+      <p:grpSpPr>
+        <a:xfrm>
+          <a:off x="0" y="0"/>
+          <a:ext cx="0" cy="0"/>
+          <a:chOff x="0" y="0"/>
+          <a:chExt cx="0" cy="0"/>
+        </a:xfrm>
+      </p:grpSpPr>
+      <p:sp>
+        <p:nvSpPr>
+          <p:cNvPr id="5" name="文本框 4">
+            <a:extLst>
+              <a:ext uri="{FF2B5EF4-FFF2-40B4-BE49-F238E27FC236}">
+                <a16:creationId xmlns:a16="http://schemas.microsoft.com/office/drawing/2014/main" id="{5B7222F9-F756-48C9-9722-B8A62DB22001}"/>
+              </a:ext>
+            </a:extLst>
+          </p:cNvPr>
+          <p:cNvSpPr txBox="1"/>
+          <p:nvPr/>
+        </p:nvSpPr>
+        <p:spPr>
+          <a:xfrm>
+            <a:off x="337626" y="379826"/>
+            <a:ext cx="5352747" cy="461665"/>
+          </a:xfrm>
+          <a:prstGeom prst="rect">
+            <a:avLst/>
+          </a:prstGeom>
+          <a:noFill/>
+        </p:spPr>
+        <p:txBody>
+          <a:bodyPr wrap="none" rtlCol="0">
+            <a:spAutoFit/>
+          </a:bodyPr>
+          <a:lstStyle/>
+          <a:p>
+            <a:pPr marL="342900" indent="-342900">
+              <a:buFont typeface="Wingdings" panose="05000000000000000000" pitchFamily="2" charset="2"/>
+              <a:buChar char="Ø"/>
+            </a:pPr>
+            <a:r>
+              <a:rPr lang="zh-CN" altLang="en-US" sz="2400" b="1" dirty="0">
+                <a:solidFill>
+                  <a:schemeClr val="accent5">
+                    <a:lumMod val="75000"/>
+                  </a:schemeClr>
+                </a:solidFill>
+              </a:rPr>
+              <a:t>如何实现</a:t>
+            </a:r>
+            <a:r>
+              <a:rPr lang="en-US" altLang="zh-CN" sz="2400" b="1" dirty="0">
+                <a:solidFill>
+                  <a:schemeClr val="accent5">
+                    <a:lumMod val="75000"/>
+                  </a:schemeClr>
+                </a:solidFill>
+              </a:rPr>
+              <a:t>Client</a:t>
+            </a:r>
+            <a:r>
+              <a:rPr lang="zh-CN" altLang="en-US" sz="2400" b="1" dirty="0">
+                <a:solidFill>
+                  <a:schemeClr val="accent5">
+                    <a:lumMod val="75000"/>
+                  </a:schemeClr>
+                </a:solidFill>
+              </a:rPr>
+              <a:t>同</a:t>
+            </a:r>
+            <a:r>
+              <a:rPr lang="en-US" altLang="zh-CN" sz="2400" b="1" dirty="0">
+                <a:solidFill>
+                  <a:schemeClr val="accent5">
+                    <a:lumMod val="75000"/>
+                  </a:schemeClr>
+                </a:solidFill>
+              </a:rPr>
+              <a:t>Manager</a:t>
+            </a:r>
+            <a:r>
+              <a:rPr lang="zh-CN" altLang="en-US" sz="2400" b="1" dirty="0">
+                <a:solidFill>
+                  <a:schemeClr val="accent5">
+                    <a:lumMod val="75000"/>
+                  </a:schemeClr>
+                </a:solidFill>
+              </a:rPr>
+              <a:t>连接呢？</a:t>
+            </a:r>
+          </a:p>
+        </p:txBody>
+      </p:sp>
+      <p:sp>
+        <p:nvSpPr>
+          <p:cNvPr id="6" name="文本框 5">
+            <a:extLst>
+              <a:ext uri="{FF2B5EF4-FFF2-40B4-BE49-F238E27FC236}">
+                <a16:creationId xmlns:a16="http://schemas.microsoft.com/office/drawing/2014/main" id="{3804438E-4D36-4033-984F-63D1822969C9}"/>
+              </a:ext>
+            </a:extLst>
+          </p:cNvPr>
+          <p:cNvSpPr txBox="1"/>
+          <p:nvPr/>
+        </p:nvSpPr>
+        <p:spPr>
+          <a:xfrm>
+            <a:off x="882179" y="1712241"/>
+            <a:ext cx="2076209" cy="369332"/>
+          </a:xfrm>
+          <a:prstGeom prst="rect">
+            <a:avLst/>
+          </a:prstGeom>
+          <a:noFill/>
+        </p:spPr>
+        <p:txBody>
+          <a:bodyPr wrap="none" rtlCol="0">
+            <a:spAutoFit/>
+          </a:bodyPr>
+          <a:lstStyle/>
+          <a:p>
+            <a:r>
+              <a:rPr lang="en-US" altLang="zh-CN" dirty="0"/>
+              <a:t>1.</a:t>
+            </a:r>
+            <a:r>
+              <a:rPr lang="zh-CN" altLang="en-US" dirty="0"/>
+              <a:t>如何生成</a:t>
+            </a:r>
+            <a:r>
+              <a:rPr lang="en-US" altLang="zh-CN" dirty="0"/>
+              <a:t>Client</a:t>
+            </a:r>
+            <a:r>
+              <a:rPr lang="zh-CN" altLang="en-US" dirty="0"/>
+              <a:t>？</a:t>
+            </a:r>
+          </a:p>
+        </p:txBody>
+      </p:sp>
+      <p:sp>
+        <p:nvSpPr>
+          <p:cNvPr id="7" name="文本框 6">
+            <a:extLst>
+              <a:ext uri="{FF2B5EF4-FFF2-40B4-BE49-F238E27FC236}">
+                <a16:creationId xmlns:a16="http://schemas.microsoft.com/office/drawing/2014/main" id="{8BF4D4ED-EFA0-4DB1-940F-5ED48A910DB6}"/>
+              </a:ext>
+            </a:extLst>
+          </p:cNvPr>
+          <p:cNvSpPr txBox="1"/>
+          <p:nvPr/>
+        </p:nvSpPr>
+        <p:spPr>
+          <a:xfrm>
+            <a:off x="882179" y="4748291"/>
+            <a:ext cx="4384534" cy="369332"/>
+          </a:xfrm>
+          <a:prstGeom prst="rect">
+            <a:avLst/>
+          </a:prstGeom>
+          <a:noFill/>
+        </p:spPr>
+        <p:txBody>
+          <a:bodyPr wrap="none" rtlCol="0">
+            <a:spAutoFit/>
+          </a:bodyPr>
+          <a:lstStyle/>
+          <a:p>
+            <a:r>
+              <a:rPr lang="en-US" altLang="zh-CN" dirty="0"/>
+              <a:t>2.</a:t>
+            </a:r>
+            <a:r>
+              <a:rPr lang="zh-CN" altLang="en-US" dirty="0"/>
+              <a:t>假设需要生成的</a:t>
+            </a:r>
+            <a:r>
+              <a:rPr lang="en-US" altLang="zh-CN" dirty="0"/>
+              <a:t>Client</a:t>
+            </a:r>
+            <a:r>
+              <a:rPr lang="zh-CN" altLang="en-US" dirty="0"/>
+              <a:t>应该是什么样子？</a:t>
+            </a:r>
+          </a:p>
+        </p:txBody>
+      </p:sp>
+      <p:sp>
+        <p:nvSpPr>
+          <p:cNvPr id="8" name="文本框 7">
+            <a:extLst>
+              <a:ext uri="{FF2B5EF4-FFF2-40B4-BE49-F238E27FC236}">
+                <a16:creationId xmlns:a16="http://schemas.microsoft.com/office/drawing/2014/main" id="{337A98BF-AA9C-46EB-875E-CFCFB83DD5F4}"/>
+              </a:ext>
+            </a:extLst>
+          </p:cNvPr>
+          <p:cNvSpPr txBox="1"/>
+          <p:nvPr/>
+        </p:nvSpPr>
+        <p:spPr>
+          <a:xfrm>
+            <a:off x="5690373" y="3455236"/>
+            <a:ext cx="3323346" cy="369332"/>
+          </a:xfrm>
+          <a:prstGeom prst="rect">
+            <a:avLst/>
+          </a:prstGeom>
+          <a:noFill/>
+        </p:spPr>
+        <p:txBody>
+          <a:bodyPr wrap="none" rtlCol="0">
+            <a:spAutoFit/>
+          </a:bodyPr>
+          <a:lstStyle/>
+          <a:p>
+            <a:r>
+              <a:rPr lang="en-US" altLang="zh-CN" dirty="0"/>
+              <a:t>1.</a:t>
+            </a:r>
+            <a:r>
+              <a:rPr lang="zh-CN" altLang="en-US" dirty="0"/>
+              <a:t>启动之后就能连接上</a:t>
+            </a:r>
+            <a:r>
+              <a:rPr lang="en-US" altLang="zh-CN" dirty="0"/>
+              <a:t>Manager</a:t>
+            </a:r>
+            <a:endParaRPr lang="zh-CN" altLang="en-US" b="1" dirty="0">
+              <a:solidFill>
+                <a:srgbClr val="FF0000"/>
+              </a:solidFill>
+            </a:endParaRPr>
+          </a:p>
+        </p:txBody>
+      </p:sp>
+      <p:sp>
+        <p:nvSpPr>
+          <p:cNvPr id="9" name="矩形 8">
+            <a:extLst>
+              <a:ext uri="{FF2B5EF4-FFF2-40B4-BE49-F238E27FC236}">
+                <a16:creationId xmlns:a16="http://schemas.microsoft.com/office/drawing/2014/main" id="{16CC3D3F-6782-46CB-AF00-C24F8122E33C}"/>
+              </a:ext>
+            </a:extLst>
+          </p:cNvPr>
+          <p:cNvSpPr/>
+          <p:nvPr/>
+        </p:nvSpPr>
+        <p:spPr>
+          <a:xfrm>
+            <a:off x="5690373" y="3961788"/>
+            <a:ext cx="4099199" cy="369332"/>
+          </a:xfrm>
+          <a:prstGeom prst="rect">
+            <a:avLst/>
+          </a:prstGeom>
+        </p:spPr>
+        <p:txBody>
+          <a:bodyPr wrap="none">
+            <a:spAutoFit/>
+          </a:bodyPr>
+          <a:lstStyle/>
+          <a:p>
+            <a:r>
+              <a:rPr lang="en-US" altLang="zh-CN" dirty="0"/>
+              <a:t>2.</a:t>
+            </a:r>
+            <a:r>
+              <a:rPr lang="zh-CN" altLang="en-US" dirty="0"/>
+              <a:t>发送唯一的</a:t>
+            </a:r>
+            <a:r>
+              <a:rPr lang="zh-CN" altLang="en-US" b="1" dirty="0">
+                <a:solidFill>
+                  <a:srgbClr val="FF0000"/>
+                </a:solidFill>
+              </a:rPr>
+              <a:t>认证指令</a:t>
+            </a:r>
+            <a:r>
+              <a:rPr lang="zh-CN" altLang="en-US" dirty="0"/>
+              <a:t>，进行权限认证</a:t>
+            </a:r>
+          </a:p>
+        </p:txBody>
+      </p:sp>
+      <p:sp>
+        <p:nvSpPr>
+          <p:cNvPr id="10" name="文本框 9">
+            <a:extLst>
+              <a:ext uri="{FF2B5EF4-FFF2-40B4-BE49-F238E27FC236}">
+                <a16:creationId xmlns:a16="http://schemas.microsoft.com/office/drawing/2014/main" id="{680A9F4E-3885-4407-913B-50C12B5B7735}"/>
+              </a:ext>
+            </a:extLst>
+          </p:cNvPr>
+          <p:cNvSpPr txBox="1"/>
+          <p:nvPr/>
+        </p:nvSpPr>
+        <p:spPr>
+          <a:xfrm>
+            <a:off x="5690373" y="4468340"/>
+            <a:ext cx="4532010" cy="369332"/>
+          </a:xfrm>
+          <a:prstGeom prst="rect">
+            <a:avLst/>
+          </a:prstGeom>
+          <a:noFill/>
+        </p:spPr>
+        <p:txBody>
+          <a:bodyPr wrap="none" rtlCol="0">
+            <a:spAutoFit/>
+          </a:bodyPr>
+          <a:lstStyle/>
+          <a:p>
+            <a:r>
+              <a:rPr lang="en-US" altLang="zh-CN" dirty="0"/>
+              <a:t>3.</a:t>
+            </a:r>
+            <a:r>
+              <a:rPr lang="zh-CN" altLang="en-US" dirty="0"/>
+              <a:t>认证之后服务器发送加密的</a:t>
+            </a:r>
+            <a:r>
+              <a:rPr lang="en-US" altLang="zh-CN" dirty="0" err="1"/>
+              <a:t>Mqtt</a:t>
+            </a:r>
+            <a:r>
+              <a:rPr lang="zh-CN" altLang="en-US" dirty="0"/>
+              <a:t>连接方式</a:t>
+            </a:r>
+            <a:endParaRPr lang="zh-CN" altLang="en-US" b="1" dirty="0">
+              <a:solidFill>
+                <a:srgbClr val="FF0000"/>
+              </a:solidFill>
+            </a:endParaRPr>
+          </a:p>
+        </p:txBody>
+      </p:sp>
+      <p:sp>
+        <p:nvSpPr>
+          <p:cNvPr id="11" name="文本框 10">
+            <a:extLst>
+              <a:ext uri="{FF2B5EF4-FFF2-40B4-BE49-F238E27FC236}">
+                <a16:creationId xmlns:a16="http://schemas.microsoft.com/office/drawing/2014/main" id="{A0CE4BEF-2803-4FF8-B57B-B4D0FFEB48A3}"/>
+              </a:ext>
+            </a:extLst>
+          </p:cNvPr>
+          <p:cNvSpPr txBox="1"/>
+          <p:nvPr/>
+        </p:nvSpPr>
+        <p:spPr>
+          <a:xfrm>
+            <a:off x="5690373" y="4974892"/>
+            <a:ext cx="2190023" cy="369332"/>
+          </a:xfrm>
+          <a:prstGeom prst="rect">
+            <a:avLst/>
+          </a:prstGeom>
+          <a:noFill/>
+        </p:spPr>
+        <p:txBody>
+          <a:bodyPr wrap="none" rtlCol="0">
+            <a:spAutoFit/>
+          </a:bodyPr>
+          <a:lstStyle/>
+          <a:p>
+            <a:r>
+              <a:rPr lang="en-US" altLang="zh-CN" dirty="0"/>
+              <a:t>4.</a:t>
+            </a:r>
+            <a:r>
+              <a:rPr lang="zh-CN" altLang="en-US" dirty="0"/>
+              <a:t>解密之后进行连接</a:t>
+            </a:r>
+            <a:endParaRPr lang="zh-CN" altLang="en-US" b="1" dirty="0">
+              <a:solidFill>
+                <a:srgbClr val="FF0000"/>
+              </a:solidFill>
+            </a:endParaRPr>
+          </a:p>
+        </p:txBody>
+      </p:sp>
+      <p:sp>
+        <p:nvSpPr>
+          <p:cNvPr id="12" name="文本框 11">
+            <a:extLst>
+              <a:ext uri="{FF2B5EF4-FFF2-40B4-BE49-F238E27FC236}">
+                <a16:creationId xmlns:a16="http://schemas.microsoft.com/office/drawing/2014/main" id="{504C7F77-3136-4DAF-BDDA-555E881CDF0F}"/>
+              </a:ext>
+            </a:extLst>
+          </p:cNvPr>
+          <p:cNvSpPr txBox="1"/>
+          <p:nvPr/>
+        </p:nvSpPr>
+        <p:spPr>
+          <a:xfrm>
+            <a:off x="5690373" y="5481444"/>
+            <a:ext cx="3608680" cy="369332"/>
+          </a:xfrm>
+          <a:prstGeom prst="rect">
+            <a:avLst/>
+          </a:prstGeom>
+          <a:noFill/>
+        </p:spPr>
+        <p:txBody>
+          <a:bodyPr wrap="none" rtlCol="0">
+            <a:spAutoFit/>
+          </a:bodyPr>
+          <a:lstStyle/>
+          <a:p>
+            <a:r>
+              <a:rPr lang="en-US" altLang="zh-CN" dirty="0"/>
+              <a:t>5.</a:t>
+            </a:r>
+            <a:r>
+              <a:rPr lang="zh-CN" altLang="en-US" dirty="0"/>
+              <a:t>连接上</a:t>
+            </a:r>
+            <a:r>
+              <a:rPr lang="en-US" altLang="zh-CN" dirty="0" err="1"/>
+              <a:t>Mqtt</a:t>
+            </a:r>
+            <a:r>
+              <a:rPr lang="zh-CN" altLang="en-US" dirty="0"/>
+              <a:t>之后，发送测试信息</a:t>
+            </a:r>
+            <a:endParaRPr lang="zh-CN" altLang="en-US" b="1" dirty="0">
+              <a:solidFill>
+                <a:srgbClr val="FF0000"/>
+              </a:solidFill>
+            </a:endParaRPr>
+          </a:p>
+        </p:txBody>
+      </p:sp>
+      <p:sp>
+        <p:nvSpPr>
+          <p:cNvPr id="13" name="文本框 12">
+            <a:extLst>
+              <a:ext uri="{FF2B5EF4-FFF2-40B4-BE49-F238E27FC236}">
+                <a16:creationId xmlns:a16="http://schemas.microsoft.com/office/drawing/2014/main" id="{14123216-A7F0-4EA9-9056-F8105DDB294C}"/>
+              </a:ext>
+            </a:extLst>
+          </p:cNvPr>
+          <p:cNvSpPr txBox="1"/>
+          <p:nvPr/>
+        </p:nvSpPr>
+        <p:spPr>
+          <a:xfrm>
+            <a:off x="5690373" y="5987994"/>
+            <a:ext cx="5077031" cy="369332"/>
+          </a:xfrm>
+          <a:prstGeom prst="rect">
+            <a:avLst/>
+          </a:prstGeom>
+          <a:noFill/>
+        </p:spPr>
+        <p:txBody>
+          <a:bodyPr wrap="none" rtlCol="0">
+            <a:spAutoFit/>
+          </a:bodyPr>
+          <a:lstStyle/>
+          <a:p>
+            <a:r>
+              <a:rPr lang="en-US" altLang="zh-CN" dirty="0"/>
+              <a:t>6.</a:t>
+            </a:r>
+            <a:r>
+              <a:rPr lang="zh-CN" altLang="en-US" dirty="0"/>
+              <a:t>确定无误，否则本次连接失败，</a:t>
+            </a:r>
+            <a:r>
+              <a:rPr lang="en-US" altLang="zh-CN" dirty="0"/>
+              <a:t>Client</a:t>
+            </a:r>
+            <a:r>
+              <a:rPr lang="zh-CN" altLang="en-US" dirty="0"/>
+              <a:t>服务停止</a:t>
+            </a:r>
+            <a:endParaRPr lang="zh-CN" altLang="en-US" b="1" dirty="0">
+              <a:solidFill>
+                <a:srgbClr val="FF0000"/>
+              </a:solidFill>
+            </a:endParaRPr>
+          </a:p>
+        </p:txBody>
+      </p:sp>
+      <p:sp>
+        <p:nvSpPr>
+          <p:cNvPr id="15" name="左大括号 14">
+            <a:extLst>
+              <a:ext uri="{FF2B5EF4-FFF2-40B4-BE49-F238E27FC236}">
+                <a16:creationId xmlns:a16="http://schemas.microsoft.com/office/drawing/2014/main" id="{2A7C0601-D2E9-4D35-8B87-02614212CAD3}"/>
+              </a:ext>
+            </a:extLst>
+          </p:cNvPr>
+          <p:cNvSpPr/>
+          <p:nvPr/>
+        </p:nvSpPr>
+        <p:spPr>
+          <a:xfrm>
+            <a:off x="5267528" y="3455236"/>
+            <a:ext cx="196948" cy="2956445"/>
+          </a:xfrm>
+          <a:prstGeom prst="leftBrace">
+            <a:avLst/>
+          </a:prstGeom>
+        </p:spPr>
+        <p:style>
+          <a:lnRef idx="1">
+            <a:schemeClr val="accent1"/>
+          </a:lnRef>
+          <a:fillRef idx="0">
+            <a:schemeClr val="accent1"/>
+          </a:fillRef>
+          <a:effectRef idx="0">
+            <a:schemeClr val="accent1"/>
+          </a:effectRef>
+          <a:fontRef idx="minor">
+            <a:schemeClr val="tx1"/>
+          </a:fontRef>
+        </p:style>
+        <p:txBody>
+          <a:bodyPr rtlCol="0" anchor="ctr"/>
+          <a:lstStyle/>
+          <a:p>
+            <a:pPr algn="ctr"/>
+            <a:endParaRPr lang="zh-CN" altLang="en-US"/>
+          </a:p>
+        </p:txBody>
+      </p:sp>
+      <p:sp>
+        <p:nvSpPr>
+          <p:cNvPr id="16" name="文本框 15">
+            <a:extLst>
+              <a:ext uri="{FF2B5EF4-FFF2-40B4-BE49-F238E27FC236}">
+                <a16:creationId xmlns:a16="http://schemas.microsoft.com/office/drawing/2014/main" id="{C51405CD-D7BF-4BA4-845A-6F8304C44363}"/>
+              </a:ext>
+            </a:extLst>
+          </p:cNvPr>
+          <p:cNvSpPr txBox="1"/>
+          <p:nvPr/>
+        </p:nvSpPr>
+        <p:spPr>
+          <a:xfrm>
+            <a:off x="5464476" y="1081249"/>
+            <a:ext cx="3233578" cy="369332"/>
+          </a:xfrm>
+          <a:prstGeom prst="rect">
+            <a:avLst/>
+          </a:prstGeom>
+          <a:noFill/>
+        </p:spPr>
+        <p:txBody>
+          <a:bodyPr wrap="none" rtlCol="0">
+            <a:spAutoFit/>
+          </a:bodyPr>
+          <a:lstStyle/>
+          <a:p>
+            <a:r>
+              <a:rPr lang="en-US" altLang="zh-CN" dirty="0"/>
+              <a:t>1.</a:t>
+            </a:r>
+            <a:r>
+              <a:rPr lang="zh-CN" altLang="en-US" dirty="0"/>
+              <a:t>提取公共部分形成固定模板</a:t>
+            </a:r>
+          </a:p>
+        </p:txBody>
+      </p:sp>
+      <p:sp>
+        <p:nvSpPr>
+          <p:cNvPr id="17" name="文本框 16">
+            <a:extLst>
+              <a:ext uri="{FF2B5EF4-FFF2-40B4-BE49-F238E27FC236}">
+                <a16:creationId xmlns:a16="http://schemas.microsoft.com/office/drawing/2014/main" id="{560FD741-81EF-4431-95C2-CAC2CE5FAB50}"/>
+              </a:ext>
+            </a:extLst>
+          </p:cNvPr>
+          <p:cNvSpPr txBox="1"/>
+          <p:nvPr/>
+        </p:nvSpPr>
+        <p:spPr>
+          <a:xfrm>
+            <a:off x="5464476" y="1496595"/>
+            <a:ext cx="3820277" cy="369332"/>
+          </a:xfrm>
+          <a:prstGeom prst="rect">
+            <a:avLst/>
+          </a:prstGeom>
+          <a:noFill/>
+        </p:spPr>
+        <p:txBody>
+          <a:bodyPr wrap="none" rtlCol="0">
+            <a:spAutoFit/>
+          </a:bodyPr>
+          <a:lstStyle/>
+          <a:p>
+            <a:r>
+              <a:rPr lang="en-US" altLang="zh-CN" dirty="0"/>
+              <a:t>2.</a:t>
+            </a:r>
+            <a:r>
+              <a:rPr lang="zh-CN" altLang="en-US" dirty="0"/>
+              <a:t>密钥和认证指令配置文件方式发放</a:t>
+            </a:r>
+          </a:p>
+        </p:txBody>
+      </p:sp>
+      <p:sp>
+        <p:nvSpPr>
+          <p:cNvPr id="18" name="矩形 17">
+            <a:extLst>
+              <a:ext uri="{FF2B5EF4-FFF2-40B4-BE49-F238E27FC236}">
+                <a16:creationId xmlns:a16="http://schemas.microsoft.com/office/drawing/2014/main" id="{91A6678C-195D-4BD6-BD14-9AA490D19613}"/>
+              </a:ext>
+            </a:extLst>
+          </p:cNvPr>
+          <p:cNvSpPr/>
+          <p:nvPr/>
+        </p:nvSpPr>
+        <p:spPr>
+          <a:xfrm>
+            <a:off x="5464476" y="1957955"/>
+            <a:ext cx="3937103" cy="369332"/>
+          </a:xfrm>
+          <a:prstGeom prst="rect">
+            <a:avLst/>
+          </a:prstGeom>
+        </p:spPr>
+        <p:txBody>
+          <a:bodyPr wrap="none">
+            <a:spAutoFit/>
+          </a:bodyPr>
+          <a:lstStyle/>
+          <a:p>
+            <a:r>
+              <a:rPr lang="en-US" altLang="zh-CN" dirty="0"/>
+              <a:t>3.</a:t>
+            </a:r>
+            <a:r>
+              <a:rPr lang="zh-CN" altLang="en-US" dirty="0"/>
+              <a:t>选择</a:t>
+            </a:r>
+            <a:r>
+              <a:rPr lang="en-US" altLang="zh-CN" dirty="0" err="1"/>
+              <a:t>FreeMarker</a:t>
+            </a:r>
+            <a:r>
+              <a:rPr lang="zh-CN" altLang="en-US" dirty="0"/>
+              <a:t>进行代码自动生成</a:t>
+            </a:r>
+          </a:p>
+        </p:txBody>
+      </p:sp>
+      <p:sp>
+        <p:nvSpPr>
+          <p:cNvPr id="19" name="矩形 18">
+            <a:extLst>
+              <a:ext uri="{FF2B5EF4-FFF2-40B4-BE49-F238E27FC236}">
+                <a16:creationId xmlns:a16="http://schemas.microsoft.com/office/drawing/2014/main" id="{E83EBFEF-D19E-4B2C-BD2B-B1E17B5B4443}"/>
+              </a:ext>
+            </a:extLst>
+          </p:cNvPr>
+          <p:cNvSpPr/>
+          <p:nvPr/>
+        </p:nvSpPr>
+        <p:spPr>
+          <a:xfrm>
+            <a:off x="5467989" y="2417686"/>
+            <a:ext cx="2204450" cy="369332"/>
+          </a:xfrm>
+          <a:prstGeom prst="rect">
+            <a:avLst/>
+          </a:prstGeom>
+        </p:spPr>
+        <p:txBody>
+          <a:bodyPr wrap="none">
+            <a:spAutoFit/>
+          </a:bodyPr>
+          <a:lstStyle/>
+          <a:p>
+            <a:r>
+              <a:rPr lang="en-US" altLang="zh-CN" dirty="0"/>
+              <a:t>4.</a:t>
+            </a:r>
+            <a:r>
+              <a:rPr lang="zh-CN" altLang="en-US" dirty="0"/>
+              <a:t>压缩打包提供下载</a:t>
+            </a:r>
+          </a:p>
+        </p:txBody>
+      </p:sp>
+      <p:sp>
+        <p:nvSpPr>
+          <p:cNvPr id="20" name="左大括号 19">
+            <a:extLst>
+              <a:ext uri="{FF2B5EF4-FFF2-40B4-BE49-F238E27FC236}">
+                <a16:creationId xmlns:a16="http://schemas.microsoft.com/office/drawing/2014/main" id="{2036DBE4-F849-4FB1-B3C7-9F0B284A9407}"/>
+              </a:ext>
+            </a:extLst>
+          </p:cNvPr>
+          <p:cNvSpPr/>
+          <p:nvPr/>
+        </p:nvSpPr>
+        <p:spPr>
+          <a:xfrm>
+            <a:off x="5266303" y="1121447"/>
+            <a:ext cx="98474" cy="1619507"/>
+          </a:xfrm>
+          <a:prstGeom prst="leftBrace">
+            <a:avLst/>
+          </a:prstGeom>
+        </p:spPr>
+        <p:style>
+          <a:lnRef idx="1">
+            <a:schemeClr val="accent1"/>
+          </a:lnRef>
+          <a:fillRef idx="0">
+            <a:schemeClr val="accent1"/>
+          </a:fillRef>
+          <a:effectRef idx="0">
+            <a:schemeClr val="accent1"/>
+          </a:effectRef>
+          <a:fontRef idx="minor">
+            <a:schemeClr val="tx1"/>
+          </a:fontRef>
+        </p:style>
+        <p:txBody>
+          <a:bodyPr rtlCol="0" anchor="ctr"/>
+          <a:lstStyle/>
+          <a:p>
+            <a:pPr algn="ctr"/>
+            <a:endParaRPr lang="zh-CN" altLang="en-US"/>
+          </a:p>
+        </p:txBody>
+      </p:sp>
+    </p:spTree>
+    <p:extLst>
+      <p:ext uri="{BB962C8B-B14F-4D97-AF65-F5344CB8AC3E}">
+        <p14:creationId xmlns:p14="http://schemas.microsoft.com/office/powerpoint/2010/main" val="1234097845"/>
       </p:ext>
     </p:extLst>
   </p:cSld>

--- a/dc3/doc/iot-dc3-architecture.pptx
+++ b/dc3/doc/iot-dc3-architecture.pptx
@@ -5,13 +5,14 @@
     <p:sldMasterId id="2147483648" r:id="rId1"/>
   </p:sldMasterIdLst>
   <p:notesMasterIdLst>
-    <p:notesMasterId r:id="rId6"/>
+    <p:notesMasterId r:id="rId7"/>
   </p:notesMasterIdLst>
   <p:sldIdLst>
     <p:sldId id="256" r:id="rId2"/>
     <p:sldId id="257" r:id="rId3"/>
     <p:sldId id="258" r:id="rId4"/>
     <p:sldId id="259" r:id="rId5"/>
+    <p:sldId id="260" r:id="rId6"/>
   </p:sldIdLst>
   <p:sldSz cx="12192000" cy="6858000"/>
   <p:notesSz cx="6858000" cy="9144000"/>
@@ -200,7 +201,7 @@
           <a:p>
             <a:fld id="{6EE3B9A8-D85C-445A-8AE4-653E2C11D910}" type="datetimeFigureOut">
               <a:rPr lang="zh-CN" altLang="en-US" smtClean="0"/>
-              <a:t>2019/6/6</a:t>
+              <a:t>2019/6/20</a:t>
             </a:fld>
             <a:endParaRPr lang="zh-CN" altLang="en-US"/>
           </a:p>
@@ -782,7 +783,7 @@
           <a:p>
             <a:fld id="{9BF28833-E291-4948-8DAA-251BCB67763B}" type="datetimeFigureOut">
               <a:rPr lang="zh-CN" altLang="en-US" smtClean="0"/>
-              <a:t>2019/6/6</a:t>
+              <a:t>2019/6/20</a:t>
             </a:fld>
             <a:endParaRPr lang="zh-CN" altLang="en-US"/>
           </a:p>
@@ -980,7 +981,7 @@
           <a:p>
             <a:fld id="{9BF28833-E291-4948-8DAA-251BCB67763B}" type="datetimeFigureOut">
               <a:rPr lang="zh-CN" altLang="en-US" smtClean="0"/>
-              <a:t>2019/6/6</a:t>
+              <a:t>2019/6/20</a:t>
             </a:fld>
             <a:endParaRPr lang="zh-CN" altLang="en-US"/>
           </a:p>
@@ -1188,7 +1189,7 @@
           <a:p>
             <a:fld id="{9BF28833-E291-4948-8DAA-251BCB67763B}" type="datetimeFigureOut">
               <a:rPr lang="zh-CN" altLang="en-US" smtClean="0"/>
-              <a:t>2019/6/6</a:t>
+              <a:t>2019/6/20</a:t>
             </a:fld>
             <a:endParaRPr lang="zh-CN" altLang="en-US"/>
           </a:p>
@@ -1386,7 +1387,7 @@
           <a:p>
             <a:fld id="{9BF28833-E291-4948-8DAA-251BCB67763B}" type="datetimeFigureOut">
               <a:rPr lang="zh-CN" altLang="en-US" smtClean="0"/>
-              <a:t>2019/6/6</a:t>
+              <a:t>2019/6/20</a:t>
             </a:fld>
             <a:endParaRPr lang="zh-CN" altLang="en-US"/>
           </a:p>
@@ -1661,7 +1662,7 @@
           <a:p>
             <a:fld id="{9BF28833-E291-4948-8DAA-251BCB67763B}" type="datetimeFigureOut">
               <a:rPr lang="zh-CN" altLang="en-US" smtClean="0"/>
-              <a:t>2019/6/6</a:t>
+              <a:t>2019/6/20</a:t>
             </a:fld>
             <a:endParaRPr lang="zh-CN" altLang="en-US"/>
           </a:p>
@@ -1926,7 +1927,7 @@
           <a:p>
             <a:fld id="{9BF28833-E291-4948-8DAA-251BCB67763B}" type="datetimeFigureOut">
               <a:rPr lang="zh-CN" altLang="en-US" smtClean="0"/>
-              <a:t>2019/6/6</a:t>
+              <a:t>2019/6/20</a:t>
             </a:fld>
             <a:endParaRPr lang="zh-CN" altLang="en-US"/>
           </a:p>
@@ -2338,7 +2339,7 @@
           <a:p>
             <a:fld id="{9BF28833-E291-4948-8DAA-251BCB67763B}" type="datetimeFigureOut">
               <a:rPr lang="zh-CN" altLang="en-US" smtClean="0"/>
-              <a:t>2019/6/6</a:t>
+              <a:t>2019/6/20</a:t>
             </a:fld>
             <a:endParaRPr lang="zh-CN" altLang="en-US"/>
           </a:p>
@@ -2479,7 +2480,7 @@
           <a:p>
             <a:fld id="{9BF28833-E291-4948-8DAA-251BCB67763B}" type="datetimeFigureOut">
               <a:rPr lang="zh-CN" altLang="en-US" smtClean="0"/>
-              <a:t>2019/6/6</a:t>
+              <a:t>2019/6/20</a:t>
             </a:fld>
             <a:endParaRPr lang="zh-CN" altLang="en-US"/>
           </a:p>
@@ -2592,7 +2593,7 @@
           <a:p>
             <a:fld id="{9BF28833-E291-4948-8DAA-251BCB67763B}" type="datetimeFigureOut">
               <a:rPr lang="zh-CN" altLang="en-US" smtClean="0"/>
-              <a:t>2019/6/6</a:t>
+              <a:t>2019/6/20</a:t>
             </a:fld>
             <a:endParaRPr lang="zh-CN" altLang="en-US"/>
           </a:p>
@@ -2903,7 +2904,7 @@
           <a:p>
             <a:fld id="{9BF28833-E291-4948-8DAA-251BCB67763B}" type="datetimeFigureOut">
               <a:rPr lang="zh-CN" altLang="en-US" smtClean="0"/>
-              <a:t>2019/6/6</a:t>
+              <a:t>2019/6/20</a:t>
             </a:fld>
             <a:endParaRPr lang="zh-CN" altLang="en-US"/>
           </a:p>
@@ -3191,7 +3192,7 @@
           <a:p>
             <a:fld id="{9BF28833-E291-4948-8DAA-251BCB67763B}" type="datetimeFigureOut">
               <a:rPr lang="zh-CN" altLang="en-US" smtClean="0"/>
-              <a:t>2019/6/6</a:t>
+              <a:t>2019/6/20</a:t>
             </a:fld>
             <a:endParaRPr lang="zh-CN" altLang="en-US"/>
           </a:p>
@@ -3432,7 +3433,7 @@
           <a:p>
             <a:fld id="{9BF28833-E291-4948-8DAA-251BCB67763B}" type="datetimeFigureOut">
               <a:rPr lang="zh-CN" altLang="en-US" smtClean="0"/>
-              <a:t>2019/6/6</a:t>
+              <a:t>2019/6/20</a:t>
             </a:fld>
             <a:endParaRPr lang="zh-CN" altLang="en-US"/>
           </a:p>
@@ -13743,6 +13744,2817 @@
 </p:sld>
 </file>
 
+<file path=ppt/slides/slide5.xml><?xml version="1.0" encoding="utf-8"?>
+<p:sld xmlns:a="http://schemas.openxmlformats.org/drawingml/2006/main" xmlns:r="http://schemas.openxmlformats.org/officeDocument/2006/relationships" xmlns:p="http://schemas.openxmlformats.org/presentationml/2006/main">
+  <p:cSld>
+    <p:spTree>
+      <p:nvGrpSpPr>
+        <p:cNvPr id="1" name=""/>
+        <p:cNvGrpSpPr/>
+        <p:nvPr/>
+      </p:nvGrpSpPr>
+      <p:grpSpPr>
+        <a:xfrm>
+          <a:off x="0" y="0"/>
+          <a:ext cx="0" cy="0"/>
+          <a:chOff x="0" y="0"/>
+          <a:chExt cx="0" cy="0"/>
+        </a:xfrm>
+      </p:grpSpPr>
+      <p:sp>
+        <p:nvSpPr>
+          <p:cNvPr id="99" name="对话气泡: 圆角矩形 98">
+            <a:extLst>
+              <a:ext uri="{FF2B5EF4-FFF2-40B4-BE49-F238E27FC236}">
+                <a16:creationId xmlns:a16="http://schemas.microsoft.com/office/drawing/2014/main" id="{FE84792C-406D-4A23-8F87-137041D645BC}"/>
+              </a:ext>
+            </a:extLst>
+          </p:cNvPr>
+          <p:cNvSpPr/>
+          <p:nvPr/>
+        </p:nvSpPr>
+        <p:spPr>
+          <a:xfrm>
+            <a:off x="4923260" y="4867422"/>
+            <a:ext cx="7006143" cy="1885070"/>
+          </a:xfrm>
+          <a:prstGeom prst="wedgeRoundRectCallout">
+            <a:avLst>
+              <a:gd name="adj1" fmla="val -54966"/>
+              <a:gd name="adj2" fmla="val -54664"/>
+              <a:gd name="adj3" fmla="val 16667"/>
+            </a:avLst>
+          </a:prstGeom>
+          <a:noFill/>
+          <a:ln>
+            <a:solidFill>
+              <a:schemeClr val="accent5">
+                <a:lumMod val="60000"/>
+                <a:lumOff val="40000"/>
+              </a:schemeClr>
+            </a:solidFill>
+          </a:ln>
+        </p:spPr>
+        <p:style>
+          <a:lnRef idx="2">
+            <a:schemeClr val="accent1">
+              <a:shade val="50000"/>
+            </a:schemeClr>
+          </a:lnRef>
+          <a:fillRef idx="1">
+            <a:schemeClr val="accent1"/>
+          </a:fillRef>
+          <a:effectRef idx="0">
+            <a:schemeClr val="accent1"/>
+          </a:effectRef>
+          <a:fontRef idx="minor">
+            <a:schemeClr val="lt1"/>
+          </a:fontRef>
+        </p:style>
+        <p:txBody>
+          <a:bodyPr rtlCol="0" anchor="ctr"/>
+          <a:lstStyle/>
+          <a:p>
+            <a:pPr algn="ctr"/>
+            <a:endParaRPr lang="zh-CN" altLang="en-US"/>
+          </a:p>
+        </p:txBody>
+      </p:sp>
+      <p:sp>
+        <p:nvSpPr>
+          <p:cNvPr id="15" name="矩形: 圆角 14">
+            <a:extLst>
+              <a:ext uri="{FF2B5EF4-FFF2-40B4-BE49-F238E27FC236}">
+                <a16:creationId xmlns:a16="http://schemas.microsoft.com/office/drawing/2014/main" id="{B5A9B15F-7A3B-43B5-A220-3C6313B0209C}"/>
+              </a:ext>
+            </a:extLst>
+          </p:cNvPr>
+          <p:cNvSpPr/>
+          <p:nvPr/>
+        </p:nvSpPr>
+        <p:spPr>
+          <a:xfrm>
+            <a:off x="676712" y="5064370"/>
+            <a:ext cx="3901441" cy="1568548"/>
+          </a:xfrm>
+          <a:prstGeom prst="roundRect">
+            <a:avLst/>
+          </a:prstGeom>
+          <a:solidFill>
+            <a:schemeClr val="accent4">
+              <a:lumMod val="20000"/>
+              <a:lumOff val="80000"/>
+            </a:schemeClr>
+          </a:solidFill>
+          <a:ln>
+            <a:solidFill>
+              <a:schemeClr val="accent5">
+                <a:lumMod val="60000"/>
+                <a:lumOff val="40000"/>
+              </a:schemeClr>
+            </a:solidFill>
+          </a:ln>
+        </p:spPr>
+        <p:style>
+          <a:lnRef idx="2">
+            <a:schemeClr val="accent1">
+              <a:shade val="50000"/>
+            </a:schemeClr>
+          </a:lnRef>
+          <a:fillRef idx="1">
+            <a:schemeClr val="accent1"/>
+          </a:fillRef>
+          <a:effectRef idx="0">
+            <a:schemeClr val="accent1"/>
+          </a:effectRef>
+          <a:fontRef idx="minor">
+            <a:schemeClr val="lt1"/>
+          </a:fontRef>
+        </p:style>
+        <p:txBody>
+          <a:bodyPr rtlCol="0" anchor="b"/>
+          <a:lstStyle/>
+          <a:p>
+            <a:pPr algn="ctr"/>
+            <a:r>
+              <a:rPr lang="en-US" altLang="zh-CN" sz="1400" dirty="0" err="1">
+                <a:solidFill>
+                  <a:schemeClr val="tx1"/>
+                </a:solidFill>
+                <a:latin typeface="Microsoft JhengHei UI" panose="020B0604030504040204" pitchFamily="34" charset="-120"/>
+                <a:ea typeface="Microsoft JhengHei UI" panose="020B0604030504040204" pitchFamily="34" charset="-120"/>
+              </a:rPr>
+              <a:t>Wia</a:t>
+            </a:r>
+            <a:r>
+              <a:rPr lang="zh-CN" altLang="en-US" sz="1400" dirty="0">
+                <a:solidFill>
+                  <a:schemeClr val="tx1"/>
+                </a:solidFill>
+                <a:latin typeface="Microsoft JhengHei UI" panose="020B0604030504040204" pitchFamily="34" charset="-120"/>
+                <a:ea typeface="Microsoft JhengHei UI" panose="020B0604030504040204" pitchFamily="34" charset="-120"/>
+              </a:rPr>
+              <a:t>设备组</a:t>
+            </a:r>
+          </a:p>
+        </p:txBody>
+      </p:sp>
+      <p:sp>
+        <p:nvSpPr>
+          <p:cNvPr id="5" name="矩形: 圆角 4">
+            <a:extLst>
+              <a:ext uri="{FF2B5EF4-FFF2-40B4-BE49-F238E27FC236}">
+                <a16:creationId xmlns:a16="http://schemas.microsoft.com/office/drawing/2014/main" id="{A1A7CB06-A5FD-40A1-B035-A9D46AE237ED}"/>
+              </a:ext>
+            </a:extLst>
+          </p:cNvPr>
+          <p:cNvSpPr/>
+          <p:nvPr/>
+        </p:nvSpPr>
+        <p:spPr>
+          <a:xfrm>
+            <a:off x="747050" y="4047977"/>
+            <a:ext cx="3788898" cy="636105"/>
+          </a:xfrm>
+          <a:prstGeom prst="roundRect">
+            <a:avLst/>
+          </a:prstGeom>
+          <a:solidFill>
+            <a:schemeClr val="accent2">
+              <a:lumMod val="40000"/>
+              <a:lumOff val="60000"/>
+            </a:schemeClr>
+          </a:solidFill>
+          <a:ln>
+            <a:solidFill>
+              <a:schemeClr val="accent5">
+                <a:lumMod val="60000"/>
+                <a:lumOff val="40000"/>
+              </a:schemeClr>
+            </a:solidFill>
+          </a:ln>
+        </p:spPr>
+        <p:style>
+          <a:lnRef idx="2">
+            <a:schemeClr val="accent1">
+              <a:shade val="50000"/>
+            </a:schemeClr>
+          </a:lnRef>
+          <a:fillRef idx="1">
+            <a:schemeClr val="accent1"/>
+          </a:fillRef>
+          <a:effectRef idx="0">
+            <a:schemeClr val="accent1"/>
+          </a:effectRef>
+          <a:fontRef idx="minor">
+            <a:schemeClr val="lt1"/>
+          </a:fontRef>
+        </p:style>
+        <p:txBody>
+          <a:bodyPr rtlCol="0" anchor="ctr"/>
+          <a:lstStyle/>
+          <a:p>
+            <a:pPr algn="ctr"/>
+            <a:r>
+              <a:rPr lang="zh-CN" altLang="en-US" sz="1400" dirty="0">
+                <a:solidFill>
+                  <a:schemeClr val="tx1"/>
+                </a:solidFill>
+                <a:latin typeface="Microsoft JhengHei UI" panose="020B0604030504040204" pitchFamily="34" charset="-120"/>
+                <a:ea typeface="Microsoft JhengHei UI" panose="020B0604030504040204" pitchFamily="34" charset="-120"/>
+              </a:rPr>
+              <a:t>设备组服务器 </a:t>
+            </a:r>
+            <a:r>
+              <a:rPr lang="en-US" altLang="zh-CN" sz="1400" dirty="0">
+                <a:solidFill>
+                  <a:schemeClr val="tx1"/>
+                </a:solidFill>
+                <a:latin typeface="Microsoft JhengHei UI" panose="020B0604030504040204" pitchFamily="34" charset="-120"/>
+                <a:ea typeface="Microsoft JhengHei UI" panose="020B0604030504040204" pitchFamily="34" charset="-120"/>
+              </a:rPr>
+              <a:t>Group</a:t>
+            </a:r>
+            <a:endParaRPr lang="zh-CN" altLang="en-US" sz="1400" dirty="0">
+              <a:solidFill>
+                <a:schemeClr val="tx1"/>
+              </a:solidFill>
+              <a:latin typeface="Microsoft JhengHei UI" panose="020B0604030504040204" pitchFamily="34" charset="-120"/>
+              <a:ea typeface="Microsoft JhengHei UI" panose="020B0604030504040204" pitchFamily="34" charset="-120"/>
+            </a:endParaRPr>
+          </a:p>
+        </p:txBody>
+      </p:sp>
+      <p:sp>
+        <p:nvSpPr>
+          <p:cNvPr id="2" name="椭圆 1">
+            <a:extLst>
+              <a:ext uri="{FF2B5EF4-FFF2-40B4-BE49-F238E27FC236}">
+                <a16:creationId xmlns:a16="http://schemas.microsoft.com/office/drawing/2014/main" id="{26DCE969-5756-4E7C-BD60-D4E53C306FD9}"/>
+              </a:ext>
+            </a:extLst>
+          </p:cNvPr>
+          <p:cNvSpPr/>
+          <p:nvPr/>
+        </p:nvSpPr>
+        <p:spPr>
+          <a:xfrm>
+            <a:off x="803319" y="5764543"/>
+            <a:ext cx="506437" cy="506437"/>
+          </a:xfrm>
+          <a:prstGeom prst="ellipse">
+            <a:avLst/>
+          </a:prstGeom>
+          <a:noFill/>
+          <a:ln>
+            <a:solidFill>
+              <a:schemeClr val="accent5">
+                <a:lumMod val="60000"/>
+                <a:lumOff val="40000"/>
+              </a:schemeClr>
+            </a:solidFill>
+          </a:ln>
+        </p:spPr>
+        <p:style>
+          <a:lnRef idx="2">
+            <a:schemeClr val="accent1">
+              <a:shade val="50000"/>
+            </a:schemeClr>
+          </a:lnRef>
+          <a:fillRef idx="1">
+            <a:schemeClr val="accent1"/>
+          </a:fillRef>
+          <a:effectRef idx="0">
+            <a:schemeClr val="accent1"/>
+          </a:effectRef>
+          <a:fontRef idx="minor">
+            <a:schemeClr val="lt1"/>
+          </a:fontRef>
+        </p:style>
+        <p:txBody>
+          <a:bodyPr rtlCol="0" anchor="ctr"/>
+          <a:lstStyle/>
+          <a:p>
+            <a:pPr algn="ctr"/>
+            <a:r>
+              <a:rPr lang="en-US" altLang="zh-CN" dirty="0">
+                <a:solidFill>
+                  <a:schemeClr val="tx1"/>
+                </a:solidFill>
+              </a:rPr>
+              <a:t>A</a:t>
+            </a:r>
+            <a:endParaRPr lang="zh-CN" altLang="en-US" dirty="0">
+              <a:solidFill>
+                <a:schemeClr val="tx1"/>
+              </a:solidFill>
+            </a:endParaRPr>
+          </a:p>
+        </p:txBody>
+      </p:sp>
+      <p:sp>
+        <p:nvSpPr>
+          <p:cNvPr id="4" name="椭圆 3">
+            <a:extLst>
+              <a:ext uri="{FF2B5EF4-FFF2-40B4-BE49-F238E27FC236}">
+                <a16:creationId xmlns:a16="http://schemas.microsoft.com/office/drawing/2014/main" id="{3D27804D-B09A-4622-86CF-434A527BF16A}"/>
+              </a:ext>
+            </a:extLst>
+          </p:cNvPr>
+          <p:cNvSpPr/>
+          <p:nvPr/>
+        </p:nvSpPr>
+        <p:spPr>
+          <a:xfrm>
+            <a:off x="1859959" y="5764543"/>
+            <a:ext cx="506437" cy="506437"/>
+          </a:xfrm>
+          <a:prstGeom prst="ellipse">
+            <a:avLst/>
+          </a:prstGeom>
+          <a:noFill/>
+          <a:ln>
+            <a:solidFill>
+              <a:schemeClr val="accent5">
+                <a:lumMod val="60000"/>
+                <a:lumOff val="40000"/>
+              </a:schemeClr>
+            </a:solidFill>
+          </a:ln>
+        </p:spPr>
+        <p:style>
+          <a:lnRef idx="2">
+            <a:schemeClr val="accent1">
+              <a:shade val="50000"/>
+            </a:schemeClr>
+          </a:lnRef>
+          <a:fillRef idx="1">
+            <a:schemeClr val="accent1"/>
+          </a:fillRef>
+          <a:effectRef idx="0">
+            <a:schemeClr val="accent1"/>
+          </a:effectRef>
+          <a:fontRef idx="minor">
+            <a:schemeClr val="lt1"/>
+          </a:fontRef>
+        </p:style>
+        <p:txBody>
+          <a:bodyPr rtlCol="0" anchor="ctr"/>
+          <a:lstStyle/>
+          <a:p>
+            <a:pPr algn="ctr"/>
+            <a:r>
+              <a:rPr lang="en-US" altLang="zh-CN" dirty="0">
+                <a:solidFill>
+                  <a:schemeClr val="tx1"/>
+                </a:solidFill>
+              </a:rPr>
+              <a:t>B</a:t>
+            </a:r>
+            <a:endParaRPr lang="zh-CN" altLang="en-US" dirty="0">
+              <a:solidFill>
+                <a:schemeClr val="tx1"/>
+              </a:solidFill>
+            </a:endParaRPr>
+          </a:p>
+        </p:txBody>
+      </p:sp>
+      <p:sp>
+        <p:nvSpPr>
+          <p:cNvPr id="6" name="椭圆 5">
+            <a:extLst>
+              <a:ext uri="{FF2B5EF4-FFF2-40B4-BE49-F238E27FC236}">
+                <a16:creationId xmlns:a16="http://schemas.microsoft.com/office/drawing/2014/main" id="{AA8069BD-259A-42F3-818F-CA89A645E617}"/>
+              </a:ext>
+            </a:extLst>
+          </p:cNvPr>
+          <p:cNvSpPr/>
+          <p:nvPr/>
+        </p:nvSpPr>
+        <p:spPr>
+          <a:xfrm>
+            <a:off x="3973240" y="5764542"/>
+            <a:ext cx="506437" cy="506437"/>
+          </a:xfrm>
+          <a:prstGeom prst="ellipse">
+            <a:avLst/>
+          </a:prstGeom>
+          <a:noFill/>
+          <a:ln>
+            <a:solidFill>
+              <a:schemeClr val="accent5">
+                <a:lumMod val="60000"/>
+                <a:lumOff val="40000"/>
+              </a:schemeClr>
+            </a:solidFill>
+          </a:ln>
+        </p:spPr>
+        <p:style>
+          <a:lnRef idx="2">
+            <a:schemeClr val="accent1">
+              <a:shade val="50000"/>
+            </a:schemeClr>
+          </a:lnRef>
+          <a:fillRef idx="1">
+            <a:schemeClr val="accent1"/>
+          </a:fillRef>
+          <a:effectRef idx="0">
+            <a:schemeClr val="accent1"/>
+          </a:effectRef>
+          <a:fontRef idx="minor">
+            <a:schemeClr val="lt1"/>
+          </a:fontRef>
+        </p:style>
+        <p:txBody>
+          <a:bodyPr rtlCol="0" anchor="ctr"/>
+          <a:lstStyle/>
+          <a:p>
+            <a:pPr algn="ctr"/>
+            <a:r>
+              <a:rPr lang="en-US" altLang="zh-CN" dirty="0">
+                <a:solidFill>
+                  <a:schemeClr val="tx1"/>
+                </a:solidFill>
+              </a:rPr>
+              <a:t>D</a:t>
+            </a:r>
+            <a:endParaRPr lang="zh-CN" altLang="en-US" dirty="0">
+              <a:solidFill>
+                <a:schemeClr val="tx1"/>
+              </a:solidFill>
+            </a:endParaRPr>
+          </a:p>
+        </p:txBody>
+      </p:sp>
+      <p:sp>
+        <p:nvSpPr>
+          <p:cNvPr id="7" name="椭圆 6">
+            <a:extLst>
+              <a:ext uri="{FF2B5EF4-FFF2-40B4-BE49-F238E27FC236}">
+                <a16:creationId xmlns:a16="http://schemas.microsoft.com/office/drawing/2014/main" id="{EE39E204-F60F-4399-A8EA-D46B614B1461}"/>
+              </a:ext>
+            </a:extLst>
+          </p:cNvPr>
+          <p:cNvSpPr/>
+          <p:nvPr/>
+        </p:nvSpPr>
+        <p:spPr>
+          <a:xfrm>
+            <a:off x="2916599" y="5764543"/>
+            <a:ext cx="506437" cy="506437"/>
+          </a:xfrm>
+          <a:prstGeom prst="ellipse">
+            <a:avLst/>
+          </a:prstGeom>
+          <a:noFill/>
+          <a:ln>
+            <a:solidFill>
+              <a:schemeClr val="accent5">
+                <a:lumMod val="60000"/>
+                <a:lumOff val="40000"/>
+              </a:schemeClr>
+            </a:solidFill>
+          </a:ln>
+        </p:spPr>
+        <p:style>
+          <a:lnRef idx="2">
+            <a:schemeClr val="accent1">
+              <a:shade val="50000"/>
+            </a:schemeClr>
+          </a:lnRef>
+          <a:fillRef idx="1">
+            <a:schemeClr val="accent1"/>
+          </a:fillRef>
+          <a:effectRef idx="0">
+            <a:schemeClr val="accent1"/>
+          </a:effectRef>
+          <a:fontRef idx="minor">
+            <a:schemeClr val="lt1"/>
+          </a:fontRef>
+        </p:style>
+        <p:txBody>
+          <a:bodyPr rtlCol="0" anchor="ctr"/>
+          <a:lstStyle/>
+          <a:p>
+            <a:pPr algn="ctr"/>
+            <a:r>
+              <a:rPr lang="en-US" altLang="zh-CN" dirty="0">
+                <a:solidFill>
+                  <a:schemeClr val="tx1"/>
+                </a:solidFill>
+              </a:rPr>
+              <a:t>C</a:t>
+            </a:r>
+            <a:endParaRPr lang="zh-CN" altLang="en-US" dirty="0">
+              <a:solidFill>
+                <a:schemeClr val="tx1"/>
+              </a:solidFill>
+            </a:endParaRPr>
+          </a:p>
+        </p:txBody>
+      </p:sp>
+      <p:cxnSp>
+        <p:nvCxnSpPr>
+          <p:cNvPr id="10" name="连接符: 肘形 9">
+            <a:extLst>
+              <a:ext uri="{FF2B5EF4-FFF2-40B4-BE49-F238E27FC236}">
+                <a16:creationId xmlns:a16="http://schemas.microsoft.com/office/drawing/2014/main" id="{B70B9CBB-2B6C-4250-BCB4-534F300DDCDC}"/>
+              </a:ext>
+            </a:extLst>
+          </p:cNvPr>
+          <p:cNvCxnSpPr>
+            <a:cxnSpLocks/>
+            <a:stCxn id="5" idx="2"/>
+            <a:endCxn id="6" idx="0"/>
+          </p:cNvCxnSpPr>
+          <p:nvPr/>
+        </p:nvCxnSpPr>
+        <p:spPr>
+          <a:xfrm rot="16200000" flipH="1">
+            <a:off x="2893749" y="4431832"/>
+            <a:ext cx="1080460" cy="1584960"/>
+          </a:xfrm>
+          <a:prstGeom prst="bentConnector3">
+            <a:avLst/>
+          </a:prstGeom>
+          <a:ln w="3175">
+            <a:solidFill>
+              <a:schemeClr val="accent5">
+                <a:lumMod val="60000"/>
+                <a:lumOff val="40000"/>
+              </a:schemeClr>
+            </a:solidFill>
+            <a:prstDash val="dash"/>
+            <a:headEnd type="triangle"/>
+            <a:tailEnd type="triangle"/>
+          </a:ln>
+        </p:spPr>
+        <p:style>
+          <a:lnRef idx="1">
+            <a:schemeClr val="accent1"/>
+          </a:lnRef>
+          <a:fillRef idx="0">
+            <a:schemeClr val="accent1"/>
+          </a:fillRef>
+          <a:effectRef idx="0">
+            <a:schemeClr val="accent1"/>
+          </a:effectRef>
+          <a:fontRef idx="minor">
+            <a:schemeClr val="tx1"/>
+          </a:fontRef>
+        </p:style>
+      </p:cxnSp>
+      <p:cxnSp>
+        <p:nvCxnSpPr>
+          <p:cNvPr id="12" name="连接符: 肘形 11">
+            <a:extLst>
+              <a:ext uri="{FF2B5EF4-FFF2-40B4-BE49-F238E27FC236}">
+                <a16:creationId xmlns:a16="http://schemas.microsoft.com/office/drawing/2014/main" id="{8F2A5277-59BC-4898-B34F-31E2109C1C2A}"/>
+              </a:ext>
+            </a:extLst>
+          </p:cNvPr>
+          <p:cNvCxnSpPr>
+            <a:cxnSpLocks/>
+            <a:stCxn id="5" idx="2"/>
+            <a:endCxn id="4" idx="0"/>
+          </p:cNvCxnSpPr>
+          <p:nvPr/>
+        </p:nvCxnSpPr>
+        <p:spPr>
+          <a:xfrm rot="5400000">
+            <a:off x="1837109" y="4960152"/>
+            <a:ext cx="1080461" cy="528321"/>
+          </a:xfrm>
+          <a:prstGeom prst="bentConnector3">
+            <a:avLst/>
+          </a:prstGeom>
+          <a:ln w="3175">
+            <a:solidFill>
+              <a:schemeClr val="accent5">
+                <a:lumMod val="60000"/>
+                <a:lumOff val="40000"/>
+              </a:schemeClr>
+            </a:solidFill>
+            <a:prstDash val="dash"/>
+            <a:headEnd type="triangle"/>
+            <a:tailEnd type="triangle"/>
+          </a:ln>
+        </p:spPr>
+        <p:style>
+          <a:lnRef idx="1">
+            <a:schemeClr val="accent1"/>
+          </a:lnRef>
+          <a:fillRef idx="0">
+            <a:schemeClr val="accent1"/>
+          </a:fillRef>
+          <a:effectRef idx="0">
+            <a:schemeClr val="accent1"/>
+          </a:effectRef>
+          <a:fontRef idx="minor">
+            <a:schemeClr val="tx1"/>
+          </a:fontRef>
+        </p:style>
+      </p:cxnSp>
+      <p:cxnSp>
+        <p:nvCxnSpPr>
+          <p:cNvPr id="14" name="连接符: 肘形 13">
+            <a:extLst>
+              <a:ext uri="{FF2B5EF4-FFF2-40B4-BE49-F238E27FC236}">
+                <a16:creationId xmlns:a16="http://schemas.microsoft.com/office/drawing/2014/main" id="{AEF581A5-D2B5-497F-86EA-C66184940733}"/>
+              </a:ext>
+            </a:extLst>
+          </p:cNvPr>
+          <p:cNvCxnSpPr>
+            <a:cxnSpLocks/>
+            <a:stCxn id="5" idx="2"/>
+            <a:endCxn id="7" idx="0"/>
+          </p:cNvCxnSpPr>
+          <p:nvPr/>
+        </p:nvCxnSpPr>
+        <p:spPr>
+          <a:xfrm rot="16200000" flipH="1">
+            <a:off x="2365428" y="4960152"/>
+            <a:ext cx="1080461" cy="528319"/>
+          </a:xfrm>
+          <a:prstGeom prst="bentConnector3">
+            <a:avLst/>
+          </a:prstGeom>
+          <a:ln w="3175">
+            <a:solidFill>
+              <a:schemeClr val="accent5">
+                <a:lumMod val="60000"/>
+                <a:lumOff val="40000"/>
+              </a:schemeClr>
+            </a:solidFill>
+            <a:prstDash val="dash"/>
+            <a:headEnd type="triangle"/>
+            <a:tailEnd type="triangle"/>
+          </a:ln>
+        </p:spPr>
+        <p:style>
+          <a:lnRef idx="1">
+            <a:schemeClr val="accent1"/>
+          </a:lnRef>
+          <a:fillRef idx="0">
+            <a:schemeClr val="accent1"/>
+          </a:fillRef>
+          <a:effectRef idx="0">
+            <a:schemeClr val="accent1"/>
+          </a:effectRef>
+          <a:fontRef idx="minor">
+            <a:schemeClr val="tx1"/>
+          </a:fontRef>
+        </p:style>
+      </p:cxnSp>
+      <p:sp>
+        <p:nvSpPr>
+          <p:cNvPr id="17" name="矩形: 圆角 16">
+            <a:extLst>
+              <a:ext uri="{FF2B5EF4-FFF2-40B4-BE49-F238E27FC236}">
+                <a16:creationId xmlns:a16="http://schemas.microsoft.com/office/drawing/2014/main" id="{D9D23492-B20B-4A22-96F4-8D32B47283D7}"/>
+              </a:ext>
+            </a:extLst>
+          </p:cNvPr>
+          <p:cNvSpPr/>
+          <p:nvPr/>
+        </p:nvSpPr>
+        <p:spPr>
+          <a:xfrm>
+            <a:off x="1731788" y="594415"/>
+            <a:ext cx="9226945" cy="2723573"/>
+          </a:xfrm>
+          <a:prstGeom prst="roundRect">
+            <a:avLst/>
+          </a:prstGeom>
+          <a:noFill/>
+          <a:ln>
+            <a:solidFill>
+              <a:schemeClr val="accent5">
+                <a:lumMod val="60000"/>
+                <a:lumOff val="40000"/>
+              </a:schemeClr>
+            </a:solidFill>
+          </a:ln>
+        </p:spPr>
+        <p:style>
+          <a:lnRef idx="2">
+            <a:schemeClr val="accent1">
+              <a:shade val="50000"/>
+            </a:schemeClr>
+          </a:lnRef>
+          <a:fillRef idx="1">
+            <a:schemeClr val="accent1"/>
+          </a:fillRef>
+          <a:effectRef idx="0">
+            <a:schemeClr val="accent1"/>
+          </a:effectRef>
+          <a:fontRef idx="minor">
+            <a:schemeClr val="lt1"/>
+          </a:fontRef>
+        </p:style>
+        <p:txBody>
+          <a:bodyPr rtlCol="0" anchor="t"/>
+          <a:lstStyle/>
+          <a:p>
+            <a:r>
+              <a:rPr lang="zh-CN" altLang="en-US" sz="1400" dirty="0">
+                <a:solidFill>
+                  <a:schemeClr val="tx1"/>
+                </a:solidFill>
+                <a:latin typeface="Microsoft JhengHei UI" panose="020B0604030504040204" pitchFamily="34" charset="-120"/>
+                <a:ea typeface="Microsoft JhengHei UI" panose="020B0604030504040204" pitchFamily="34" charset="-120"/>
+              </a:rPr>
+              <a:t>设备集服务器 </a:t>
+            </a:r>
+            <a:r>
+              <a:rPr lang="en-US" altLang="zh-CN" sz="1400" dirty="0">
+                <a:solidFill>
+                  <a:schemeClr val="tx1"/>
+                </a:solidFill>
+                <a:latin typeface="Microsoft JhengHei UI" panose="020B0604030504040204" pitchFamily="34" charset="-120"/>
+                <a:ea typeface="Microsoft JhengHei UI" panose="020B0604030504040204" pitchFamily="34" charset="-120"/>
+              </a:rPr>
+              <a:t>Hub</a:t>
+            </a:r>
+            <a:endParaRPr lang="zh-CN" altLang="en-US" sz="1400" dirty="0">
+              <a:solidFill>
+                <a:schemeClr val="tx1"/>
+              </a:solidFill>
+              <a:latin typeface="Microsoft JhengHei UI" panose="020B0604030504040204" pitchFamily="34" charset="-120"/>
+              <a:ea typeface="Microsoft JhengHei UI" panose="020B0604030504040204" pitchFamily="34" charset="-120"/>
+            </a:endParaRPr>
+          </a:p>
+        </p:txBody>
+      </p:sp>
+      <p:sp>
+        <p:nvSpPr>
+          <p:cNvPr id="20" name="标注: 线形(带强调线) 19">
+            <a:extLst>
+              <a:ext uri="{FF2B5EF4-FFF2-40B4-BE49-F238E27FC236}">
+                <a16:creationId xmlns:a16="http://schemas.microsoft.com/office/drawing/2014/main" id="{3A43B1FA-39B6-425E-BBBB-0E13D61FC141}"/>
+              </a:ext>
+            </a:extLst>
+          </p:cNvPr>
+          <p:cNvSpPr/>
+          <p:nvPr/>
+        </p:nvSpPr>
+        <p:spPr>
+          <a:xfrm>
+            <a:off x="5014249" y="3662646"/>
+            <a:ext cx="1502899" cy="810115"/>
+          </a:xfrm>
+          <a:prstGeom prst="accentCallout1">
+            <a:avLst>
+              <a:gd name="adj1" fmla="val 18750"/>
+              <a:gd name="adj2" fmla="val -8333"/>
+              <a:gd name="adj3" fmla="val 105052"/>
+              <a:gd name="adj4" fmla="val -31791"/>
+            </a:avLst>
+          </a:prstGeom>
+        </p:spPr>
+        <p:style>
+          <a:lnRef idx="2">
+            <a:schemeClr val="accent1">
+              <a:shade val="50000"/>
+            </a:schemeClr>
+          </a:lnRef>
+          <a:fillRef idx="1">
+            <a:schemeClr val="accent1"/>
+          </a:fillRef>
+          <a:effectRef idx="0">
+            <a:schemeClr val="accent1"/>
+          </a:effectRef>
+          <a:fontRef idx="minor">
+            <a:schemeClr val="lt1"/>
+          </a:fontRef>
+        </p:style>
+        <p:txBody>
+          <a:bodyPr rtlCol="0" anchor="ctr"/>
+          <a:lstStyle/>
+          <a:p>
+            <a:r>
+              <a:rPr lang="en-US" altLang="zh-CN" sz="1400" dirty="0"/>
+              <a:t>SQLite</a:t>
+            </a:r>
+          </a:p>
+          <a:p>
+            <a:r>
+              <a:rPr lang="en-US" altLang="zh-CN" sz="1400" dirty="0"/>
+              <a:t>MQTT Client</a:t>
+            </a:r>
+          </a:p>
+          <a:p>
+            <a:r>
+              <a:rPr lang="en-US" altLang="zh-CN" sz="1400" dirty="0"/>
+              <a:t>Spring Boot Web</a:t>
+            </a:r>
+            <a:endParaRPr lang="zh-CN" altLang="en-US" sz="1400" dirty="0"/>
+          </a:p>
+        </p:txBody>
+      </p:sp>
+      <p:sp>
+        <p:nvSpPr>
+          <p:cNvPr id="21" name="文本框 20">
+            <a:extLst>
+              <a:ext uri="{FF2B5EF4-FFF2-40B4-BE49-F238E27FC236}">
+                <a16:creationId xmlns:a16="http://schemas.microsoft.com/office/drawing/2014/main" id="{8C638D1E-AB2A-4546-8C19-6FF25EDD4756}"/>
+              </a:ext>
+            </a:extLst>
+          </p:cNvPr>
+          <p:cNvSpPr txBox="1"/>
+          <p:nvPr/>
+        </p:nvSpPr>
+        <p:spPr>
+          <a:xfrm>
+            <a:off x="225082" y="225083"/>
+            <a:ext cx="3052690" cy="369332"/>
+          </a:xfrm>
+          <a:prstGeom prst="rect">
+            <a:avLst/>
+          </a:prstGeom>
+          <a:noFill/>
+        </p:spPr>
+        <p:txBody>
+          <a:bodyPr wrap="square" rtlCol="0">
+            <a:spAutoFit/>
+          </a:bodyPr>
+          <a:lstStyle/>
+          <a:p>
+            <a:r>
+              <a:rPr lang="en-US" altLang="zh-CN" dirty="0" err="1"/>
+              <a:t>Wia</a:t>
+            </a:r>
+            <a:r>
+              <a:rPr lang="en-US" altLang="zh-CN" dirty="0"/>
+              <a:t>-Pa </a:t>
+            </a:r>
+            <a:r>
+              <a:rPr lang="zh-CN" altLang="en-US" dirty="0"/>
+              <a:t>设备应用场景</a:t>
+            </a:r>
+          </a:p>
+        </p:txBody>
+      </p:sp>
+      <p:cxnSp>
+        <p:nvCxnSpPr>
+          <p:cNvPr id="28" name="连接符: 肘形 27">
+            <a:extLst>
+              <a:ext uri="{FF2B5EF4-FFF2-40B4-BE49-F238E27FC236}">
+                <a16:creationId xmlns:a16="http://schemas.microsoft.com/office/drawing/2014/main" id="{A3E62ADA-04EA-4648-8BFE-EC22D85917F0}"/>
+              </a:ext>
+            </a:extLst>
+          </p:cNvPr>
+          <p:cNvCxnSpPr>
+            <a:cxnSpLocks/>
+            <a:stCxn id="2" idx="0"/>
+            <a:endCxn id="5" idx="2"/>
+          </p:cNvCxnSpPr>
+          <p:nvPr/>
+        </p:nvCxnSpPr>
+        <p:spPr>
+          <a:xfrm rot="5400000" flipH="1" flipV="1">
+            <a:off x="1308788" y="4431833"/>
+            <a:ext cx="1080461" cy="1584961"/>
+          </a:xfrm>
+          <a:prstGeom prst="bentConnector3">
+            <a:avLst/>
+          </a:prstGeom>
+          <a:ln w="3175">
+            <a:solidFill>
+              <a:schemeClr val="accent5">
+                <a:lumMod val="60000"/>
+                <a:lumOff val="40000"/>
+              </a:schemeClr>
+            </a:solidFill>
+            <a:prstDash val="dash"/>
+            <a:headEnd type="triangle"/>
+            <a:tailEnd type="triangle"/>
+          </a:ln>
+        </p:spPr>
+        <p:style>
+          <a:lnRef idx="1">
+            <a:schemeClr val="accent1"/>
+          </a:lnRef>
+          <a:fillRef idx="0">
+            <a:schemeClr val="accent1"/>
+          </a:fillRef>
+          <a:effectRef idx="0">
+            <a:schemeClr val="accent1"/>
+          </a:effectRef>
+          <a:fontRef idx="minor">
+            <a:schemeClr val="tx1"/>
+          </a:fontRef>
+        </p:style>
+      </p:cxnSp>
+      <p:sp>
+        <p:nvSpPr>
+          <p:cNvPr id="39" name="矩形: 圆角 38">
+            <a:extLst>
+              <a:ext uri="{FF2B5EF4-FFF2-40B4-BE49-F238E27FC236}">
+                <a16:creationId xmlns:a16="http://schemas.microsoft.com/office/drawing/2014/main" id="{789B1D63-9A04-4047-8D74-0B749EDF7A8C}"/>
+              </a:ext>
+            </a:extLst>
+          </p:cNvPr>
+          <p:cNvSpPr/>
+          <p:nvPr/>
+        </p:nvSpPr>
+        <p:spPr>
+          <a:xfrm>
+            <a:off x="7951477" y="4047977"/>
+            <a:ext cx="2936917" cy="636105"/>
+          </a:xfrm>
+          <a:prstGeom prst="roundRect">
+            <a:avLst/>
+          </a:prstGeom>
+          <a:noFill/>
+          <a:ln>
+            <a:solidFill>
+              <a:schemeClr val="accent5">
+                <a:lumMod val="60000"/>
+                <a:lumOff val="40000"/>
+              </a:schemeClr>
+            </a:solidFill>
+          </a:ln>
+        </p:spPr>
+        <p:style>
+          <a:lnRef idx="2">
+            <a:schemeClr val="accent1">
+              <a:shade val="50000"/>
+            </a:schemeClr>
+          </a:lnRef>
+          <a:fillRef idx="1">
+            <a:schemeClr val="accent1"/>
+          </a:fillRef>
+          <a:effectRef idx="0">
+            <a:schemeClr val="accent1"/>
+          </a:effectRef>
+          <a:fontRef idx="minor">
+            <a:schemeClr val="lt1"/>
+          </a:fontRef>
+        </p:style>
+        <p:txBody>
+          <a:bodyPr rtlCol="0" anchor="ctr"/>
+          <a:lstStyle/>
+          <a:p>
+            <a:pPr algn="ctr"/>
+            <a:r>
+              <a:rPr lang="zh-CN" altLang="en-US" sz="1400" dirty="0">
+                <a:solidFill>
+                  <a:schemeClr val="tx1"/>
+                </a:solidFill>
+                <a:latin typeface="Microsoft JhengHei UI" panose="020B0604030504040204" pitchFamily="34" charset="-120"/>
+                <a:ea typeface="Microsoft JhengHei UI" panose="020B0604030504040204" pitchFamily="34" charset="-120"/>
+              </a:rPr>
+              <a:t>。。。</a:t>
+            </a:r>
+          </a:p>
+        </p:txBody>
+      </p:sp>
+      <p:cxnSp>
+        <p:nvCxnSpPr>
+          <p:cNvPr id="45" name="直接箭头连接符 44">
+            <a:extLst>
+              <a:ext uri="{FF2B5EF4-FFF2-40B4-BE49-F238E27FC236}">
+                <a16:creationId xmlns:a16="http://schemas.microsoft.com/office/drawing/2014/main" id="{83760C8D-C487-457A-B2D4-BE7D1E04D7C7}"/>
+              </a:ext>
+            </a:extLst>
+          </p:cNvPr>
+          <p:cNvCxnSpPr>
+            <a:cxnSpLocks/>
+            <a:stCxn id="39" idx="0"/>
+          </p:cNvCxnSpPr>
+          <p:nvPr/>
+        </p:nvCxnSpPr>
+        <p:spPr>
+          <a:xfrm flipV="1">
+            <a:off x="9419936" y="3317987"/>
+            <a:ext cx="1" cy="729990"/>
+          </a:xfrm>
+          <a:prstGeom prst="straightConnector1">
+            <a:avLst/>
+          </a:prstGeom>
+          <a:ln>
+            <a:solidFill>
+              <a:schemeClr val="accent5">
+                <a:lumMod val="60000"/>
+                <a:lumOff val="40000"/>
+              </a:schemeClr>
+            </a:solidFill>
+            <a:headEnd type="triangle"/>
+            <a:tailEnd type="triangle"/>
+          </a:ln>
+        </p:spPr>
+        <p:style>
+          <a:lnRef idx="1">
+            <a:schemeClr val="accent1"/>
+          </a:lnRef>
+          <a:fillRef idx="0">
+            <a:schemeClr val="accent1"/>
+          </a:fillRef>
+          <a:effectRef idx="0">
+            <a:schemeClr val="accent1"/>
+          </a:effectRef>
+          <a:fontRef idx="minor">
+            <a:schemeClr val="tx1"/>
+          </a:fontRef>
+        </p:style>
+      </p:cxnSp>
+      <p:sp>
+        <p:nvSpPr>
+          <p:cNvPr id="48" name="矩形: 圆角 47">
+            <a:extLst>
+              <a:ext uri="{FF2B5EF4-FFF2-40B4-BE49-F238E27FC236}">
+                <a16:creationId xmlns:a16="http://schemas.microsoft.com/office/drawing/2014/main" id="{9DF25354-B7EE-436F-A062-DDF18BC254A1}"/>
+              </a:ext>
+            </a:extLst>
+          </p:cNvPr>
+          <p:cNvSpPr/>
+          <p:nvPr/>
+        </p:nvSpPr>
+        <p:spPr>
+          <a:xfrm>
+            <a:off x="4736863" y="807823"/>
+            <a:ext cx="5864029" cy="1780176"/>
+          </a:xfrm>
+          <a:prstGeom prst="roundRect">
+            <a:avLst/>
+          </a:prstGeom>
+          <a:noFill/>
+          <a:ln>
+            <a:solidFill>
+              <a:schemeClr val="accent5">
+                <a:lumMod val="60000"/>
+                <a:lumOff val="40000"/>
+              </a:schemeClr>
+            </a:solidFill>
+          </a:ln>
+        </p:spPr>
+        <p:style>
+          <a:lnRef idx="2">
+            <a:schemeClr val="accent1">
+              <a:shade val="50000"/>
+            </a:schemeClr>
+          </a:lnRef>
+          <a:fillRef idx="1">
+            <a:schemeClr val="accent1"/>
+          </a:fillRef>
+          <a:effectRef idx="0">
+            <a:schemeClr val="accent1"/>
+          </a:effectRef>
+          <a:fontRef idx="minor">
+            <a:schemeClr val="lt1"/>
+          </a:fontRef>
+        </p:style>
+        <p:txBody>
+          <a:bodyPr rtlCol="0" anchor="t"/>
+          <a:lstStyle/>
+          <a:p>
+            <a:pPr algn="ctr"/>
+            <a:r>
+              <a:rPr lang="zh-CN" altLang="en-US" sz="1400" dirty="0">
+                <a:solidFill>
+                  <a:schemeClr val="tx1"/>
+                </a:solidFill>
+                <a:latin typeface="Microsoft JhengHei UI" panose="020B0604030504040204" pitchFamily="34" charset="-120"/>
+                <a:ea typeface="Microsoft JhengHei UI" panose="020B0604030504040204" pitchFamily="34" charset="-120"/>
+              </a:rPr>
+              <a:t>微服务集合</a:t>
+            </a:r>
+          </a:p>
+        </p:txBody>
+      </p:sp>
+      <p:sp>
+        <p:nvSpPr>
+          <p:cNvPr id="49" name="矩形: 圆角 48">
+            <a:extLst>
+              <a:ext uri="{FF2B5EF4-FFF2-40B4-BE49-F238E27FC236}">
+                <a16:creationId xmlns:a16="http://schemas.microsoft.com/office/drawing/2014/main" id="{FB22BDD5-827B-4D10-996B-F8A00122EEDA}"/>
+              </a:ext>
+            </a:extLst>
+          </p:cNvPr>
+          <p:cNvSpPr/>
+          <p:nvPr/>
+        </p:nvSpPr>
+        <p:spPr>
+          <a:xfrm>
+            <a:off x="4993600" y="1246499"/>
+            <a:ext cx="1708053" cy="516263"/>
+          </a:xfrm>
+          <a:prstGeom prst="roundRect">
+            <a:avLst/>
+          </a:prstGeom>
+          <a:noFill/>
+          <a:ln>
+            <a:solidFill>
+              <a:schemeClr val="accent5">
+                <a:lumMod val="60000"/>
+                <a:lumOff val="40000"/>
+              </a:schemeClr>
+            </a:solidFill>
+          </a:ln>
+        </p:spPr>
+        <p:style>
+          <a:lnRef idx="2">
+            <a:schemeClr val="accent1">
+              <a:shade val="50000"/>
+            </a:schemeClr>
+          </a:lnRef>
+          <a:fillRef idx="1">
+            <a:schemeClr val="accent1"/>
+          </a:fillRef>
+          <a:effectRef idx="0">
+            <a:schemeClr val="accent1"/>
+          </a:effectRef>
+          <a:fontRef idx="minor">
+            <a:schemeClr val="lt1"/>
+          </a:fontRef>
+        </p:style>
+        <p:txBody>
+          <a:bodyPr rtlCol="0" anchor="ctr"/>
+          <a:lstStyle/>
+          <a:p>
+            <a:pPr algn="ctr"/>
+            <a:r>
+              <a:rPr lang="zh-CN" altLang="en-US" sz="1400" dirty="0">
+                <a:solidFill>
+                  <a:schemeClr val="tx1"/>
+                </a:solidFill>
+                <a:latin typeface="Microsoft JhengHei UI" panose="020B0604030504040204" pitchFamily="34" charset="-120"/>
+                <a:ea typeface="Microsoft JhengHei UI" panose="020B0604030504040204" pitchFamily="34" charset="-120"/>
+              </a:rPr>
+              <a:t>流速计算</a:t>
+            </a:r>
+          </a:p>
+        </p:txBody>
+      </p:sp>
+      <p:sp>
+        <p:nvSpPr>
+          <p:cNvPr id="52" name="矩形: 圆角 51">
+            <a:extLst>
+              <a:ext uri="{FF2B5EF4-FFF2-40B4-BE49-F238E27FC236}">
+                <a16:creationId xmlns:a16="http://schemas.microsoft.com/office/drawing/2014/main" id="{6F605F88-620E-4CB5-B422-6EBCA5FD653D}"/>
+              </a:ext>
+            </a:extLst>
+          </p:cNvPr>
+          <p:cNvSpPr/>
+          <p:nvPr/>
+        </p:nvSpPr>
+        <p:spPr>
+          <a:xfrm>
+            <a:off x="8682853" y="1246499"/>
+            <a:ext cx="1708053" cy="516263"/>
+          </a:xfrm>
+          <a:prstGeom prst="roundRect">
+            <a:avLst/>
+          </a:prstGeom>
+          <a:noFill/>
+          <a:ln>
+            <a:solidFill>
+              <a:schemeClr val="accent5">
+                <a:lumMod val="60000"/>
+                <a:lumOff val="40000"/>
+              </a:schemeClr>
+            </a:solidFill>
+          </a:ln>
+        </p:spPr>
+        <p:style>
+          <a:lnRef idx="2">
+            <a:schemeClr val="accent1">
+              <a:shade val="50000"/>
+            </a:schemeClr>
+          </a:lnRef>
+          <a:fillRef idx="1">
+            <a:schemeClr val="accent1"/>
+          </a:fillRef>
+          <a:effectRef idx="0">
+            <a:schemeClr val="accent1"/>
+          </a:effectRef>
+          <a:fontRef idx="minor">
+            <a:schemeClr val="lt1"/>
+          </a:fontRef>
+        </p:style>
+        <p:txBody>
+          <a:bodyPr rtlCol="0" anchor="ctr"/>
+          <a:lstStyle/>
+          <a:p>
+            <a:pPr algn="ctr"/>
+            <a:r>
+              <a:rPr lang="zh-CN" altLang="en-US" sz="1400" dirty="0">
+                <a:solidFill>
+                  <a:schemeClr val="tx1"/>
+                </a:solidFill>
+                <a:latin typeface="Microsoft JhengHei UI" panose="020B0604030504040204" pitchFamily="34" charset="-120"/>
+                <a:ea typeface="Microsoft JhengHei UI" panose="020B0604030504040204" pitchFamily="34" charset="-120"/>
+              </a:rPr>
+              <a:t>数据存储</a:t>
+            </a:r>
+          </a:p>
+        </p:txBody>
+      </p:sp>
+      <p:sp>
+        <p:nvSpPr>
+          <p:cNvPr id="54" name="矩形: 圆角 53">
+            <a:extLst>
+              <a:ext uri="{FF2B5EF4-FFF2-40B4-BE49-F238E27FC236}">
+                <a16:creationId xmlns:a16="http://schemas.microsoft.com/office/drawing/2014/main" id="{B7BBE219-4D02-4033-BCD8-41551B6D59D7}"/>
+              </a:ext>
+            </a:extLst>
+          </p:cNvPr>
+          <p:cNvSpPr/>
+          <p:nvPr/>
+        </p:nvSpPr>
+        <p:spPr>
+          <a:xfrm>
+            <a:off x="6838227" y="1246499"/>
+            <a:ext cx="1708053" cy="516263"/>
+          </a:xfrm>
+          <a:prstGeom prst="roundRect">
+            <a:avLst/>
+          </a:prstGeom>
+          <a:noFill/>
+          <a:ln>
+            <a:solidFill>
+              <a:schemeClr val="accent5">
+                <a:lumMod val="60000"/>
+                <a:lumOff val="40000"/>
+              </a:schemeClr>
+            </a:solidFill>
+          </a:ln>
+        </p:spPr>
+        <p:style>
+          <a:lnRef idx="2">
+            <a:schemeClr val="accent1">
+              <a:shade val="50000"/>
+            </a:schemeClr>
+          </a:lnRef>
+          <a:fillRef idx="1">
+            <a:schemeClr val="accent1"/>
+          </a:fillRef>
+          <a:effectRef idx="0">
+            <a:schemeClr val="accent1"/>
+          </a:effectRef>
+          <a:fontRef idx="minor">
+            <a:schemeClr val="lt1"/>
+          </a:fontRef>
+        </p:style>
+        <p:txBody>
+          <a:bodyPr rtlCol="0" anchor="ctr"/>
+          <a:lstStyle/>
+          <a:p>
+            <a:pPr algn="ctr"/>
+            <a:r>
+              <a:rPr lang="en-US" altLang="zh-CN" sz="1400" dirty="0">
+                <a:solidFill>
+                  <a:schemeClr val="tx1"/>
+                </a:solidFill>
+                <a:latin typeface="Microsoft JhengHei UI" panose="020B0604030504040204" pitchFamily="34" charset="-120"/>
+                <a:ea typeface="Microsoft JhengHei UI" panose="020B0604030504040204" pitchFamily="34" charset="-120"/>
+              </a:rPr>
+              <a:t>Web</a:t>
+            </a:r>
+            <a:r>
+              <a:rPr lang="zh-CN" altLang="en-US" sz="1400" dirty="0">
+                <a:solidFill>
+                  <a:schemeClr val="tx1"/>
+                </a:solidFill>
+                <a:latin typeface="Microsoft JhengHei UI" panose="020B0604030504040204" pitchFamily="34" charset="-120"/>
+                <a:ea typeface="Microsoft JhengHei UI" panose="020B0604030504040204" pitchFamily="34" charset="-120"/>
+              </a:rPr>
+              <a:t>服务</a:t>
+            </a:r>
+          </a:p>
+        </p:txBody>
+      </p:sp>
+      <p:sp>
+        <p:nvSpPr>
+          <p:cNvPr id="58" name="矩形: 圆角 57">
+            <a:extLst>
+              <a:ext uri="{FF2B5EF4-FFF2-40B4-BE49-F238E27FC236}">
+                <a16:creationId xmlns:a16="http://schemas.microsoft.com/office/drawing/2014/main" id="{CA2B988A-B52A-44D7-A786-5FE96C640B67}"/>
+              </a:ext>
+            </a:extLst>
+          </p:cNvPr>
+          <p:cNvSpPr/>
+          <p:nvPr/>
+        </p:nvSpPr>
+        <p:spPr>
+          <a:xfrm>
+            <a:off x="4993600" y="1881209"/>
+            <a:ext cx="1708053" cy="516263"/>
+          </a:xfrm>
+          <a:prstGeom prst="roundRect">
+            <a:avLst/>
+          </a:prstGeom>
+          <a:noFill/>
+          <a:ln>
+            <a:solidFill>
+              <a:schemeClr val="accent5">
+                <a:lumMod val="60000"/>
+                <a:lumOff val="40000"/>
+              </a:schemeClr>
+            </a:solidFill>
+          </a:ln>
+        </p:spPr>
+        <p:style>
+          <a:lnRef idx="2">
+            <a:schemeClr val="accent1">
+              <a:shade val="50000"/>
+            </a:schemeClr>
+          </a:lnRef>
+          <a:fillRef idx="1">
+            <a:schemeClr val="accent1"/>
+          </a:fillRef>
+          <a:effectRef idx="0">
+            <a:schemeClr val="accent1"/>
+          </a:effectRef>
+          <a:fontRef idx="minor">
+            <a:schemeClr val="lt1"/>
+          </a:fontRef>
+        </p:style>
+        <p:txBody>
+          <a:bodyPr rtlCol="0" anchor="ctr"/>
+          <a:lstStyle/>
+          <a:p>
+            <a:pPr algn="ctr"/>
+            <a:r>
+              <a:rPr lang="zh-CN" altLang="en-US" sz="1400" dirty="0">
+                <a:solidFill>
+                  <a:schemeClr val="tx1"/>
+                </a:solidFill>
+                <a:latin typeface="Microsoft JhengHei UI" panose="020B0604030504040204" pitchFamily="34" charset="-120"/>
+                <a:ea typeface="Microsoft JhengHei UI" panose="020B0604030504040204" pitchFamily="34" charset="-120"/>
+              </a:rPr>
+              <a:t>数据统计</a:t>
+            </a:r>
+          </a:p>
+        </p:txBody>
+      </p:sp>
+      <p:sp>
+        <p:nvSpPr>
+          <p:cNvPr id="59" name="矩形: 圆角 58">
+            <a:extLst>
+              <a:ext uri="{FF2B5EF4-FFF2-40B4-BE49-F238E27FC236}">
+                <a16:creationId xmlns:a16="http://schemas.microsoft.com/office/drawing/2014/main" id="{3F2D68C2-871C-4B54-AE16-E2ADFE3B195D}"/>
+              </a:ext>
+            </a:extLst>
+          </p:cNvPr>
+          <p:cNvSpPr/>
+          <p:nvPr/>
+        </p:nvSpPr>
+        <p:spPr>
+          <a:xfrm>
+            <a:off x="8682853" y="1881209"/>
+            <a:ext cx="1708053" cy="516263"/>
+          </a:xfrm>
+          <a:prstGeom prst="roundRect">
+            <a:avLst/>
+          </a:prstGeom>
+          <a:noFill/>
+          <a:ln>
+            <a:solidFill>
+              <a:schemeClr val="accent5">
+                <a:lumMod val="60000"/>
+                <a:lumOff val="40000"/>
+              </a:schemeClr>
+            </a:solidFill>
+          </a:ln>
+        </p:spPr>
+        <p:style>
+          <a:lnRef idx="2">
+            <a:schemeClr val="accent1">
+              <a:shade val="50000"/>
+            </a:schemeClr>
+          </a:lnRef>
+          <a:fillRef idx="1">
+            <a:schemeClr val="accent1"/>
+          </a:fillRef>
+          <a:effectRef idx="0">
+            <a:schemeClr val="accent1"/>
+          </a:effectRef>
+          <a:fontRef idx="minor">
+            <a:schemeClr val="lt1"/>
+          </a:fontRef>
+        </p:style>
+        <p:txBody>
+          <a:bodyPr rtlCol="0" anchor="ctr"/>
+          <a:lstStyle/>
+          <a:p>
+            <a:pPr algn="ctr"/>
+            <a:r>
+              <a:rPr lang="en-US" altLang="zh-CN" sz="1400" dirty="0">
+                <a:solidFill>
+                  <a:schemeClr val="tx1"/>
+                </a:solidFill>
+                <a:latin typeface="Microsoft JhengHei UI" panose="020B0604030504040204" pitchFamily="34" charset="-120"/>
+                <a:ea typeface="Microsoft JhengHei UI" panose="020B0604030504040204" pitchFamily="34" charset="-120"/>
+              </a:rPr>
+              <a:t>OPC</a:t>
+            </a:r>
+            <a:endParaRPr lang="zh-CN" altLang="en-US" sz="1400" dirty="0">
+              <a:solidFill>
+                <a:schemeClr val="tx1"/>
+              </a:solidFill>
+              <a:latin typeface="Microsoft JhengHei UI" panose="020B0604030504040204" pitchFamily="34" charset="-120"/>
+              <a:ea typeface="Microsoft JhengHei UI" panose="020B0604030504040204" pitchFamily="34" charset="-120"/>
+            </a:endParaRPr>
+          </a:p>
+        </p:txBody>
+      </p:sp>
+      <p:sp>
+        <p:nvSpPr>
+          <p:cNvPr id="60" name="矩形: 圆角 59">
+            <a:extLst>
+              <a:ext uri="{FF2B5EF4-FFF2-40B4-BE49-F238E27FC236}">
+                <a16:creationId xmlns:a16="http://schemas.microsoft.com/office/drawing/2014/main" id="{819AC730-26B6-4B8C-A1C5-310FDBFD1ACD}"/>
+              </a:ext>
+            </a:extLst>
+          </p:cNvPr>
+          <p:cNvSpPr/>
+          <p:nvPr/>
+        </p:nvSpPr>
+        <p:spPr>
+          <a:xfrm>
+            <a:off x="6838227" y="1881209"/>
+            <a:ext cx="1708053" cy="516263"/>
+          </a:xfrm>
+          <a:prstGeom prst="roundRect">
+            <a:avLst/>
+          </a:prstGeom>
+          <a:noFill/>
+          <a:ln>
+            <a:solidFill>
+              <a:schemeClr val="accent5">
+                <a:lumMod val="60000"/>
+                <a:lumOff val="40000"/>
+              </a:schemeClr>
+            </a:solidFill>
+          </a:ln>
+        </p:spPr>
+        <p:style>
+          <a:lnRef idx="2">
+            <a:schemeClr val="accent1">
+              <a:shade val="50000"/>
+            </a:schemeClr>
+          </a:lnRef>
+          <a:fillRef idx="1">
+            <a:schemeClr val="accent1"/>
+          </a:fillRef>
+          <a:effectRef idx="0">
+            <a:schemeClr val="accent1"/>
+          </a:effectRef>
+          <a:fontRef idx="minor">
+            <a:schemeClr val="lt1"/>
+          </a:fontRef>
+        </p:style>
+        <p:txBody>
+          <a:bodyPr rtlCol="0" anchor="ctr"/>
+          <a:lstStyle/>
+          <a:p>
+            <a:pPr algn="ctr"/>
+            <a:r>
+              <a:rPr lang="zh-CN" altLang="en-US" sz="1400" dirty="0">
+                <a:solidFill>
+                  <a:schemeClr val="tx1"/>
+                </a:solidFill>
+                <a:latin typeface="Microsoft JhengHei UI" panose="020B0604030504040204" pitchFamily="34" charset="-120"/>
+                <a:ea typeface="Microsoft JhengHei UI" panose="020B0604030504040204" pitchFamily="34" charset="-120"/>
+              </a:rPr>
+              <a:t>设备组交服务</a:t>
+            </a:r>
+          </a:p>
+        </p:txBody>
+      </p:sp>
+      <p:sp>
+        <p:nvSpPr>
+          <p:cNvPr id="61" name="矩形: 圆角 60">
+            <a:extLst>
+              <a:ext uri="{FF2B5EF4-FFF2-40B4-BE49-F238E27FC236}">
+                <a16:creationId xmlns:a16="http://schemas.microsoft.com/office/drawing/2014/main" id="{E832638C-B915-4B6F-9480-2197C687A167}"/>
+              </a:ext>
+            </a:extLst>
+          </p:cNvPr>
+          <p:cNvSpPr/>
+          <p:nvPr/>
+        </p:nvSpPr>
+        <p:spPr>
+          <a:xfrm>
+            <a:off x="2041277" y="2706446"/>
+            <a:ext cx="8559606" cy="473155"/>
+          </a:xfrm>
+          <a:prstGeom prst="roundRect">
+            <a:avLst/>
+          </a:prstGeom>
+          <a:solidFill>
+            <a:schemeClr val="accent6">
+              <a:lumMod val="40000"/>
+              <a:lumOff val="60000"/>
+            </a:schemeClr>
+          </a:solidFill>
+          <a:ln>
+            <a:solidFill>
+              <a:schemeClr val="accent5">
+                <a:lumMod val="60000"/>
+                <a:lumOff val="40000"/>
+              </a:schemeClr>
+            </a:solidFill>
+          </a:ln>
+        </p:spPr>
+        <p:style>
+          <a:lnRef idx="2">
+            <a:schemeClr val="accent1">
+              <a:shade val="50000"/>
+            </a:schemeClr>
+          </a:lnRef>
+          <a:fillRef idx="1">
+            <a:schemeClr val="accent1"/>
+          </a:fillRef>
+          <a:effectRef idx="0">
+            <a:schemeClr val="accent1"/>
+          </a:effectRef>
+          <a:fontRef idx="minor">
+            <a:schemeClr val="lt1"/>
+          </a:fontRef>
+        </p:style>
+        <p:txBody>
+          <a:bodyPr rtlCol="0" anchor="ctr"/>
+          <a:lstStyle/>
+          <a:p>
+            <a:pPr algn="ctr"/>
+            <a:r>
+              <a:rPr lang="zh-CN" altLang="en-US" sz="1400" dirty="0">
+                <a:solidFill>
+                  <a:schemeClr val="tx1"/>
+                </a:solidFill>
+                <a:latin typeface="Microsoft JhengHei UI" panose="020B0604030504040204" pitchFamily="34" charset="-120"/>
+                <a:ea typeface="Microsoft JhengHei UI" panose="020B0604030504040204" pitchFamily="34" charset="-120"/>
+              </a:rPr>
+              <a:t>消息组件服务中心</a:t>
+            </a:r>
+          </a:p>
+        </p:txBody>
+      </p:sp>
+      <p:sp>
+        <p:nvSpPr>
+          <p:cNvPr id="62" name="箭头: 燕尾形 61">
+            <a:extLst>
+              <a:ext uri="{FF2B5EF4-FFF2-40B4-BE49-F238E27FC236}">
+                <a16:creationId xmlns:a16="http://schemas.microsoft.com/office/drawing/2014/main" id="{92675500-3FE0-462F-B8BF-6258DDB4783B}"/>
+              </a:ext>
+            </a:extLst>
+          </p:cNvPr>
+          <p:cNvSpPr/>
+          <p:nvPr/>
+        </p:nvSpPr>
+        <p:spPr>
+          <a:xfrm rot="16200000">
+            <a:off x="7485997" y="2476858"/>
+            <a:ext cx="365760" cy="254288"/>
+          </a:xfrm>
+          <a:prstGeom prst="notchedRightArrow">
+            <a:avLst/>
+          </a:prstGeom>
+          <a:noFill/>
+        </p:spPr>
+        <p:style>
+          <a:lnRef idx="2">
+            <a:schemeClr val="accent1">
+              <a:shade val="50000"/>
+            </a:schemeClr>
+          </a:lnRef>
+          <a:fillRef idx="1">
+            <a:schemeClr val="accent1"/>
+          </a:fillRef>
+          <a:effectRef idx="0">
+            <a:schemeClr val="accent1"/>
+          </a:effectRef>
+          <a:fontRef idx="minor">
+            <a:schemeClr val="lt1"/>
+          </a:fontRef>
+        </p:style>
+        <p:txBody>
+          <a:bodyPr rtlCol="0" anchor="ctr"/>
+          <a:lstStyle/>
+          <a:p>
+            <a:pPr algn="ctr"/>
+            <a:endParaRPr lang="zh-CN" altLang="en-US"/>
+          </a:p>
+        </p:txBody>
+      </p:sp>
+      <p:sp>
+        <p:nvSpPr>
+          <p:cNvPr id="63" name="箭头: 左右 62">
+            <a:extLst>
+              <a:ext uri="{FF2B5EF4-FFF2-40B4-BE49-F238E27FC236}">
+                <a16:creationId xmlns:a16="http://schemas.microsoft.com/office/drawing/2014/main" id="{9C88B08A-AF6E-4EBA-BFDC-E3BB4453FFA3}"/>
+              </a:ext>
+            </a:extLst>
+          </p:cNvPr>
+          <p:cNvSpPr/>
+          <p:nvPr/>
+        </p:nvSpPr>
+        <p:spPr>
+          <a:xfrm rot="16200000">
+            <a:off x="2292576" y="3514399"/>
+            <a:ext cx="636070" cy="337166"/>
+          </a:xfrm>
+          <a:prstGeom prst="leftRightArrow">
+            <a:avLst/>
+          </a:prstGeom>
+          <a:noFill/>
+        </p:spPr>
+        <p:style>
+          <a:lnRef idx="2">
+            <a:schemeClr val="accent1">
+              <a:shade val="50000"/>
+            </a:schemeClr>
+          </a:lnRef>
+          <a:fillRef idx="1">
+            <a:schemeClr val="accent1"/>
+          </a:fillRef>
+          <a:effectRef idx="0">
+            <a:schemeClr val="accent1"/>
+          </a:effectRef>
+          <a:fontRef idx="minor">
+            <a:schemeClr val="lt1"/>
+          </a:fontRef>
+        </p:style>
+        <p:txBody>
+          <a:bodyPr rtlCol="0" anchor="ctr"/>
+          <a:lstStyle/>
+          <a:p>
+            <a:pPr algn="ctr"/>
+            <a:endParaRPr lang="zh-CN" altLang="en-US"/>
+          </a:p>
+        </p:txBody>
+      </p:sp>
+      <p:sp>
+        <p:nvSpPr>
+          <p:cNvPr id="64" name="矩形: 圆角 63">
+            <a:extLst>
+              <a:ext uri="{FF2B5EF4-FFF2-40B4-BE49-F238E27FC236}">
+                <a16:creationId xmlns:a16="http://schemas.microsoft.com/office/drawing/2014/main" id="{7A5F56C0-D937-45F4-A050-18121E602EA6}"/>
+              </a:ext>
+            </a:extLst>
+          </p:cNvPr>
+          <p:cNvSpPr/>
+          <p:nvPr/>
+        </p:nvSpPr>
+        <p:spPr>
+          <a:xfrm>
+            <a:off x="2098654" y="1233477"/>
+            <a:ext cx="2271504" cy="473155"/>
+          </a:xfrm>
+          <a:prstGeom prst="roundRect">
+            <a:avLst/>
+          </a:prstGeom>
+          <a:solidFill>
+            <a:schemeClr val="accent4">
+              <a:lumMod val="40000"/>
+              <a:lumOff val="60000"/>
+            </a:schemeClr>
+          </a:solidFill>
+          <a:ln>
+            <a:solidFill>
+              <a:schemeClr val="accent5">
+                <a:lumMod val="60000"/>
+                <a:lumOff val="40000"/>
+              </a:schemeClr>
+            </a:solidFill>
+          </a:ln>
+        </p:spPr>
+        <p:style>
+          <a:lnRef idx="2">
+            <a:schemeClr val="accent1">
+              <a:shade val="50000"/>
+            </a:schemeClr>
+          </a:lnRef>
+          <a:fillRef idx="1">
+            <a:schemeClr val="accent1"/>
+          </a:fillRef>
+          <a:effectRef idx="0">
+            <a:schemeClr val="accent1"/>
+          </a:effectRef>
+          <a:fontRef idx="minor">
+            <a:schemeClr val="lt1"/>
+          </a:fontRef>
+        </p:style>
+        <p:txBody>
+          <a:bodyPr rtlCol="0" anchor="ctr"/>
+          <a:lstStyle/>
+          <a:p>
+            <a:pPr algn="ctr"/>
+            <a:r>
+              <a:rPr lang="zh-CN" altLang="en-US" sz="1400" dirty="0">
+                <a:solidFill>
+                  <a:schemeClr val="tx1"/>
+                </a:solidFill>
+                <a:latin typeface="Microsoft JhengHei UI" panose="020B0604030504040204" pitchFamily="34" charset="-120"/>
+                <a:ea typeface="Microsoft JhengHei UI" panose="020B0604030504040204" pitchFamily="34" charset="-120"/>
+              </a:rPr>
+              <a:t>服务发现</a:t>
+            </a:r>
+            <a:r>
+              <a:rPr lang="en-US" altLang="zh-CN" sz="1400" dirty="0">
+                <a:solidFill>
+                  <a:schemeClr val="tx1"/>
+                </a:solidFill>
+                <a:latin typeface="Microsoft JhengHei UI" panose="020B0604030504040204" pitchFamily="34" charset="-120"/>
+                <a:ea typeface="Microsoft JhengHei UI" panose="020B0604030504040204" pitchFamily="34" charset="-120"/>
+              </a:rPr>
+              <a:t>/</a:t>
+            </a:r>
+            <a:r>
+              <a:rPr lang="zh-CN" altLang="en-US" sz="1400" dirty="0">
+                <a:solidFill>
+                  <a:schemeClr val="tx1"/>
+                </a:solidFill>
+                <a:latin typeface="Microsoft JhengHei UI" panose="020B0604030504040204" pitchFamily="34" charset="-120"/>
+                <a:ea typeface="Microsoft JhengHei UI" panose="020B0604030504040204" pitchFamily="34" charset="-120"/>
+              </a:rPr>
+              <a:t>注册中心</a:t>
+            </a:r>
+          </a:p>
+        </p:txBody>
+      </p:sp>
+      <p:sp>
+        <p:nvSpPr>
+          <p:cNvPr id="67" name="矩形: 圆角 66">
+            <a:extLst>
+              <a:ext uri="{FF2B5EF4-FFF2-40B4-BE49-F238E27FC236}">
+                <a16:creationId xmlns:a16="http://schemas.microsoft.com/office/drawing/2014/main" id="{201C2DB7-9FA1-4CBB-B76E-92628D30BD6C}"/>
+              </a:ext>
+            </a:extLst>
+          </p:cNvPr>
+          <p:cNvSpPr/>
+          <p:nvPr/>
+        </p:nvSpPr>
+        <p:spPr>
+          <a:xfrm>
+            <a:off x="2098654" y="1838070"/>
+            <a:ext cx="1084645" cy="509692"/>
+          </a:xfrm>
+          <a:prstGeom prst="roundRect">
+            <a:avLst/>
+          </a:prstGeom>
+          <a:solidFill>
+            <a:schemeClr val="accent4">
+              <a:lumMod val="40000"/>
+              <a:lumOff val="60000"/>
+            </a:schemeClr>
+          </a:solidFill>
+          <a:ln>
+            <a:solidFill>
+              <a:schemeClr val="accent5">
+                <a:lumMod val="60000"/>
+                <a:lumOff val="40000"/>
+              </a:schemeClr>
+            </a:solidFill>
+          </a:ln>
+        </p:spPr>
+        <p:style>
+          <a:lnRef idx="2">
+            <a:schemeClr val="accent1">
+              <a:shade val="50000"/>
+            </a:schemeClr>
+          </a:lnRef>
+          <a:fillRef idx="1">
+            <a:schemeClr val="accent1"/>
+          </a:fillRef>
+          <a:effectRef idx="0">
+            <a:schemeClr val="accent1"/>
+          </a:effectRef>
+          <a:fontRef idx="minor">
+            <a:schemeClr val="lt1"/>
+          </a:fontRef>
+        </p:style>
+        <p:txBody>
+          <a:bodyPr rtlCol="0" anchor="ctr"/>
+          <a:lstStyle/>
+          <a:p>
+            <a:pPr algn="ctr"/>
+            <a:r>
+              <a:rPr lang="zh-CN" altLang="en-US" sz="1400" dirty="0">
+                <a:solidFill>
+                  <a:schemeClr val="tx1"/>
+                </a:solidFill>
+                <a:latin typeface="Microsoft JhengHei UI" panose="020B0604030504040204" pitchFamily="34" charset="-120"/>
+                <a:ea typeface="Microsoft JhengHei UI" panose="020B0604030504040204" pitchFamily="34" charset="-120"/>
+              </a:rPr>
+              <a:t>数据中心</a:t>
+            </a:r>
+          </a:p>
+        </p:txBody>
+      </p:sp>
+      <p:sp>
+        <p:nvSpPr>
+          <p:cNvPr id="69" name="矩形: 圆角 68">
+            <a:extLst>
+              <a:ext uri="{FF2B5EF4-FFF2-40B4-BE49-F238E27FC236}">
+                <a16:creationId xmlns:a16="http://schemas.microsoft.com/office/drawing/2014/main" id="{5CAC5F24-B040-48DF-8293-636FAA5E7779}"/>
+              </a:ext>
+            </a:extLst>
+          </p:cNvPr>
+          <p:cNvSpPr/>
+          <p:nvPr/>
+        </p:nvSpPr>
+        <p:spPr>
+          <a:xfrm>
+            <a:off x="3262929" y="1838070"/>
+            <a:ext cx="1107229" cy="509692"/>
+          </a:xfrm>
+          <a:prstGeom prst="roundRect">
+            <a:avLst/>
+          </a:prstGeom>
+          <a:solidFill>
+            <a:schemeClr val="accent4">
+              <a:lumMod val="40000"/>
+              <a:lumOff val="60000"/>
+            </a:schemeClr>
+          </a:solidFill>
+          <a:ln>
+            <a:solidFill>
+              <a:schemeClr val="accent5">
+                <a:lumMod val="60000"/>
+                <a:lumOff val="40000"/>
+              </a:schemeClr>
+            </a:solidFill>
+          </a:ln>
+        </p:spPr>
+        <p:style>
+          <a:lnRef idx="2">
+            <a:schemeClr val="accent1">
+              <a:shade val="50000"/>
+            </a:schemeClr>
+          </a:lnRef>
+          <a:fillRef idx="1">
+            <a:schemeClr val="accent1"/>
+          </a:fillRef>
+          <a:effectRef idx="0">
+            <a:schemeClr val="accent1"/>
+          </a:effectRef>
+          <a:fontRef idx="minor">
+            <a:schemeClr val="lt1"/>
+          </a:fontRef>
+        </p:style>
+        <p:txBody>
+          <a:bodyPr rtlCol="0" anchor="ctr"/>
+          <a:lstStyle/>
+          <a:p>
+            <a:pPr algn="ctr"/>
+            <a:r>
+              <a:rPr lang="zh-CN" altLang="en-US" sz="1400" dirty="0">
+                <a:solidFill>
+                  <a:schemeClr val="tx1"/>
+                </a:solidFill>
+                <a:latin typeface="Microsoft JhengHei UI" panose="020B0604030504040204" pitchFamily="34" charset="-120"/>
+                <a:ea typeface="Microsoft JhengHei UI" panose="020B0604030504040204" pitchFamily="34" charset="-120"/>
+              </a:rPr>
+              <a:t>监控中心</a:t>
+            </a:r>
+          </a:p>
+        </p:txBody>
+      </p:sp>
+      <p:sp>
+        <p:nvSpPr>
+          <p:cNvPr id="72" name="箭头: 右弧形 71">
+            <a:extLst>
+              <a:ext uri="{FF2B5EF4-FFF2-40B4-BE49-F238E27FC236}">
+                <a16:creationId xmlns:a16="http://schemas.microsoft.com/office/drawing/2014/main" id="{12D7F96B-46B1-4EAA-BE28-F584872E6A86}"/>
+              </a:ext>
+            </a:extLst>
+          </p:cNvPr>
+          <p:cNvSpPr/>
+          <p:nvPr/>
+        </p:nvSpPr>
+        <p:spPr>
+          <a:xfrm>
+            <a:off x="4470275" y="1448972"/>
+            <a:ext cx="434968" cy="751037"/>
+          </a:xfrm>
+          <a:prstGeom prst="curvedLeftArrow">
+            <a:avLst/>
+          </a:prstGeom>
+          <a:noFill/>
+        </p:spPr>
+        <p:style>
+          <a:lnRef idx="2">
+            <a:schemeClr val="accent1">
+              <a:shade val="50000"/>
+            </a:schemeClr>
+          </a:lnRef>
+          <a:fillRef idx="1">
+            <a:schemeClr val="accent1"/>
+          </a:fillRef>
+          <a:effectRef idx="0">
+            <a:schemeClr val="accent1"/>
+          </a:effectRef>
+          <a:fontRef idx="minor">
+            <a:schemeClr val="lt1"/>
+          </a:fontRef>
+        </p:style>
+        <p:txBody>
+          <a:bodyPr rtlCol="0" anchor="ctr"/>
+          <a:lstStyle/>
+          <a:p>
+            <a:pPr algn="ctr"/>
+            <a:endParaRPr lang="zh-CN" altLang="en-US">
+              <a:solidFill>
+                <a:schemeClr val="tx1"/>
+              </a:solidFill>
+            </a:endParaRPr>
+          </a:p>
+        </p:txBody>
+      </p:sp>
+      <p:sp>
+        <p:nvSpPr>
+          <p:cNvPr id="73" name="矩形: 圆角 72">
+            <a:extLst>
+              <a:ext uri="{FF2B5EF4-FFF2-40B4-BE49-F238E27FC236}">
+                <a16:creationId xmlns:a16="http://schemas.microsoft.com/office/drawing/2014/main" id="{FCC70B57-33C8-48C9-8EE8-BD899C49F859}"/>
+              </a:ext>
+            </a:extLst>
+          </p:cNvPr>
+          <p:cNvSpPr/>
+          <p:nvPr/>
+        </p:nvSpPr>
+        <p:spPr>
+          <a:xfrm>
+            <a:off x="5126788" y="5903550"/>
+            <a:ext cx="1022116" cy="516263"/>
+          </a:xfrm>
+          <a:prstGeom prst="roundRect">
+            <a:avLst/>
+          </a:prstGeom>
+          <a:noFill/>
+          <a:ln>
+            <a:solidFill>
+              <a:schemeClr val="accent5">
+                <a:lumMod val="60000"/>
+                <a:lumOff val="40000"/>
+              </a:schemeClr>
+            </a:solidFill>
+          </a:ln>
+        </p:spPr>
+        <p:style>
+          <a:lnRef idx="2">
+            <a:schemeClr val="accent1">
+              <a:shade val="50000"/>
+            </a:schemeClr>
+          </a:lnRef>
+          <a:fillRef idx="1">
+            <a:schemeClr val="accent1"/>
+          </a:fillRef>
+          <a:effectRef idx="0">
+            <a:schemeClr val="accent1"/>
+          </a:effectRef>
+          <a:fontRef idx="minor">
+            <a:schemeClr val="lt1"/>
+          </a:fontRef>
+        </p:style>
+        <p:txBody>
+          <a:bodyPr rtlCol="0" anchor="ctr"/>
+          <a:lstStyle/>
+          <a:p>
+            <a:pPr algn="ctr"/>
+            <a:r>
+              <a:rPr lang="zh-CN" altLang="en-US" sz="1400" dirty="0">
+                <a:solidFill>
+                  <a:schemeClr val="tx1"/>
+                </a:solidFill>
+                <a:latin typeface="Microsoft JhengHei UI" panose="020B0604030504040204" pitchFamily="34" charset="-120"/>
+                <a:ea typeface="Microsoft JhengHei UI" panose="020B0604030504040204" pitchFamily="34" charset="-120"/>
+              </a:rPr>
+              <a:t>源数据</a:t>
+            </a:r>
+          </a:p>
+        </p:txBody>
+      </p:sp>
+      <p:sp>
+        <p:nvSpPr>
+          <p:cNvPr id="74" name="矩形: 圆角 73">
+            <a:extLst>
+              <a:ext uri="{FF2B5EF4-FFF2-40B4-BE49-F238E27FC236}">
+                <a16:creationId xmlns:a16="http://schemas.microsoft.com/office/drawing/2014/main" id="{9F63DB35-ABEA-4F46-BFD1-5E9BA4621CCC}"/>
+              </a:ext>
+            </a:extLst>
+          </p:cNvPr>
+          <p:cNvSpPr/>
+          <p:nvPr/>
+        </p:nvSpPr>
+        <p:spPr>
+          <a:xfrm>
+            <a:off x="6481429" y="5903550"/>
+            <a:ext cx="1251901" cy="516263"/>
+          </a:xfrm>
+          <a:prstGeom prst="roundRect">
+            <a:avLst/>
+          </a:prstGeom>
+          <a:noFill/>
+          <a:ln>
+            <a:solidFill>
+              <a:schemeClr val="accent5">
+                <a:lumMod val="60000"/>
+                <a:lumOff val="40000"/>
+              </a:schemeClr>
+            </a:solidFill>
+          </a:ln>
+        </p:spPr>
+        <p:style>
+          <a:lnRef idx="2">
+            <a:schemeClr val="accent1">
+              <a:shade val="50000"/>
+            </a:schemeClr>
+          </a:lnRef>
+          <a:fillRef idx="1">
+            <a:schemeClr val="accent1"/>
+          </a:fillRef>
+          <a:effectRef idx="0">
+            <a:schemeClr val="accent1"/>
+          </a:effectRef>
+          <a:fontRef idx="minor">
+            <a:schemeClr val="lt1"/>
+          </a:fontRef>
+        </p:style>
+        <p:txBody>
+          <a:bodyPr rtlCol="0" anchor="ctr"/>
+          <a:lstStyle/>
+          <a:p>
+            <a:pPr algn="ctr"/>
+            <a:r>
+              <a:rPr lang="zh-CN" altLang="en-US" sz="1400" dirty="0">
+                <a:solidFill>
+                  <a:schemeClr val="tx1"/>
+                </a:solidFill>
+                <a:latin typeface="Microsoft JhengHei UI" panose="020B0604030504040204" pitchFamily="34" charset="-120"/>
+                <a:ea typeface="Microsoft JhengHei UI" panose="020B0604030504040204" pitchFamily="34" charset="-120"/>
+              </a:rPr>
+              <a:t>数据分类</a:t>
+            </a:r>
+          </a:p>
+        </p:txBody>
+      </p:sp>
+      <p:sp>
+        <p:nvSpPr>
+          <p:cNvPr id="75" name="矩形: 圆角 74">
+            <a:extLst>
+              <a:ext uri="{FF2B5EF4-FFF2-40B4-BE49-F238E27FC236}">
+                <a16:creationId xmlns:a16="http://schemas.microsoft.com/office/drawing/2014/main" id="{2EA73AFD-4800-4D94-BD89-657F4BAEF985}"/>
+              </a:ext>
+            </a:extLst>
+          </p:cNvPr>
+          <p:cNvSpPr/>
+          <p:nvPr/>
+        </p:nvSpPr>
+        <p:spPr>
+          <a:xfrm>
+            <a:off x="8025074" y="5903550"/>
+            <a:ext cx="1538481" cy="516263"/>
+          </a:xfrm>
+          <a:prstGeom prst="roundRect">
+            <a:avLst/>
+          </a:prstGeom>
+          <a:noFill/>
+          <a:ln>
+            <a:solidFill>
+              <a:schemeClr val="accent5">
+                <a:lumMod val="60000"/>
+                <a:lumOff val="40000"/>
+              </a:schemeClr>
+            </a:solidFill>
+          </a:ln>
+        </p:spPr>
+        <p:style>
+          <a:lnRef idx="2">
+            <a:schemeClr val="accent1">
+              <a:shade val="50000"/>
+            </a:schemeClr>
+          </a:lnRef>
+          <a:fillRef idx="1">
+            <a:schemeClr val="accent1"/>
+          </a:fillRef>
+          <a:effectRef idx="0">
+            <a:schemeClr val="accent1"/>
+          </a:effectRef>
+          <a:fontRef idx="minor">
+            <a:schemeClr val="lt1"/>
+          </a:fontRef>
+        </p:style>
+        <p:txBody>
+          <a:bodyPr rtlCol="0" anchor="ctr"/>
+          <a:lstStyle/>
+          <a:p>
+            <a:pPr algn="ctr"/>
+            <a:r>
+              <a:rPr lang="zh-CN" altLang="en-US" sz="1400" dirty="0">
+                <a:solidFill>
+                  <a:schemeClr val="tx1"/>
+                </a:solidFill>
+                <a:latin typeface="Microsoft JhengHei UI" panose="020B0604030504040204" pitchFamily="34" charset="-120"/>
+                <a:ea typeface="Microsoft JhengHei UI" panose="020B0604030504040204" pitchFamily="34" charset="-120"/>
+              </a:rPr>
+              <a:t>筛选设备数据</a:t>
+            </a:r>
+          </a:p>
+        </p:txBody>
+      </p:sp>
+      <p:sp>
+        <p:nvSpPr>
+          <p:cNvPr id="76" name="矩形: 圆角 75">
+            <a:extLst>
+              <a:ext uri="{FF2B5EF4-FFF2-40B4-BE49-F238E27FC236}">
+                <a16:creationId xmlns:a16="http://schemas.microsoft.com/office/drawing/2014/main" id="{9B79848F-DEB1-4613-8D1E-2AC005D38DDF}"/>
+              </a:ext>
+            </a:extLst>
+          </p:cNvPr>
+          <p:cNvSpPr/>
+          <p:nvPr/>
+        </p:nvSpPr>
+        <p:spPr>
+          <a:xfrm>
+            <a:off x="9855299" y="5903550"/>
+            <a:ext cx="1538481" cy="516263"/>
+          </a:xfrm>
+          <a:prstGeom prst="roundRect">
+            <a:avLst/>
+          </a:prstGeom>
+          <a:noFill/>
+          <a:ln>
+            <a:solidFill>
+              <a:schemeClr val="accent5">
+                <a:lumMod val="60000"/>
+                <a:lumOff val="40000"/>
+              </a:schemeClr>
+            </a:solidFill>
+          </a:ln>
+        </p:spPr>
+        <p:style>
+          <a:lnRef idx="2">
+            <a:schemeClr val="accent1">
+              <a:shade val="50000"/>
+            </a:schemeClr>
+          </a:lnRef>
+          <a:fillRef idx="1">
+            <a:schemeClr val="accent1"/>
+          </a:fillRef>
+          <a:effectRef idx="0">
+            <a:schemeClr val="accent1"/>
+          </a:effectRef>
+          <a:fontRef idx="minor">
+            <a:schemeClr val="lt1"/>
+          </a:fontRef>
+        </p:style>
+        <p:txBody>
+          <a:bodyPr rtlCol="0" anchor="ctr"/>
+          <a:lstStyle/>
+          <a:p>
+            <a:pPr algn="ctr"/>
+            <a:r>
+              <a:rPr lang="zh-CN" altLang="en-US" sz="1400" dirty="0">
+                <a:solidFill>
+                  <a:schemeClr val="tx1"/>
+                </a:solidFill>
+                <a:latin typeface="Microsoft JhengHei UI" panose="020B0604030504040204" pitchFamily="34" charset="-120"/>
+                <a:ea typeface="Microsoft JhengHei UI" panose="020B0604030504040204" pitchFamily="34" charset="-120"/>
+              </a:rPr>
+              <a:t>匹配解析规则</a:t>
+            </a:r>
+          </a:p>
+        </p:txBody>
+      </p:sp>
+      <p:sp>
+        <p:nvSpPr>
+          <p:cNvPr id="77" name="矩形: 圆角 76">
+            <a:extLst>
+              <a:ext uri="{FF2B5EF4-FFF2-40B4-BE49-F238E27FC236}">
+                <a16:creationId xmlns:a16="http://schemas.microsoft.com/office/drawing/2014/main" id="{E74DE84F-56DB-4B6C-82EE-16907F79395A}"/>
+              </a:ext>
+            </a:extLst>
+          </p:cNvPr>
+          <p:cNvSpPr/>
+          <p:nvPr/>
+        </p:nvSpPr>
+        <p:spPr>
+          <a:xfrm>
+            <a:off x="9981906" y="5117429"/>
+            <a:ext cx="1044262" cy="516263"/>
+          </a:xfrm>
+          <a:prstGeom prst="roundRect">
+            <a:avLst/>
+          </a:prstGeom>
+          <a:noFill/>
+          <a:ln>
+            <a:solidFill>
+              <a:schemeClr val="accent5">
+                <a:lumMod val="60000"/>
+                <a:lumOff val="40000"/>
+              </a:schemeClr>
+            </a:solidFill>
+          </a:ln>
+        </p:spPr>
+        <p:style>
+          <a:lnRef idx="2">
+            <a:schemeClr val="accent1">
+              <a:shade val="50000"/>
+            </a:schemeClr>
+          </a:lnRef>
+          <a:fillRef idx="1">
+            <a:schemeClr val="accent1"/>
+          </a:fillRef>
+          <a:effectRef idx="0">
+            <a:schemeClr val="accent1"/>
+          </a:effectRef>
+          <a:fontRef idx="minor">
+            <a:schemeClr val="lt1"/>
+          </a:fontRef>
+        </p:style>
+        <p:txBody>
+          <a:bodyPr rtlCol="0" anchor="ctr"/>
+          <a:lstStyle/>
+          <a:p>
+            <a:pPr algn="ctr"/>
+            <a:r>
+              <a:rPr lang="zh-CN" altLang="en-US" sz="1400" dirty="0">
+                <a:solidFill>
+                  <a:schemeClr val="tx1"/>
+                </a:solidFill>
+                <a:latin typeface="Microsoft JhengHei UI" panose="020B0604030504040204" pitchFamily="34" charset="-120"/>
+                <a:ea typeface="Microsoft JhengHei UI" panose="020B0604030504040204" pitchFamily="34" charset="-120"/>
+              </a:rPr>
+              <a:t>解析数据</a:t>
+            </a:r>
+          </a:p>
+        </p:txBody>
+      </p:sp>
+      <p:sp>
+        <p:nvSpPr>
+          <p:cNvPr id="78" name="矩形: 圆角 77">
+            <a:extLst>
+              <a:ext uri="{FF2B5EF4-FFF2-40B4-BE49-F238E27FC236}">
+                <a16:creationId xmlns:a16="http://schemas.microsoft.com/office/drawing/2014/main" id="{8FD8DAAC-D7DF-4613-A838-26D0483E4190}"/>
+              </a:ext>
+            </a:extLst>
+          </p:cNvPr>
+          <p:cNvSpPr/>
+          <p:nvPr/>
+        </p:nvSpPr>
+        <p:spPr>
+          <a:xfrm>
+            <a:off x="8398928" y="5117429"/>
+            <a:ext cx="1303507" cy="516263"/>
+          </a:xfrm>
+          <a:prstGeom prst="roundRect">
+            <a:avLst/>
+          </a:prstGeom>
+          <a:noFill/>
+          <a:ln>
+            <a:solidFill>
+              <a:schemeClr val="accent5">
+                <a:lumMod val="60000"/>
+                <a:lumOff val="40000"/>
+              </a:schemeClr>
+            </a:solidFill>
+          </a:ln>
+        </p:spPr>
+        <p:style>
+          <a:lnRef idx="2">
+            <a:schemeClr val="accent1">
+              <a:shade val="50000"/>
+            </a:schemeClr>
+          </a:lnRef>
+          <a:fillRef idx="1">
+            <a:schemeClr val="accent1"/>
+          </a:fillRef>
+          <a:effectRef idx="0">
+            <a:schemeClr val="accent1"/>
+          </a:effectRef>
+          <a:fontRef idx="minor">
+            <a:schemeClr val="lt1"/>
+          </a:fontRef>
+        </p:style>
+        <p:txBody>
+          <a:bodyPr rtlCol="0" anchor="ctr"/>
+          <a:lstStyle/>
+          <a:p>
+            <a:pPr algn="ctr"/>
+            <a:r>
+              <a:rPr lang="zh-CN" altLang="en-US" sz="1400" dirty="0">
+                <a:solidFill>
+                  <a:schemeClr val="tx1"/>
+                </a:solidFill>
+                <a:latin typeface="Microsoft JhengHei UI" panose="020B0604030504040204" pitchFamily="34" charset="-120"/>
+                <a:ea typeface="Microsoft JhengHei UI" panose="020B0604030504040204" pitchFamily="34" charset="-120"/>
+              </a:rPr>
+              <a:t>正确性校验</a:t>
+            </a:r>
+          </a:p>
+        </p:txBody>
+      </p:sp>
+      <p:sp>
+        <p:nvSpPr>
+          <p:cNvPr id="79" name="矩形: 圆角 78">
+            <a:extLst>
+              <a:ext uri="{FF2B5EF4-FFF2-40B4-BE49-F238E27FC236}">
+                <a16:creationId xmlns:a16="http://schemas.microsoft.com/office/drawing/2014/main" id="{DDAA05F9-348B-48A4-9769-CC5ECA03ACB2}"/>
+              </a:ext>
+            </a:extLst>
+          </p:cNvPr>
+          <p:cNvSpPr/>
+          <p:nvPr/>
+        </p:nvSpPr>
+        <p:spPr>
+          <a:xfrm>
+            <a:off x="6815951" y="5117429"/>
+            <a:ext cx="1303507" cy="516263"/>
+          </a:xfrm>
+          <a:prstGeom prst="roundRect">
+            <a:avLst/>
+          </a:prstGeom>
+          <a:noFill/>
+          <a:ln>
+            <a:solidFill>
+              <a:schemeClr val="accent5">
+                <a:lumMod val="60000"/>
+                <a:lumOff val="40000"/>
+              </a:schemeClr>
+            </a:solidFill>
+          </a:ln>
+        </p:spPr>
+        <p:style>
+          <a:lnRef idx="2">
+            <a:schemeClr val="accent1">
+              <a:shade val="50000"/>
+            </a:schemeClr>
+          </a:lnRef>
+          <a:fillRef idx="1">
+            <a:schemeClr val="accent1"/>
+          </a:fillRef>
+          <a:effectRef idx="0">
+            <a:schemeClr val="accent1"/>
+          </a:effectRef>
+          <a:fontRef idx="minor">
+            <a:schemeClr val="lt1"/>
+          </a:fontRef>
+        </p:style>
+        <p:txBody>
+          <a:bodyPr rtlCol="0" anchor="ctr"/>
+          <a:lstStyle/>
+          <a:p>
+            <a:pPr algn="ctr"/>
+            <a:r>
+              <a:rPr lang="zh-CN" altLang="en-US" sz="1400" dirty="0">
+                <a:solidFill>
+                  <a:schemeClr val="tx1"/>
+                </a:solidFill>
+                <a:latin typeface="Microsoft JhengHei UI" panose="020B0604030504040204" pitchFamily="34" charset="-120"/>
+                <a:ea typeface="Microsoft JhengHei UI" panose="020B0604030504040204" pitchFamily="34" charset="-120"/>
+              </a:rPr>
+              <a:t>数据封装</a:t>
+            </a:r>
+          </a:p>
+        </p:txBody>
+      </p:sp>
+      <p:sp>
+        <p:nvSpPr>
+          <p:cNvPr id="80" name="矩形: 圆角 79">
+            <a:extLst>
+              <a:ext uri="{FF2B5EF4-FFF2-40B4-BE49-F238E27FC236}">
+                <a16:creationId xmlns:a16="http://schemas.microsoft.com/office/drawing/2014/main" id="{4CB096AC-3087-4E0B-BCA0-9A91709A1283}"/>
+              </a:ext>
+            </a:extLst>
+          </p:cNvPr>
+          <p:cNvSpPr/>
+          <p:nvPr/>
+        </p:nvSpPr>
+        <p:spPr>
+          <a:xfrm>
+            <a:off x="5126788" y="5117429"/>
+            <a:ext cx="1409693" cy="516263"/>
+          </a:xfrm>
+          <a:prstGeom prst="roundRect">
+            <a:avLst/>
+          </a:prstGeom>
+          <a:solidFill>
+            <a:schemeClr val="accent6">
+              <a:lumMod val="60000"/>
+              <a:lumOff val="40000"/>
+            </a:schemeClr>
+          </a:solidFill>
+          <a:ln>
+            <a:solidFill>
+              <a:schemeClr val="accent5">
+                <a:lumMod val="60000"/>
+                <a:lumOff val="40000"/>
+              </a:schemeClr>
+            </a:solidFill>
+          </a:ln>
+        </p:spPr>
+        <p:style>
+          <a:lnRef idx="2">
+            <a:schemeClr val="accent1">
+              <a:shade val="50000"/>
+            </a:schemeClr>
+          </a:lnRef>
+          <a:fillRef idx="1">
+            <a:schemeClr val="accent1"/>
+          </a:fillRef>
+          <a:effectRef idx="0">
+            <a:schemeClr val="accent1"/>
+          </a:effectRef>
+          <a:fontRef idx="minor">
+            <a:schemeClr val="lt1"/>
+          </a:fontRef>
+        </p:style>
+        <p:txBody>
+          <a:bodyPr rtlCol="0" anchor="ctr"/>
+          <a:lstStyle/>
+          <a:p>
+            <a:pPr algn="ctr"/>
+            <a:r>
+              <a:rPr lang="zh-CN" altLang="en-US" sz="1400" dirty="0">
+                <a:solidFill>
+                  <a:schemeClr val="tx1"/>
+                </a:solidFill>
+                <a:latin typeface="Microsoft JhengHei UI" panose="020B0604030504040204" pitchFamily="34" charset="-120"/>
+                <a:ea typeface="Microsoft JhengHei UI" panose="020B0604030504040204" pitchFamily="34" charset="-120"/>
+              </a:rPr>
+              <a:t>送入消息队列</a:t>
+            </a:r>
+          </a:p>
+        </p:txBody>
+      </p:sp>
+      <p:cxnSp>
+        <p:nvCxnSpPr>
+          <p:cNvPr id="82" name="直接箭头连接符 81">
+            <a:extLst>
+              <a:ext uri="{FF2B5EF4-FFF2-40B4-BE49-F238E27FC236}">
+                <a16:creationId xmlns:a16="http://schemas.microsoft.com/office/drawing/2014/main" id="{FB7C2D86-0F43-428B-9443-EFC9A2BD4F8E}"/>
+              </a:ext>
+            </a:extLst>
+          </p:cNvPr>
+          <p:cNvCxnSpPr>
+            <a:stCxn id="73" idx="3"/>
+            <a:endCxn id="74" idx="1"/>
+          </p:cNvCxnSpPr>
+          <p:nvPr/>
+        </p:nvCxnSpPr>
+        <p:spPr>
+          <a:xfrm>
+            <a:off x="6148904" y="6161682"/>
+            <a:ext cx="332525" cy="0"/>
+          </a:xfrm>
+          <a:prstGeom prst="straightConnector1">
+            <a:avLst/>
+          </a:prstGeom>
+          <a:ln>
+            <a:tailEnd type="triangle"/>
+          </a:ln>
+        </p:spPr>
+        <p:style>
+          <a:lnRef idx="1">
+            <a:schemeClr val="accent1"/>
+          </a:lnRef>
+          <a:fillRef idx="0">
+            <a:schemeClr val="accent1"/>
+          </a:fillRef>
+          <a:effectRef idx="0">
+            <a:schemeClr val="accent1"/>
+          </a:effectRef>
+          <a:fontRef idx="minor">
+            <a:schemeClr val="tx1"/>
+          </a:fontRef>
+        </p:style>
+      </p:cxnSp>
+      <p:cxnSp>
+        <p:nvCxnSpPr>
+          <p:cNvPr id="84" name="直接箭头连接符 83">
+            <a:extLst>
+              <a:ext uri="{FF2B5EF4-FFF2-40B4-BE49-F238E27FC236}">
+                <a16:creationId xmlns:a16="http://schemas.microsoft.com/office/drawing/2014/main" id="{4CC52954-B991-46EE-99EE-2CEC07B928A5}"/>
+              </a:ext>
+            </a:extLst>
+          </p:cNvPr>
+          <p:cNvCxnSpPr>
+            <a:stCxn id="74" idx="3"/>
+            <a:endCxn id="75" idx="1"/>
+          </p:cNvCxnSpPr>
+          <p:nvPr/>
+        </p:nvCxnSpPr>
+        <p:spPr>
+          <a:xfrm>
+            <a:off x="7733330" y="6161682"/>
+            <a:ext cx="291744" cy="0"/>
+          </a:xfrm>
+          <a:prstGeom prst="straightConnector1">
+            <a:avLst/>
+          </a:prstGeom>
+          <a:ln>
+            <a:tailEnd type="triangle"/>
+          </a:ln>
+        </p:spPr>
+        <p:style>
+          <a:lnRef idx="1">
+            <a:schemeClr val="accent1"/>
+          </a:lnRef>
+          <a:fillRef idx="0">
+            <a:schemeClr val="accent1"/>
+          </a:fillRef>
+          <a:effectRef idx="0">
+            <a:schemeClr val="accent1"/>
+          </a:effectRef>
+          <a:fontRef idx="minor">
+            <a:schemeClr val="tx1"/>
+          </a:fontRef>
+        </p:style>
+      </p:cxnSp>
+      <p:cxnSp>
+        <p:nvCxnSpPr>
+          <p:cNvPr id="86" name="直接箭头连接符 85">
+            <a:extLst>
+              <a:ext uri="{FF2B5EF4-FFF2-40B4-BE49-F238E27FC236}">
+                <a16:creationId xmlns:a16="http://schemas.microsoft.com/office/drawing/2014/main" id="{9A3F3DAD-2990-4227-AF8E-E3E4FCB5707E}"/>
+              </a:ext>
+            </a:extLst>
+          </p:cNvPr>
+          <p:cNvCxnSpPr>
+            <a:stCxn id="75" idx="3"/>
+            <a:endCxn id="76" idx="1"/>
+          </p:cNvCxnSpPr>
+          <p:nvPr/>
+        </p:nvCxnSpPr>
+        <p:spPr>
+          <a:xfrm>
+            <a:off x="9563555" y="6161682"/>
+            <a:ext cx="291744" cy="0"/>
+          </a:xfrm>
+          <a:prstGeom prst="straightConnector1">
+            <a:avLst/>
+          </a:prstGeom>
+          <a:ln>
+            <a:tailEnd type="triangle"/>
+          </a:ln>
+        </p:spPr>
+        <p:style>
+          <a:lnRef idx="1">
+            <a:schemeClr val="accent1"/>
+          </a:lnRef>
+          <a:fillRef idx="0">
+            <a:schemeClr val="accent1"/>
+          </a:fillRef>
+          <a:effectRef idx="0">
+            <a:schemeClr val="accent1"/>
+          </a:effectRef>
+          <a:fontRef idx="minor">
+            <a:schemeClr val="tx1"/>
+          </a:fontRef>
+        </p:style>
+      </p:cxnSp>
+      <p:cxnSp>
+        <p:nvCxnSpPr>
+          <p:cNvPr id="92" name="连接符: 肘形 91">
+            <a:extLst>
+              <a:ext uri="{FF2B5EF4-FFF2-40B4-BE49-F238E27FC236}">
+                <a16:creationId xmlns:a16="http://schemas.microsoft.com/office/drawing/2014/main" id="{E844AD71-C30C-43E0-A983-4AAF9F5D5E5F}"/>
+              </a:ext>
+            </a:extLst>
+          </p:cNvPr>
+          <p:cNvCxnSpPr>
+            <a:stCxn id="76" idx="3"/>
+            <a:endCxn id="77" idx="3"/>
+          </p:cNvCxnSpPr>
+          <p:nvPr/>
+        </p:nvCxnSpPr>
+        <p:spPr>
+          <a:xfrm flipH="1" flipV="1">
+            <a:off x="11026168" y="5375561"/>
+            <a:ext cx="367612" cy="786121"/>
+          </a:xfrm>
+          <a:prstGeom prst="bentConnector3">
+            <a:avLst>
+              <a:gd name="adj1" fmla="val -62185"/>
+            </a:avLst>
+          </a:prstGeom>
+          <a:ln>
+            <a:tailEnd type="triangle"/>
+          </a:ln>
+        </p:spPr>
+        <p:style>
+          <a:lnRef idx="1">
+            <a:schemeClr val="accent1"/>
+          </a:lnRef>
+          <a:fillRef idx="0">
+            <a:schemeClr val="accent1"/>
+          </a:fillRef>
+          <a:effectRef idx="0">
+            <a:schemeClr val="accent1"/>
+          </a:effectRef>
+          <a:fontRef idx="minor">
+            <a:schemeClr val="tx1"/>
+          </a:fontRef>
+        </p:style>
+      </p:cxnSp>
+      <p:cxnSp>
+        <p:nvCxnSpPr>
+          <p:cNvPr id="94" name="直接箭头连接符 93">
+            <a:extLst>
+              <a:ext uri="{FF2B5EF4-FFF2-40B4-BE49-F238E27FC236}">
+                <a16:creationId xmlns:a16="http://schemas.microsoft.com/office/drawing/2014/main" id="{EBFA4529-2A15-4B16-AC4E-E3EB5BE10452}"/>
+              </a:ext>
+            </a:extLst>
+          </p:cNvPr>
+          <p:cNvCxnSpPr>
+            <a:stCxn id="77" idx="1"/>
+            <a:endCxn id="78" idx="3"/>
+          </p:cNvCxnSpPr>
+          <p:nvPr/>
+        </p:nvCxnSpPr>
+        <p:spPr>
+          <a:xfrm flipH="1">
+            <a:off x="9702435" y="5375561"/>
+            <a:ext cx="279471" cy="0"/>
+          </a:xfrm>
+          <a:prstGeom prst="straightConnector1">
+            <a:avLst/>
+          </a:prstGeom>
+          <a:ln>
+            <a:tailEnd type="triangle"/>
+          </a:ln>
+        </p:spPr>
+        <p:style>
+          <a:lnRef idx="1">
+            <a:schemeClr val="accent1"/>
+          </a:lnRef>
+          <a:fillRef idx="0">
+            <a:schemeClr val="accent1"/>
+          </a:fillRef>
+          <a:effectRef idx="0">
+            <a:schemeClr val="accent1"/>
+          </a:effectRef>
+          <a:fontRef idx="minor">
+            <a:schemeClr val="tx1"/>
+          </a:fontRef>
+        </p:style>
+      </p:cxnSp>
+      <p:cxnSp>
+        <p:nvCxnSpPr>
+          <p:cNvPr id="96" name="直接箭头连接符 95">
+            <a:extLst>
+              <a:ext uri="{FF2B5EF4-FFF2-40B4-BE49-F238E27FC236}">
+                <a16:creationId xmlns:a16="http://schemas.microsoft.com/office/drawing/2014/main" id="{4266CA3F-DD63-4357-9B7A-EBFA61CFFFF7}"/>
+              </a:ext>
+            </a:extLst>
+          </p:cNvPr>
+          <p:cNvCxnSpPr>
+            <a:stCxn id="78" idx="1"/>
+            <a:endCxn id="79" idx="3"/>
+          </p:cNvCxnSpPr>
+          <p:nvPr/>
+        </p:nvCxnSpPr>
+        <p:spPr>
+          <a:xfrm flipH="1">
+            <a:off x="8119458" y="5375561"/>
+            <a:ext cx="279470" cy="0"/>
+          </a:xfrm>
+          <a:prstGeom prst="straightConnector1">
+            <a:avLst/>
+          </a:prstGeom>
+          <a:ln>
+            <a:tailEnd type="triangle"/>
+          </a:ln>
+        </p:spPr>
+        <p:style>
+          <a:lnRef idx="1">
+            <a:schemeClr val="accent1"/>
+          </a:lnRef>
+          <a:fillRef idx="0">
+            <a:schemeClr val="accent1"/>
+          </a:fillRef>
+          <a:effectRef idx="0">
+            <a:schemeClr val="accent1"/>
+          </a:effectRef>
+          <a:fontRef idx="minor">
+            <a:schemeClr val="tx1"/>
+          </a:fontRef>
+        </p:style>
+      </p:cxnSp>
+      <p:cxnSp>
+        <p:nvCxnSpPr>
+          <p:cNvPr id="98" name="直接箭头连接符 97">
+            <a:extLst>
+              <a:ext uri="{FF2B5EF4-FFF2-40B4-BE49-F238E27FC236}">
+                <a16:creationId xmlns:a16="http://schemas.microsoft.com/office/drawing/2014/main" id="{4024711A-56BE-4F16-8E3A-C14EF2FAC5E5}"/>
+              </a:ext>
+            </a:extLst>
+          </p:cNvPr>
+          <p:cNvCxnSpPr>
+            <a:stCxn id="79" idx="1"/>
+            <a:endCxn id="80" idx="3"/>
+          </p:cNvCxnSpPr>
+          <p:nvPr/>
+        </p:nvCxnSpPr>
+        <p:spPr>
+          <a:xfrm flipH="1">
+            <a:off x="6536481" y="5375561"/>
+            <a:ext cx="279470" cy="0"/>
+          </a:xfrm>
+          <a:prstGeom prst="straightConnector1">
+            <a:avLst/>
+          </a:prstGeom>
+          <a:ln>
+            <a:tailEnd type="triangle"/>
+          </a:ln>
+        </p:spPr>
+        <p:style>
+          <a:lnRef idx="1">
+            <a:schemeClr val="accent1"/>
+          </a:lnRef>
+          <a:fillRef idx="0">
+            <a:schemeClr val="accent1"/>
+          </a:fillRef>
+          <a:effectRef idx="0">
+            <a:schemeClr val="accent1"/>
+          </a:effectRef>
+          <a:fontRef idx="minor">
+            <a:schemeClr val="tx1"/>
+          </a:fontRef>
+        </p:style>
+      </p:cxnSp>
+      <p:sp>
+        <p:nvSpPr>
+          <p:cNvPr id="100" name="椭圆 99">
+            <a:extLst>
+              <a:ext uri="{FF2B5EF4-FFF2-40B4-BE49-F238E27FC236}">
+                <a16:creationId xmlns:a16="http://schemas.microsoft.com/office/drawing/2014/main" id="{1CF65391-2429-4106-B88F-54391E8CB4DC}"/>
+              </a:ext>
+            </a:extLst>
+          </p:cNvPr>
+          <p:cNvSpPr/>
+          <p:nvPr/>
+        </p:nvSpPr>
+        <p:spPr>
+          <a:xfrm>
+            <a:off x="4381203" y="4576297"/>
+            <a:ext cx="281353" cy="281353"/>
+          </a:xfrm>
+          <a:prstGeom prst="ellipse">
+            <a:avLst/>
+          </a:prstGeom>
+          <a:solidFill>
+            <a:schemeClr val="accent2">
+              <a:lumMod val="60000"/>
+              <a:lumOff val="40000"/>
+            </a:schemeClr>
+          </a:solidFill>
+          <a:ln>
+            <a:solidFill>
+              <a:schemeClr val="accent5">
+                <a:lumMod val="60000"/>
+                <a:lumOff val="40000"/>
+              </a:schemeClr>
+            </a:solidFill>
+          </a:ln>
+        </p:spPr>
+        <p:style>
+          <a:lnRef idx="2">
+            <a:schemeClr val="accent1">
+              <a:shade val="50000"/>
+            </a:schemeClr>
+          </a:lnRef>
+          <a:fillRef idx="1">
+            <a:schemeClr val="accent1"/>
+          </a:fillRef>
+          <a:effectRef idx="0">
+            <a:schemeClr val="accent1"/>
+          </a:effectRef>
+          <a:fontRef idx="minor">
+            <a:schemeClr val="lt1"/>
+          </a:fontRef>
+        </p:style>
+        <p:txBody>
+          <a:bodyPr rtlCol="0" anchor="ctr"/>
+          <a:lstStyle/>
+          <a:p>
+            <a:pPr algn="ctr"/>
+            <a:endParaRPr lang="zh-CN" altLang="en-US" dirty="0">
+              <a:solidFill>
+                <a:schemeClr val="tx1"/>
+              </a:solidFill>
+            </a:endParaRPr>
+          </a:p>
+        </p:txBody>
+      </p:sp>
+    </p:spTree>
+    <p:extLst>
+      <p:ext uri="{BB962C8B-B14F-4D97-AF65-F5344CB8AC3E}">
+        <p14:creationId xmlns:p14="http://schemas.microsoft.com/office/powerpoint/2010/main" val="1507854468"/>
+      </p:ext>
+    </p:extLst>
+  </p:cSld>
+  <p:clrMapOvr>
+    <a:masterClrMapping/>
+  </p:clrMapOvr>
+</p:sld>
+</file>
+
 <file path=ppt/theme/theme1.xml><?xml version="1.0" encoding="utf-8"?>
 <a:theme xmlns:a="http://schemas.openxmlformats.org/drawingml/2006/main" name="Office 主题​​">
   <a:themeElements>

--- a/dc3/doc/iot-dc3-architecture.pptx
+++ b/dc3/doc/iot-dc3-architecture.pptx
@@ -5,7 +5,7 @@
     <p:sldMasterId id="2147483648" r:id="rId1"/>
   </p:sldMasterIdLst>
   <p:notesMasterIdLst>
-    <p:notesMasterId r:id="rId7"/>
+    <p:notesMasterId r:id="rId9"/>
   </p:notesMasterIdLst>
   <p:sldIdLst>
     <p:sldId id="256" r:id="rId2"/>
@@ -13,6 +13,8 @@
     <p:sldId id="258" r:id="rId4"/>
     <p:sldId id="259" r:id="rId5"/>
     <p:sldId id="260" r:id="rId6"/>
+    <p:sldId id="261" r:id="rId7"/>
+    <p:sldId id="262" r:id="rId8"/>
   </p:sldIdLst>
   <p:sldSz cx="12192000" cy="6858000"/>
   <p:notesSz cx="6858000" cy="9144000"/>
@@ -201,7 +203,7 @@
           <a:p>
             <a:fld id="{6EE3B9A8-D85C-445A-8AE4-653E2C11D910}" type="datetimeFigureOut">
               <a:rPr lang="zh-CN" altLang="en-US" smtClean="0"/>
-              <a:t>2019/6/20</a:t>
+              <a:t>2019/6/23</a:t>
             </a:fld>
             <a:endParaRPr lang="zh-CN" altLang="en-US"/>
           </a:p>
@@ -783,7 +785,7 @@
           <a:p>
             <a:fld id="{9BF28833-E291-4948-8DAA-251BCB67763B}" type="datetimeFigureOut">
               <a:rPr lang="zh-CN" altLang="en-US" smtClean="0"/>
-              <a:t>2019/6/20</a:t>
+              <a:t>2019/6/23</a:t>
             </a:fld>
             <a:endParaRPr lang="zh-CN" altLang="en-US"/>
           </a:p>
@@ -981,7 +983,7 @@
           <a:p>
             <a:fld id="{9BF28833-E291-4948-8DAA-251BCB67763B}" type="datetimeFigureOut">
               <a:rPr lang="zh-CN" altLang="en-US" smtClean="0"/>
-              <a:t>2019/6/20</a:t>
+              <a:t>2019/6/23</a:t>
             </a:fld>
             <a:endParaRPr lang="zh-CN" altLang="en-US"/>
           </a:p>
@@ -1189,7 +1191,7 @@
           <a:p>
             <a:fld id="{9BF28833-E291-4948-8DAA-251BCB67763B}" type="datetimeFigureOut">
               <a:rPr lang="zh-CN" altLang="en-US" smtClean="0"/>
-              <a:t>2019/6/20</a:t>
+              <a:t>2019/6/23</a:t>
             </a:fld>
             <a:endParaRPr lang="zh-CN" altLang="en-US"/>
           </a:p>
@@ -1387,7 +1389,7 @@
           <a:p>
             <a:fld id="{9BF28833-E291-4948-8DAA-251BCB67763B}" type="datetimeFigureOut">
               <a:rPr lang="zh-CN" altLang="en-US" smtClean="0"/>
-              <a:t>2019/6/20</a:t>
+              <a:t>2019/6/23</a:t>
             </a:fld>
             <a:endParaRPr lang="zh-CN" altLang="en-US"/>
           </a:p>
@@ -1662,7 +1664,7 @@
           <a:p>
             <a:fld id="{9BF28833-E291-4948-8DAA-251BCB67763B}" type="datetimeFigureOut">
               <a:rPr lang="zh-CN" altLang="en-US" smtClean="0"/>
-              <a:t>2019/6/20</a:t>
+              <a:t>2019/6/23</a:t>
             </a:fld>
             <a:endParaRPr lang="zh-CN" altLang="en-US"/>
           </a:p>
@@ -1927,7 +1929,7 @@
           <a:p>
             <a:fld id="{9BF28833-E291-4948-8DAA-251BCB67763B}" type="datetimeFigureOut">
               <a:rPr lang="zh-CN" altLang="en-US" smtClean="0"/>
-              <a:t>2019/6/20</a:t>
+              <a:t>2019/6/23</a:t>
             </a:fld>
             <a:endParaRPr lang="zh-CN" altLang="en-US"/>
           </a:p>
@@ -2339,7 +2341,7 @@
           <a:p>
             <a:fld id="{9BF28833-E291-4948-8DAA-251BCB67763B}" type="datetimeFigureOut">
               <a:rPr lang="zh-CN" altLang="en-US" smtClean="0"/>
-              <a:t>2019/6/20</a:t>
+              <a:t>2019/6/23</a:t>
             </a:fld>
             <a:endParaRPr lang="zh-CN" altLang="en-US"/>
           </a:p>
@@ -2480,7 +2482,7 @@
           <a:p>
             <a:fld id="{9BF28833-E291-4948-8DAA-251BCB67763B}" type="datetimeFigureOut">
               <a:rPr lang="zh-CN" altLang="en-US" smtClean="0"/>
-              <a:t>2019/6/20</a:t>
+              <a:t>2019/6/23</a:t>
             </a:fld>
             <a:endParaRPr lang="zh-CN" altLang="en-US"/>
           </a:p>
@@ -2593,7 +2595,7 @@
           <a:p>
             <a:fld id="{9BF28833-E291-4948-8DAA-251BCB67763B}" type="datetimeFigureOut">
               <a:rPr lang="zh-CN" altLang="en-US" smtClean="0"/>
-              <a:t>2019/6/20</a:t>
+              <a:t>2019/6/23</a:t>
             </a:fld>
             <a:endParaRPr lang="zh-CN" altLang="en-US"/>
           </a:p>
@@ -2904,7 +2906,7 @@
           <a:p>
             <a:fld id="{9BF28833-E291-4948-8DAA-251BCB67763B}" type="datetimeFigureOut">
               <a:rPr lang="zh-CN" altLang="en-US" smtClean="0"/>
-              <a:t>2019/6/20</a:t>
+              <a:t>2019/6/23</a:t>
             </a:fld>
             <a:endParaRPr lang="zh-CN" altLang="en-US"/>
           </a:p>
@@ -3192,7 +3194,7 @@
           <a:p>
             <a:fld id="{9BF28833-E291-4948-8DAA-251BCB67763B}" type="datetimeFigureOut">
               <a:rPr lang="zh-CN" altLang="en-US" smtClean="0"/>
-              <a:t>2019/6/20</a:t>
+              <a:t>2019/6/23</a:t>
             </a:fld>
             <a:endParaRPr lang="zh-CN" altLang="en-US"/>
           </a:p>
@@ -3433,7 +3435,7 @@
           <a:p>
             <a:fld id="{9BF28833-E291-4948-8DAA-251BCB67763B}" type="datetimeFigureOut">
               <a:rPr lang="zh-CN" altLang="en-US" smtClean="0"/>
-              <a:t>2019/6/20</a:t>
+              <a:t>2019/6/23</a:t>
             </a:fld>
             <a:endParaRPr lang="zh-CN" altLang="en-US"/>
           </a:p>
@@ -16555,6 +16557,4315 @@
 </p:sld>
 </file>
 
+<file path=ppt/slides/slide6.xml><?xml version="1.0" encoding="utf-8"?>
+<p:sld xmlns:a="http://schemas.openxmlformats.org/drawingml/2006/main" xmlns:r="http://schemas.openxmlformats.org/officeDocument/2006/relationships" xmlns:p="http://schemas.openxmlformats.org/presentationml/2006/main">
+  <p:cSld>
+    <p:spTree>
+      <p:nvGrpSpPr>
+        <p:cNvPr id="1" name=""/>
+        <p:cNvGrpSpPr/>
+        <p:nvPr/>
+      </p:nvGrpSpPr>
+      <p:grpSpPr>
+        <a:xfrm>
+          <a:off x="0" y="0"/>
+          <a:ext cx="0" cy="0"/>
+          <a:chOff x="0" y="0"/>
+          <a:chExt cx="0" cy="0"/>
+        </a:xfrm>
+      </p:grpSpPr>
+      <p:sp>
+        <p:nvSpPr>
+          <p:cNvPr id="22" name="对话气泡: 圆角矩形 21">
+            <a:extLst>
+              <a:ext uri="{FF2B5EF4-FFF2-40B4-BE49-F238E27FC236}">
+                <a16:creationId xmlns:a16="http://schemas.microsoft.com/office/drawing/2014/main" id="{4DED7F77-0D64-4824-A7E2-7694BF64142A}"/>
+              </a:ext>
+            </a:extLst>
+          </p:cNvPr>
+          <p:cNvSpPr/>
+          <p:nvPr/>
+        </p:nvSpPr>
+        <p:spPr>
+          <a:xfrm>
+            <a:off x="5458271" y="3482350"/>
+            <a:ext cx="5657556" cy="684000"/>
+          </a:xfrm>
+          <a:prstGeom prst="wedgeRoundRectCallout">
+            <a:avLst>
+              <a:gd name="adj1" fmla="val -21828"/>
+              <a:gd name="adj2" fmla="val 90554"/>
+              <a:gd name="adj3" fmla="val 16667"/>
+            </a:avLst>
+          </a:prstGeom>
+          <a:solidFill>
+            <a:schemeClr val="accent2">
+              <a:lumMod val="20000"/>
+              <a:lumOff val="80000"/>
+            </a:schemeClr>
+          </a:solidFill>
+          <a:ln>
+            <a:solidFill>
+              <a:schemeClr val="accent2">
+                <a:lumMod val="60000"/>
+                <a:lumOff val="40000"/>
+              </a:schemeClr>
+            </a:solidFill>
+          </a:ln>
+        </p:spPr>
+        <p:style>
+          <a:lnRef idx="2">
+            <a:schemeClr val="accent1">
+              <a:shade val="50000"/>
+            </a:schemeClr>
+          </a:lnRef>
+          <a:fillRef idx="1">
+            <a:schemeClr val="accent1"/>
+          </a:fillRef>
+          <a:effectRef idx="0">
+            <a:schemeClr val="accent1"/>
+          </a:effectRef>
+          <a:fontRef idx="minor">
+            <a:schemeClr val="lt1"/>
+          </a:fontRef>
+        </p:style>
+        <p:txBody>
+          <a:bodyPr rtlCol="0" anchor="ctr"/>
+          <a:lstStyle/>
+          <a:p>
+            <a:pPr algn="ctr"/>
+            <a:endParaRPr lang="zh-CN" altLang="en-US"/>
+          </a:p>
+        </p:txBody>
+      </p:sp>
+      <p:sp>
+        <p:nvSpPr>
+          <p:cNvPr id="4" name="矩形: 圆角 3">
+            <a:extLst>
+              <a:ext uri="{FF2B5EF4-FFF2-40B4-BE49-F238E27FC236}">
+                <a16:creationId xmlns:a16="http://schemas.microsoft.com/office/drawing/2014/main" id="{B1D04AC5-8C5A-4836-9FC0-CF555C85592E}"/>
+              </a:ext>
+            </a:extLst>
+          </p:cNvPr>
+          <p:cNvSpPr/>
+          <p:nvPr/>
+        </p:nvSpPr>
+        <p:spPr>
+          <a:xfrm>
+            <a:off x="4550900" y="6147585"/>
+            <a:ext cx="1842869" cy="492368"/>
+          </a:xfrm>
+          <a:prstGeom prst="roundRect">
+            <a:avLst/>
+          </a:prstGeom>
+          <a:noFill/>
+          <a:ln>
+            <a:solidFill>
+              <a:schemeClr val="accent6">
+                <a:lumMod val="60000"/>
+                <a:lumOff val="40000"/>
+              </a:schemeClr>
+            </a:solidFill>
+          </a:ln>
+        </p:spPr>
+        <p:style>
+          <a:lnRef idx="2">
+            <a:schemeClr val="accent1">
+              <a:shade val="50000"/>
+            </a:schemeClr>
+          </a:lnRef>
+          <a:fillRef idx="1">
+            <a:schemeClr val="accent1"/>
+          </a:fillRef>
+          <a:effectRef idx="0">
+            <a:schemeClr val="accent1"/>
+          </a:effectRef>
+          <a:fontRef idx="minor">
+            <a:schemeClr val="lt1"/>
+          </a:fontRef>
+        </p:style>
+        <p:txBody>
+          <a:bodyPr rtlCol="0" anchor="ctr"/>
+          <a:lstStyle/>
+          <a:p>
+            <a:pPr algn="ctr"/>
+            <a:r>
+              <a:rPr lang="zh-CN" altLang="en-US" sz="1400" dirty="0">
+                <a:solidFill>
+                  <a:schemeClr val="tx1"/>
+                </a:solidFill>
+              </a:rPr>
+              <a:t>设备数据</a:t>
+            </a:r>
+          </a:p>
+        </p:txBody>
+      </p:sp>
+      <p:sp>
+        <p:nvSpPr>
+          <p:cNvPr id="5" name="矩形: 圆角 4">
+            <a:extLst>
+              <a:ext uri="{FF2B5EF4-FFF2-40B4-BE49-F238E27FC236}">
+                <a16:creationId xmlns:a16="http://schemas.microsoft.com/office/drawing/2014/main" id="{CBB5B7B7-60DB-43F1-BE92-033F3FDDB7D8}"/>
+              </a:ext>
+            </a:extLst>
+          </p:cNvPr>
+          <p:cNvSpPr/>
+          <p:nvPr/>
+        </p:nvSpPr>
+        <p:spPr>
+          <a:xfrm>
+            <a:off x="9439423" y="6147585"/>
+            <a:ext cx="1842869" cy="492368"/>
+          </a:xfrm>
+          <a:prstGeom prst="roundRect">
+            <a:avLst/>
+          </a:prstGeom>
+          <a:noFill/>
+          <a:ln>
+            <a:solidFill>
+              <a:schemeClr val="accent6">
+                <a:lumMod val="60000"/>
+                <a:lumOff val="40000"/>
+              </a:schemeClr>
+            </a:solidFill>
+          </a:ln>
+        </p:spPr>
+        <p:style>
+          <a:lnRef idx="2">
+            <a:schemeClr val="accent1">
+              <a:shade val="50000"/>
+            </a:schemeClr>
+          </a:lnRef>
+          <a:fillRef idx="1">
+            <a:schemeClr val="accent1"/>
+          </a:fillRef>
+          <a:effectRef idx="0">
+            <a:schemeClr val="accent1"/>
+          </a:effectRef>
+          <a:fontRef idx="minor">
+            <a:schemeClr val="lt1"/>
+          </a:fontRef>
+        </p:style>
+        <p:txBody>
+          <a:bodyPr rtlCol="0" anchor="ctr"/>
+          <a:lstStyle/>
+          <a:p>
+            <a:pPr algn="ctr"/>
+            <a:r>
+              <a:rPr lang="zh-CN" altLang="en-US" sz="1400" dirty="0">
+                <a:solidFill>
+                  <a:schemeClr val="tx1"/>
+                </a:solidFill>
+              </a:rPr>
+              <a:t>设备数据</a:t>
+            </a:r>
+          </a:p>
+        </p:txBody>
+      </p:sp>
+      <p:sp>
+        <p:nvSpPr>
+          <p:cNvPr id="6" name="矩形: 圆角 5">
+            <a:extLst>
+              <a:ext uri="{FF2B5EF4-FFF2-40B4-BE49-F238E27FC236}">
+                <a16:creationId xmlns:a16="http://schemas.microsoft.com/office/drawing/2014/main" id="{8A1FBE42-875C-4E90-858C-166B570FA1FE}"/>
+              </a:ext>
+            </a:extLst>
+          </p:cNvPr>
+          <p:cNvSpPr/>
+          <p:nvPr/>
+        </p:nvSpPr>
+        <p:spPr>
+          <a:xfrm>
+            <a:off x="6995162" y="6147585"/>
+            <a:ext cx="1842869" cy="492368"/>
+          </a:xfrm>
+          <a:prstGeom prst="roundRect">
+            <a:avLst/>
+          </a:prstGeom>
+          <a:noFill/>
+          <a:ln>
+            <a:solidFill>
+              <a:schemeClr val="accent6">
+                <a:lumMod val="60000"/>
+                <a:lumOff val="40000"/>
+              </a:schemeClr>
+            </a:solidFill>
+          </a:ln>
+        </p:spPr>
+        <p:style>
+          <a:lnRef idx="2">
+            <a:schemeClr val="accent1">
+              <a:shade val="50000"/>
+            </a:schemeClr>
+          </a:lnRef>
+          <a:fillRef idx="1">
+            <a:schemeClr val="accent1"/>
+          </a:fillRef>
+          <a:effectRef idx="0">
+            <a:schemeClr val="accent1"/>
+          </a:effectRef>
+          <a:fontRef idx="minor">
+            <a:schemeClr val="lt1"/>
+          </a:fontRef>
+        </p:style>
+        <p:txBody>
+          <a:bodyPr rtlCol="0" anchor="ctr"/>
+          <a:lstStyle/>
+          <a:p>
+            <a:pPr algn="ctr"/>
+            <a:r>
+              <a:rPr lang="zh-CN" altLang="en-US" sz="1400" dirty="0">
+                <a:solidFill>
+                  <a:schemeClr val="tx1"/>
+                </a:solidFill>
+              </a:rPr>
+              <a:t>设备数据</a:t>
+            </a:r>
+          </a:p>
+        </p:txBody>
+      </p:sp>
+      <p:sp>
+        <p:nvSpPr>
+          <p:cNvPr id="7" name="矩形: 圆角 6">
+            <a:extLst>
+              <a:ext uri="{FF2B5EF4-FFF2-40B4-BE49-F238E27FC236}">
+                <a16:creationId xmlns:a16="http://schemas.microsoft.com/office/drawing/2014/main" id="{EB0AFF51-6089-4453-9BC3-40D4FE753E91}"/>
+              </a:ext>
+            </a:extLst>
+          </p:cNvPr>
+          <p:cNvSpPr/>
+          <p:nvPr/>
+        </p:nvSpPr>
+        <p:spPr>
+          <a:xfrm>
+            <a:off x="4550900" y="5315249"/>
+            <a:ext cx="6731392" cy="492368"/>
+          </a:xfrm>
+          <a:prstGeom prst="roundRect">
+            <a:avLst/>
+          </a:prstGeom>
+          <a:noFill/>
+          <a:ln>
+            <a:solidFill>
+              <a:schemeClr val="accent2">
+                <a:lumMod val="60000"/>
+                <a:lumOff val="40000"/>
+              </a:schemeClr>
+            </a:solidFill>
+          </a:ln>
+        </p:spPr>
+        <p:style>
+          <a:lnRef idx="2">
+            <a:schemeClr val="accent1">
+              <a:shade val="50000"/>
+            </a:schemeClr>
+          </a:lnRef>
+          <a:fillRef idx="1">
+            <a:schemeClr val="accent1"/>
+          </a:fillRef>
+          <a:effectRef idx="0">
+            <a:schemeClr val="accent1"/>
+          </a:effectRef>
+          <a:fontRef idx="minor">
+            <a:schemeClr val="lt1"/>
+          </a:fontRef>
+        </p:style>
+        <p:txBody>
+          <a:bodyPr rtlCol="0" anchor="ctr"/>
+          <a:lstStyle/>
+          <a:p>
+            <a:pPr algn="ctr"/>
+            <a:r>
+              <a:rPr lang="zh-CN" altLang="en-US" sz="1400" dirty="0">
+                <a:solidFill>
+                  <a:schemeClr val="tx1"/>
+                </a:solidFill>
+              </a:rPr>
+              <a:t>网关设备</a:t>
+            </a:r>
+          </a:p>
+        </p:txBody>
+      </p:sp>
+      <p:sp>
+        <p:nvSpPr>
+          <p:cNvPr id="8" name="矩形: 圆角 7">
+            <a:extLst>
+              <a:ext uri="{FF2B5EF4-FFF2-40B4-BE49-F238E27FC236}">
+                <a16:creationId xmlns:a16="http://schemas.microsoft.com/office/drawing/2014/main" id="{F3578B6A-3C65-46D2-AC27-DABBA1B3415C}"/>
+              </a:ext>
+            </a:extLst>
+          </p:cNvPr>
+          <p:cNvSpPr/>
+          <p:nvPr/>
+        </p:nvSpPr>
+        <p:spPr>
+          <a:xfrm>
+            <a:off x="4550900" y="1535734"/>
+            <a:ext cx="6731392" cy="3538021"/>
+          </a:xfrm>
+          <a:prstGeom prst="roundRect">
+            <a:avLst>
+              <a:gd name="adj" fmla="val 7565"/>
+            </a:avLst>
+          </a:prstGeom>
+          <a:noFill/>
+          <a:ln>
+            <a:solidFill>
+              <a:schemeClr val="accent1">
+                <a:lumMod val="60000"/>
+                <a:lumOff val="40000"/>
+              </a:schemeClr>
+            </a:solidFill>
+          </a:ln>
+        </p:spPr>
+        <p:style>
+          <a:lnRef idx="2">
+            <a:schemeClr val="accent1">
+              <a:shade val="50000"/>
+            </a:schemeClr>
+          </a:lnRef>
+          <a:fillRef idx="1">
+            <a:schemeClr val="accent1"/>
+          </a:fillRef>
+          <a:effectRef idx="0">
+            <a:schemeClr val="accent1"/>
+          </a:effectRef>
+          <a:fontRef idx="minor">
+            <a:schemeClr val="lt1"/>
+          </a:fontRef>
+        </p:style>
+        <p:txBody>
+          <a:bodyPr rtlCol="0" anchor="t"/>
+          <a:lstStyle/>
+          <a:p>
+            <a:pPr algn="ctr"/>
+            <a:r>
+              <a:rPr lang="en-US" altLang="zh-CN" b="1" dirty="0">
+                <a:solidFill>
+                  <a:schemeClr val="tx1"/>
+                </a:solidFill>
+              </a:rPr>
+              <a:t>dc3-group </a:t>
+            </a:r>
+            <a:r>
+              <a:rPr lang="zh-CN" altLang="en-US" b="1" dirty="0">
+                <a:solidFill>
+                  <a:schemeClr val="tx1"/>
+                </a:solidFill>
+              </a:rPr>
+              <a:t>服务器 </a:t>
+            </a:r>
+            <a:r>
+              <a:rPr lang="en-US" altLang="zh-CN" b="1" dirty="0" err="1">
+                <a:solidFill>
+                  <a:schemeClr val="accent5">
+                    <a:lumMod val="75000"/>
+                  </a:schemeClr>
+                </a:solidFill>
+              </a:rPr>
+              <a:t>Wia</a:t>
+            </a:r>
+            <a:r>
+              <a:rPr lang="zh-CN" altLang="en-US" b="1" dirty="0">
+                <a:solidFill>
+                  <a:schemeClr val="accent5">
+                    <a:lumMod val="75000"/>
+                  </a:schemeClr>
+                </a:solidFill>
+              </a:rPr>
+              <a:t>数据解析流程图</a:t>
+            </a:r>
+          </a:p>
+        </p:txBody>
+      </p:sp>
+      <p:sp>
+        <p:nvSpPr>
+          <p:cNvPr id="9" name="矩形: 圆角 8">
+            <a:extLst>
+              <a:ext uri="{FF2B5EF4-FFF2-40B4-BE49-F238E27FC236}">
+                <a16:creationId xmlns:a16="http://schemas.microsoft.com/office/drawing/2014/main" id="{435DEE1D-C530-4501-93EC-AB5274098DD9}"/>
+              </a:ext>
+            </a:extLst>
+          </p:cNvPr>
+          <p:cNvSpPr/>
+          <p:nvPr/>
+        </p:nvSpPr>
+        <p:spPr>
+          <a:xfrm>
+            <a:off x="5474683" y="4371546"/>
+            <a:ext cx="5641144" cy="492368"/>
+          </a:xfrm>
+          <a:prstGeom prst="roundRect">
+            <a:avLst/>
+          </a:prstGeom>
+          <a:noFill/>
+          <a:ln>
+            <a:solidFill>
+              <a:schemeClr val="accent1">
+                <a:lumMod val="60000"/>
+                <a:lumOff val="40000"/>
+              </a:schemeClr>
+            </a:solidFill>
+          </a:ln>
+        </p:spPr>
+        <p:style>
+          <a:lnRef idx="2">
+            <a:schemeClr val="accent1">
+              <a:shade val="50000"/>
+            </a:schemeClr>
+          </a:lnRef>
+          <a:fillRef idx="1">
+            <a:schemeClr val="accent1"/>
+          </a:fillRef>
+          <a:effectRef idx="0">
+            <a:schemeClr val="accent1"/>
+          </a:effectRef>
+          <a:fontRef idx="minor">
+            <a:schemeClr val="lt1"/>
+          </a:fontRef>
+        </p:style>
+        <p:txBody>
+          <a:bodyPr rtlCol="0" anchor="ctr"/>
+          <a:lstStyle/>
+          <a:p>
+            <a:pPr algn="ctr"/>
+            <a:r>
+              <a:rPr lang="en-US" altLang="zh-CN" sz="1400" dirty="0" err="1">
+                <a:solidFill>
+                  <a:schemeClr val="tx1"/>
+                </a:solidFill>
+              </a:rPr>
+              <a:t>Wia</a:t>
+            </a:r>
+            <a:r>
+              <a:rPr lang="zh-CN" altLang="en-US" sz="1400" dirty="0">
+                <a:solidFill>
+                  <a:schemeClr val="tx1"/>
+                </a:solidFill>
+              </a:rPr>
+              <a:t>网关数据接收线程</a:t>
+            </a:r>
+          </a:p>
+        </p:txBody>
+      </p:sp>
+      <p:sp>
+        <p:nvSpPr>
+          <p:cNvPr id="11" name="箭头: 燕尾形 10">
+            <a:extLst>
+              <a:ext uri="{FF2B5EF4-FFF2-40B4-BE49-F238E27FC236}">
+                <a16:creationId xmlns:a16="http://schemas.microsoft.com/office/drawing/2014/main" id="{5D33430F-5E85-4EE1-B62A-783598D60E99}"/>
+              </a:ext>
+            </a:extLst>
+          </p:cNvPr>
+          <p:cNvSpPr/>
+          <p:nvPr/>
+        </p:nvSpPr>
+        <p:spPr>
+          <a:xfrm rot="16200000">
+            <a:off x="7607108" y="4860806"/>
+            <a:ext cx="618975" cy="519055"/>
+          </a:xfrm>
+          <a:prstGeom prst="notchedRightArrow">
+            <a:avLst/>
+          </a:prstGeom>
+          <a:solidFill>
+            <a:schemeClr val="accent3">
+              <a:lumMod val="20000"/>
+              <a:lumOff val="80000"/>
+            </a:schemeClr>
+          </a:solidFill>
+          <a:ln>
+            <a:solidFill>
+              <a:schemeClr val="accent2">
+                <a:lumMod val="60000"/>
+                <a:lumOff val="40000"/>
+              </a:schemeClr>
+            </a:solidFill>
+          </a:ln>
+        </p:spPr>
+        <p:style>
+          <a:lnRef idx="2">
+            <a:schemeClr val="accent1">
+              <a:shade val="50000"/>
+            </a:schemeClr>
+          </a:lnRef>
+          <a:fillRef idx="1">
+            <a:schemeClr val="accent1"/>
+          </a:fillRef>
+          <a:effectRef idx="0">
+            <a:schemeClr val="accent1"/>
+          </a:effectRef>
+          <a:fontRef idx="minor">
+            <a:schemeClr val="lt1"/>
+          </a:fontRef>
+        </p:style>
+        <p:txBody>
+          <a:bodyPr rtlCol="0" anchor="ctr"/>
+          <a:lstStyle/>
+          <a:p>
+            <a:pPr algn="ctr"/>
+            <a:endParaRPr lang="zh-CN" altLang="en-US"/>
+          </a:p>
+        </p:txBody>
+      </p:sp>
+      <p:cxnSp>
+        <p:nvCxnSpPr>
+          <p:cNvPr id="13" name="直接箭头连接符 12">
+            <a:extLst>
+              <a:ext uri="{FF2B5EF4-FFF2-40B4-BE49-F238E27FC236}">
+                <a16:creationId xmlns:a16="http://schemas.microsoft.com/office/drawing/2014/main" id="{CA5030FE-3DF9-47FB-AF20-DA08AE178D59}"/>
+              </a:ext>
+            </a:extLst>
+          </p:cNvPr>
+          <p:cNvCxnSpPr>
+            <a:cxnSpLocks/>
+            <a:stCxn id="4" idx="0"/>
+            <a:endCxn id="7" idx="2"/>
+          </p:cNvCxnSpPr>
+          <p:nvPr/>
+        </p:nvCxnSpPr>
+        <p:spPr>
+          <a:xfrm flipV="1">
+            <a:off x="5472335" y="5807617"/>
+            <a:ext cx="2444261" cy="339968"/>
+          </a:xfrm>
+          <a:prstGeom prst="straightConnector1">
+            <a:avLst/>
+          </a:prstGeom>
+          <a:ln>
+            <a:solidFill>
+              <a:schemeClr val="accent6">
+                <a:lumMod val="60000"/>
+                <a:lumOff val="40000"/>
+              </a:schemeClr>
+            </a:solidFill>
+            <a:prstDash val="dash"/>
+            <a:headEnd type="triangle"/>
+            <a:tailEnd type="triangle"/>
+          </a:ln>
+        </p:spPr>
+        <p:style>
+          <a:lnRef idx="1">
+            <a:schemeClr val="accent1"/>
+          </a:lnRef>
+          <a:fillRef idx="0">
+            <a:schemeClr val="accent1"/>
+          </a:fillRef>
+          <a:effectRef idx="0">
+            <a:schemeClr val="accent1"/>
+          </a:effectRef>
+          <a:fontRef idx="minor">
+            <a:schemeClr val="tx1"/>
+          </a:fontRef>
+        </p:style>
+      </p:cxnSp>
+      <p:cxnSp>
+        <p:nvCxnSpPr>
+          <p:cNvPr id="15" name="直接箭头连接符 14">
+            <a:extLst>
+              <a:ext uri="{FF2B5EF4-FFF2-40B4-BE49-F238E27FC236}">
+                <a16:creationId xmlns:a16="http://schemas.microsoft.com/office/drawing/2014/main" id="{BCD1E9D5-F02B-47D7-891C-00CF76BA2651}"/>
+              </a:ext>
+            </a:extLst>
+          </p:cNvPr>
+          <p:cNvCxnSpPr>
+            <a:cxnSpLocks/>
+            <a:stCxn id="6" idx="0"/>
+            <a:endCxn id="7" idx="2"/>
+          </p:cNvCxnSpPr>
+          <p:nvPr/>
+        </p:nvCxnSpPr>
+        <p:spPr>
+          <a:xfrm flipH="1" flipV="1">
+            <a:off x="7916596" y="5807617"/>
+            <a:ext cx="1" cy="339968"/>
+          </a:xfrm>
+          <a:prstGeom prst="straightConnector1">
+            <a:avLst/>
+          </a:prstGeom>
+          <a:ln>
+            <a:solidFill>
+              <a:schemeClr val="accent6">
+                <a:lumMod val="60000"/>
+                <a:lumOff val="40000"/>
+              </a:schemeClr>
+            </a:solidFill>
+            <a:prstDash val="dash"/>
+            <a:headEnd type="triangle"/>
+            <a:tailEnd type="triangle"/>
+          </a:ln>
+        </p:spPr>
+        <p:style>
+          <a:lnRef idx="1">
+            <a:schemeClr val="accent1"/>
+          </a:lnRef>
+          <a:fillRef idx="0">
+            <a:schemeClr val="accent1"/>
+          </a:fillRef>
+          <a:effectRef idx="0">
+            <a:schemeClr val="accent1"/>
+          </a:effectRef>
+          <a:fontRef idx="minor">
+            <a:schemeClr val="tx1"/>
+          </a:fontRef>
+        </p:style>
+      </p:cxnSp>
+      <p:cxnSp>
+        <p:nvCxnSpPr>
+          <p:cNvPr id="17" name="直接箭头连接符 16">
+            <a:extLst>
+              <a:ext uri="{FF2B5EF4-FFF2-40B4-BE49-F238E27FC236}">
+                <a16:creationId xmlns:a16="http://schemas.microsoft.com/office/drawing/2014/main" id="{AFD744AE-2C26-4219-B468-9B73935E3D67}"/>
+              </a:ext>
+            </a:extLst>
+          </p:cNvPr>
+          <p:cNvCxnSpPr>
+            <a:cxnSpLocks/>
+            <a:stCxn id="5" idx="0"/>
+            <a:endCxn id="7" idx="2"/>
+          </p:cNvCxnSpPr>
+          <p:nvPr/>
+        </p:nvCxnSpPr>
+        <p:spPr>
+          <a:xfrm flipH="1" flipV="1">
+            <a:off x="7916596" y="5807617"/>
+            <a:ext cx="2444262" cy="339968"/>
+          </a:xfrm>
+          <a:prstGeom prst="straightConnector1">
+            <a:avLst/>
+          </a:prstGeom>
+          <a:ln>
+            <a:solidFill>
+              <a:schemeClr val="accent6">
+                <a:lumMod val="60000"/>
+                <a:lumOff val="40000"/>
+              </a:schemeClr>
+            </a:solidFill>
+            <a:prstDash val="dash"/>
+            <a:headEnd type="triangle"/>
+            <a:tailEnd type="triangle"/>
+          </a:ln>
+        </p:spPr>
+        <p:style>
+          <a:lnRef idx="1">
+            <a:schemeClr val="accent1"/>
+          </a:lnRef>
+          <a:fillRef idx="0">
+            <a:schemeClr val="accent1"/>
+          </a:fillRef>
+          <a:effectRef idx="0">
+            <a:schemeClr val="accent1"/>
+          </a:effectRef>
+          <a:fontRef idx="minor">
+            <a:schemeClr val="tx1"/>
+          </a:fontRef>
+        </p:style>
+      </p:cxnSp>
+      <p:sp>
+        <p:nvSpPr>
+          <p:cNvPr id="18" name="矩形: 圆角 17">
+            <a:extLst>
+              <a:ext uri="{FF2B5EF4-FFF2-40B4-BE49-F238E27FC236}">
+                <a16:creationId xmlns:a16="http://schemas.microsoft.com/office/drawing/2014/main" id="{B2A4D273-F249-4C93-84A9-4131688C0832}"/>
+              </a:ext>
+            </a:extLst>
+          </p:cNvPr>
+          <p:cNvSpPr/>
+          <p:nvPr/>
+        </p:nvSpPr>
+        <p:spPr>
+          <a:xfrm>
+            <a:off x="5546193" y="3580826"/>
+            <a:ext cx="944877" cy="492368"/>
+          </a:xfrm>
+          <a:prstGeom prst="roundRect">
+            <a:avLst/>
+          </a:prstGeom>
+          <a:noFill/>
+          <a:ln>
+            <a:solidFill>
+              <a:schemeClr val="accent6">
+                <a:lumMod val="60000"/>
+                <a:lumOff val="40000"/>
+              </a:schemeClr>
+            </a:solidFill>
+          </a:ln>
+        </p:spPr>
+        <p:style>
+          <a:lnRef idx="2">
+            <a:schemeClr val="accent1">
+              <a:shade val="50000"/>
+            </a:schemeClr>
+          </a:lnRef>
+          <a:fillRef idx="1">
+            <a:schemeClr val="accent1"/>
+          </a:fillRef>
+          <a:effectRef idx="0">
+            <a:schemeClr val="accent1"/>
+          </a:effectRef>
+          <a:fontRef idx="minor">
+            <a:schemeClr val="lt1"/>
+          </a:fontRef>
+        </p:style>
+        <p:txBody>
+          <a:bodyPr rtlCol="0" anchor="ctr"/>
+          <a:lstStyle/>
+          <a:p>
+            <a:pPr algn="ctr"/>
+            <a:r>
+              <a:rPr lang="zh-CN" altLang="en-US" sz="1400" dirty="0">
+                <a:solidFill>
+                  <a:schemeClr val="tx1"/>
+                </a:solidFill>
+              </a:rPr>
+              <a:t>网络报文</a:t>
+            </a:r>
+          </a:p>
+        </p:txBody>
+      </p:sp>
+      <p:sp>
+        <p:nvSpPr>
+          <p:cNvPr id="19" name="矩形: 圆角 18">
+            <a:extLst>
+              <a:ext uri="{FF2B5EF4-FFF2-40B4-BE49-F238E27FC236}">
+                <a16:creationId xmlns:a16="http://schemas.microsoft.com/office/drawing/2014/main" id="{F2F957E9-9C56-4356-8712-42B543E11725}"/>
+              </a:ext>
+            </a:extLst>
+          </p:cNvPr>
+          <p:cNvSpPr/>
+          <p:nvPr/>
+        </p:nvSpPr>
+        <p:spPr>
+          <a:xfrm>
+            <a:off x="6692318" y="3580826"/>
+            <a:ext cx="2052718" cy="492368"/>
+          </a:xfrm>
+          <a:prstGeom prst="roundRect">
+            <a:avLst/>
+          </a:prstGeom>
+          <a:noFill/>
+          <a:ln>
+            <a:solidFill>
+              <a:schemeClr val="accent6">
+                <a:lumMod val="60000"/>
+                <a:lumOff val="40000"/>
+              </a:schemeClr>
+            </a:solidFill>
+          </a:ln>
+        </p:spPr>
+        <p:style>
+          <a:lnRef idx="2">
+            <a:schemeClr val="accent1">
+              <a:shade val="50000"/>
+            </a:schemeClr>
+          </a:lnRef>
+          <a:fillRef idx="1">
+            <a:schemeClr val="accent1"/>
+          </a:fillRef>
+          <a:effectRef idx="0">
+            <a:schemeClr val="accent1"/>
+          </a:effectRef>
+          <a:fontRef idx="minor">
+            <a:schemeClr val="lt1"/>
+          </a:fontRef>
+        </p:style>
+        <p:txBody>
+          <a:bodyPr rtlCol="0" anchor="ctr"/>
+          <a:lstStyle/>
+          <a:p>
+            <a:pPr algn="ctr"/>
+            <a:r>
+              <a:rPr lang="zh-CN" altLang="en-US" sz="1400" dirty="0">
+                <a:solidFill>
+                  <a:schemeClr val="tx1"/>
+                </a:solidFill>
+              </a:rPr>
+              <a:t>数据报文</a:t>
+            </a:r>
+          </a:p>
+        </p:txBody>
+      </p:sp>
+      <p:sp>
+        <p:nvSpPr>
+          <p:cNvPr id="20" name="矩形: 圆角 19">
+            <a:extLst>
+              <a:ext uri="{FF2B5EF4-FFF2-40B4-BE49-F238E27FC236}">
+                <a16:creationId xmlns:a16="http://schemas.microsoft.com/office/drawing/2014/main" id="{2BF6E946-1D71-43F1-A7F8-A1EE5996975C}"/>
+              </a:ext>
+            </a:extLst>
+          </p:cNvPr>
+          <p:cNvSpPr/>
+          <p:nvPr/>
+        </p:nvSpPr>
+        <p:spPr>
+          <a:xfrm>
+            <a:off x="10092409" y="3580826"/>
+            <a:ext cx="944878" cy="492368"/>
+          </a:xfrm>
+          <a:prstGeom prst="roundRect">
+            <a:avLst/>
+          </a:prstGeom>
+          <a:noFill/>
+          <a:ln>
+            <a:solidFill>
+              <a:schemeClr val="accent6">
+                <a:lumMod val="60000"/>
+                <a:lumOff val="40000"/>
+              </a:schemeClr>
+            </a:solidFill>
+          </a:ln>
+        </p:spPr>
+        <p:style>
+          <a:lnRef idx="2">
+            <a:schemeClr val="accent1">
+              <a:shade val="50000"/>
+            </a:schemeClr>
+          </a:lnRef>
+          <a:fillRef idx="1">
+            <a:schemeClr val="accent1"/>
+          </a:fillRef>
+          <a:effectRef idx="0">
+            <a:schemeClr val="accent1"/>
+          </a:effectRef>
+          <a:fontRef idx="minor">
+            <a:schemeClr val="lt1"/>
+          </a:fontRef>
+        </p:style>
+        <p:txBody>
+          <a:bodyPr rtlCol="0" anchor="ctr"/>
+          <a:lstStyle/>
+          <a:p>
+            <a:pPr algn="ctr"/>
+            <a:r>
+              <a:rPr lang="zh-CN" altLang="en-US" sz="1400" dirty="0">
+                <a:solidFill>
+                  <a:schemeClr val="tx1"/>
+                </a:solidFill>
+              </a:rPr>
+              <a:t>其他报文</a:t>
+            </a:r>
+          </a:p>
+        </p:txBody>
+      </p:sp>
+      <p:sp>
+        <p:nvSpPr>
+          <p:cNvPr id="21" name="矩形: 圆角 20">
+            <a:extLst>
+              <a:ext uri="{FF2B5EF4-FFF2-40B4-BE49-F238E27FC236}">
+                <a16:creationId xmlns:a16="http://schemas.microsoft.com/office/drawing/2014/main" id="{7E4A5AED-0F1F-401E-A1CF-B79D76D0077D}"/>
+              </a:ext>
+            </a:extLst>
+          </p:cNvPr>
+          <p:cNvSpPr/>
+          <p:nvPr/>
+        </p:nvSpPr>
+        <p:spPr>
+          <a:xfrm>
+            <a:off x="8946284" y="3580826"/>
+            <a:ext cx="944878" cy="492368"/>
+          </a:xfrm>
+          <a:prstGeom prst="roundRect">
+            <a:avLst/>
+          </a:prstGeom>
+          <a:noFill/>
+          <a:ln>
+            <a:solidFill>
+              <a:schemeClr val="accent6">
+                <a:lumMod val="60000"/>
+                <a:lumOff val="40000"/>
+              </a:schemeClr>
+            </a:solidFill>
+          </a:ln>
+        </p:spPr>
+        <p:style>
+          <a:lnRef idx="2">
+            <a:schemeClr val="accent1">
+              <a:shade val="50000"/>
+            </a:schemeClr>
+          </a:lnRef>
+          <a:fillRef idx="1">
+            <a:schemeClr val="accent1"/>
+          </a:fillRef>
+          <a:effectRef idx="0">
+            <a:schemeClr val="accent1"/>
+          </a:effectRef>
+          <a:fontRef idx="minor">
+            <a:schemeClr val="lt1"/>
+          </a:fontRef>
+        </p:style>
+        <p:txBody>
+          <a:bodyPr rtlCol="0" anchor="ctr"/>
+          <a:lstStyle/>
+          <a:p>
+            <a:pPr algn="ctr"/>
+            <a:r>
+              <a:rPr lang="zh-CN" altLang="en-US" sz="1400" dirty="0">
+                <a:solidFill>
+                  <a:schemeClr val="tx1"/>
+                </a:solidFill>
+              </a:rPr>
+              <a:t>统计报文</a:t>
+            </a:r>
+          </a:p>
+        </p:txBody>
+      </p:sp>
+      <p:graphicFrame>
+        <p:nvGraphicFramePr>
+          <p:cNvPr id="24" name="表格 23">
+            <a:extLst>
+              <a:ext uri="{FF2B5EF4-FFF2-40B4-BE49-F238E27FC236}">
+                <a16:creationId xmlns:a16="http://schemas.microsoft.com/office/drawing/2014/main" id="{66C5FD0F-FA56-4A91-B31D-12FDE9B14F87}"/>
+              </a:ext>
+            </a:extLst>
+          </p:cNvPr>
+          <p:cNvGraphicFramePr>
+            <a:graphicFrameLocks noGrp="1"/>
+          </p:cNvGraphicFramePr>
+          <p:nvPr>
+            <p:extLst>
+              <p:ext uri="{D42A27DB-BD31-4B8C-83A1-F6EECF244321}">
+                <p14:modId xmlns:p14="http://schemas.microsoft.com/office/powerpoint/2010/main" val="1447611456"/>
+              </p:ext>
+            </p:extLst>
+          </p:nvPr>
+        </p:nvGraphicFramePr>
+        <p:xfrm>
+          <a:off x="5474683" y="2057996"/>
+          <a:ext cx="2561044" cy="1219200"/>
+        </p:xfrm>
+        <a:graphic>
+          <a:graphicData uri="http://schemas.openxmlformats.org/drawingml/2006/table">
+            <a:tbl>
+              <a:tblPr firstRow="1" bandRow="1">
+                <a:tableStyleId>{5C22544A-7EE6-4342-B048-85BDC9FD1C3A}</a:tableStyleId>
+              </a:tblPr>
+              <a:tblGrid>
+                <a:gridCol w="1280522">
+                  <a:extLst>
+                    <a:ext uri="{9D8B030D-6E8A-4147-A177-3AD203B41FA5}">
+                      <a16:colId xmlns:a16="http://schemas.microsoft.com/office/drawing/2014/main" val="1247232678"/>
+                    </a:ext>
+                  </a:extLst>
+                </a:gridCol>
+                <a:gridCol w="1280522">
+                  <a:extLst>
+                    <a:ext uri="{9D8B030D-6E8A-4147-A177-3AD203B41FA5}">
+                      <a16:colId xmlns:a16="http://schemas.microsoft.com/office/drawing/2014/main" val="2688455413"/>
+                    </a:ext>
+                  </a:extLst>
+                </a:gridCol>
+              </a:tblGrid>
+              <a:tr h="304800">
+                <a:tc gridSpan="2">
+                  <a:txBody>
+                    <a:bodyPr/>
+                    <a:lstStyle/>
+                    <a:p>
+                      <a:pPr algn="ctr"/>
+                      <a:r>
+                        <a:rPr lang="en-US" altLang="zh-CN" sz="1400" dirty="0"/>
+                        <a:t>Map</a:t>
+                      </a:r>
+                      <a:r>
+                        <a:rPr lang="zh-CN" altLang="en-US" sz="1400" dirty="0"/>
+                        <a:t>关系表</a:t>
+                      </a:r>
+                    </a:p>
+                  </a:txBody>
+                  <a:tcPr/>
+                </a:tc>
+                <a:tc hMerge="1">
+                  <a:txBody>
+                    <a:bodyPr/>
+                    <a:lstStyle/>
+                    <a:p>
+                      <a:pPr algn="ctr"/>
+                      <a:endParaRPr lang="zh-CN" altLang="en-US" sz="1400" dirty="0"/>
+                    </a:p>
+                  </a:txBody>
+                  <a:tcPr/>
+                </a:tc>
+                <a:extLst>
+                  <a:ext uri="{0D108BD9-81ED-4DB2-BD59-A6C34878D82A}">
+                    <a16:rowId xmlns:a16="http://schemas.microsoft.com/office/drawing/2014/main" val="2189247253"/>
+                  </a:ext>
+                </a:extLst>
+              </a:tr>
+              <a:tr h="304800">
+                <a:tc>
+                  <a:txBody>
+                    <a:bodyPr/>
+                    <a:lstStyle/>
+                    <a:p>
+                      <a:pPr algn="ctr"/>
+                      <a:r>
+                        <a:rPr lang="zh-CN" altLang="en-US" sz="1400" dirty="0"/>
+                        <a:t>短地址</a:t>
+                      </a:r>
+                    </a:p>
+                  </a:txBody>
+                  <a:tcPr/>
+                </a:tc>
+                <a:tc>
+                  <a:txBody>
+                    <a:bodyPr/>
+                    <a:lstStyle/>
+                    <a:p>
+                      <a:pPr algn="ctr"/>
+                      <a:r>
+                        <a:rPr lang="zh-CN" altLang="en-US" sz="1400" dirty="0"/>
+                        <a:t>长地址</a:t>
+                      </a:r>
+                    </a:p>
+                  </a:txBody>
+                  <a:tcPr/>
+                </a:tc>
+                <a:extLst>
+                  <a:ext uri="{0D108BD9-81ED-4DB2-BD59-A6C34878D82A}">
+                    <a16:rowId xmlns:a16="http://schemas.microsoft.com/office/drawing/2014/main" val="1506744959"/>
+                  </a:ext>
+                </a:extLst>
+              </a:tr>
+              <a:tr h="304800">
+                <a:tc>
+                  <a:txBody>
+                    <a:bodyPr/>
+                    <a:lstStyle/>
+                    <a:p>
+                      <a:pPr algn="ctr"/>
+                      <a:r>
+                        <a:rPr lang="zh-CN" altLang="en-US" sz="1400" dirty="0"/>
+                        <a:t>长地址</a:t>
+                      </a:r>
+                    </a:p>
+                  </a:txBody>
+                  <a:tcPr/>
+                </a:tc>
+                <a:tc>
+                  <a:txBody>
+                    <a:bodyPr/>
+                    <a:lstStyle/>
+                    <a:p>
+                      <a:pPr algn="ctr"/>
+                      <a:r>
+                        <a:rPr lang="zh-CN" altLang="en-US" sz="1400" dirty="0"/>
+                        <a:t>设备</a:t>
+                      </a:r>
+                    </a:p>
+                  </a:txBody>
+                  <a:tcPr/>
+                </a:tc>
+                <a:extLst>
+                  <a:ext uri="{0D108BD9-81ED-4DB2-BD59-A6C34878D82A}">
+                    <a16:rowId xmlns:a16="http://schemas.microsoft.com/office/drawing/2014/main" val="4076222626"/>
+                  </a:ext>
+                </a:extLst>
+              </a:tr>
+              <a:tr h="304800">
+                <a:tc>
+                  <a:txBody>
+                    <a:bodyPr/>
+                    <a:lstStyle/>
+                    <a:p>
+                      <a:pPr algn="ctr"/>
+                      <a:r>
+                        <a:rPr lang="zh-CN" altLang="en-US" sz="1400" dirty="0"/>
+                        <a:t>设备</a:t>
+                      </a:r>
+                    </a:p>
+                  </a:txBody>
+                  <a:tcPr/>
+                </a:tc>
+                <a:tc>
+                  <a:txBody>
+                    <a:bodyPr/>
+                    <a:lstStyle/>
+                    <a:p>
+                      <a:pPr algn="ctr"/>
+                      <a:r>
+                        <a:rPr lang="zh-CN" altLang="en-US" sz="1400" dirty="0"/>
+                        <a:t>解析规则</a:t>
+                      </a:r>
+                    </a:p>
+                  </a:txBody>
+                  <a:tcPr/>
+                </a:tc>
+                <a:extLst>
+                  <a:ext uri="{0D108BD9-81ED-4DB2-BD59-A6C34878D82A}">
+                    <a16:rowId xmlns:a16="http://schemas.microsoft.com/office/drawing/2014/main" val="3487193862"/>
+                  </a:ext>
+                </a:extLst>
+              </a:tr>
+            </a:tbl>
+          </a:graphicData>
+        </a:graphic>
+      </p:graphicFrame>
+      <p:sp>
+        <p:nvSpPr>
+          <p:cNvPr id="25" name="矩形: 圆角 24">
+            <a:extLst>
+              <a:ext uri="{FF2B5EF4-FFF2-40B4-BE49-F238E27FC236}">
+                <a16:creationId xmlns:a16="http://schemas.microsoft.com/office/drawing/2014/main" id="{E531AE60-3E7A-431B-8820-0AFBAB2466CD}"/>
+              </a:ext>
+            </a:extLst>
+          </p:cNvPr>
+          <p:cNvSpPr/>
+          <p:nvPr/>
+        </p:nvSpPr>
+        <p:spPr>
+          <a:xfrm>
+            <a:off x="8309323" y="2053308"/>
+            <a:ext cx="449781" cy="1219200"/>
+          </a:xfrm>
+          <a:prstGeom prst="roundRect">
+            <a:avLst/>
+          </a:prstGeom>
+          <a:noFill/>
+          <a:ln>
+            <a:solidFill>
+              <a:schemeClr val="accent1">
+                <a:lumMod val="60000"/>
+                <a:lumOff val="40000"/>
+              </a:schemeClr>
+            </a:solidFill>
+          </a:ln>
+        </p:spPr>
+        <p:style>
+          <a:lnRef idx="2">
+            <a:schemeClr val="accent1">
+              <a:shade val="50000"/>
+            </a:schemeClr>
+          </a:lnRef>
+          <a:fillRef idx="1">
+            <a:schemeClr val="accent1"/>
+          </a:fillRef>
+          <a:effectRef idx="0">
+            <a:schemeClr val="accent1"/>
+          </a:effectRef>
+          <a:fontRef idx="minor">
+            <a:schemeClr val="lt1"/>
+          </a:fontRef>
+        </p:style>
+        <p:txBody>
+          <a:bodyPr rtlCol="0" anchor="ctr"/>
+          <a:lstStyle/>
+          <a:p>
+            <a:pPr algn="ctr"/>
+            <a:r>
+              <a:rPr lang="zh-CN" altLang="en-US" sz="1400" dirty="0">
+                <a:solidFill>
+                  <a:schemeClr val="tx1"/>
+                </a:solidFill>
+              </a:rPr>
+              <a:t>数据解析</a:t>
+            </a:r>
+          </a:p>
+        </p:txBody>
+      </p:sp>
+      <p:sp>
+        <p:nvSpPr>
+          <p:cNvPr id="27" name="矩形: 圆角 26">
+            <a:extLst>
+              <a:ext uri="{FF2B5EF4-FFF2-40B4-BE49-F238E27FC236}">
+                <a16:creationId xmlns:a16="http://schemas.microsoft.com/office/drawing/2014/main" id="{E8760C09-16F6-4812-8D75-BB656F415D09}"/>
+              </a:ext>
+            </a:extLst>
+          </p:cNvPr>
+          <p:cNvSpPr/>
+          <p:nvPr/>
+        </p:nvSpPr>
+        <p:spPr>
+          <a:xfrm>
+            <a:off x="9046768" y="2053308"/>
+            <a:ext cx="449781" cy="1219200"/>
+          </a:xfrm>
+          <a:prstGeom prst="roundRect">
+            <a:avLst/>
+          </a:prstGeom>
+          <a:noFill/>
+          <a:ln>
+            <a:solidFill>
+              <a:schemeClr val="accent1">
+                <a:lumMod val="60000"/>
+                <a:lumOff val="40000"/>
+              </a:schemeClr>
+            </a:solidFill>
+          </a:ln>
+        </p:spPr>
+        <p:style>
+          <a:lnRef idx="2">
+            <a:schemeClr val="accent1">
+              <a:shade val="50000"/>
+            </a:schemeClr>
+          </a:lnRef>
+          <a:fillRef idx="1">
+            <a:schemeClr val="accent1"/>
+          </a:fillRef>
+          <a:effectRef idx="0">
+            <a:schemeClr val="accent1"/>
+          </a:effectRef>
+          <a:fontRef idx="minor">
+            <a:schemeClr val="lt1"/>
+          </a:fontRef>
+        </p:style>
+        <p:txBody>
+          <a:bodyPr rtlCol="0" anchor="ctr"/>
+          <a:lstStyle/>
+          <a:p>
+            <a:pPr algn="ctr"/>
+            <a:r>
+              <a:rPr lang="zh-CN" altLang="en-US" sz="1400" dirty="0">
+                <a:solidFill>
+                  <a:schemeClr val="tx1"/>
+                </a:solidFill>
+              </a:rPr>
+              <a:t>数据入库</a:t>
+            </a:r>
+          </a:p>
+        </p:txBody>
+      </p:sp>
+      <p:sp>
+        <p:nvSpPr>
+          <p:cNvPr id="28" name="矩形: 圆角 27">
+            <a:extLst>
+              <a:ext uri="{FF2B5EF4-FFF2-40B4-BE49-F238E27FC236}">
+                <a16:creationId xmlns:a16="http://schemas.microsoft.com/office/drawing/2014/main" id="{6DC15EF5-9C0A-488D-932C-9A377F07492A}"/>
+              </a:ext>
+            </a:extLst>
+          </p:cNvPr>
+          <p:cNvSpPr/>
+          <p:nvPr/>
+        </p:nvSpPr>
+        <p:spPr>
+          <a:xfrm>
+            <a:off x="9742009" y="2037480"/>
+            <a:ext cx="1373818" cy="1219200"/>
+          </a:xfrm>
+          <a:prstGeom prst="roundRect">
+            <a:avLst/>
+          </a:prstGeom>
+          <a:solidFill>
+            <a:schemeClr val="accent5">
+              <a:lumMod val="20000"/>
+              <a:lumOff val="80000"/>
+            </a:schemeClr>
+          </a:solidFill>
+          <a:ln>
+            <a:solidFill>
+              <a:schemeClr val="accent1">
+                <a:lumMod val="60000"/>
+                <a:lumOff val="40000"/>
+              </a:schemeClr>
+            </a:solidFill>
+          </a:ln>
+        </p:spPr>
+        <p:style>
+          <a:lnRef idx="2">
+            <a:schemeClr val="accent1">
+              <a:shade val="50000"/>
+            </a:schemeClr>
+          </a:lnRef>
+          <a:fillRef idx="1">
+            <a:schemeClr val="accent1"/>
+          </a:fillRef>
+          <a:effectRef idx="0">
+            <a:schemeClr val="accent1"/>
+          </a:effectRef>
+          <a:fontRef idx="minor">
+            <a:schemeClr val="lt1"/>
+          </a:fontRef>
+        </p:style>
+        <p:txBody>
+          <a:bodyPr rtlCol="0" anchor="ctr"/>
+          <a:lstStyle/>
+          <a:p>
+            <a:pPr algn="ctr"/>
+            <a:r>
+              <a:rPr lang="zh-CN" altLang="en-US" sz="1400" dirty="0">
+                <a:solidFill>
+                  <a:schemeClr val="tx1"/>
+                </a:solidFill>
+              </a:rPr>
+              <a:t>数据推送至</a:t>
+            </a:r>
+            <a:endParaRPr lang="en-US" altLang="zh-CN" sz="1400" dirty="0">
+              <a:solidFill>
+                <a:schemeClr val="tx1"/>
+              </a:solidFill>
+            </a:endParaRPr>
+          </a:p>
+          <a:p>
+            <a:pPr algn="ctr"/>
+            <a:r>
+              <a:rPr lang="en-US" altLang="zh-CN" sz="1400" dirty="0">
+                <a:solidFill>
+                  <a:schemeClr val="tx1"/>
+                </a:solidFill>
+              </a:rPr>
+              <a:t>MQTT</a:t>
+            </a:r>
+          </a:p>
+          <a:p>
+            <a:pPr algn="ctr"/>
+            <a:r>
+              <a:rPr lang="zh-CN" altLang="en-US" sz="1400" dirty="0">
+                <a:solidFill>
+                  <a:schemeClr val="tx1"/>
+                </a:solidFill>
+              </a:rPr>
+              <a:t> </a:t>
+            </a:r>
+            <a:r>
+              <a:rPr lang="zh-CN" altLang="en-US" sz="1400" dirty="0">
+                <a:solidFill>
+                  <a:schemeClr val="accent1"/>
+                </a:solidFill>
+              </a:rPr>
+              <a:t>消息队列</a:t>
+            </a:r>
+          </a:p>
+        </p:txBody>
+      </p:sp>
+      <p:sp>
+        <p:nvSpPr>
+          <p:cNvPr id="29" name="思想气泡: 云 28">
+            <a:extLst>
+              <a:ext uri="{FF2B5EF4-FFF2-40B4-BE49-F238E27FC236}">
+                <a16:creationId xmlns:a16="http://schemas.microsoft.com/office/drawing/2014/main" id="{D4DA2204-8DF9-47A5-808F-08F47FA73327}"/>
+              </a:ext>
+            </a:extLst>
+          </p:cNvPr>
+          <p:cNvSpPr/>
+          <p:nvPr/>
+        </p:nvSpPr>
+        <p:spPr>
+          <a:xfrm>
+            <a:off x="3922543" y="211020"/>
+            <a:ext cx="8004517" cy="1084394"/>
+          </a:xfrm>
+          <a:prstGeom prst="cloudCallout">
+            <a:avLst>
+              <a:gd name="adj1" fmla="val 36864"/>
+              <a:gd name="adj2" fmla="val 131257"/>
+            </a:avLst>
+          </a:prstGeom>
+          <a:noFill/>
+          <a:ln>
+            <a:solidFill>
+              <a:schemeClr val="accent1">
+                <a:lumMod val="60000"/>
+                <a:lumOff val="40000"/>
+              </a:schemeClr>
+            </a:solidFill>
+          </a:ln>
+        </p:spPr>
+        <p:style>
+          <a:lnRef idx="2">
+            <a:schemeClr val="accent1">
+              <a:shade val="50000"/>
+            </a:schemeClr>
+          </a:lnRef>
+          <a:fillRef idx="1">
+            <a:schemeClr val="accent1"/>
+          </a:fillRef>
+          <a:effectRef idx="0">
+            <a:schemeClr val="accent1"/>
+          </a:effectRef>
+          <a:fontRef idx="minor">
+            <a:schemeClr val="lt1"/>
+          </a:fontRef>
+        </p:style>
+        <p:txBody>
+          <a:bodyPr rtlCol="0" anchor="ctr"/>
+          <a:lstStyle/>
+          <a:p>
+            <a:pPr algn="ctr"/>
+            <a:r>
+              <a:rPr lang="en-US" altLang="zh-CN" b="1" dirty="0">
+                <a:solidFill>
+                  <a:schemeClr val="tx1"/>
+                </a:solidFill>
+              </a:rPr>
+              <a:t>dc3-manager </a:t>
+            </a:r>
+            <a:r>
+              <a:rPr lang="zh-CN" altLang="en-US" b="1" dirty="0">
+                <a:solidFill>
+                  <a:schemeClr val="tx1"/>
+                </a:solidFill>
+              </a:rPr>
+              <a:t>服务器</a:t>
+            </a:r>
+          </a:p>
+        </p:txBody>
+      </p:sp>
+      <p:sp>
+        <p:nvSpPr>
+          <p:cNvPr id="30" name="箭头: 燕尾形 29">
+            <a:extLst>
+              <a:ext uri="{FF2B5EF4-FFF2-40B4-BE49-F238E27FC236}">
+                <a16:creationId xmlns:a16="http://schemas.microsoft.com/office/drawing/2014/main" id="{8F400652-046A-4BA7-A8D8-C60C64270709}"/>
+              </a:ext>
+            </a:extLst>
+          </p:cNvPr>
+          <p:cNvSpPr/>
+          <p:nvPr/>
+        </p:nvSpPr>
+        <p:spPr>
+          <a:xfrm rot="16200000">
+            <a:off x="7259974" y="3285766"/>
+            <a:ext cx="330590" cy="259528"/>
+          </a:xfrm>
+          <a:prstGeom prst="notchedRightArrow">
+            <a:avLst/>
+          </a:prstGeom>
+          <a:solidFill>
+            <a:schemeClr val="accent3">
+              <a:lumMod val="20000"/>
+              <a:lumOff val="80000"/>
+            </a:schemeClr>
+          </a:solidFill>
+          <a:ln>
+            <a:solidFill>
+              <a:schemeClr val="accent2">
+                <a:lumMod val="60000"/>
+                <a:lumOff val="40000"/>
+              </a:schemeClr>
+            </a:solidFill>
+          </a:ln>
+        </p:spPr>
+        <p:style>
+          <a:lnRef idx="2">
+            <a:schemeClr val="accent1">
+              <a:shade val="50000"/>
+            </a:schemeClr>
+          </a:lnRef>
+          <a:fillRef idx="1">
+            <a:schemeClr val="accent1"/>
+          </a:fillRef>
+          <a:effectRef idx="0">
+            <a:schemeClr val="accent1"/>
+          </a:effectRef>
+          <a:fontRef idx="minor">
+            <a:schemeClr val="lt1"/>
+          </a:fontRef>
+        </p:style>
+        <p:txBody>
+          <a:bodyPr rtlCol="0" anchor="ctr"/>
+          <a:lstStyle/>
+          <a:p>
+            <a:pPr algn="ctr"/>
+            <a:endParaRPr lang="zh-CN" altLang="en-US"/>
+          </a:p>
+        </p:txBody>
+      </p:sp>
+      <p:sp>
+        <p:nvSpPr>
+          <p:cNvPr id="31" name="箭头: 燕尾形 30">
+            <a:extLst>
+              <a:ext uri="{FF2B5EF4-FFF2-40B4-BE49-F238E27FC236}">
+                <a16:creationId xmlns:a16="http://schemas.microsoft.com/office/drawing/2014/main" id="{CF7AEAD6-E2B6-4963-AD18-D833A8672419}"/>
+              </a:ext>
+            </a:extLst>
+          </p:cNvPr>
+          <p:cNvSpPr/>
+          <p:nvPr/>
+        </p:nvSpPr>
+        <p:spPr>
+          <a:xfrm>
+            <a:off x="8000196" y="2525230"/>
+            <a:ext cx="330590" cy="259528"/>
+          </a:xfrm>
+          <a:prstGeom prst="notchedRightArrow">
+            <a:avLst/>
+          </a:prstGeom>
+          <a:solidFill>
+            <a:schemeClr val="accent3">
+              <a:lumMod val="20000"/>
+              <a:lumOff val="80000"/>
+            </a:schemeClr>
+          </a:solidFill>
+          <a:ln>
+            <a:solidFill>
+              <a:schemeClr val="accent2">
+                <a:lumMod val="60000"/>
+                <a:lumOff val="40000"/>
+              </a:schemeClr>
+            </a:solidFill>
+          </a:ln>
+        </p:spPr>
+        <p:style>
+          <a:lnRef idx="2">
+            <a:schemeClr val="accent1">
+              <a:shade val="50000"/>
+            </a:schemeClr>
+          </a:lnRef>
+          <a:fillRef idx="1">
+            <a:schemeClr val="accent1"/>
+          </a:fillRef>
+          <a:effectRef idx="0">
+            <a:schemeClr val="accent1"/>
+          </a:effectRef>
+          <a:fontRef idx="minor">
+            <a:schemeClr val="lt1"/>
+          </a:fontRef>
+        </p:style>
+        <p:txBody>
+          <a:bodyPr rtlCol="0" anchor="ctr"/>
+          <a:lstStyle/>
+          <a:p>
+            <a:pPr algn="ctr"/>
+            <a:endParaRPr lang="zh-CN" altLang="en-US"/>
+          </a:p>
+        </p:txBody>
+      </p:sp>
+      <p:sp>
+        <p:nvSpPr>
+          <p:cNvPr id="32" name="箭头: 燕尾形 31">
+            <a:extLst>
+              <a:ext uri="{FF2B5EF4-FFF2-40B4-BE49-F238E27FC236}">
+                <a16:creationId xmlns:a16="http://schemas.microsoft.com/office/drawing/2014/main" id="{30536CE8-D4C1-4853-B66D-AD5216F7B7FC}"/>
+              </a:ext>
+            </a:extLst>
+          </p:cNvPr>
+          <p:cNvSpPr/>
+          <p:nvPr/>
+        </p:nvSpPr>
+        <p:spPr>
+          <a:xfrm>
+            <a:off x="8723573" y="2525230"/>
+            <a:ext cx="330590" cy="259528"/>
+          </a:xfrm>
+          <a:prstGeom prst="notchedRightArrow">
+            <a:avLst/>
+          </a:prstGeom>
+          <a:solidFill>
+            <a:schemeClr val="accent3">
+              <a:lumMod val="20000"/>
+              <a:lumOff val="80000"/>
+            </a:schemeClr>
+          </a:solidFill>
+          <a:ln>
+            <a:solidFill>
+              <a:schemeClr val="accent2">
+                <a:lumMod val="60000"/>
+                <a:lumOff val="40000"/>
+              </a:schemeClr>
+            </a:solidFill>
+          </a:ln>
+        </p:spPr>
+        <p:style>
+          <a:lnRef idx="2">
+            <a:schemeClr val="accent1">
+              <a:shade val="50000"/>
+            </a:schemeClr>
+          </a:lnRef>
+          <a:fillRef idx="1">
+            <a:schemeClr val="accent1"/>
+          </a:fillRef>
+          <a:effectRef idx="0">
+            <a:schemeClr val="accent1"/>
+          </a:effectRef>
+          <a:fontRef idx="minor">
+            <a:schemeClr val="lt1"/>
+          </a:fontRef>
+        </p:style>
+        <p:txBody>
+          <a:bodyPr rtlCol="0" anchor="ctr"/>
+          <a:lstStyle/>
+          <a:p>
+            <a:pPr algn="ctr"/>
+            <a:endParaRPr lang="zh-CN" altLang="en-US"/>
+          </a:p>
+        </p:txBody>
+      </p:sp>
+      <p:sp>
+        <p:nvSpPr>
+          <p:cNvPr id="33" name="箭头: 燕尾形 32">
+            <a:extLst>
+              <a:ext uri="{FF2B5EF4-FFF2-40B4-BE49-F238E27FC236}">
+                <a16:creationId xmlns:a16="http://schemas.microsoft.com/office/drawing/2014/main" id="{645B26ED-AA63-4661-8E8B-DCA566C58526}"/>
+              </a:ext>
+            </a:extLst>
+          </p:cNvPr>
+          <p:cNvSpPr/>
+          <p:nvPr/>
+        </p:nvSpPr>
+        <p:spPr>
+          <a:xfrm>
+            <a:off x="9451574" y="2517316"/>
+            <a:ext cx="330590" cy="259528"/>
+          </a:xfrm>
+          <a:prstGeom prst="notchedRightArrow">
+            <a:avLst/>
+          </a:prstGeom>
+          <a:solidFill>
+            <a:schemeClr val="accent3">
+              <a:lumMod val="20000"/>
+              <a:lumOff val="80000"/>
+            </a:schemeClr>
+          </a:solidFill>
+          <a:ln>
+            <a:solidFill>
+              <a:schemeClr val="accent2">
+                <a:lumMod val="60000"/>
+                <a:lumOff val="40000"/>
+              </a:schemeClr>
+            </a:solidFill>
+          </a:ln>
+        </p:spPr>
+        <p:style>
+          <a:lnRef idx="2">
+            <a:schemeClr val="accent1">
+              <a:shade val="50000"/>
+            </a:schemeClr>
+          </a:lnRef>
+          <a:fillRef idx="1">
+            <a:schemeClr val="accent1"/>
+          </a:fillRef>
+          <a:effectRef idx="0">
+            <a:schemeClr val="accent1"/>
+          </a:effectRef>
+          <a:fontRef idx="minor">
+            <a:schemeClr val="lt1"/>
+          </a:fontRef>
+        </p:style>
+        <p:txBody>
+          <a:bodyPr rtlCol="0" anchor="ctr"/>
+          <a:lstStyle/>
+          <a:p>
+            <a:pPr algn="ctr"/>
+            <a:endParaRPr lang="zh-CN" altLang="en-US"/>
+          </a:p>
+        </p:txBody>
+      </p:sp>
+      <p:sp>
+        <p:nvSpPr>
+          <p:cNvPr id="38" name="矩形: 圆角 37">
+            <a:extLst>
+              <a:ext uri="{FF2B5EF4-FFF2-40B4-BE49-F238E27FC236}">
+                <a16:creationId xmlns:a16="http://schemas.microsoft.com/office/drawing/2014/main" id="{4C346D6B-048D-4BE9-863E-3A458F071AC9}"/>
+              </a:ext>
+            </a:extLst>
+          </p:cNvPr>
+          <p:cNvSpPr/>
+          <p:nvPr/>
+        </p:nvSpPr>
+        <p:spPr>
+          <a:xfrm>
+            <a:off x="4703981" y="2031034"/>
+            <a:ext cx="604237" cy="2832880"/>
+          </a:xfrm>
+          <a:prstGeom prst="roundRect">
+            <a:avLst/>
+          </a:prstGeom>
+          <a:noFill/>
+          <a:ln>
+            <a:solidFill>
+              <a:schemeClr val="accent1">
+                <a:lumMod val="60000"/>
+                <a:lumOff val="40000"/>
+              </a:schemeClr>
+            </a:solidFill>
+          </a:ln>
+        </p:spPr>
+        <p:style>
+          <a:lnRef idx="2">
+            <a:schemeClr val="accent1">
+              <a:shade val="50000"/>
+            </a:schemeClr>
+          </a:lnRef>
+          <a:fillRef idx="1">
+            <a:schemeClr val="accent1"/>
+          </a:fillRef>
+          <a:effectRef idx="0">
+            <a:schemeClr val="accent1"/>
+          </a:effectRef>
+          <a:fontRef idx="minor">
+            <a:schemeClr val="lt1"/>
+          </a:fontRef>
+        </p:style>
+        <p:txBody>
+          <a:bodyPr rtlCol="0" anchor="ctr"/>
+          <a:lstStyle/>
+          <a:p>
+            <a:pPr algn="ctr"/>
+            <a:r>
+              <a:rPr lang="zh-CN" altLang="en-US" sz="1400" dirty="0">
+                <a:solidFill>
+                  <a:schemeClr val="tx1"/>
+                </a:solidFill>
+              </a:rPr>
+              <a:t>定时状态检测</a:t>
+            </a:r>
+            <a:endParaRPr lang="en-US" altLang="zh-CN" sz="1400" dirty="0">
+              <a:solidFill>
+                <a:schemeClr val="tx1"/>
+              </a:solidFill>
+            </a:endParaRPr>
+          </a:p>
+          <a:p>
+            <a:pPr algn="ctr"/>
+            <a:endParaRPr lang="en-US" altLang="zh-CN" sz="1400" dirty="0">
+              <a:solidFill>
+                <a:schemeClr val="tx1"/>
+              </a:solidFill>
+            </a:endParaRPr>
+          </a:p>
+          <a:p>
+            <a:pPr algn="ctr"/>
+            <a:endParaRPr lang="en-US" altLang="zh-CN" sz="1400" dirty="0">
+              <a:solidFill>
+                <a:schemeClr val="tx1"/>
+              </a:solidFill>
+            </a:endParaRPr>
+          </a:p>
+          <a:p>
+            <a:pPr algn="ctr"/>
+            <a:r>
+              <a:rPr lang="zh-CN" altLang="en-US" sz="1400" dirty="0">
+                <a:solidFill>
+                  <a:schemeClr val="tx1"/>
+                </a:solidFill>
+              </a:rPr>
+              <a:t>用于</a:t>
+            </a:r>
+            <a:r>
+              <a:rPr lang="zh-CN" altLang="en-US" sz="1400" dirty="0">
+                <a:solidFill>
+                  <a:srgbClr val="00B050"/>
+                </a:solidFill>
+              </a:rPr>
+              <a:t>网关重连</a:t>
+            </a:r>
+            <a:r>
+              <a:rPr lang="zh-CN" altLang="en-US" sz="1400" dirty="0">
+                <a:solidFill>
+                  <a:schemeClr val="tx1"/>
+                </a:solidFill>
+              </a:rPr>
+              <a:t>和</a:t>
+            </a:r>
+            <a:endParaRPr lang="en-US" altLang="zh-CN" sz="1400" dirty="0">
+              <a:solidFill>
+                <a:schemeClr val="tx1"/>
+              </a:solidFill>
+            </a:endParaRPr>
+          </a:p>
+          <a:p>
+            <a:pPr algn="ctr"/>
+            <a:r>
+              <a:rPr lang="zh-CN" altLang="en-US" sz="1400" dirty="0">
+                <a:solidFill>
+                  <a:srgbClr val="00B050"/>
+                </a:solidFill>
+              </a:rPr>
+              <a:t>线程重启</a:t>
+            </a:r>
+          </a:p>
+        </p:txBody>
+      </p:sp>
+      <p:sp>
+        <p:nvSpPr>
+          <p:cNvPr id="39" name="文本框 38">
+            <a:extLst>
+              <a:ext uri="{FF2B5EF4-FFF2-40B4-BE49-F238E27FC236}">
+                <a16:creationId xmlns:a16="http://schemas.microsoft.com/office/drawing/2014/main" id="{2B2718B9-7626-4AA9-9D14-FA0A0F76E4AD}"/>
+              </a:ext>
+            </a:extLst>
+          </p:cNvPr>
+          <p:cNvSpPr txBox="1"/>
+          <p:nvPr/>
+        </p:nvSpPr>
+        <p:spPr>
+          <a:xfrm>
+            <a:off x="110197" y="1166402"/>
+            <a:ext cx="3418450" cy="369332"/>
+          </a:xfrm>
+          <a:prstGeom prst="rect">
+            <a:avLst/>
+          </a:prstGeom>
+          <a:noFill/>
+        </p:spPr>
+        <p:txBody>
+          <a:bodyPr wrap="square" rtlCol="0">
+            <a:spAutoFit/>
+          </a:bodyPr>
+          <a:lstStyle/>
+          <a:p>
+            <a:r>
+              <a:rPr lang="en-US" altLang="zh-CN" dirty="0"/>
+              <a:t>dc3-group  </a:t>
+            </a:r>
+            <a:r>
+              <a:rPr lang="en-US" altLang="zh-CN" dirty="0" err="1"/>
+              <a:t>Wia</a:t>
+            </a:r>
+            <a:r>
+              <a:rPr lang="zh-CN" altLang="en-US" dirty="0"/>
+              <a:t>数据解析流程图</a:t>
+            </a:r>
+          </a:p>
+        </p:txBody>
+      </p:sp>
+    </p:spTree>
+    <p:extLst>
+      <p:ext uri="{BB962C8B-B14F-4D97-AF65-F5344CB8AC3E}">
+        <p14:creationId xmlns:p14="http://schemas.microsoft.com/office/powerpoint/2010/main" val="3234413113"/>
+      </p:ext>
+    </p:extLst>
+  </p:cSld>
+  <p:clrMapOvr>
+    <a:masterClrMapping/>
+  </p:clrMapOvr>
+</p:sld>
+</file>
+
+<file path=ppt/slides/slide7.xml><?xml version="1.0" encoding="utf-8"?>
+<p:sld xmlns:a="http://schemas.openxmlformats.org/drawingml/2006/main" xmlns:r="http://schemas.openxmlformats.org/officeDocument/2006/relationships" xmlns:p="http://schemas.openxmlformats.org/presentationml/2006/main">
+  <p:cSld>
+    <p:spTree>
+      <p:nvGrpSpPr>
+        <p:cNvPr id="1" name=""/>
+        <p:cNvGrpSpPr/>
+        <p:nvPr/>
+      </p:nvGrpSpPr>
+      <p:grpSpPr>
+        <a:xfrm>
+          <a:off x="0" y="0"/>
+          <a:ext cx="0" cy="0"/>
+          <a:chOff x="0" y="0"/>
+          <a:chExt cx="0" cy="0"/>
+        </a:xfrm>
+      </p:grpSpPr>
+      <p:sp>
+        <p:nvSpPr>
+          <p:cNvPr id="4" name="矩形: 圆角 3">
+            <a:extLst>
+              <a:ext uri="{FF2B5EF4-FFF2-40B4-BE49-F238E27FC236}">
+                <a16:creationId xmlns:a16="http://schemas.microsoft.com/office/drawing/2014/main" id="{F5E75F23-ED92-478C-8BA7-AD576E33A472}"/>
+              </a:ext>
+            </a:extLst>
+          </p:cNvPr>
+          <p:cNvSpPr/>
+          <p:nvPr/>
+        </p:nvSpPr>
+        <p:spPr>
+          <a:xfrm>
+            <a:off x="328245" y="4526279"/>
+            <a:ext cx="1270782" cy="520506"/>
+          </a:xfrm>
+          <a:prstGeom prst="roundRect">
+            <a:avLst/>
+          </a:prstGeom>
+          <a:solidFill>
+            <a:schemeClr val="accent1">
+              <a:lumMod val="40000"/>
+              <a:lumOff val="60000"/>
+            </a:schemeClr>
+          </a:solidFill>
+          <a:ln>
+            <a:solidFill>
+              <a:schemeClr val="accent1">
+                <a:lumMod val="60000"/>
+                <a:lumOff val="40000"/>
+              </a:schemeClr>
+            </a:solidFill>
+          </a:ln>
+        </p:spPr>
+        <p:style>
+          <a:lnRef idx="2">
+            <a:schemeClr val="accent1">
+              <a:shade val="50000"/>
+            </a:schemeClr>
+          </a:lnRef>
+          <a:fillRef idx="1">
+            <a:schemeClr val="accent1"/>
+          </a:fillRef>
+          <a:effectRef idx="0">
+            <a:schemeClr val="accent1"/>
+          </a:effectRef>
+          <a:fontRef idx="minor">
+            <a:schemeClr val="lt1"/>
+          </a:fontRef>
+        </p:style>
+        <p:txBody>
+          <a:bodyPr rtlCol="0" anchor="ctr"/>
+          <a:lstStyle/>
+          <a:p>
+            <a:pPr algn="ctr"/>
+            <a:r>
+              <a:rPr lang="en-US" altLang="zh-CN" sz="1400" dirty="0">
+                <a:solidFill>
+                  <a:schemeClr val="tx1"/>
+                </a:solidFill>
+              </a:rPr>
+              <a:t>dc3-dbs</a:t>
+            </a:r>
+          </a:p>
+          <a:p>
+            <a:pPr algn="ctr"/>
+            <a:r>
+              <a:rPr lang="en-US" altLang="zh-CN" sz="1400" dirty="0">
+                <a:solidFill>
+                  <a:schemeClr val="tx1"/>
+                </a:solidFill>
+              </a:rPr>
+              <a:t>A</a:t>
+            </a:r>
+            <a:endParaRPr lang="zh-CN" altLang="en-US" sz="1400" dirty="0">
+              <a:solidFill>
+                <a:schemeClr val="tx1"/>
+              </a:solidFill>
+            </a:endParaRPr>
+          </a:p>
+        </p:txBody>
+      </p:sp>
+      <p:sp>
+        <p:nvSpPr>
+          <p:cNvPr id="5" name="矩形: 圆角 4">
+            <a:extLst>
+              <a:ext uri="{FF2B5EF4-FFF2-40B4-BE49-F238E27FC236}">
+                <a16:creationId xmlns:a16="http://schemas.microsoft.com/office/drawing/2014/main" id="{B04D3C97-AC76-420E-8A87-95FDD2D64C7D}"/>
+              </a:ext>
+            </a:extLst>
+          </p:cNvPr>
+          <p:cNvSpPr/>
+          <p:nvPr/>
+        </p:nvSpPr>
+        <p:spPr>
+          <a:xfrm>
+            <a:off x="2098430" y="4526279"/>
+            <a:ext cx="1270782" cy="520506"/>
+          </a:xfrm>
+          <a:prstGeom prst="roundRect">
+            <a:avLst/>
+          </a:prstGeom>
+          <a:solidFill>
+            <a:schemeClr val="accent1">
+              <a:lumMod val="40000"/>
+              <a:lumOff val="60000"/>
+            </a:schemeClr>
+          </a:solidFill>
+          <a:ln>
+            <a:solidFill>
+              <a:schemeClr val="accent1">
+                <a:lumMod val="60000"/>
+                <a:lumOff val="40000"/>
+              </a:schemeClr>
+            </a:solidFill>
+          </a:ln>
+        </p:spPr>
+        <p:style>
+          <a:lnRef idx="2">
+            <a:schemeClr val="accent1">
+              <a:shade val="50000"/>
+            </a:schemeClr>
+          </a:lnRef>
+          <a:fillRef idx="1">
+            <a:schemeClr val="accent1"/>
+          </a:fillRef>
+          <a:effectRef idx="0">
+            <a:schemeClr val="accent1"/>
+          </a:effectRef>
+          <a:fontRef idx="minor">
+            <a:schemeClr val="lt1"/>
+          </a:fontRef>
+        </p:style>
+        <p:txBody>
+          <a:bodyPr rtlCol="0" anchor="ctr"/>
+          <a:lstStyle/>
+          <a:p>
+            <a:pPr algn="ctr"/>
+            <a:r>
+              <a:rPr lang="en-US" altLang="zh-CN" sz="1400" dirty="0">
+                <a:solidFill>
+                  <a:schemeClr val="tx1"/>
+                </a:solidFill>
+              </a:rPr>
+              <a:t>dc3-dbs</a:t>
+            </a:r>
+          </a:p>
+          <a:p>
+            <a:pPr algn="ctr"/>
+            <a:r>
+              <a:rPr lang="en-US" altLang="zh-CN" sz="1400" dirty="0">
+                <a:solidFill>
+                  <a:schemeClr val="tx1"/>
+                </a:solidFill>
+              </a:rPr>
+              <a:t>B</a:t>
+            </a:r>
+            <a:endParaRPr lang="zh-CN" altLang="en-US" sz="1400" dirty="0">
+              <a:solidFill>
+                <a:schemeClr val="tx1"/>
+              </a:solidFill>
+            </a:endParaRPr>
+          </a:p>
+        </p:txBody>
+      </p:sp>
+      <p:sp>
+        <p:nvSpPr>
+          <p:cNvPr id="6" name="矩形: 圆角 5">
+            <a:extLst>
+              <a:ext uri="{FF2B5EF4-FFF2-40B4-BE49-F238E27FC236}">
+                <a16:creationId xmlns:a16="http://schemas.microsoft.com/office/drawing/2014/main" id="{46221EE8-2CC8-43ED-913C-1340F00D1C5C}"/>
+              </a:ext>
+            </a:extLst>
+          </p:cNvPr>
+          <p:cNvSpPr/>
+          <p:nvPr/>
+        </p:nvSpPr>
+        <p:spPr>
+          <a:xfrm>
+            <a:off x="3868615" y="4526279"/>
+            <a:ext cx="1270782" cy="520506"/>
+          </a:xfrm>
+          <a:prstGeom prst="roundRect">
+            <a:avLst/>
+          </a:prstGeom>
+          <a:solidFill>
+            <a:schemeClr val="accent1">
+              <a:lumMod val="40000"/>
+              <a:lumOff val="60000"/>
+            </a:schemeClr>
+          </a:solidFill>
+          <a:ln>
+            <a:solidFill>
+              <a:schemeClr val="accent1">
+                <a:lumMod val="60000"/>
+                <a:lumOff val="40000"/>
+              </a:schemeClr>
+            </a:solidFill>
+          </a:ln>
+        </p:spPr>
+        <p:style>
+          <a:lnRef idx="2">
+            <a:schemeClr val="accent1">
+              <a:shade val="50000"/>
+            </a:schemeClr>
+          </a:lnRef>
+          <a:fillRef idx="1">
+            <a:schemeClr val="accent1"/>
+          </a:fillRef>
+          <a:effectRef idx="0">
+            <a:schemeClr val="accent1"/>
+          </a:effectRef>
+          <a:fontRef idx="minor">
+            <a:schemeClr val="lt1"/>
+          </a:fontRef>
+        </p:style>
+        <p:txBody>
+          <a:bodyPr rtlCol="0" anchor="ctr"/>
+          <a:lstStyle/>
+          <a:p>
+            <a:pPr algn="ctr"/>
+            <a:r>
+              <a:rPr lang="en-US" altLang="zh-CN" sz="1400" dirty="0">
+                <a:solidFill>
+                  <a:schemeClr val="tx1"/>
+                </a:solidFill>
+              </a:rPr>
+              <a:t>dc3-dbs</a:t>
+            </a:r>
+          </a:p>
+          <a:p>
+            <a:pPr algn="ctr"/>
+            <a:r>
+              <a:rPr lang="en-US" altLang="zh-CN" sz="1400" dirty="0">
+                <a:solidFill>
+                  <a:schemeClr val="tx1"/>
+                </a:solidFill>
+              </a:rPr>
+              <a:t>C</a:t>
+            </a:r>
+            <a:endParaRPr lang="zh-CN" altLang="en-US" sz="1400" dirty="0">
+              <a:solidFill>
+                <a:schemeClr val="tx1"/>
+              </a:solidFill>
+            </a:endParaRPr>
+          </a:p>
+        </p:txBody>
+      </p:sp>
+      <p:sp>
+        <p:nvSpPr>
+          <p:cNvPr id="7" name="矩形: 圆角 6">
+            <a:extLst>
+              <a:ext uri="{FF2B5EF4-FFF2-40B4-BE49-F238E27FC236}">
+                <a16:creationId xmlns:a16="http://schemas.microsoft.com/office/drawing/2014/main" id="{D6BA2023-7717-4071-931C-9591853BE23A}"/>
+              </a:ext>
+            </a:extLst>
+          </p:cNvPr>
+          <p:cNvSpPr/>
+          <p:nvPr/>
+        </p:nvSpPr>
+        <p:spPr>
+          <a:xfrm>
+            <a:off x="328245" y="5623557"/>
+            <a:ext cx="1270782" cy="664697"/>
+          </a:xfrm>
+          <a:prstGeom prst="roundRect">
+            <a:avLst/>
+          </a:prstGeom>
+          <a:noFill/>
+          <a:ln>
+            <a:solidFill>
+              <a:schemeClr val="accent1">
+                <a:lumMod val="60000"/>
+                <a:lumOff val="40000"/>
+              </a:schemeClr>
+            </a:solidFill>
+          </a:ln>
+        </p:spPr>
+        <p:style>
+          <a:lnRef idx="2">
+            <a:schemeClr val="accent1">
+              <a:shade val="50000"/>
+            </a:schemeClr>
+          </a:lnRef>
+          <a:fillRef idx="1">
+            <a:schemeClr val="accent1"/>
+          </a:fillRef>
+          <a:effectRef idx="0">
+            <a:schemeClr val="accent1"/>
+          </a:effectRef>
+          <a:fontRef idx="minor">
+            <a:schemeClr val="lt1"/>
+          </a:fontRef>
+        </p:style>
+        <p:txBody>
+          <a:bodyPr rtlCol="0" anchor="ctr"/>
+          <a:lstStyle/>
+          <a:p>
+            <a:pPr algn="ctr"/>
+            <a:r>
+              <a:rPr lang="zh-CN" altLang="en-US" sz="1400" dirty="0">
+                <a:solidFill>
+                  <a:schemeClr val="tx1"/>
+                </a:solidFill>
+              </a:rPr>
+              <a:t>数据库</a:t>
+            </a:r>
+            <a:endParaRPr lang="en-US" altLang="zh-CN" sz="1400" dirty="0">
+              <a:solidFill>
+                <a:schemeClr val="tx1"/>
+              </a:solidFill>
+            </a:endParaRPr>
+          </a:p>
+          <a:p>
+            <a:pPr algn="ctr"/>
+            <a:r>
+              <a:rPr lang="zh-CN" altLang="en-US" sz="1400" dirty="0">
+                <a:solidFill>
+                  <a:schemeClr val="tx1"/>
+                </a:solidFill>
+              </a:rPr>
+              <a:t>主从</a:t>
+            </a:r>
+          </a:p>
+        </p:txBody>
+      </p:sp>
+      <p:sp>
+        <p:nvSpPr>
+          <p:cNvPr id="8" name="矩形: 圆角 7">
+            <a:extLst>
+              <a:ext uri="{FF2B5EF4-FFF2-40B4-BE49-F238E27FC236}">
+                <a16:creationId xmlns:a16="http://schemas.microsoft.com/office/drawing/2014/main" id="{88C9D646-C9A8-4C69-93DC-380D7688358D}"/>
+              </a:ext>
+            </a:extLst>
+          </p:cNvPr>
+          <p:cNvSpPr/>
+          <p:nvPr/>
+        </p:nvSpPr>
+        <p:spPr>
+          <a:xfrm>
+            <a:off x="2098430" y="5623558"/>
+            <a:ext cx="1270782" cy="664696"/>
+          </a:xfrm>
+          <a:prstGeom prst="roundRect">
+            <a:avLst/>
+          </a:prstGeom>
+          <a:noFill/>
+          <a:ln>
+            <a:solidFill>
+              <a:schemeClr val="accent1">
+                <a:lumMod val="60000"/>
+                <a:lumOff val="40000"/>
+              </a:schemeClr>
+            </a:solidFill>
+          </a:ln>
+        </p:spPr>
+        <p:style>
+          <a:lnRef idx="2">
+            <a:schemeClr val="accent1">
+              <a:shade val="50000"/>
+            </a:schemeClr>
+          </a:lnRef>
+          <a:fillRef idx="1">
+            <a:schemeClr val="accent1"/>
+          </a:fillRef>
+          <a:effectRef idx="0">
+            <a:schemeClr val="accent1"/>
+          </a:effectRef>
+          <a:fontRef idx="minor">
+            <a:schemeClr val="lt1"/>
+          </a:fontRef>
+        </p:style>
+        <p:txBody>
+          <a:bodyPr rtlCol="0" anchor="ctr"/>
+          <a:lstStyle/>
+          <a:p>
+            <a:pPr algn="ctr"/>
+            <a:r>
+              <a:rPr lang="zh-CN" altLang="en-US" sz="1400" dirty="0">
+                <a:solidFill>
+                  <a:schemeClr val="tx1"/>
+                </a:solidFill>
+              </a:rPr>
+              <a:t>数据库</a:t>
+            </a:r>
+            <a:endParaRPr lang="en-US" altLang="zh-CN" sz="1400" dirty="0">
+              <a:solidFill>
+                <a:schemeClr val="tx1"/>
+              </a:solidFill>
+            </a:endParaRPr>
+          </a:p>
+          <a:p>
+            <a:pPr algn="ctr"/>
+            <a:r>
+              <a:rPr lang="zh-CN" altLang="en-US" sz="1400" dirty="0">
+                <a:solidFill>
+                  <a:schemeClr val="tx1"/>
+                </a:solidFill>
+              </a:rPr>
+              <a:t>主从</a:t>
+            </a:r>
+          </a:p>
+        </p:txBody>
+      </p:sp>
+      <p:sp>
+        <p:nvSpPr>
+          <p:cNvPr id="9" name="矩形: 圆角 8">
+            <a:extLst>
+              <a:ext uri="{FF2B5EF4-FFF2-40B4-BE49-F238E27FC236}">
+                <a16:creationId xmlns:a16="http://schemas.microsoft.com/office/drawing/2014/main" id="{95FAF5BB-8BDE-4526-9742-0C8BFAA1B0F3}"/>
+              </a:ext>
+            </a:extLst>
+          </p:cNvPr>
+          <p:cNvSpPr/>
+          <p:nvPr/>
+        </p:nvSpPr>
+        <p:spPr>
+          <a:xfrm>
+            <a:off x="3868615" y="5623558"/>
+            <a:ext cx="1270782" cy="664696"/>
+          </a:xfrm>
+          <a:prstGeom prst="roundRect">
+            <a:avLst/>
+          </a:prstGeom>
+          <a:noFill/>
+          <a:ln>
+            <a:solidFill>
+              <a:schemeClr val="accent1">
+                <a:lumMod val="60000"/>
+                <a:lumOff val="40000"/>
+              </a:schemeClr>
+            </a:solidFill>
+          </a:ln>
+        </p:spPr>
+        <p:style>
+          <a:lnRef idx="2">
+            <a:schemeClr val="accent1">
+              <a:shade val="50000"/>
+            </a:schemeClr>
+          </a:lnRef>
+          <a:fillRef idx="1">
+            <a:schemeClr val="accent1"/>
+          </a:fillRef>
+          <a:effectRef idx="0">
+            <a:schemeClr val="accent1"/>
+          </a:effectRef>
+          <a:fontRef idx="minor">
+            <a:schemeClr val="lt1"/>
+          </a:fontRef>
+        </p:style>
+        <p:txBody>
+          <a:bodyPr rtlCol="0" anchor="ctr"/>
+          <a:lstStyle/>
+          <a:p>
+            <a:pPr algn="ctr"/>
+            <a:r>
+              <a:rPr lang="zh-CN" altLang="en-US" sz="1400" dirty="0">
+                <a:solidFill>
+                  <a:schemeClr val="tx1"/>
+                </a:solidFill>
+              </a:rPr>
+              <a:t>数据库</a:t>
+            </a:r>
+            <a:endParaRPr lang="en-US" altLang="zh-CN" sz="1400" dirty="0">
+              <a:solidFill>
+                <a:schemeClr val="tx1"/>
+              </a:solidFill>
+            </a:endParaRPr>
+          </a:p>
+          <a:p>
+            <a:pPr algn="ctr"/>
+            <a:r>
+              <a:rPr lang="zh-CN" altLang="en-US" sz="1400" dirty="0">
+                <a:solidFill>
+                  <a:schemeClr val="tx1"/>
+                </a:solidFill>
+              </a:rPr>
+              <a:t>主从</a:t>
+            </a:r>
+          </a:p>
+        </p:txBody>
+      </p:sp>
+      <p:cxnSp>
+        <p:nvCxnSpPr>
+          <p:cNvPr id="11" name="直接箭头连接符 10">
+            <a:extLst>
+              <a:ext uri="{FF2B5EF4-FFF2-40B4-BE49-F238E27FC236}">
+                <a16:creationId xmlns:a16="http://schemas.microsoft.com/office/drawing/2014/main" id="{C88FFFC3-E4F8-43C3-875B-1324D0FCC2AA}"/>
+              </a:ext>
+            </a:extLst>
+          </p:cNvPr>
+          <p:cNvCxnSpPr>
+            <a:cxnSpLocks/>
+            <a:stCxn id="4" idx="2"/>
+            <a:endCxn id="7" idx="0"/>
+          </p:cNvCxnSpPr>
+          <p:nvPr/>
+        </p:nvCxnSpPr>
+        <p:spPr>
+          <a:xfrm>
+            <a:off x="963636" y="5046785"/>
+            <a:ext cx="0" cy="576772"/>
+          </a:xfrm>
+          <a:prstGeom prst="straightConnector1">
+            <a:avLst/>
+          </a:prstGeom>
+          <a:ln>
+            <a:solidFill>
+              <a:schemeClr val="accent1">
+                <a:lumMod val="60000"/>
+                <a:lumOff val="40000"/>
+              </a:schemeClr>
+            </a:solidFill>
+            <a:headEnd type="triangle"/>
+            <a:tailEnd type="triangle"/>
+          </a:ln>
+        </p:spPr>
+        <p:style>
+          <a:lnRef idx="1">
+            <a:schemeClr val="accent1"/>
+          </a:lnRef>
+          <a:fillRef idx="0">
+            <a:schemeClr val="accent1"/>
+          </a:fillRef>
+          <a:effectRef idx="0">
+            <a:schemeClr val="accent1"/>
+          </a:effectRef>
+          <a:fontRef idx="minor">
+            <a:schemeClr val="tx1"/>
+          </a:fontRef>
+        </p:style>
+      </p:cxnSp>
+      <p:cxnSp>
+        <p:nvCxnSpPr>
+          <p:cNvPr id="13" name="直接箭头连接符 12">
+            <a:extLst>
+              <a:ext uri="{FF2B5EF4-FFF2-40B4-BE49-F238E27FC236}">
+                <a16:creationId xmlns:a16="http://schemas.microsoft.com/office/drawing/2014/main" id="{86108044-5520-48C8-9198-76E13B3F6A45}"/>
+              </a:ext>
+            </a:extLst>
+          </p:cNvPr>
+          <p:cNvCxnSpPr>
+            <a:cxnSpLocks/>
+            <a:stCxn id="5" idx="2"/>
+            <a:endCxn id="8" idx="0"/>
+          </p:cNvCxnSpPr>
+          <p:nvPr/>
+        </p:nvCxnSpPr>
+        <p:spPr>
+          <a:xfrm>
+            <a:off x="2733821" y="5046785"/>
+            <a:ext cx="0" cy="576773"/>
+          </a:xfrm>
+          <a:prstGeom prst="straightConnector1">
+            <a:avLst/>
+          </a:prstGeom>
+          <a:ln>
+            <a:solidFill>
+              <a:schemeClr val="accent1">
+                <a:lumMod val="60000"/>
+                <a:lumOff val="40000"/>
+              </a:schemeClr>
+            </a:solidFill>
+            <a:headEnd type="triangle"/>
+            <a:tailEnd type="triangle"/>
+          </a:ln>
+        </p:spPr>
+        <p:style>
+          <a:lnRef idx="1">
+            <a:schemeClr val="accent1"/>
+          </a:lnRef>
+          <a:fillRef idx="0">
+            <a:schemeClr val="accent1"/>
+          </a:fillRef>
+          <a:effectRef idx="0">
+            <a:schemeClr val="accent1"/>
+          </a:effectRef>
+          <a:fontRef idx="minor">
+            <a:schemeClr val="tx1"/>
+          </a:fontRef>
+        </p:style>
+      </p:cxnSp>
+      <p:cxnSp>
+        <p:nvCxnSpPr>
+          <p:cNvPr id="15" name="直接箭头连接符 14">
+            <a:extLst>
+              <a:ext uri="{FF2B5EF4-FFF2-40B4-BE49-F238E27FC236}">
+                <a16:creationId xmlns:a16="http://schemas.microsoft.com/office/drawing/2014/main" id="{7CCB17D0-6636-4C50-956A-6228274534E1}"/>
+              </a:ext>
+            </a:extLst>
+          </p:cNvPr>
+          <p:cNvCxnSpPr>
+            <a:cxnSpLocks/>
+            <a:stCxn id="6" idx="2"/>
+            <a:endCxn id="9" idx="0"/>
+          </p:cNvCxnSpPr>
+          <p:nvPr/>
+        </p:nvCxnSpPr>
+        <p:spPr>
+          <a:xfrm>
+            <a:off x="4504006" y="5046785"/>
+            <a:ext cx="0" cy="576773"/>
+          </a:xfrm>
+          <a:prstGeom prst="straightConnector1">
+            <a:avLst/>
+          </a:prstGeom>
+          <a:ln>
+            <a:solidFill>
+              <a:schemeClr val="accent1">
+                <a:lumMod val="60000"/>
+                <a:lumOff val="40000"/>
+              </a:schemeClr>
+            </a:solidFill>
+            <a:headEnd type="triangle"/>
+            <a:tailEnd type="triangle"/>
+          </a:ln>
+        </p:spPr>
+        <p:style>
+          <a:lnRef idx="1">
+            <a:schemeClr val="accent1"/>
+          </a:lnRef>
+          <a:fillRef idx="0">
+            <a:schemeClr val="accent1"/>
+          </a:fillRef>
+          <a:effectRef idx="0">
+            <a:schemeClr val="accent1"/>
+          </a:effectRef>
+          <a:fontRef idx="minor">
+            <a:schemeClr val="tx1"/>
+          </a:fontRef>
+        </p:style>
+      </p:cxnSp>
+      <p:cxnSp>
+        <p:nvCxnSpPr>
+          <p:cNvPr id="21" name="直接箭头连接符 20">
+            <a:extLst>
+              <a:ext uri="{FF2B5EF4-FFF2-40B4-BE49-F238E27FC236}">
+                <a16:creationId xmlns:a16="http://schemas.microsoft.com/office/drawing/2014/main" id="{6343C47E-6201-4357-9D69-72AF8EA18045}"/>
+              </a:ext>
+            </a:extLst>
+          </p:cNvPr>
+          <p:cNvCxnSpPr>
+            <a:stCxn id="7" idx="3"/>
+            <a:endCxn id="8" idx="1"/>
+          </p:cNvCxnSpPr>
+          <p:nvPr/>
+        </p:nvCxnSpPr>
+        <p:spPr>
+          <a:xfrm>
+            <a:off x="1599027" y="5955906"/>
+            <a:ext cx="499403" cy="0"/>
+          </a:xfrm>
+          <a:prstGeom prst="straightConnector1">
+            <a:avLst/>
+          </a:prstGeom>
+          <a:ln>
+            <a:solidFill>
+              <a:schemeClr val="accent1">
+                <a:lumMod val="60000"/>
+                <a:lumOff val="40000"/>
+              </a:schemeClr>
+            </a:solidFill>
+            <a:headEnd type="triangle"/>
+            <a:tailEnd type="triangle"/>
+          </a:ln>
+        </p:spPr>
+        <p:style>
+          <a:lnRef idx="1">
+            <a:schemeClr val="accent1"/>
+          </a:lnRef>
+          <a:fillRef idx="0">
+            <a:schemeClr val="accent1"/>
+          </a:fillRef>
+          <a:effectRef idx="0">
+            <a:schemeClr val="accent1"/>
+          </a:effectRef>
+          <a:fontRef idx="minor">
+            <a:schemeClr val="tx1"/>
+          </a:fontRef>
+        </p:style>
+      </p:cxnSp>
+      <p:cxnSp>
+        <p:nvCxnSpPr>
+          <p:cNvPr id="23" name="直接箭头连接符 22">
+            <a:extLst>
+              <a:ext uri="{FF2B5EF4-FFF2-40B4-BE49-F238E27FC236}">
+                <a16:creationId xmlns:a16="http://schemas.microsoft.com/office/drawing/2014/main" id="{5EC21AAE-267A-464B-8A14-B98213D09CEB}"/>
+              </a:ext>
+            </a:extLst>
+          </p:cNvPr>
+          <p:cNvCxnSpPr>
+            <a:stCxn id="8" idx="3"/>
+            <a:endCxn id="9" idx="1"/>
+          </p:cNvCxnSpPr>
+          <p:nvPr/>
+        </p:nvCxnSpPr>
+        <p:spPr>
+          <a:xfrm>
+            <a:off x="3369212" y="5955906"/>
+            <a:ext cx="499403" cy="0"/>
+          </a:xfrm>
+          <a:prstGeom prst="straightConnector1">
+            <a:avLst/>
+          </a:prstGeom>
+          <a:ln>
+            <a:solidFill>
+              <a:schemeClr val="accent1">
+                <a:lumMod val="60000"/>
+                <a:lumOff val="40000"/>
+              </a:schemeClr>
+            </a:solidFill>
+            <a:headEnd type="triangle"/>
+            <a:tailEnd type="triangle"/>
+          </a:ln>
+        </p:spPr>
+        <p:style>
+          <a:lnRef idx="1">
+            <a:schemeClr val="accent1"/>
+          </a:lnRef>
+          <a:fillRef idx="0">
+            <a:schemeClr val="accent1"/>
+          </a:fillRef>
+          <a:effectRef idx="0">
+            <a:schemeClr val="accent1"/>
+          </a:effectRef>
+          <a:fontRef idx="minor">
+            <a:schemeClr val="tx1"/>
+          </a:fontRef>
+        </p:style>
+      </p:cxnSp>
+      <p:sp>
+        <p:nvSpPr>
+          <p:cNvPr id="24" name="矩形: 圆角 23">
+            <a:extLst>
+              <a:ext uri="{FF2B5EF4-FFF2-40B4-BE49-F238E27FC236}">
+                <a16:creationId xmlns:a16="http://schemas.microsoft.com/office/drawing/2014/main" id="{72FCD761-521C-4AA4-84DE-4A264C4B127A}"/>
+              </a:ext>
+            </a:extLst>
+          </p:cNvPr>
+          <p:cNvSpPr/>
+          <p:nvPr/>
+        </p:nvSpPr>
+        <p:spPr>
+          <a:xfrm>
+            <a:off x="328244" y="3429000"/>
+            <a:ext cx="4811153" cy="520506"/>
+          </a:xfrm>
+          <a:prstGeom prst="roundRect">
+            <a:avLst/>
+          </a:prstGeom>
+          <a:solidFill>
+            <a:schemeClr val="accent6">
+              <a:lumMod val="60000"/>
+              <a:lumOff val="40000"/>
+            </a:schemeClr>
+          </a:solidFill>
+          <a:ln>
+            <a:solidFill>
+              <a:schemeClr val="accent1">
+                <a:lumMod val="60000"/>
+                <a:lumOff val="40000"/>
+              </a:schemeClr>
+            </a:solidFill>
+          </a:ln>
+        </p:spPr>
+        <p:style>
+          <a:lnRef idx="2">
+            <a:schemeClr val="accent1">
+              <a:shade val="50000"/>
+            </a:schemeClr>
+          </a:lnRef>
+          <a:fillRef idx="1">
+            <a:schemeClr val="accent1"/>
+          </a:fillRef>
+          <a:effectRef idx="0">
+            <a:schemeClr val="accent1"/>
+          </a:effectRef>
+          <a:fontRef idx="minor">
+            <a:schemeClr val="lt1"/>
+          </a:fontRef>
+        </p:style>
+        <p:txBody>
+          <a:bodyPr rtlCol="0" anchor="ctr"/>
+          <a:lstStyle/>
+          <a:p>
+            <a:pPr algn="ctr"/>
+            <a:r>
+              <a:rPr lang="en-US" altLang="zh-CN" sz="1400" dirty="0">
+                <a:solidFill>
+                  <a:schemeClr val="tx1"/>
+                </a:solidFill>
+              </a:rPr>
+              <a:t>feign client </a:t>
+            </a:r>
+            <a:r>
+              <a:rPr lang="zh-CN" altLang="en-US" sz="1400" dirty="0">
+                <a:solidFill>
+                  <a:schemeClr val="tx1"/>
+                </a:solidFill>
+              </a:rPr>
+              <a:t>负载均衡</a:t>
+            </a:r>
+            <a:endParaRPr lang="en-US" altLang="zh-CN" sz="1400" dirty="0">
+              <a:solidFill>
+                <a:schemeClr val="tx1"/>
+              </a:solidFill>
+            </a:endParaRPr>
+          </a:p>
+          <a:p>
+            <a:pPr algn="ctr"/>
+            <a:r>
+              <a:rPr lang="en-US" altLang="zh-CN" sz="1400" dirty="0">
+                <a:solidFill>
+                  <a:schemeClr val="tx1"/>
+                </a:solidFill>
+              </a:rPr>
+              <a:t> dc3-dbs </a:t>
+            </a:r>
+          </a:p>
+        </p:txBody>
+      </p:sp>
+      <p:cxnSp>
+        <p:nvCxnSpPr>
+          <p:cNvPr id="26" name="直接箭头连接符 25">
+            <a:extLst>
+              <a:ext uri="{FF2B5EF4-FFF2-40B4-BE49-F238E27FC236}">
+                <a16:creationId xmlns:a16="http://schemas.microsoft.com/office/drawing/2014/main" id="{DF601C59-3BB5-49DA-901E-07211CC0AFEB}"/>
+              </a:ext>
+            </a:extLst>
+          </p:cNvPr>
+          <p:cNvCxnSpPr>
+            <a:cxnSpLocks/>
+            <a:stCxn id="4" idx="0"/>
+            <a:endCxn id="24" idx="2"/>
+          </p:cNvCxnSpPr>
+          <p:nvPr/>
+        </p:nvCxnSpPr>
+        <p:spPr>
+          <a:xfrm flipV="1">
+            <a:off x="963636" y="3949506"/>
+            <a:ext cx="1770185" cy="576773"/>
+          </a:xfrm>
+          <a:prstGeom prst="straightConnector1">
+            <a:avLst/>
+          </a:prstGeom>
+          <a:ln>
+            <a:solidFill>
+              <a:schemeClr val="accent1">
+                <a:lumMod val="60000"/>
+                <a:lumOff val="40000"/>
+              </a:schemeClr>
+            </a:solidFill>
+            <a:headEnd type="triangle"/>
+            <a:tailEnd type="triangle"/>
+          </a:ln>
+        </p:spPr>
+        <p:style>
+          <a:lnRef idx="1">
+            <a:schemeClr val="accent1"/>
+          </a:lnRef>
+          <a:fillRef idx="0">
+            <a:schemeClr val="accent1"/>
+          </a:fillRef>
+          <a:effectRef idx="0">
+            <a:schemeClr val="accent1"/>
+          </a:effectRef>
+          <a:fontRef idx="minor">
+            <a:schemeClr val="tx1"/>
+          </a:fontRef>
+        </p:style>
+      </p:cxnSp>
+      <p:cxnSp>
+        <p:nvCxnSpPr>
+          <p:cNvPr id="28" name="直接箭头连接符 27">
+            <a:extLst>
+              <a:ext uri="{FF2B5EF4-FFF2-40B4-BE49-F238E27FC236}">
+                <a16:creationId xmlns:a16="http://schemas.microsoft.com/office/drawing/2014/main" id="{DCACB150-1176-4B30-A755-50C3C4FEA4C0}"/>
+              </a:ext>
+            </a:extLst>
+          </p:cNvPr>
+          <p:cNvCxnSpPr>
+            <a:cxnSpLocks/>
+            <a:stCxn id="5" idx="0"/>
+            <a:endCxn id="24" idx="2"/>
+          </p:cNvCxnSpPr>
+          <p:nvPr/>
+        </p:nvCxnSpPr>
+        <p:spPr>
+          <a:xfrm flipV="1">
+            <a:off x="2733821" y="3949506"/>
+            <a:ext cx="0" cy="576773"/>
+          </a:xfrm>
+          <a:prstGeom prst="straightConnector1">
+            <a:avLst/>
+          </a:prstGeom>
+          <a:ln>
+            <a:solidFill>
+              <a:schemeClr val="accent1">
+                <a:lumMod val="60000"/>
+                <a:lumOff val="40000"/>
+              </a:schemeClr>
+            </a:solidFill>
+            <a:headEnd type="triangle"/>
+            <a:tailEnd type="triangle"/>
+          </a:ln>
+        </p:spPr>
+        <p:style>
+          <a:lnRef idx="1">
+            <a:schemeClr val="accent1"/>
+          </a:lnRef>
+          <a:fillRef idx="0">
+            <a:schemeClr val="accent1"/>
+          </a:fillRef>
+          <a:effectRef idx="0">
+            <a:schemeClr val="accent1"/>
+          </a:effectRef>
+          <a:fontRef idx="minor">
+            <a:schemeClr val="tx1"/>
+          </a:fontRef>
+        </p:style>
+      </p:cxnSp>
+      <p:cxnSp>
+        <p:nvCxnSpPr>
+          <p:cNvPr id="30" name="直接箭头连接符 29">
+            <a:extLst>
+              <a:ext uri="{FF2B5EF4-FFF2-40B4-BE49-F238E27FC236}">
+                <a16:creationId xmlns:a16="http://schemas.microsoft.com/office/drawing/2014/main" id="{4478E032-5E09-4DE6-8382-29C548CAB5D1}"/>
+              </a:ext>
+            </a:extLst>
+          </p:cNvPr>
+          <p:cNvCxnSpPr>
+            <a:cxnSpLocks/>
+            <a:stCxn id="6" idx="0"/>
+            <a:endCxn id="24" idx="2"/>
+          </p:cNvCxnSpPr>
+          <p:nvPr/>
+        </p:nvCxnSpPr>
+        <p:spPr>
+          <a:xfrm flipH="1" flipV="1">
+            <a:off x="2733821" y="3949506"/>
+            <a:ext cx="1770185" cy="576773"/>
+          </a:xfrm>
+          <a:prstGeom prst="straightConnector1">
+            <a:avLst/>
+          </a:prstGeom>
+          <a:ln>
+            <a:solidFill>
+              <a:schemeClr val="accent1">
+                <a:lumMod val="60000"/>
+                <a:lumOff val="40000"/>
+              </a:schemeClr>
+            </a:solidFill>
+            <a:headEnd type="triangle"/>
+            <a:tailEnd type="triangle"/>
+          </a:ln>
+        </p:spPr>
+        <p:style>
+          <a:lnRef idx="1">
+            <a:schemeClr val="accent1"/>
+          </a:lnRef>
+          <a:fillRef idx="0">
+            <a:schemeClr val="accent1"/>
+          </a:fillRef>
+          <a:effectRef idx="0">
+            <a:schemeClr val="accent1"/>
+          </a:effectRef>
+          <a:fontRef idx="minor">
+            <a:schemeClr val="tx1"/>
+          </a:fontRef>
+        </p:style>
+      </p:cxnSp>
+      <p:sp>
+        <p:nvSpPr>
+          <p:cNvPr id="37" name="矩形: 圆角 36">
+            <a:extLst>
+              <a:ext uri="{FF2B5EF4-FFF2-40B4-BE49-F238E27FC236}">
+                <a16:creationId xmlns:a16="http://schemas.microsoft.com/office/drawing/2014/main" id="{256CD1C7-CE52-4E94-B551-E7AEFB3E2E86}"/>
+              </a:ext>
+            </a:extLst>
+          </p:cNvPr>
+          <p:cNvSpPr/>
+          <p:nvPr/>
+        </p:nvSpPr>
+        <p:spPr>
+          <a:xfrm>
+            <a:off x="328244" y="1730331"/>
+            <a:ext cx="1655298" cy="520506"/>
+          </a:xfrm>
+          <a:prstGeom prst="roundRect">
+            <a:avLst/>
+          </a:prstGeom>
+          <a:noFill/>
+          <a:ln>
+            <a:solidFill>
+              <a:schemeClr val="accent1">
+                <a:lumMod val="60000"/>
+                <a:lumOff val="40000"/>
+              </a:schemeClr>
+            </a:solidFill>
+          </a:ln>
+        </p:spPr>
+        <p:style>
+          <a:lnRef idx="2">
+            <a:schemeClr val="accent1">
+              <a:shade val="50000"/>
+            </a:schemeClr>
+          </a:lnRef>
+          <a:fillRef idx="1">
+            <a:schemeClr val="accent1"/>
+          </a:fillRef>
+          <a:effectRef idx="0">
+            <a:schemeClr val="accent1"/>
+          </a:effectRef>
+          <a:fontRef idx="minor">
+            <a:schemeClr val="lt1"/>
+          </a:fontRef>
+        </p:style>
+        <p:txBody>
+          <a:bodyPr rtlCol="0" anchor="ctr"/>
+          <a:lstStyle/>
+          <a:p>
+            <a:pPr algn="ctr"/>
+            <a:r>
+              <a:rPr lang="en-US" altLang="zh-CN" sz="1400" dirty="0">
+                <a:solidFill>
+                  <a:schemeClr val="tx1"/>
+                </a:solidFill>
+              </a:rPr>
+              <a:t>dc3-transfer-rtmp</a:t>
+            </a:r>
+          </a:p>
+        </p:txBody>
+      </p:sp>
+      <p:cxnSp>
+        <p:nvCxnSpPr>
+          <p:cNvPr id="39" name="直接箭头连接符 38">
+            <a:extLst>
+              <a:ext uri="{FF2B5EF4-FFF2-40B4-BE49-F238E27FC236}">
+                <a16:creationId xmlns:a16="http://schemas.microsoft.com/office/drawing/2014/main" id="{587861FE-72AA-4436-B8C7-377D45453558}"/>
+              </a:ext>
+            </a:extLst>
+          </p:cNvPr>
+          <p:cNvCxnSpPr>
+            <a:cxnSpLocks/>
+            <a:stCxn id="37" idx="2"/>
+            <a:endCxn id="24" idx="0"/>
+          </p:cNvCxnSpPr>
+          <p:nvPr/>
+        </p:nvCxnSpPr>
+        <p:spPr>
+          <a:xfrm rot="16200000" flipH="1">
+            <a:off x="1355776" y="2050954"/>
+            <a:ext cx="1178163" cy="1577928"/>
+          </a:xfrm>
+          <a:prstGeom prst="bentConnector3">
+            <a:avLst>
+              <a:gd name="adj1" fmla="val 50000"/>
+            </a:avLst>
+          </a:prstGeom>
+          <a:ln>
+            <a:solidFill>
+              <a:schemeClr val="accent1">
+                <a:lumMod val="60000"/>
+                <a:lumOff val="40000"/>
+              </a:schemeClr>
+            </a:solidFill>
+            <a:headEnd type="triangle"/>
+            <a:tailEnd type="triangle"/>
+          </a:ln>
+        </p:spPr>
+        <p:style>
+          <a:lnRef idx="1">
+            <a:schemeClr val="accent1"/>
+          </a:lnRef>
+          <a:fillRef idx="0">
+            <a:schemeClr val="accent1"/>
+          </a:fillRef>
+          <a:effectRef idx="0">
+            <a:schemeClr val="accent1"/>
+          </a:effectRef>
+          <a:fontRef idx="minor">
+            <a:schemeClr val="tx1"/>
+          </a:fontRef>
+        </p:style>
+      </p:cxnSp>
+      <p:sp>
+        <p:nvSpPr>
+          <p:cNvPr id="41" name="矩形: 圆角 40">
+            <a:extLst>
+              <a:ext uri="{FF2B5EF4-FFF2-40B4-BE49-F238E27FC236}">
+                <a16:creationId xmlns:a16="http://schemas.microsoft.com/office/drawing/2014/main" id="{F7E27249-0196-478D-96A6-5C8238FD0B63}"/>
+              </a:ext>
+            </a:extLst>
+          </p:cNvPr>
+          <p:cNvSpPr/>
+          <p:nvPr/>
+        </p:nvSpPr>
+        <p:spPr>
+          <a:xfrm>
+            <a:off x="328244" y="720984"/>
+            <a:ext cx="1655298" cy="520506"/>
+          </a:xfrm>
+          <a:prstGeom prst="roundRect">
+            <a:avLst/>
+          </a:prstGeom>
+          <a:noFill/>
+          <a:ln>
+            <a:solidFill>
+              <a:schemeClr val="accent1">
+                <a:lumMod val="60000"/>
+                <a:lumOff val="40000"/>
+              </a:schemeClr>
+            </a:solidFill>
+          </a:ln>
+        </p:spPr>
+        <p:style>
+          <a:lnRef idx="2">
+            <a:schemeClr val="accent1">
+              <a:shade val="50000"/>
+            </a:schemeClr>
+          </a:lnRef>
+          <a:fillRef idx="1">
+            <a:schemeClr val="accent1"/>
+          </a:fillRef>
+          <a:effectRef idx="0">
+            <a:schemeClr val="accent1"/>
+          </a:effectRef>
+          <a:fontRef idx="minor">
+            <a:schemeClr val="lt1"/>
+          </a:fontRef>
+        </p:style>
+        <p:txBody>
+          <a:bodyPr rtlCol="0" anchor="ctr"/>
+          <a:lstStyle/>
+          <a:p>
+            <a:pPr algn="ctr"/>
+            <a:r>
+              <a:rPr lang="en-US" altLang="zh-CN" sz="1400" dirty="0" err="1">
+                <a:solidFill>
+                  <a:schemeClr val="tx1"/>
+                </a:solidFill>
+              </a:rPr>
+              <a:t>Rtmp</a:t>
+            </a:r>
+            <a:r>
+              <a:rPr lang="en-US" altLang="zh-CN" sz="1400" dirty="0">
+                <a:solidFill>
+                  <a:schemeClr val="tx1"/>
+                </a:solidFill>
+              </a:rPr>
+              <a:t> Web</a:t>
+            </a:r>
+            <a:r>
+              <a:rPr lang="zh-CN" altLang="en-US" sz="1400" dirty="0">
+                <a:solidFill>
+                  <a:schemeClr val="tx1"/>
+                </a:solidFill>
+              </a:rPr>
+              <a:t>界面</a:t>
+            </a:r>
+            <a:endParaRPr lang="en-US" altLang="zh-CN" sz="1400" dirty="0">
+              <a:solidFill>
+                <a:schemeClr val="tx1"/>
+              </a:solidFill>
+            </a:endParaRPr>
+          </a:p>
+        </p:txBody>
+      </p:sp>
+      <p:cxnSp>
+        <p:nvCxnSpPr>
+          <p:cNvPr id="43" name="直接箭头连接符 42">
+            <a:extLst>
+              <a:ext uri="{FF2B5EF4-FFF2-40B4-BE49-F238E27FC236}">
+                <a16:creationId xmlns:a16="http://schemas.microsoft.com/office/drawing/2014/main" id="{2954FC6F-F72D-48DD-8B5A-D04951237B51}"/>
+              </a:ext>
+            </a:extLst>
+          </p:cNvPr>
+          <p:cNvCxnSpPr>
+            <a:stCxn id="41" idx="2"/>
+            <a:endCxn id="37" idx="0"/>
+          </p:cNvCxnSpPr>
+          <p:nvPr/>
+        </p:nvCxnSpPr>
+        <p:spPr>
+          <a:xfrm>
+            <a:off x="1155893" y="1241490"/>
+            <a:ext cx="0" cy="488841"/>
+          </a:xfrm>
+          <a:prstGeom prst="straightConnector1">
+            <a:avLst/>
+          </a:prstGeom>
+          <a:ln>
+            <a:solidFill>
+              <a:schemeClr val="accent1">
+                <a:lumMod val="60000"/>
+                <a:lumOff val="40000"/>
+              </a:schemeClr>
+            </a:solidFill>
+            <a:headEnd type="triangle"/>
+            <a:tailEnd type="triangle"/>
+          </a:ln>
+        </p:spPr>
+        <p:style>
+          <a:lnRef idx="1">
+            <a:schemeClr val="accent1"/>
+          </a:lnRef>
+          <a:fillRef idx="0">
+            <a:schemeClr val="accent1"/>
+          </a:fillRef>
+          <a:effectRef idx="0">
+            <a:schemeClr val="accent1"/>
+          </a:effectRef>
+          <a:fontRef idx="minor">
+            <a:schemeClr val="tx1"/>
+          </a:fontRef>
+        </p:style>
+      </p:cxnSp>
+      <p:sp>
+        <p:nvSpPr>
+          <p:cNvPr id="44" name="矩形: 圆角 43">
+            <a:extLst>
+              <a:ext uri="{FF2B5EF4-FFF2-40B4-BE49-F238E27FC236}">
+                <a16:creationId xmlns:a16="http://schemas.microsoft.com/office/drawing/2014/main" id="{618D415D-52B7-4628-B3CE-DBD1ADDE1E41}"/>
+              </a:ext>
+            </a:extLst>
+          </p:cNvPr>
+          <p:cNvSpPr/>
+          <p:nvPr/>
+        </p:nvSpPr>
+        <p:spPr>
+          <a:xfrm>
+            <a:off x="7681402" y="3429000"/>
+            <a:ext cx="2405577" cy="520507"/>
+          </a:xfrm>
+          <a:prstGeom prst="roundRect">
+            <a:avLst/>
+          </a:prstGeom>
+          <a:solidFill>
+            <a:schemeClr val="accent4">
+              <a:lumMod val="40000"/>
+              <a:lumOff val="60000"/>
+            </a:schemeClr>
+          </a:solidFill>
+          <a:ln>
+            <a:solidFill>
+              <a:schemeClr val="accent1">
+                <a:lumMod val="60000"/>
+                <a:lumOff val="40000"/>
+              </a:schemeClr>
+            </a:solidFill>
+          </a:ln>
+        </p:spPr>
+        <p:style>
+          <a:lnRef idx="2">
+            <a:schemeClr val="accent1">
+              <a:shade val="50000"/>
+            </a:schemeClr>
+          </a:lnRef>
+          <a:fillRef idx="1">
+            <a:schemeClr val="accent1"/>
+          </a:fillRef>
+          <a:effectRef idx="0">
+            <a:schemeClr val="accent1"/>
+          </a:effectRef>
+          <a:fontRef idx="minor">
+            <a:schemeClr val="lt1"/>
+          </a:fontRef>
+        </p:style>
+        <p:txBody>
+          <a:bodyPr rtlCol="0" anchor="ctr"/>
+          <a:lstStyle/>
+          <a:p>
+            <a:pPr algn="ctr"/>
+            <a:r>
+              <a:rPr lang="en-US" altLang="zh-CN" sz="1400" dirty="0">
+                <a:solidFill>
+                  <a:schemeClr val="tx1"/>
+                </a:solidFill>
+              </a:rPr>
+              <a:t>dc3-data-collect</a:t>
+            </a:r>
+          </a:p>
+          <a:p>
+            <a:pPr algn="ctr"/>
+            <a:r>
+              <a:rPr lang="en-US" altLang="zh-CN" sz="1400" dirty="0">
+                <a:solidFill>
+                  <a:schemeClr val="tx1"/>
+                </a:solidFill>
+              </a:rPr>
+              <a:t>RabbitMQ </a:t>
+            </a:r>
+            <a:r>
+              <a:rPr lang="zh-CN" altLang="en-US" sz="1400" dirty="0">
+                <a:solidFill>
+                  <a:schemeClr val="tx1"/>
+                </a:solidFill>
+              </a:rPr>
+              <a:t>消息中间件</a:t>
+            </a:r>
+            <a:endParaRPr lang="en-US" altLang="zh-CN" sz="1400" dirty="0">
+              <a:solidFill>
+                <a:schemeClr val="tx1"/>
+              </a:solidFill>
+            </a:endParaRPr>
+          </a:p>
+        </p:txBody>
+      </p:sp>
+      <p:sp>
+        <p:nvSpPr>
+          <p:cNvPr id="48" name="矩形: 圆角 47">
+            <a:extLst>
+              <a:ext uri="{FF2B5EF4-FFF2-40B4-BE49-F238E27FC236}">
+                <a16:creationId xmlns:a16="http://schemas.microsoft.com/office/drawing/2014/main" id="{17208778-1CD2-4EA6-9430-8BD7A10C4033}"/>
+              </a:ext>
+            </a:extLst>
+          </p:cNvPr>
+          <p:cNvSpPr/>
+          <p:nvPr/>
+        </p:nvSpPr>
+        <p:spPr>
+          <a:xfrm>
+            <a:off x="6111649" y="1640661"/>
+            <a:ext cx="1619399" cy="520504"/>
+          </a:xfrm>
+          <a:prstGeom prst="roundRect">
+            <a:avLst/>
+          </a:prstGeom>
+          <a:solidFill>
+            <a:schemeClr val="accent1">
+              <a:lumMod val="40000"/>
+              <a:lumOff val="60000"/>
+            </a:schemeClr>
+          </a:solidFill>
+          <a:ln>
+            <a:solidFill>
+              <a:schemeClr val="accent1">
+                <a:lumMod val="60000"/>
+                <a:lumOff val="40000"/>
+              </a:schemeClr>
+            </a:solidFill>
+          </a:ln>
+        </p:spPr>
+        <p:style>
+          <a:lnRef idx="2">
+            <a:schemeClr val="accent1">
+              <a:shade val="50000"/>
+            </a:schemeClr>
+          </a:lnRef>
+          <a:fillRef idx="1">
+            <a:schemeClr val="accent1"/>
+          </a:fillRef>
+          <a:effectRef idx="0">
+            <a:schemeClr val="accent1"/>
+          </a:effectRef>
+          <a:fontRef idx="minor">
+            <a:schemeClr val="lt1"/>
+          </a:fontRef>
+        </p:style>
+        <p:txBody>
+          <a:bodyPr rtlCol="0" anchor="ctr"/>
+          <a:lstStyle/>
+          <a:p>
+            <a:pPr algn="ctr"/>
+            <a:r>
+              <a:rPr lang="en-US" altLang="zh-CN" sz="1400" dirty="0">
+                <a:solidFill>
+                  <a:schemeClr val="tx1"/>
+                </a:solidFill>
+              </a:rPr>
+              <a:t>dc3-data-group</a:t>
+            </a:r>
+          </a:p>
+        </p:txBody>
+      </p:sp>
+      <p:sp>
+        <p:nvSpPr>
+          <p:cNvPr id="49" name="矩形: 圆角 48">
+            <a:extLst>
+              <a:ext uri="{FF2B5EF4-FFF2-40B4-BE49-F238E27FC236}">
+                <a16:creationId xmlns:a16="http://schemas.microsoft.com/office/drawing/2014/main" id="{B4A159D7-44B5-4323-A744-256CF0808A18}"/>
+              </a:ext>
+            </a:extLst>
+          </p:cNvPr>
+          <p:cNvSpPr/>
+          <p:nvPr/>
+        </p:nvSpPr>
+        <p:spPr>
+          <a:xfrm>
+            <a:off x="8054194" y="1640661"/>
+            <a:ext cx="1619399" cy="520504"/>
+          </a:xfrm>
+          <a:prstGeom prst="roundRect">
+            <a:avLst/>
+          </a:prstGeom>
+          <a:solidFill>
+            <a:schemeClr val="accent1">
+              <a:lumMod val="40000"/>
+              <a:lumOff val="60000"/>
+            </a:schemeClr>
+          </a:solidFill>
+          <a:ln>
+            <a:solidFill>
+              <a:schemeClr val="accent1">
+                <a:lumMod val="60000"/>
+                <a:lumOff val="40000"/>
+              </a:schemeClr>
+            </a:solidFill>
+          </a:ln>
+        </p:spPr>
+        <p:style>
+          <a:lnRef idx="2">
+            <a:schemeClr val="accent1">
+              <a:shade val="50000"/>
+            </a:schemeClr>
+          </a:lnRef>
+          <a:fillRef idx="1">
+            <a:schemeClr val="accent1"/>
+          </a:fillRef>
+          <a:effectRef idx="0">
+            <a:schemeClr val="accent1"/>
+          </a:effectRef>
+          <a:fontRef idx="minor">
+            <a:schemeClr val="lt1"/>
+          </a:fontRef>
+        </p:style>
+        <p:txBody>
+          <a:bodyPr rtlCol="0" anchor="ctr"/>
+          <a:lstStyle/>
+          <a:p>
+            <a:pPr algn="ctr"/>
+            <a:r>
+              <a:rPr lang="en-US" altLang="zh-CN" sz="1400" dirty="0">
+                <a:solidFill>
+                  <a:schemeClr val="tx1"/>
+                </a:solidFill>
+              </a:rPr>
+              <a:t>dc3-data-group</a:t>
+            </a:r>
+          </a:p>
+        </p:txBody>
+      </p:sp>
+      <p:sp>
+        <p:nvSpPr>
+          <p:cNvPr id="50" name="矩形: 圆角 49">
+            <a:extLst>
+              <a:ext uri="{FF2B5EF4-FFF2-40B4-BE49-F238E27FC236}">
+                <a16:creationId xmlns:a16="http://schemas.microsoft.com/office/drawing/2014/main" id="{2D724E22-6F97-4B47-B0D0-B6B451A278AB}"/>
+              </a:ext>
+            </a:extLst>
+          </p:cNvPr>
+          <p:cNvSpPr/>
+          <p:nvPr/>
+        </p:nvSpPr>
+        <p:spPr>
+          <a:xfrm>
+            <a:off x="9996739" y="1640661"/>
+            <a:ext cx="1619399" cy="520504"/>
+          </a:xfrm>
+          <a:prstGeom prst="roundRect">
+            <a:avLst/>
+          </a:prstGeom>
+          <a:solidFill>
+            <a:schemeClr val="accent1">
+              <a:lumMod val="40000"/>
+              <a:lumOff val="60000"/>
+            </a:schemeClr>
+          </a:solidFill>
+          <a:ln>
+            <a:solidFill>
+              <a:schemeClr val="accent1">
+                <a:lumMod val="60000"/>
+                <a:lumOff val="40000"/>
+              </a:schemeClr>
+            </a:solidFill>
+          </a:ln>
+        </p:spPr>
+        <p:style>
+          <a:lnRef idx="2">
+            <a:schemeClr val="accent1">
+              <a:shade val="50000"/>
+            </a:schemeClr>
+          </a:lnRef>
+          <a:fillRef idx="1">
+            <a:schemeClr val="accent1"/>
+          </a:fillRef>
+          <a:effectRef idx="0">
+            <a:schemeClr val="accent1"/>
+          </a:effectRef>
+          <a:fontRef idx="minor">
+            <a:schemeClr val="lt1"/>
+          </a:fontRef>
+        </p:style>
+        <p:txBody>
+          <a:bodyPr rtlCol="0" anchor="ctr"/>
+          <a:lstStyle/>
+          <a:p>
+            <a:pPr algn="ctr"/>
+            <a:r>
+              <a:rPr lang="en-US" altLang="zh-CN" sz="1400" dirty="0">
+                <a:solidFill>
+                  <a:schemeClr val="tx1"/>
+                </a:solidFill>
+              </a:rPr>
+              <a:t>dc3-data-group</a:t>
+            </a:r>
+          </a:p>
+        </p:txBody>
+      </p:sp>
+      <p:sp>
+        <p:nvSpPr>
+          <p:cNvPr id="86" name="文本框 85">
+            <a:extLst>
+              <a:ext uri="{FF2B5EF4-FFF2-40B4-BE49-F238E27FC236}">
+                <a16:creationId xmlns:a16="http://schemas.microsoft.com/office/drawing/2014/main" id="{BF459930-18C3-48C6-8DB2-E358FED68AF2}"/>
+              </a:ext>
+            </a:extLst>
+          </p:cNvPr>
+          <p:cNvSpPr txBox="1"/>
+          <p:nvPr/>
+        </p:nvSpPr>
+        <p:spPr>
+          <a:xfrm>
+            <a:off x="5454960" y="3120319"/>
+            <a:ext cx="1774448" cy="432792"/>
+          </a:xfrm>
+          <a:prstGeom prst="wedgeEllipseCallout">
+            <a:avLst>
+              <a:gd name="adj1" fmla="val -1806"/>
+              <a:gd name="adj2" fmla="val 78752"/>
+            </a:avLst>
+          </a:prstGeom>
+          <a:noFill/>
+          <a:ln>
+            <a:solidFill>
+              <a:schemeClr val="accent4">
+                <a:lumMod val="40000"/>
+                <a:lumOff val="60000"/>
+              </a:schemeClr>
+            </a:solidFill>
+          </a:ln>
+        </p:spPr>
+        <p:txBody>
+          <a:bodyPr wrap="none" rtlCol="0">
+            <a:spAutoFit/>
+          </a:bodyPr>
+          <a:lstStyle/>
+          <a:p>
+            <a:r>
+              <a:rPr lang="zh-CN" altLang="en-US" sz="1400" dirty="0"/>
+              <a:t>设备数据信息</a:t>
+            </a:r>
+            <a:endParaRPr lang="en-US" altLang="zh-CN" sz="1400" dirty="0"/>
+          </a:p>
+        </p:txBody>
+      </p:sp>
+      <p:sp>
+        <p:nvSpPr>
+          <p:cNvPr id="110" name="矩形: 圆角 109">
+            <a:extLst>
+              <a:ext uri="{FF2B5EF4-FFF2-40B4-BE49-F238E27FC236}">
+                <a16:creationId xmlns:a16="http://schemas.microsoft.com/office/drawing/2014/main" id="{7BBE483A-529E-4329-B009-C46B7D70F0D7}"/>
+              </a:ext>
+            </a:extLst>
+          </p:cNvPr>
+          <p:cNvSpPr/>
+          <p:nvPr/>
+        </p:nvSpPr>
+        <p:spPr>
+          <a:xfrm>
+            <a:off x="6093699" y="715712"/>
+            <a:ext cx="1655298" cy="520506"/>
+          </a:xfrm>
+          <a:prstGeom prst="roundRect">
+            <a:avLst/>
+          </a:prstGeom>
+          <a:noFill/>
+          <a:ln>
+            <a:solidFill>
+              <a:schemeClr val="accent1">
+                <a:lumMod val="60000"/>
+                <a:lumOff val="40000"/>
+              </a:schemeClr>
+            </a:solidFill>
+          </a:ln>
+        </p:spPr>
+        <p:style>
+          <a:lnRef idx="2">
+            <a:schemeClr val="accent1">
+              <a:shade val="50000"/>
+            </a:schemeClr>
+          </a:lnRef>
+          <a:fillRef idx="1">
+            <a:schemeClr val="accent1"/>
+          </a:fillRef>
+          <a:effectRef idx="0">
+            <a:schemeClr val="accent1"/>
+          </a:effectRef>
+          <a:fontRef idx="minor">
+            <a:schemeClr val="lt1"/>
+          </a:fontRef>
+        </p:style>
+        <p:txBody>
+          <a:bodyPr rtlCol="0" anchor="ctr"/>
+          <a:lstStyle/>
+          <a:p>
+            <a:pPr algn="ctr"/>
+            <a:r>
+              <a:rPr lang="en-US" altLang="zh-CN" sz="1400" dirty="0">
+                <a:solidFill>
+                  <a:schemeClr val="tx1"/>
+                </a:solidFill>
+              </a:rPr>
+              <a:t>Group Web</a:t>
+            </a:r>
+            <a:r>
+              <a:rPr lang="zh-CN" altLang="en-US" sz="1400" dirty="0">
+                <a:solidFill>
+                  <a:schemeClr val="tx1"/>
+                </a:solidFill>
+              </a:rPr>
+              <a:t>界面</a:t>
+            </a:r>
+            <a:endParaRPr lang="en-US" altLang="zh-CN" sz="1400" dirty="0">
+              <a:solidFill>
+                <a:schemeClr val="tx1"/>
+              </a:solidFill>
+            </a:endParaRPr>
+          </a:p>
+        </p:txBody>
+      </p:sp>
+      <p:sp>
+        <p:nvSpPr>
+          <p:cNvPr id="112" name="矩形: 圆角 111">
+            <a:extLst>
+              <a:ext uri="{FF2B5EF4-FFF2-40B4-BE49-F238E27FC236}">
+                <a16:creationId xmlns:a16="http://schemas.microsoft.com/office/drawing/2014/main" id="{50A064FB-A572-4FDD-AB3E-FA616E73BCA8}"/>
+              </a:ext>
+            </a:extLst>
+          </p:cNvPr>
+          <p:cNvSpPr/>
+          <p:nvPr/>
+        </p:nvSpPr>
+        <p:spPr>
+          <a:xfrm>
+            <a:off x="8036244" y="715712"/>
+            <a:ext cx="1655298" cy="520506"/>
+          </a:xfrm>
+          <a:prstGeom prst="roundRect">
+            <a:avLst/>
+          </a:prstGeom>
+          <a:noFill/>
+          <a:ln>
+            <a:solidFill>
+              <a:schemeClr val="accent1">
+                <a:lumMod val="60000"/>
+                <a:lumOff val="40000"/>
+              </a:schemeClr>
+            </a:solidFill>
+          </a:ln>
+        </p:spPr>
+        <p:style>
+          <a:lnRef idx="2">
+            <a:schemeClr val="accent1">
+              <a:shade val="50000"/>
+            </a:schemeClr>
+          </a:lnRef>
+          <a:fillRef idx="1">
+            <a:schemeClr val="accent1"/>
+          </a:fillRef>
+          <a:effectRef idx="0">
+            <a:schemeClr val="accent1"/>
+          </a:effectRef>
+          <a:fontRef idx="minor">
+            <a:schemeClr val="lt1"/>
+          </a:fontRef>
+        </p:style>
+        <p:txBody>
+          <a:bodyPr rtlCol="0" anchor="ctr"/>
+          <a:lstStyle/>
+          <a:p>
+            <a:pPr algn="ctr"/>
+            <a:r>
+              <a:rPr lang="en-US" altLang="zh-CN" sz="1400" dirty="0">
+                <a:solidFill>
+                  <a:schemeClr val="tx1"/>
+                </a:solidFill>
+              </a:rPr>
+              <a:t>Group Web</a:t>
+            </a:r>
+            <a:r>
+              <a:rPr lang="zh-CN" altLang="en-US" sz="1400" dirty="0">
+                <a:solidFill>
+                  <a:schemeClr val="tx1"/>
+                </a:solidFill>
+              </a:rPr>
+              <a:t>界面</a:t>
+            </a:r>
+            <a:endParaRPr lang="en-US" altLang="zh-CN" sz="1400" dirty="0">
+              <a:solidFill>
+                <a:schemeClr val="tx1"/>
+              </a:solidFill>
+            </a:endParaRPr>
+          </a:p>
+        </p:txBody>
+      </p:sp>
+      <p:sp>
+        <p:nvSpPr>
+          <p:cNvPr id="113" name="矩形: 圆角 112">
+            <a:extLst>
+              <a:ext uri="{FF2B5EF4-FFF2-40B4-BE49-F238E27FC236}">
+                <a16:creationId xmlns:a16="http://schemas.microsoft.com/office/drawing/2014/main" id="{0D92D036-B62D-4EF5-A484-CDD79181D780}"/>
+              </a:ext>
+            </a:extLst>
+          </p:cNvPr>
+          <p:cNvSpPr/>
+          <p:nvPr/>
+        </p:nvSpPr>
+        <p:spPr>
+          <a:xfrm>
+            <a:off x="9978789" y="715712"/>
+            <a:ext cx="1655298" cy="520506"/>
+          </a:xfrm>
+          <a:prstGeom prst="roundRect">
+            <a:avLst/>
+          </a:prstGeom>
+          <a:noFill/>
+          <a:ln>
+            <a:solidFill>
+              <a:schemeClr val="accent1">
+                <a:lumMod val="60000"/>
+                <a:lumOff val="40000"/>
+              </a:schemeClr>
+            </a:solidFill>
+          </a:ln>
+        </p:spPr>
+        <p:style>
+          <a:lnRef idx="2">
+            <a:schemeClr val="accent1">
+              <a:shade val="50000"/>
+            </a:schemeClr>
+          </a:lnRef>
+          <a:fillRef idx="1">
+            <a:schemeClr val="accent1"/>
+          </a:fillRef>
+          <a:effectRef idx="0">
+            <a:schemeClr val="accent1"/>
+          </a:effectRef>
+          <a:fontRef idx="minor">
+            <a:schemeClr val="lt1"/>
+          </a:fontRef>
+        </p:style>
+        <p:txBody>
+          <a:bodyPr rtlCol="0" anchor="ctr"/>
+          <a:lstStyle/>
+          <a:p>
+            <a:pPr algn="ctr"/>
+            <a:r>
+              <a:rPr lang="en-US" altLang="zh-CN" sz="1400" dirty="0">
+                <a:solidFill>
+                  <a:schemeClr val="tx1"/>
+                </a:solidFill>
+              </a:rPr>
+              <a:t>Group Web</a:t>
+            </a:r>
+            <a:r>
+              <a:rPr lang="zh-CN" altLang="en-US" sz="1400" dirty="0">
+                <a:solidFill>
+                  <a:schemeClr val="tx1"/>
+                </a:solidFill>
+              </a:rPr>
+              <a:t>界面</a:t>
+            </a:r>
+            <a:endParaRPr lang="en-US" altLang="zh-CN" sz="1400" dirty="0">
+              <a:solidFill>
+                <a:schemeClr val="tx1"/>
+              </a:solidFill>
+            </a:endParaRPr>
+          </a:p>
+        </p:txBody>
+      </p:sp>
+      <p:cxnSp>
+        <p:nvCxnSpPr>
+          <p:cNvPr id="118" name="直接箭头连接符 117">
+            <a:extLst>
+              <a:ext uri="{FF2B5EF4-FFF2-40B4-BE49-F238E27FC236}">
+                <a16:creationId xmlns:a16="http://schemas.microsoft.com/office/drawing/2014/main" id="{6DA6C9A3-4AD0-46E1-9282-3D583459C2AA}"/>
+              </a:ext>
+            </a:extLst>
+          </p:cNvPr>
+          <p:cNvCxnSpPr>
+            <a:cxnSpLocks/>
+            <a:stCxn id="24" idx="3"/>
+            <a:endCxn id="44" idx="1"/>
+          </p:cNvCxnSpPr>
+          <p:nvPr/>
+        </p:nvCxnSpPr>
+        <p:spPr>
+          <a:xfrm>
+            <a:off x="5139397" y="3689253"/>
+            <a:ext cx="2542005" cy="1"/>
+          </a:xfrm>
+          <a:prstGeom prst="straightConnector1">
+            <a:avLst/>
+          </a:prstGeom>
+          <a:ln>
+            <a:headEnd type="triangle"/>
+            <a:tailEnd type="triangle"/>
+          </a:ln>
+        </p:spPr>
+        <p:style>
+          <a:lnRef idx="1">
+            <a:schemeClr val="accent1"/>
+          </a:lnRef>
+          <a:fillRef idx="0">
+            <a:schemeClr val="accent1"/>
+          </a:fillRef>
+          <a:effectRef idx="0">
+            <a:schemeClr val="accent1"/>
+          </a:effectRef>
+          <a:fontRef idx="minor">
+            <a:schemeClr val="tx1"/>
+          </a:fontRef>
+        </p:style>
+      </p:cxnSp>
+      <p:sp>
+        <p:nvSpPr>
+          <p:cNvPr id="124" name="矩形: 圆角 123">
+            <a:extLst>
+              <a:ext uri="{FF2B5EF4-FFF2-40B4-BE49-F238E27FC236}">
+                <a16:creationId xmlns:a16="http://schemas.microsoft.com/office/drawing/2014/main" id="{EAB5A6CC-A7AE-4505-9512-83A60613797F}"/>
+              </a:ext>
+            </a:extLst>
+          </p:cNvPr>
+          <p:cNvSpPr/>
+          <p:nvPr/>
+        </p:nvSpPr>
+        <p:spPr>
+          <a:xfrm>
+            <a:off x="6553200" y="4526278"/>
+            <a:ext cx="1655298" cy="520507"/>
+          </a:xfrm>
+          <a:prstGeom prst="roundRect">
+            <a:avLst/>
+          </a:prstGeom>
+          <a:solidFill>
+            <a:schemeClr val="accent4">
+              <a:lumMod val="40000"/>
+              <a:lumOff val="60000"/>
+            </a:schemeClr>
+          </a:solidFill>
+          <a:ln>
+            <a:solidFill>
+              <a:schemeClr val="accent1">
+                <a:lumMod val="60000"/>
+                <a:lumOff val="40000"/>
+              </a:schemeClr>
+            </a:solidFill>
+          </a:ln>
+        </p:spPr>
+        <p:style>
+          <a:lnRef idx="2">
+            <a:schemeClr val="accent1">
+              <a:shade val="50000"/>
+            </a:schemeClr>
+          </a:lnRef>
+          <a:fillRef idx="1">
+            <a:schemeClr val="accent1"/>
+          </a:fillRef>
+          <a:effectRef idx="0">
+            <a:schemeClr val="accent1"/>
+          </a:effectRef>
+          <a:fontRef idx="minor">
+            <a:schemeClr val="lt1"/>
+          </a:fontRef>
+        </p:style>
+        <p:txBody>
+          <a:bodyPr rtlCol="0" anchor="ctr"/>
+          <a:lstStyle/>
+          <a:p>
+            <a:pPr algn="ctr"/>
+            <a:r>
+              <a:rPr lang="en-US" altLang="zh-CN" sz="1400" dirty="0">
+                <a:solidFill>
+                  <a:schemeClr val="tx1"/>
+                </a:solidFill>
+              </a:rPr>
+              <a:t>dc3-opc</a:t>
+            </a:r>
+          </a:p>
+        </p:txBody>
+      </p:sp>
+      <p:sp>
+        <p:nvSpPr>
+          <p:cNvPr id="125" name="矩形: 圆角 124">
+            <a:extLst>
+              <a:ext uri="{FF2B5EF4-FFF2-40B4-BE49-F238E27FC236}">
+                <a16:creationId xmlns:a16="http://schemas.microsoft.com/office/drawing/2014/main" id="{4DA49BE5-7352-4B69-9FE1-CAC07B7A2304}"/>
+              </a:ext>
+            </a:extLst>
+          </p:cNvPr>
+          <p:cNvSpPr/>
+          <p:nvPr/>
+        </p:nvSpPr>
+        <p:spPr>
+          <a:xfrm>
+            <a:off x="9458179" y="4526278"/>
+            <a:ext cx="1655298" cy="520507"/>
+          </a:xfrm>
+          <a:prstGeom prst="roundRect">
+            <a:avLst/>
+          </a:prstGeom>
+          <a:solidFill>
+            <a:schemeClr val="accent4">
+              <a:lumMod val="40000"/>
+              <a:lumOff val="60000"/>
+            </a:schemeClr>
+          </a:solidFill>
+          <a:ln>
+            <a:solidFill>
+              <a:schemeClr val="accent1">
+                <a:lumMod val="60000"/>
+                <a:lumOff val="40000"/>
+              </a:schemeClr>
+            </a:solidFill>
+          </a:ln>
+        </p:spPr>
+        <p:style>
+          <a:lnRef idx="2">
+            <a:schemeClr val="accent1">
+              <a:shade val="50000"/>
+            </a:schemeClr>
+          </a:lnRef>
+          <a:fillRef idx="1">
+            <a:schemeClr val="accent1"/>
+          </a:fillRef>
+          <a:effectRef idx="0">
+            <a:schemeClr val="accent1"/>
+          </a:effectRef>
+          <a:fontRef idx="minor">
+            <a:schemeClr val="lt1"/>
+          </a:fontRef>
+        </p:style>
+        <p:txBody>
+          <a:bodyPr rtlCol="0" anchor="ctr"/>
+          <a:lstStyle/>
+          <a:p>
+            <a:pPr algn="ctr"/>
+            <a:r>
+              <a:rPr lang="en-US" altLang="zh-CN" sz="1400" dirty="0">
+                <a:solidFill>
+                  <a:schemeClr val="tx1"/>
+                </a:solidFill>
+              </a:rPr>
+              <a:t>dc3-opcUa</a:t>
+            </a:r>
+          </a:p>
+        </p:txBody>
+      </p:sp>
+      <p:cxnSp>
+        <p:nvCxnSpPr>
+          <p:cNvPr id="129" name="直接箭头连接符 128">
+            <a:extLst>
+              <a:ext uri="{FF2B5EF4-FFF2-40B4-BE49-F238E27FC236}">
+                <a16:creationId xmlns:a16="http://schemas.microsoft.com/office/drawing/2014/main" id="{21FF16BB-79A4-44F0-B174-AB198EC56CBF}"/>
+              </a:ext>
+            </a:extLst>
+          </p:cNvPr>
+          <p:cNvCxnSpPr>
+            <a:stCxn id="48" idx="2"/>
+            <a:endCxn id="44" idx="0"/>
+          </p:cNvCxnSpPr>
+          <p:nvPr/>
+        </p:nvCxnSpPr>
+        <p:spPr>
+          <a:xfrm>
+            <a:off x="6921349" y="2161165"/>
+            <a:ext cx="1962842" cy="1267835"/>
+          </a:xfrm>
+          <a:prstGeom prst="straightConnector1">
+            <a:avLst/>
+          </a:prstGeom>
+          <a:ln>
+            <a:headEnd type="triangle"/>
+            <a:tailEnd type="triangle"/>
+          </a:ln>
+        </p:spPr>
+        <p:style>
+          <a:lnRef idx="1">
+            <a:schemeClr val="accent1"/>
+          </a:lnRef>
+          <a:fillRef idx="0">
+            <a:schemeClr val="accent1"/>
+          </a:fillRef>
+          <a:effectRef idx="0">
+            <a:schemeClr val="accent1"/>
+          </a:effectRef>
+          <a:fontRef idx="minor">
+            <a:schemeClr val="tx1"/>
+          </a:fontRef>
+        </p:style>
+      </p:cxnSp>
+      <p:cxnSp>
+        <p:nvCxnSpPr>
+          <p:cNvPr id="139" name="直接箭头连接符 138">
+            <a:extLst>
+              <a:ext uri="{FF2B5EF4-FFF2-40B4-BE49-F238E27FC236}">
+                <a16:creationId xmlns:a16="http://schemas.microsoft.com/office/drawing/2014/main" id="{852883E1-ED50-472B-A131-77F8BE06E702}"/>
+              </a:ext>
+            </a:extLst>
+          </p:cNvPr>
+          <p:cNvCxnSpPr>
+            <a:stCxn id="49" idx="2"/>
+            <a:endCxn id="44" idx="0"/>
+          </p:cNvCxnSpPr>
+          <p:nvPr/>
+        </p:nvCxnSpPr>
+        <p:spPr>
+          <a:xfrm>
+            <a:off x="8863894" y="2161165"/>
+            <a:ext cx="20297" cy="1267835"/>
+          </a:xfrm>
+          <a:prstGeom prst="straightConnector1">
+            <a:avLst/>
+          </a:prstGeom>
+          <a:ln>
+            <a:headEnd type="triangle"/>
+            <a:tailEnd type="triangle"/>
+          </a:ln>
+        </p:spPr>
+        <p:style>
+          <a:lnRef idx="1">
+            <a:schemeClr val="accent1"/>
+          </a:lnRef>
+          <a:fillRef idx="0">
+            <a:schemeClr val="accent1"/>
+          </a:fillRef>
+          <a:effectRef idx="0">
+            <a:schemeClr val="accent1"/>
+          </a:effectRef>
+          <a:fontRef idx="minor">
+            <a:schemeClr val="tx1"/>
+          </a:fontRef>
+        </p:style>
+      </p:cxnSp>
+      <p:cxnSp>
+        <p:nvCxnSpPr>
+          <p:cNvPr id="143" name="直接箭头连接符 142">
+            <a:extLst>
+              <a:ext uri="{FF2B5EF4-FFF2-40B4-BE49-F238E27FC236}">
+                <a16:creationId xmlns:a16="http://schemas.microsoft.com/office/drawing/2014/main" id="{D77EC2CC-48AE-4ABF-BF09-44D063E82178}"/>
+              </a:ext>
+            </a:extLst>
+          </p:cNvPr>
+          <p:cNvCxnSpPr>
+            <a:stCxn id="50" idx="2"/>
+            <a:endCxn id="44" idx="0"/>
+          </p:cNvCxnSpPr>
+          <p:nvPr/>
+        </p:nvCxnSpPr>
+        <p:spPr>
+          <a:xfrm flipH="1">
+            <a:off x="8884191" y="2161165"/>
+            <a:ext cx="1922248" cy="1267835"/>
+          </a:xfrm>
+          <a:prstGeom prst="straightConnector1">
+            <a:avLst/>
+          </a:prstGeom>
+          <a:ln>
+            <a:headEnd type="triangle"/>
+            <a:tailEnd type="triangle"/>
+          </a:ln>
+        </p:spPr>
+        <p:style>
+          <a:lnRef idx="1">
+            <a:schemeClr val="accent1"/>
+          </a:lnRef>
+          <a:fillRef idx="0">
+            <a:schemeClr val="accent1"/>
+          </a:fillRef>
+          <a:effectRef idx="0">
+            <a:schemeClr val="accent1"/>
+          </a:effectRef>
+          <a:fontRef idx="minor">
+            <a:schemeClr val="tx1"/>
+          </a:fontRef>
+        </p:style>
+      </p:cxnSp>
+      <p:cxnSp>
+        <p:nvCxnSpPr>
+          <p:cNvPr id="146" name="直接箭头连接符 145">
+            <a:extLst>
+              <a:ext uri="{FF2B5EF4-FFF2-40B4-BE49-F238E27FC236}">
+                <a16:creationId xmlns:a16="http://schemas.microsoft.com/office/drawing/2014/main" id="{09CC91EB-77FB-49B2-B1B0-6F9104738DCB}"/>
+              </a:ext>
+            </a:extLst>
+          </p:cNvPr>
+          <p:cNvCxnSpPr>
+            <a:cxnSpLocks/>
+            <a:stCxn id="110" idx="2"/>
+            <a:endCxn id="48" idx="0"/>
+          </p:cNvCxnSpPr>
+          <p:nvPr/>
+        </p:nvCxnSpPr>
+        <p:spPr>
+          <a:xfrm>
+            <a:off x="6921348" y="1236218"/>
+            <a:ext cx="1" cy="404443"/>
+          </a:xfrm>
+          <a:prstGeom prst="straightConnector1">
+            <a:avLst/>
+          </a:prstGeom>
+          <a:ln>
+            <a:solidFill>
+              <a:schemeClr val="accent1">
+                <a:lumMod val="60000"/>
+                <a:lumOff val="40000"/>
+              </a:schemeClr>
+            </a:solidFill>
+            <a:headEnd type="triangle"/>
+            <a:tailEnd type="triangle"/>
+          </a:ln>
+        </p:spPr>
+        <p:style>
+          <a:lnRef idx="1">
+            <a:schemeClr val="accent1"/>
+          </a:lnRef>
+          <a:fillRef idx="0">
+            <a:schemeClr val="accent1"/>
+          </a:fillRef>
+          <a:effectRef idx="0">
+            <a:schemeClr val="accent1"/>
+          </a:effectRef>
+          <a:fontRef idx="minor">
+            <a:schemeClr val="tx1"/>
+          </a:fontRef>
+        </p:style>
+      </p:cxnSp>
+      <p:cxnSp>
+        <p:nvCxnSpPr>
+          <p:cNvPr id="150" name="直接箭头连接符 149">
+            <a:extLst>
+              <a:ext uri="{FF2B5EF4-FFF2-40B4-BE49-F238E27FC236}">
+                <a16:creationId xmlns:a16="http://schemas.microsoft.com/office/drawing/2014/main" id="{490BFE61-E289-4439-B431-3BF561697EFA}"/>
+              </a:ext>
+            </a:extLst>
+          </p:cNvPr>
+          <p:cNvCxnSpPr>
+            <a:stCxn id="112" idx="2"/>
+            <a:endCxn id="49" idx="0"/>
+          </p:cNvCxnSpPr>
+          <p:nvPr/>
+        </p:nvCxnSpPr>
+        <p:spPr>
+          <a:xfrm>
+            <a:off x="8863893" y="1236218"/>
+            <a:ext cx="1" cy="404443"/>
+          </a:xfrm>
+          <a:prstGeom prst="straightConnector1">
+            <a:avLst/>
+          </a:prstGeom>
+          <a:ln>
+            <a:headEnd type="triangle"/>
+            <a:tailEnd type="triangle"/>
+          </a:ln>
+        </p:spPr>
+        <p:style>
+          <a:lnRef idx="1">
+            <a:schemeClr val="accent1"/>
+          </a:lnRef>
+          <a:fillRef idx="0">
+            <a:schemeClr val="accent1"/>
+          </a:fillRef>
+          <a:effectRef idx="0">
+            <a:schemeClr val="accent1"/>
+          </a:effectRef>
+          <a:fontRef idx="minor">
+            <a:schemeClr val="tx1"/>
+          </a:fontRef>
+        </p:style>
+      </p:cxnSp>
+      <p:cxnSp>
+        <p:nvCxnSpPr>
+          <p:cNvPr id="152" name="直接箭头连接符 151">
+            <a:extLst>
+              <a:ext uri="{FF2B5EF4-FFF2-40B4-BE49-F238E27FC236}">
+                <a16:creationId xmlns:a16="http://schemas.microsoft.com/office/drawing/2014/main" id="{F91EEF22-EB51-472D-9EAB-D0B6114A50D4}"/>
+              </a:ext>
+            </a:extLst>
+          </p:cNvPr>
+          <p:cNvCxnSpPr>
+            <a:stCxn id="113" idx="2"/>
+            <a:endCxn id="50" idx="0"/>
+          </p:cNvCxnSpPr>
+          <p:nvPr/>
+        </p:nvCxnSpPr>
+        <p:spPr>
+          <a:xfrm>
+            <a:off x="10806438" y="1236218"/>
+            <a:ext cx="1" cy="404443"/>
+          </a:xfrm>
+          <a:prstGeom prst="straightConnector1">
+            <a:avLst/>
+          </a:prstGeom>
+          <a:ln>
+            <a:headEnd type="triangle"/>
+            <a:tailEnd type="triangle"/>
+          </a:ln>
+        </p:spPr>
+        <p:style>
+          <a:lnRef idx="1">
+            <a:schemeClr val="accent1"/>
+          </a:lnRef>
+          <a:fillRef idx="0">
+            <a:schemeClr val="accent1"/>
+          </a:fillRef>
+          <a:effectRef idx="0">
+            <a:schemeClr val="accent1"/>
+          </a:effectRef>
+          <a:fontRef idx="minor">
+            <a:schemeClr val="tx1"/>
+          </a:fontRef>
+        </p:style>
+      </p:cxnSp>
+      <p:sp>
+        <p:nvSpPr>
+          <p:cNvPr id="161" name="文本框 160">
+            <a:extLst>
+              <a:ext uri="{FF2B5EF4-FFF2-40B4-BE49-F238E27FC236}">
+                <a16:creationId xmlns:a16="http://schemas.microsoft.com/office/drawing/2014/main" id="{16B2F75E-2F28-410A-B590-DD45AC516F5B}"/>
+              </a:ext>
+            </a:extLst>
+          </p:cNvPr>
+          <p:cNvSpPr txBox="1"/>
+          <p:nvPr/>
+        </p:nvSpPr>
+        <p:spPr>
+          <a:xfrm>
+            <a:off x="2098430" y="2331721"/>
+            <a:ext cx="3289221" cy="432792"/>
+          </a:xfrm>
+          <a:prstGeom prst="wedgeEllipseCallout">
+            <a:avLst>
+              <a:gd name="adj1" fmla="val -30034"/>
+              <a:gd name="adj2" fmla="val 130759"/>
+            </a:avLst>
+          </a:prstGeom>
+          <a:noFill/>
+          <a:ln>
+            <a:solidFill>
+              <a:schemeClr val="accent4">
+                <a:lumMod val="40000"/>
+                <a:lumOff val="60000"/>
+              </a:schemeClr>
+            </a:solidFill>
+          </a:ln>
+        </p:spPr>
+        <p:txBody>
+          <a:bodyPr wrap="none" rtlCol="0">
+            <a:spAutoFit/>
+          </a:bodyPr>
+          <a:lstStyle/>
+          <a:p>
+            <a:r>
+              <a:rPr lang="zh-CN" altLang="en-US" sz="1400" dirty="0"/>
+              <a:t>查询指令、添加摄像头信息</a:t>
+            </a:r>
+            <a:endParaRPr lang="en-US" altLang="zh-CN" sz="1400" dirty="0"/>
+          </a:p>
+        </p:txBody>
+      </p:sp>
+      <p:cxnSp>
+        <p:nvCxnSpPr>
+          <p:cNvPr id="162" name="直接箭头连接符 161">
+            <a:extLst>
+              <a:ext uri="{FF2B5EF4-FFF2-40B4-BE49-F238E27FC236}">
+                <a16:creationId xmlns:a16="http://schemas.microsoft.com/office/drawing/2014/main" id="{65C202CA-90BE-4AA2-879D-3F504B9D5B39}"/>
+              </a:ext>
+            </a:extLst>
+          </p:cNvPr>
+          <p:cNvCxnSpPr>
+            <a:cxnSpLocks/>
+            <a:stCxn id="124" idx="0"/>
+            <a:endCxn id="44" idx="2"/>
+          </p:cNvCxnSpPr>
+          <p:nvPr/>
+        </p:nvCxnSpPr>
+        <p:spPr>
+          <a:xfrm flipV="1">
+            <a:off x="7380849" y="3949507"/>
+            <a:ext cx="1503342" cy="576771"/>
+          </a:xfrm>
+          <a:prstGeom prst="straightConnector1">
+            <a:avLst/>
+          </a:prstGeom>
+          <a:ln>
+            <a:headEnd type="triangle"/>
+            <a:tailEnd type="triangle"/>
+          </a:ln>
+        </p:spPr>
+        <p:style>
+          <a:lnRef idx="1">
+            <a:schemeClr val="accent1"/>
+          </a:lnRef>
+          <a:fillRef idx="0">
+            <a:schemeClr val="accent1"/>
+          </a:fillRef>
+          <a:effectRef idx="0">
+            <a:schemeClr val="accent1"/>
+          </a:effectRef>
+          <a:fontRef idx="minor">
+            <a:schemeClr val="tx1"/>
+          </a:fontRef>
+        </p:style>
+      </p:cxnSp>
+      <p:cxnSp>
+        <p:nvCxnSpPr>
+          <p:cNvPr id="165" name="直接箭头连接符 164">
+            <a:extLst>
+              <a:ext uri="{FF2B5EF4-FFF2-40B4-BE49-F238E27FC236}">
+                <a16:creationId xmlns:a16="http://schemas.microsoft.com/office/drawing/2014/main" id="{5D7F7B2F-29BB-4ADE-A4DE-5B1D1B63B30F}"/>
+              </a:ext>
+            </a:extLst>
+          </p:cNvPr>
+          <p:cNvCxnSpPr>
+            <a:cxnSpLocks/>
+            <a:stCxn id="125" idx="0"/>
+            <a:endCxn id="44" idx="2"/>
+          </p:cNvCxnSpPr>
+          <p:nvPr/>
+        </p:nvCxnSpPr>
+        <p:spPr>
+          <a:xfrm flipH="1" flipV="1">
+            <a:off x="8884191" y="3949507"/>
+            <a:ext cx="1401637" cy="576771"/>
+          </a:xfrm>
+          <a:prstGeom prst="straightConnector1">
+            <a:avLst/>
+          </a:prstGeom>
+          <a:ln>
+            <a:headEnd type="triangle"/>
+            <a:tailEnd type="triangle"/>
+          </a:ln>
+        </p:spPr>
+        <p:style>
+          <a:lnRef idx="1">
+            <a:schemeClr val="accent1"/>
+          </a:lnRef>
+          <a:fillRef idx="0">
+            <a:schemeClr val="accent1"/>
+          </a:fillRef>
+          <a:effectRef idx="0">
+            <a:schemeClr val="accent1"/>
+          </a:effectRef>
+          <a:fontRef idx="minor">
+            <a:schemeClr val="tx1"/>
+          </a:fontRef>
+        </p:style>
+      </p:cxnSp>
+      <p:sp>
+        <p:nvSpPr>
+          <p:cNvPr id="172" name="文本框 171">
+            <a:extLst>
+              <a:ext uri="{FF2B5EF4-FFF2-40B4-BE49-F238E27FC236}">
+                <a16:creationId xmlns:a16="http://schemas.microsoft.com/office/drawing/2014/main" id="{9C0C4600-96F9-4C72-8AD8-A554DB884FDB}"/>
+              </a:ext>
+            </a:extLst>
+          </p:cNvPr>
+          <p:cNvSpPr txBox="1"/>
+          <p:nvPr/>
+        </p:nvSpPr>
+        <p:spPr>
+          <a:xfrm>
+            <a:off x="9834684" y="2863588"/>
+            <a:ext cx="2083264" cy="432792"/>
+          </a:xfrm>
+          <a:prstGeom prst="wedgeEllipseCallout">
+            <a:avLst>
+              <a:gd name="adj1" fmla="val -30759"/>
+              <a:gd name="adj2" fmla="val -83771"/>
+            </a:avLst>
+          </a:prstGeom>
+          <a:noFill/>
+          <a:ln>
+            <a:solidFill>
+              <a:schemeClr val="accent4">
+                <a:lumMod val="40000"/>
+                <a:lumOff val="60000"/>
+              </a:schemeClr>
+            </a:solidFill>
+          </a:ln>
+        </p:spPr>
+        <p:txBody>
+          <a:bodyPr wrap="none" rtlCol="0">
+            <a:spAutoFit/>
+          </a:bodyPr>
+          <a:lstStyle/>
+          <a:p>
+            <a:r>
+              <a:rPr lang="zh-CN" altLang="en-US" sz="1400" dirty="0"/>
+              <a:t>数据 </a:t>
+            </a:r>
+            <a:r>
+              <a:rPr lang="en-US" altLang="zh-CN" sz="1400" dirty="0"/>
+              <a:t>+ </a:t>
+            </a:r>
+            <a:r>
+              <a:rPr lang="zh-CN" altLang="en-US" sz="1400" dirty="0"/>
+              <a:t>数据去向</a:t>
+            </a:r>
+            <a:endParaRPr lang="en-US" altLang="zh-CN" sz="1400" dirty="0"/>
+          </a:p>
+        </p:txBody>
+      </p:sp>
+    </p:spTree>
+    <p:extLst>
+      <p:ext uri="{BB962C8B-B14F-4D97-AF65-F5344CB8AC3E}">
+        <p14:creationId xmlns:p14="http://schemas.microsoft.com/office/powerpoint/2010/main" val="3897212153"/>
+      </p:ext>
+    </p:extLst>
+  </p:cSld>
+  <p:clrMapOvr>
+    <a:masterClrMapping/>
+  </p:clrMapOvr>
+</p:sld>
+</file>
+
 <file path=ppt/theme/theme1.xml><?xml version="1.0" encoding="utf-8"?>
 <a:theme xmlns:a="http://schemas.openxmlformats.org/drawingml/2006/main" name="Office 主题​​">
   <a:themeElements>

--- a/dc3/doc/iot-dc3-architecture.pptx
+++ b/dc3/doc/iot-dc3-architecture.pptx
@@ -203,7 +203,7 @@
           <a:p>
             <a:fld id="{6EE3B9A8-D85C-445A-8AE4-653E2C11D910}" type="datetimeFigureOut">
               <a:rPr lang="zh-CN" altLang="en-US" smtClean="0"/>
-              <a:t>2019/6/23</a:t>
+              <a:t>2019/7/3</a:t>
             </a:fld>
             <a:endParaRPr lang="zh-CN" altLang="en-US"/>
           </a:p>
@@ -785,7 +785,7 @@
           <a:p>
             <a:fld id="{9BF28833-E291-4948-8DAA-251BCB67763B}" type="datetimeFigureOut">
               <a:rPr lang="zh-CN" altLang="en-US" smtClean="0"/>
-              <a:t>2019/6/23</a:t>
+              <a:t>2019/7/3</a:t>
             </a:fld>
             <a:endParaRPr lang="zh-CN" altLang="en-US"/>
           </a:p>
@@ -983,7 +983,7 @@
           <a:p>
             <a:fld id="{9BF28833-E291-4948-8DAA-251BCB67763B}" type="datetimeFigureOut">
               <a:rPr lang="zh-CN" altLang="en-US" smtClean="0"/>
-              <a:t>2019/6/23</a:t>
+              <a:t>2019/7/3</a:t>
             </a:fld>
             <a:endParaRPr lang="zh-CN" altLang="en-US"/>
           </a:p>
@@ -1191,7 +1191,7 @@
           <a:p>
             <a:fld id="{9BF28833-E291-4948-8DAA-251BCB67763B}" type="datetimeFigureOut">
               <a:rPr lang="zh-CN" altLang="en-US" smtClean="0"/>
-              <a:t>2019/6/23</a:t>
+              <a:t>2019/7/3</a:t>
             </a:fld>
             <a:endParaRPr lang="zh-CN" altLang="en-US"/>
           </a:p>
@@ -1389,7 +1389,7 @@
           <a:p>
             <a:fld id="{9BF28833-E291-4948-8DAA-251BCB67763B}" type="datetimeFigureOut">
               <a:rPr lang="zh-CN" altLang="en-US" smtClean="0"/>
-              <a:t>2019/6/23</a:t>
+              <a:t>2019/7/3</a:t>
             </a:fld>
             <a:endParaRPr lang="zh-CN" altLang="en-US"/>
           </a:p>
@@ -1664,7 +1664,7 @@
           <a:p>
             <a:fld id="{9BF28833-E291-4948-8DAA-251BCB67763B}" type="datetimeFigureOut">
               <a:rPr lang="zh-CN" altLang="en-US" smtClean="0"/>
-              <a:t>2019/6/23</a:t>
+              <a:t>2019/7/3</a:t>
             </a:fld>
             <a:endParaRPr lang="zh-CN" altLang="en-US"/>
           </a:p>
@@ -1929,7 +1929,7 @@
           <a:p>
             <a:fld id="{9BF28833-E291-4948-8DAA-251BCB67763B}" type="datetimeFigureOut">
               <a:rPr lang="zh-CN" altLang="en-US" smtClean="0"/>
-              <a:t>2019/6/23</a:t>
+              <a:t>2019/7/3</a:t>
             </a:fld>
             <a:endParaRPr lang="zh-CN" altLang="en-US"/>
           </a:p>
@@ -2341,7 +2341,7 @@
           <a:p>
             <a:fld id="{9BF28833-E291-4948-8DAA-251BCB67763B}" type="datetimeFigureOut">
               <a:rPr lang="zh-CN" altLang="en-US" smtClean="0"/>
-              <a:t>2019/6/23</a:t>
+              <a:t>2019/7/3</a:t>
             </a:fld>
             <a:endParaRPr lang="zh-CN" altLang="en-US"/>
           </a:p>
@@ -2482,7 +2482,7 @@
           <a:p>
             <a:fld id="{9BF28833-E291-4948-8DAA-251BCB67763B}" type="datetimeFigureOut">
               <a:rPr lang="zh-CN" altLang="en-US" smtClean="0"/>
-              <a:t>2019/6/23</a:t>
+              <a:t>2019/7/3</a:t>
             </a:fld>
             <a:endParaRPr lang="zh-CN" altLang="en-US"/>
           </a:p>
@@ -2595,7 +2595,7 @@
           <a:p>
             <a:fld id="{9BF28833-E291-4948-8DAA-251BCB67763B}" type="datetimeFigureOut">
               <a:rPr lang="zh-CN" altLang="en-US" smtClean="0"/>
-              <a:t>2019/6/23</a:t>
+              <a:t>2019/7/3</a:t>
             </a:fld>
             <a:endParaRPr lang="zh-CN" altLang="en-US"/>
           </a:p>
@@ -2906,7 +2906,7 @@
           <a:p>
             <a:fld id="{9BF28833-E291-4948-8DAA-251BCB67763B}" type="datetimeFigureOut">
               <a:rPr lang="zh-CN" altLang="en-US" smtClean="0"/>
-              <a:t>2019/6/23</a:t>
+              <a:t>2019/7/3</a:t>
             </a:fld>
             <a:endParaRPr lang="zh-CN" altLang="en-US"/>
           </a:p>
@@ -3194,7 +3194,7 @@
           <a:p>
             <a:fld id="{9BF28833-E291-4948-8DAA-251BCB67763B}" type="datetimeFigureOut">
               <a:rPr lang="zh-CN" altLang="en-US" smtClean="0"/>
-              <a:t>2019/6/23</a:t>
+              <a:t>2019/7/3</a:t>
             </a:fld>
             <a:endParaRPr lang="zh-CN" altLang="en-US"/>
           </a:p>
@@ -3435,7 +3435,7 @@
           <a:p>
             <a:fld id="{9BF28833-E291-4948-8DAA-251BCB67763B}" type="datetimeFigureOut">
               <a:rPr lang="zh-CN" altLang="en-US" smtClean="0"/>
-              <a:t>2019/6/23</a:t>
+              <a:t>2019/7/3</a:t>
             </a:fld>
             <a:endParaRPr lang="zh-CN" altLang="en-US"/>
           </a:p>
@@ -6762,7 +6762,7 @@
         </p:nvSpPr>
         <p:spPr>
           <a:xfrm>
-            <a:off x="245645" y="794391"/>
+            <a:off x="245645" y="639643"/>
             <a:ext cx="1147057" cy="644475"/>
           </a:xfrm>
           <a:prstGeom prst="roundRect">
@@ -6845,7 +6845,7 @@
         </p:nvSpPr>
         <p:spPr>
           <a:xfrm>
-            <a:off x="2227385" y="667779"/>
+            <a:off x="2227385" y="513031"/>
             <a:ext cx="2330552" cy="891688"/>
           </a:xfrm>
           <a:prstGeom prst="roundRect">
@@ -6907,7 +6907,7 @@
         </p:nvSpPr>
         <p:spPr>
           <a:xfrm>
-            <a:off x="5601655" y="667779"/>
+            <a:off x="6417585" y="513031"/>
             <a:ext cx="1911400" cy="891688"/>
           </a:xfrm>
           <a:prstGeom prst="roundRect">
@@ -6969,7 +6969,7 @@
         </p:nvSpPr>
         <p:spPr>
           <a:xfrm>
-            <a:off x="9573069" y="667779"/>
+            <a:off x="9573069" y="498963"/>
             <a:ext cx="2330552" cy="1597122"/>
           </a:xfrm>
           <a:prstGeom prst="roundRect">
@@ -7178,7 +7178,9 @@
             <a:ext cx="3542350" cy="4461212"/>
           </a:xfrm>
           <a:prstGeom prst="roundRect">
-            <a:avLst/>
+            <a:avLst>
+              <a:gd name="adj" fmla="val 7930"/>
+            </a:avLst>
           </a:prstGeom>
           <a:noFill/>
           <a:ln>
@@ -7585,7 +7587,7 @@
         </p:nvSpPr>
         <p:spPr>
           <a:xfrm>
-            <a:off x="2797467" y="1053204"/>
+            <a:off x="2516111" y="898456"/>
             <a:ext cx="1724962" cy="389279"/>
           </a:xfrm>
           <a:prstGeom prst="roundRect">
@@ -7795,7 +7797,7 @@
         </p:nvSpPr>
         <p:spPr>
           <a:xfrm>
-            <a:off x="5832638" y="1053205"/>
+            <a:off x="6648568" y="898457"/>
             <a:ext cx="1447224" cy="385658"/>
           </a:xfrm>
           <a:prstGeom prst="roundRect">
@@ -7869,7 +7871,7 @@
         </p:nvSpPr>
         <p:spPr>
           <a:xfrm>
-            <a:off x="9816574" y="1673063"/>
+            <a:off x="9816574" y="1504247"/>
             <a:ext cx="1853854" cy="445843"/>
           </a:xfrm>
           <a:prstGeom prst="roundRect">
@@ -7946,7 +7948,7 @@
         </p:nvSpPr>
         <p:spPr>
           <a:xfrm>
-            <a:off x="9816573" y="1113623"/>
+            <a:off x="9816573" y="944807"/>
             <a:ext cx="1853855" cy="445843"/>
           </a:xfrm>
           <a:prstGeom prst="roundRect">
@@ -8034,7 +8036,7 @@
         </p:nvCxnSpPr>
         <p:spPr>
           <a:xfrm flipV="1">
-            <a:off x="1392702" y="1113623"/>
+            <a:off x="1392702" y="958875"/>
             <a:ext cx="834683" cy="3006"/>
           </a:xfrm>
           <a:prstGeom prst="straightConnector1">
@@ -8083,8 +8085,8 @@
         </p:nvCxnSpPr>
         <p:spPr>
           <a:xfrm>
-            <a:off x="4557937" y="1113623"/>
-            <a:ext cx="1043718" cy="0"/>
+            <a:off x="4557937" y="958875"/>
+            <a:ext cx="1859648" cy="0"/>
           </a:xfrm>
           <a:prstGeom prst="straightConnector1">
             <a:avLst/>
@@ -8124,6 +8126,7 @@
             </a:extLst>
           </p:cNvPr>
           <p:cNvCxnSpPr>
+            <a:cxnSpLocks/>
             <a:stCxn id="51" idx="1"/>
             <a:endCxn id="50" idx="3"/>
           </p:cNvCxnSpPr>
@@ -8131,11 +8134,13 @@
         </p:nvCxnSpPr>
         <p:spPr>
           <a:xfrm rot="10800000">
-            <a:off x="7513055" y="1113624"/>
-            <a:ext cx="2060014" cy="352717"/>
+            <a:off x="8328985" y="958876"/>
+            <a:ext cx="1244084" cy="338649"/>
           </a:xfrm>
           <a:prstGeom prst="bentConnector3">
-            <a:avLst/>
+            <a:avLst>
+              <a:gd name="adj1" fmla="val 17207"/>
+            </a:avLst>
           </a:prstGeom>
           <a:ln>
             <a:solidFill>
@@ -8180,11 +8185,13 @@
         </p:nvCxnSpPr>
         <p:spPr>
           <a:xfrm rot="16200000" flipH="1">
-            <a:off x="5115311" y="-163183"/>
-            <a:ext cx="534868" cy="3980168"/>
+            <a:off x="5037937" y="-240557"/>
+            <a:ext cx="689616" cy="3980168"/>
           </a:xfrm>
           <a:prstGeom prst="bentConnector3">
-            <a:avLst/>
+            <a:avLst>
+              <a:gd name="adj1" fmla="val 44475"/>
+            </a:avLst>
           </a:prstGeom>
           <a:ln>
             <a:solidFill>
@@ -8213,103 +8220,6 @@
       </p:cxnSp>
       <p:cxnSp>
         <p:nvCxnSpPr>
-          <p:cNvPr id="25" name="连接符: 肘形 24">
-            <a:extLst>
-              <a:ext uri="{FF2B5EF4-FFF2-40B4-BE49-F238E27FC236}">
-                <a16:creationId xmlns:a16="http://schemas.microsoft.com/office/drawing/2014/main" id="{B6A3A3A3-401F-4ACE-B8AC-BBE28B1D3716}"/>
-              </a:ext>
-            </a:extLst>
-          </p:cNvPr>
-          <p:cNvCxnSpPr>
-            <a:stCxn id="66" idx="0"/>
-            <a:endCxn id="50" idx="2"/>
-          </p:cNvCxnSpPr>
-          <p:nvPr/>
-        </p:nvCxnSpPr>
-        <p:spPr>
-          <a:xfrm rot="16200000" flipV="1">
-            <a:off x="6697658" y="1419164"/>
-            <a:ext cx="534868" cy="815474"/>
-          </a:xfrm>
-          <a:prstGeom prst="bentConnector3">
-            <a:avLst/>
-          </a:prstGeom>
-          <a:ln>
-            <a:solidFill>
-              <a:schemeClr val="accent1">
-                <a:lumMod val="40000"/>
-                <a:lumOff val="60000"/>
-              </a:schemeClr>
-            </a:solidFill>
-            <a:tailEnd type="triangle"/>
-          </a:ln>
-        </p:spPr>
-        <p:style>
-          <a:lnRef idx="1">
-            <a:schemeClr val="accent1"/>
-          </a:lnRef>
-          <a:fillRef idx="0">
-            <a:schemeClr val="accent1"/>
-          </a:fillRef>
-          <a:effectRef idx="0">
-            <a:schemeClr val="accent1"/>
-          </a:effectRef>
-          <a:fontRef idx="minor">
-            <a:schemeClr val="tx1"/>
-          </a:fontRef>
-        </p:style>
-      </p:cxnSp>
-      <p:cxnSp>
-        <p:nvCxnSpPr>
-          <p:cNvPr id="28" name="连接符: 肘形 27">
-            <a:extLst>
-              <a:ext uri="{FF2B5EF4-FFF2-40B4-BE49-F238E27FC236}">
-                <a16:creationId xmlns:a16="http://schemas.microsoft.com/office/drawing/2014/main" id="{1C0B5F7D-BBC9-4F61-8DF3-C179E7ABB2F7}"/>
-              </a:ext>
-            </a:extLst>
-          </p:cNvPr>
-          <p:cNvCxnSpPr>
-            <a:cxnSpLocks/>
-            <a:stCxn id="66" idx="0"/>
-            <a:endCxn id="46" idx="2"/>
-          </p:cNvCxnSpPr>
-          <p:nvPr/>
-        </p:nvCxnSpPr>
-        <p:spPr>
-          <a:xfrm rot="16200000" flipV="1">
-            <a:off x="5115311" y="-163183"/>
-            <a:ext cx="534868" cy="3980168"/>
-          </a:xfrm>
-          <a:prstGeom prst="bentConnector3">
-            <a:avLst/>
-          </a:prstGeom>
-          <a:ln>
-            <a:solidFill>
-              <a:schemeClr val="accent1">
-                <a:lumMod val="40000"/>
-                <a:lumOff val="60000"/>
-              </a:schemeClr>
-            </a:solidFill>
-            <a:tailEnd type="triangle"/>
-          </a:ln>
-        </p:spPr>
-        <p:style>
-          <a:lnRef idx="1">
-            <a:schemeClr val="accent1"/>
-          </a:lnRef>
-          <a:fillRef idx="0">
-            <a:schemeClr val="accent1"/>
-          </a:fillRef>
-          <a:effectRef idx="0">
-            <a:schemeClr val="accent1"/>
-          </a:effectRef>
-          <a:fontRef idx="minor">
-            <a:schemeClr val="tx1"/>
-          </a:fontRef>
-        </p:style>
-      </p:cxnSp>
-      <p:cxnSp>
-        <p:nvCxnSpPr>
           <p:cNvPr id="32" name="连接符: 肘形 31">
             <a:extLst>
               <a:ext uri="{FF2B5EF4-FFF2-40B4-BE49-F238E27FC236}">
@@ -8325,12 +8235,12 @@
         </p:nvCxnSpPr>
         <p:spPr>
           <a:xfrm rot="10800000" flipV="1">
-            <a:off x="9144005" y="1466339"/>
-            <a:ext cx="429065" cy="2858601"/>
+            <a:off x="9144005" y="1297523"/>
+            <a:ext cx="429065" cy="3027417"/>
           </a:xfrm>
           <a:prstGeom prst="bentConnector3">
             <a:avLst>
-              <a:gd name="adj1" fmla="val 50001"/>
+              <a:gd name="adj1" fmla="val 50000"/>
             </a:avLst>
           </a:prstGeom>
           <a:ln>
@@ -10137,6 +10047,55 @@
           </a:fillRef>
           <a:effectRef idx="0">
             <a:schemeClr val="accent1"/>
+          </a:effectRef>
+          <a:fontRef idx="minor">
+            <a:schemeClr val="tx1"/>
+          </a:fontRef>
+        </p:style>
+      </p:cxnSp>
+      <p:cxnSp>
+        <p:nvCxnSpPr>
+          <p:cNvPr id="27" name="直接箭头连接符 26">
+            <a:extLst>
+              <a:ext uri="{FF2B5EF4-FFF2-40B4-BE49-F238E27FC236}">
+                <a16:creationId xmlns:a16="http://schemas.microsoft.com/office/drawing/2014/main" id="{CD81C95B-03DE-4B68-B354-FFF8E7321BE6}"/>
+              </a:ext>
+            </a:extLst>
+          </p:cNvPr>
+          <p:cNvCxnSpPr>
+            <a:stCxn id="50" idx="2"/>
+            <a:endCxn id="66" idx="0"/>
+          </p:cNvCxnSpPr>
+          <p:nvPr/>
+        </p:nvCxnSpPr>
+        <p:spPr>
+          <a:xfrm flipH="1">
+            <a:off x="7372829" y="1404719"/>
+            <a:ext cx="456" cy="689616"/>
+          </a:xfrm>
+          <a:prstGeom prst="straightConnector1">
+            <a:avLst/>
+          </a:prstGeom>
+          <a:ln>
+            <a:solidFill>
+              <a:schemeClr val="accent5">
+                <a:lumMod val="40000"/>
+                <a:lumOff val="60000"/>
+              </a:schemeClr>
+            </a:solidFill>
+            <a:headEnd type="triangle"/>
+            <a:tailEnd type="triangle"/>
+          </a:ln>
+        </p:spPr>
+        <p:style>
+          <a:lnRef idx="1">
+            <a:schemeClr val="accent5"/>
+          </a:lnRef>
+          <a:fillRef idx="0">
+            <a:schemeClr val="accent5"/>
+          </a:fillRef>
+          <a:effectRef idx="0">
+            <a:schemeClr val="accent5"/>
           </a:effectRef>
           <a:fontRef idx="minor">
             <a:schemeClr val="tx1"/>

--- a/dc3/doc/iot-dc3-architecture.pptx
+++ b/dc3/doc/iot-dc3-architecture.pptx
@@ -203,7 +203,7 @@
           <a:p>
             <a:fld id="{6EE3B9A8-D85C-445A-8AE4-653E2C11D910}" type="datetimeFigureOut">
               <a:rPr lang="zh-CN" altLang="en-US" smtClean="0"/>
-              <a:t>2019/7/3</a:t>
+              <a:t>2019/7/19</a:t>
             </a:fld>
             <a:endParaRPr lang="zh-CN" altLang="en-US"/>
           </a:p>
@@ -785,7 +785,7 @@
           <a:p>
             <a:fld id="{9BF28833-E291-4948-8DAA-251BCB67763B}" type="datetimeFigureOut">
               <a:rPr lang="zh-CN" altLang="en-US" smtClean="0"/>
-              <a:t>2019/7/3</a:t>
+              <a:t>2019/7/19</a:t>
             </a:fld>
             <a:endParaRPr lang="zh-CN" altLang="en-US"/>
           </a:p>
@@ -983,7 +983,7 @@
           <a:p>
             <a:fld id="{9BF28833-E291-4948-8DAA-251BCB67763B}" type="datetimeFigureOut">
               <a:rPr lang="zh-CN" altLang="en-US" smtClean="0"/>
-              <a:t>2019/7/3</a:t>
+              <a:t>2019/7/19</a:t>
             </a:fld>
             <a:endParaRPr lang="zh-CN" altLang="en-US"/>
           </a:p>
@@ -1191,7 +1191,7 @@
           <a:p>
             <a:fld id="{9BF28833-E291-4948-8DAA-251BCB67763B}" type="datetimeFigureOut">
               <a:rPr lang="zh-CN" altLang="en-US" smtClean="0"/>
-              <a:t>2019/7/3</a:t>
+              <a:t>2019/7/19</a:t>
             </a:fld>
             <a:endParaRPr lang="zh-CN" altLang="en-US"/>
           </a:p>
@@ -1389,7 +1389,7 @@
           <a:p>
             <a:fld id="{9BF28833-E291-4948-8DAA-251BCB67763B}" type="datetimeFigureOut">
               <a:rPr lang="zh-CN" altLang="en-US" smtClean="0"/>
-              <a:t>2019/7/3</a:t>
+              <a:t>2019/7/19</a:t>
             </a:fld>
             <a:endParaRPr lang="zh-CN" altLang="en-US"/>
           </a:p>
@@ -1664,7 +1664,7 @@
           <a:p>
             <a:fld id="{9BF28833-E291-4948-8DAA-251BCB67763B}" type="datetimeFigureOut">
               <a:rPr lang="zh-CN" altLang="en-US" smtClean="0"/>
-              <a:t>2019/7/3</a:t>
+              <a:t>2019/7/19</a:t>
             </a:fld>
             <a:endParaRPr lang="zh-CN" altLang="en-US"/>
           </a:p>
@@ -1929,7 +1929,7 @@
           <a:p>
             <a:fld id="{9BF28833-E291-4948-8DAA-251BCB67763B}" type="datetimeFigureOut">
               <a:rPr lang="zh-CN" altLang="en-US" smtClean="0"/>
-              <a:t>2019/7/3</a:t>
+              <a:t>2019/7/19</a:t>
             </a:fld>
             <a:endParaRPr lang="zh-CN" altLang="en-US"/>
           </a:p>
@@ -2341,7 +2341,7 @@
           <a:p>
             <a:fld id="{9BF28833-E291-4948-8DAA-251BCB67763B}" type="datetimeFigureOut">
               <a:rPr lang="zh-CN" altLang="en-US" smtClean="0"/>
-              <a:t>2019/7/3</a:t>
+              <a:t>2019/7/19</a:t>
             </a:fld>
             <a:endParaRPr lang="zh-CN" altLang="en-US"/>
           </a:p>
@@ -2482,7 +2482,7 @@
           <a:p>
             <a:fld id="{9BF28833-E291-4948-8DAA-251BCB67763B}" type="datetimeFigureOut">
               <a:rPr lang="zh-CN" altLang="en-US" smtClean="0"/>
-              <a:t>2019/7/3</a:t>
+              <a:t>2019/7/19</a:t>
             </a:fld>
             <a:endParaRPr lang="zh-CN" altLang="en-US"/>
           </a:p>
@@ -2595,7 +2595,7 @@
           <a:p>
             <a:fld id="{9BF28833-E291-4948-8DAA-251BCB67763B}" type="datetimeFigureOut">
               <a:rPr lang="zh-CN" altLang="en-US" smtClean="0"/>
-              <a:t>2019/7/3</a:t>
+              <a:t>2019/7/19</a:t>
             </a:fld>
             <a:endParaRPr lang="zh-CN" altLang="en-US"/>
           </a:p>
@@ -2906,7 +2906,7 @@
           <a:p>
             <a:fld id="{9BF28833-E291-4948-8DAA-251BCB67763B}" type="datetimeFigureOut">
               <a:rPr lang="zh-CN" altLang="en-US" smtClean="0"/>
-              <a:t>2019/7/3</a:t>
+              <a:t>2019/7/19</a:t>
             </a:fld>
             <a:endParaRPr lang="zh-CN" altLang="en-US"/>
           </a:p>
@@ -3194,7 +3194,7 @@
           <a:p>
             <a:fld id="{9BF28833-E291-4948-8DAA-251BCB67763B}" type="datetimeFigureOut">
               <a:rPr lang="zh-CN" altLang="en-US" smtClean="0"/>
-              <a:t>2019/7/3</a:t>
+              <a:t>2019/7/19</a:t>
             </a:fld>
             <a:endParaRPr lang="zh-CN" altLang="en-US"/>
           </a:p>
@@ -3435,7 +3435,7 @@
           <a:p>
             <a:fld id="{9BF28833-E291-4948-8DAA-251BCB67763B}" type="datetimeFigureOut">
               <a:rPr lang="zh-CN" altLang="en-US" smtClean="0"/>
-              <a:t>2019/7/3</a:t>
+              <a:t>2019/7/19</a:t>
             </a:fld>
             <a:endParaRPr lang="zh-CN" altLang="en-US"/>
           </a:p>
@@ -7301,14 +7301,76 @@
           <a:p>
             <a:pPr algn="ctr"/>
             <a:r>
-              <a:rPr lang="en-US" altLang="zh-CN" sz="1400" dirty="0" err="1">
+              <a:rPr lang="en-US" altLang="zh-CN" sz="1400" dirty="0">
                 <a:solidFill>
                   <a:schemeClr val="tx1"/>
                 </a:solidFill>
                 <a:latin typeface="Microsoft YaHei UI" panose="020B0503020204020204" pitchFamily="34" charset="-122"/>
                 <a:ea typeface="Microsoft YaHei UI" panose="020B0503020204020204" pitchFamily="34" charset="-122"/>
               </a:rPr>
-              <a:t>KafKa</a:t>
+              <a:t>RabbitMQ</a:t>
+            </a:r>
+          </a:p>
+        </p:txBody>
+      </p:sp>
+      <p:sp>
+        <p:nvSpPr>
+          <p:cNvPr id="68" name="矩形: 圆角 67">
+            <a:extLst>
+              <a:ext uri="{FF2B5EF4-FFF2-40B4-BE49-F238E27FC236}">
+                <a16:creationId xmlns:a16="http://schemas.microsoft.com/office/drawing/2014/main" id="{FA581126-E5A6-421A-8191-8FBE20A79645}"/>
+              </a:ext>
+            </a:extLst>
+          </p:cNvPr>
+          <p:cNvSpPr/>
+          <p:nvPr/>
+        </p:nvSpPr>
+        <p:spPr>
+          <a:xfrm>
+            <a:off x="9992221" y="3835602"/>
+            <a:ext cx="1911400" cy="998297"/>
+          </a:xfrm>
+          <a:prstGeom prst="roundRect">
+            <a:avLst/>
+          </a:prstGeom>
+          <a:noFill/>
+          <a:ln>
+            <a:solidFill>
+              <a:schemeClr val="accent1">
+                <a:lumMod val="40000"/>
+                <a:lumOff val="60000"/>
+              </a:schemeClr>
+            </a:solidFill>
+          </a:ln>
+        </p:spPr>
+        <p:style>
+          <a:lnRef idx="0">
+            <a:scrgbClr r="0" g="0" b="0"/>
+          </a:lnRef>
+          <a:fillRef idx="0">
+            <a:scrgbClr r="0" g="0" b="0"/>
+          </a:fillRef>
+          <a:effectRef idx="0">
+            <a:scrgbClr r="0" g="0" b="0"/>
+          </a:effectRef>
+          <a:fontRef idx="minor">
+            <a:schemeClr val="lt1"/>
+          </a:fontRef>
+        </p:style>
+        <p:txBody>
+          <a:bodyPr rtlCol="0" anchor="ctr"/>
+          <a:lstStyle/>
+          <a:p>
+            <a:pPr algn="ctr"/>
+            <a:r>
+              <a:rPr lang="zh-CN" altLang="en-US" sz="1400" dirty="0">
+                <a:solidFill>
+                  <a:schemeClr val="tx1"/>
+                </a:solidFill>
+                <a:latin typeface="Microsoft YaHei UI" panose="020B0503020204020204" pitchFamily="34" charset="-122"/>
+                <a:ea typeface="Microsoft YaHei UI" panose="020B0503020204020204" pitchFamily="34" charset="-122"/>
+              </a:rPr>
+              <a:t>关系型数据库组件</a:t>
             </a:r>
             <a:endParaRPr lang="en-US" altLang="zh-CN" sz="1400" dirty="0">
               <a:solidFill>
@@ -7318,14 +7380,27 @@
               <a:ea typeface="Microsoft YaHei UI" panose="020B0503020204020204" pitchFamily="34" charset="-122"/>
             </a:endParaRPr>
           </a:p>
-        </p:txBody>
-      </p:sp>
-      <p:sp>
-        <p:nvSpPr>
-          <p:cNvPr id="68" name="矩形: 圆角 67">
-            <a:extLst>
-              <a:ext uri="{FF2B5EF4-FFF2-40B4-BE49-F238E27FC236}">
-                <a16:creationId xmlns:a16="http://schemas.microsoft.com/office/drawing/2014/main" id="{FA581126-E5A6-421A-8191-8FBE20A79645}"/>
+          <a:p>
+            <a:pPr algn="ctr"/>
+            <a:r>
+              <a:rPr lang="en-US" altLang="zh-CN" sz="1400" dirty="0">
+                <a:solidFill>
+                  <a:schemeClr val="tx1"/>
+                </a:solidFill>
+                <a:latin typeface="Microsoft YaHei UI" panose="020B0503020204020204" pitchFamily="34" charset="-122"/>
+                <a:ea typeface="Microsoft YaHei UI" panose="020B0503020204020204" pitchFamily="34" charset="-122"/>
+              </a:rPr>
+              <a:t>MariaDB</a:t>
+            </a:r>
+          </a:p>
+        </p:txBody>
+      </p:sp>
+      <p:sp>
+        <p:nvSpPr>
+          <p:cNvPr id="69" name="矩形: 圆角 68">
+            <a:extLst>
+              <a:ext uri="{FF2B5EF4-FFF2-40B4-BE49-F238E27FC236}">
+                <a16:creationId xmlns:a16="http://schemas.microsoft.com/office/drawing/2014/main" id="{8A753B03-75A2-4BD4-912C-4FAE42093CE9}"/>
               </a:ext>
             </a:extLst>
           </p:cNvPr>
@@ -7334,7 +7409,7 @@
         </p:nvSpPr>
         <p:spPr>
           <a:xfrm>
-            <a:off x="9992221" y="3835602"/>
+            <a:off x="9992221" y="5120101"/>
             <a:ext cx="1911400" cy="998297"/>
           </a:xfrm>
           <a:prstGeom prst="roundRect">
@@ -7377,7 +7452,7 @@
                 <a:latin typeface="Microsoft YaHei UI" panose="020B0503020204020204" pitchFamily="34" charset="-122"/>
                 <a:ea typeface="Microsoft YaHei UI" panose="020B0503020204020204" pitchFamily="34" charset="-122"/>
               </a:rPr>
-              <a:t>关系型数据库组件</a:t>
+              <a:t>非关系型数据库组件</a:t>
             </a:r>
             <a:endParaRPr lang="en-US" altLang="zh-CN" sz="1400" dirty="0">
               <a:solidFill>
@@ -7397,17 +7472,17 @@
                 <a:latin typeface="Microsoft YaHei UI" panose="020B0503020204020204" pitchFamily="34" charset="-122"/>
                 <a:ea typeface="Microsoft YaHei UI" panose="020B0503020204020204" pitchFamily="34" charset="-122"/>
               </a:rPr>
-              <a:t>MariaDB</a:t>
-            </a:r>
-          </a:p>
-        </p:txBody>
-      </p:sp>
-      <p:sp>
-        <p:nvSpPr>
-          <p:cNvPr id="69" name="矩形: 圆角 68">
-            <a:extLst>
-              <a:ext uri="{FF2B5EF4-FFF2-40B4-BE49-F238E27FC236}">
-                <a16:creationId xmlns:a16="http://schemas.microsoft.com/office/drawing/2014/main" id="{8A753B03-75A2-4BD4-912C-4FAE42093CE9}"/>
+              <a:t>MongoDB</a:t>
+            </a:r>
+          </a:p>
+        </p:txBody>
+      </p:sp>
+      <p:sp>
+        <p:nvSpPr>
+          <p:cNvPr id="70" name="矩形: 圆角 69">
+            <a:extLst>
+              <a:ext uri="{FF2B5EF4-FFF2-40B4-BE49-F238E27FC236}">
+                <a16:creationId xmlns:a16="http://schemas.microsoft.com/office/drawing/2014/main" id="{01130507-62D4-40AE-BD09-B7AC4D008B9B}"/>
               </a:ext>
             </a:extLst>
           </p:cNvPr>
@@ -7416,8 +7491,8 @@
         </p:nvSpPr>
         <p:spPr>
           <a:xfrm>
-            <a:off x="9992221" y="5120101"/>
-            <a:ext cx="1911400" cy="998297"/>
+            <a:off x="4314350" y="3999474"/>
+            <a:ext cx="992849" cy="644475"/>
           </a:xfrm>
           <a:prstGeom prst="roundRect">
             <a:avLst/>
@@ -7459,7 +7534,7 @@
                 <a:latin typeface="Microsoft YaHei UI" panose="020B0503020204020204" pitchFamily="34" charset="-122"/>
                 <a:ea typeface="Microsoft YaHei UI" panose="020B0503020204020204" pitchFamily="34" charset="-122"/>
               </a:rPr>
-              <a:t>非关系型数据库组件</a:t>
+              <a:t>服务路由</a:t>
             </a:r>
             <a:endParaRPr lang="en-US" altLang="zh-CN" sz="1400" dirty="0">
               <a:solidFill>
@@ -7479,97 +7554,8 @@
                 <a:latin typeface="Microsoft YaHei UI" panose="020B0503020204020204" pitchFamily="34" charset="-122"/>
                 <a:ea typeface="Microsoft YaHei UI" panose="020B0503020204020204" pitchFamily="34" charset="-122"/>
               </a:rPr>
-              <a:t>MongoDB</a:t>
-            </a:r>
-          </a:p>
-        </p:txBody>
-      </p:sp>
-      <p:sp>
-        <p:nvSpPr>
-          <p:cNvPr id="70" name="矩形: 圆角 69">
-            <a:extLst>
-              <a:ext uri="{FF2B5EF4-FFF2-40B4-BE49-F238E27FC236}">
-                <a16:creationId xmlns:a16="http://schemas.microsoft.com/office/drawing/2014/main" id="{01130507-62D4-40AE-BD09-B7AC4D008B9B}"/>
-              </a:ext>
-            </a:extLst>
-          </p:cNvPr>
-          <p:cNvSpPr/>
-          <p:nvPr/>
-        </p:nvSpPr>
-        <p:spPr>
-          <a:xfrm>
-            <a:off x="4314350" y="3999474"/>
-            <a:ext cx="992849" cy="644475"/>
-          </a:xfrm>
-          <a:prstGeom prst="roundRect">
-            <a:avLst/>
-          </a:prstGeom>
-          <a:noFill/>
-          <a:ln>
-            <a:solidFill>
-              <a:schemeClr val="accent1">
-                <a:lumMod val="40000"/>
-                <a:lumOff val="60000"/>
-              </a:schemeClr>
-            </a:solidFill>
-          </a:ln>
-        </p:spPr>
-        <p:style>
-          <a:lnRef idx="0">
-            <a:scrgbClr r="0" g="0" b="0"/>
-          </a:lnRef>
-          <a:fillRef idx="0">
-            <a:scrgbClr r="0" g="0" b="0"/>
-          </a:fillRef>
-          <a:effectRef idx="0">
-            <a:scrgbClr r="0" g="0" b="0"/>
-          </a:effectRef>
-          <a:fontRef idx="minor">
-            <a:schemeClr val="lt1"/>
-          </a:fontRef>
-        </p:style>
-        <p:txBody>
-          <a:bodyPr rtlCol="0" anchor="ctr"/>
-          <a:lstStyle/>
-          <a:p>
-            <a:pPr algn="ctr"/>
-            <a:r>
-              <a:rPr lang="zh-CN" altLang="en-US" sz="1400" dirty="0">
-                <a:solidFill>
-                  <a:schemeClr val="tx1"/>
-                </a:solidFill>
-                <a:latin typeface="Microsoft YaHei UI" panose="020B0503020204020204" pitchFamily="34" charset="-122"/>
-                <a:ea typeface="Microsoft YaHei UI" panose="020B0503020204020204" pitchFamily="34" charset="-122"/>
-              </a:rPr>
-              <a:t>服务路由</a:t>
-            </a:r>
-            <a:endParaRPr lang="en-US" altLang="zh-CN" sz="1400" dirty="0">
-              <a:solidFill>
-                <a:schemeClr val="tx1"/>
-              </a:solidFill>
-              <a:latin typeface="Microsoft YaHei UI" panose="020B0503020204020204" pitchFamily="34" charset="-122"/>
-              <a:ea typeface="Microsoft YaHei UI" panose="020B0503020204020204" pitchFamily="34" charset="-122"/>
-            </a:endParaRPr>
-          </a:p>
-          <a:p>
-            <a:pPr algn="ctr"/>
-            <a:r>
-              <a:rPr lang="en-US" altLang="zh-CN" sz="1400" dirty="0" err="1">
-                <a:solidFill>
-                  <a:schemeClr val="tx1"/>
-                </a:solidFill>
-                <a:latin typeface="Microsoft YaHei UI" panose="020B0503020204020204" pitchFamily="34" charset="-122"/>
-                <a:ea typeface="Microsoft YaHei UI" panose="020B0503020204020204" pitchFamily="34" charset="-122"/>
-              </a:rPr>
-              <a:t>Gataway</a:t>
-            </a:r>
-            <a:endParaRPr lang="en-US" altLang="zh-CN" sz="1400" dirty="0">
-              <a:solidFill>
-                <a:schemeClr val="tx1"/>
-              </a:solidFill>
-              <a:latin typeface="Microsoft YaHei UI" panose="020B0503020204020204" pitchFamily="34" charset="-122"/>
-              <a:ea typeface="Microsoft YaHei UI" panose="020B0503020204020204" pitchFamily="34" charset="-122"/>
-            </a:endParaRPr>
+              <a:t>Gateway</a:t>
+            </a:r>
           </a:p>
         </p:txBody>
       </p:sp>

--- a/dc3/doc/iot-dc3-architecture.pptx
+++ b/dc3/doc/iot-dc3-architecture.pptx
@@ -203,7 +203,7 @@
           <a:p>
             <a:fld id="{6EE3B9A8-D85C-445A-8AE4-653E2C11D910}" type="datetimeFigureOut">
               <a:rPr lang="zh-CN" altLang="en-US" smtClean="0"/>
-              <a:t>2019/7/19</a:t>
+              <a:t>2019/7/22</a:t>
             </a:fld>
             <a:endParaRPr lang="zh-CN" altLang="en-US"/>
           </a:p>
@@ -785,7 +785,7 @@
           <a:p>
             <a:fld id="{9BF28833-E291-4948-8DAA-251BCB67763B}" type="datetimeFigureOut">
               <a:rPr lang="zh-CN" altLang="en-US" smtClean="0"/>
-              <a:t>2019/7/19</a:t>
+              <a:t>2019/7/22</a:t>
             </a:fld>
             <a:endParaRPr lang="zh-CN" altLang="en-US"/>
           </a:p>
@@ -983,7 +983,7 @@
           <a:p>
             <a:fld id="{9BF28833-E291-4948-8DAA-251BCB67763B}" type="datetimeFigureOut">
               <a:rPr lang="zh-CN" altLang="en-US" smtClean="0"/>
-              <a:t>2019/7/19</a:t>
+              <a:t>2019/7/22</a:t>
             </a:fld>
             <a:endParaRPr lang="zh-CN" altLang="en-US"/>
           </a:p>
@@ -1191,7 +1191,7 @@
           <a:p>
             <a:fld id="{9BF28833-E291-4948-8DAA-251BCB67763B}" type="datetimeFigureOut">
               <a:rPr lang="zh-CN" altLang="en-US" smtClean="0"/>
-              <a:t>2019/7/19</a:t>
+              <a:t>2019/7/22</a:t>
             </a:fld>
             <a:endParaRPr lang="zh-CN" altLang="en-US"/>
           </a:p>
@@ -1389,7 +1389,7 @@
           <a:p>
             <a:fld id="{9BF28833-E291-4948-8DAA-251BCB67763B}" type="datetimeFigureOut">
               <a:rPr lang="zh-CN" altLang="en-US" smtClean="0"/>
-              <a:t>2019/7/19</a:t>
+              <a:t>2019/7/22</a:t>
             </a:fld>
             <a:endParaRPr lang="zh-CN" altLang="en-US"/>
           </a:p>
@@ -1664,7 +1664,7 @@
           <a:p>
             <a:fld id="{9BF28833-E291-4948-8DAA-251BCB67763B}" type="datetimeFigureOut">
               <a:rPr lang="zh-CN" altLang="en-US" smtClean="0"/>
-              <a:t>2019/7/19</a:t>
+              <a:t>2019/7/22</a:t>
             </a:fld>
             <a:endParaRPr lang="zh-CN" altLang="en-US"/>
           </a:p>
@@ -1929,7 +1929,7 @@
           <a:p>
             <a:fld id="{9BF28833-E291-4948-8DAA-251BCB67763B}" type="datetimeFigureOut">
               <a:rPr lang="zh-CN" altLang="en-US" smtClean="0"/>
-              <a:t>2019/7/19</a:t>
+              <a:t>2019/7/22</a:t>
             </a:fld>
             <a:endParaRPr lang="zh-CN" altLang="en-US"/>
           </a:p>
@@ -2341,7 +2341,7 @@
           <a:p>
             <a:fld id="{9BF28833-E291-4948-8DAA-251BCB67763B}" type="datetimeFigureOut">
               <a:rPr lang="zh-CN" altLang="en-US" smtClean="0"/>
-              <a:t>2019/7/19</a:t>
+              <a:t>2019/7/22</a:t>
             </a:fld>
             <a:endParaRPr lang="zh-CN" altLang="en-US"/>
           </a:p>
@@ -2482,7 +2482,7 @@
           <a:p>
             <a:fld id="{9BF28833-E291-4948-8DAA-251BCB67763B}" type="datetimeFigureOut">
               <a:rPr lang="zh-CN" altLang="en-US" smtClean="0"/>
-              <a:t>2019/7/19</a:t>
+              <a:t>2019/7/22</a:t>
             </a:fld>
             <a:endParaRPr lang="zh-CN" altLang="en-US"/>
           </a:p>
@@ -2595,7 +2595,7 @@
           <a:p>
             <a:fld id="{9BF28833-E291-4948-8DAA-251BCB67763B}" type="datetimeFigureOut">
               <a:rPr lang="zh-CN" altLang="en-US" smtClean="0"/>
-              <a:t>2019/7/19</a:t>
+              <a:t>2019/7/22</a:t>
             </a:fld>
             <a:endParaRPr lang="zh-CN" altLang="en-US"/>
           </a:p>
@@ -2906,7 +2906,7 @@
           <a:p>
             <a:fld id="{9BF28833-E291-4948-8DAA-251BCB67763B}" type="datetimeFigureOut">
               <a:rPr lang="zh-CN" altLang="en-US" smtClean="0"/>
-              <a:t>2019/7/19</a:t>
+              <a:t>2019/7/22</a:t>
             </a:fld>
             <a:endParaRPr lang="zh-CN" altLang="en-US"/>
           </a:p>
@@ -3194,7 +3194,7 @@
           <a:p>
             <a:fld id="{9BF28833-E291-4948-8DAA-251BCB67763B}" type="datetimeFigureOut">
               <a:rPr lang="zh-CN" altLang="en-US" smtClean="0"/>
-              <a:t>2019/7/19</a:t>
+              <a:t>2019/7/22</a:t>
             </a:fld>
             <a:endParaRPr lang="zh-CN" altLang="en-US"/>
           </a:p>
@@ -3435,7 +3435,7 @@
           <a:p>
             <a:fld id="{9BF28833-E291-4948-8DAA-251BCB67763B}" type="datetimeFigureOut">
               <a:rPr lang="zh-CN" altLang="en-US" smtClean="0"/>
-              <a:t>2019/7/19</a:t>
+              <a:t>2019/7/22</a:t>
             </a:fld>
             <a:endParaRPr lang="zh-CN" altLang="en-US"/>
           </a:p>
@@ -10132,7 +10132,7 @@
         </p:nvSpPr>
         <p:spPr>
           <a:xfrm>
-            <a:off x="6796147" y="4799736"/>
+            <a:off x="6796147" y="4616852"/>
             <a:ext cx="2665161" cy="644458"/>
           </a:xfrm>
           <a:prstGeom prst="roundRect">
@@ -10193,7 +10193,7 @@
         </p:nvSpPr>
         <p:spPr>
           <a:xfrm>
-            <a:off x="5422958" y="0"/>
+            <a:off x="5422958" y="196948"/>
             <a:ext cx="1007165" cy="636105"/>
           </a:xfrm>
           <a:prstGeom prst="roundRect">
@@ -10257,7 +10257,7 @@
         </p:nvCxnSpPr>
         <p:spPr>
           <a:xfrm>
-            <a:off x="3296474" y="967408"/>
+            <a:off x="3296474" y="1164356"/>
             <a:ext cx="5353879" cy="0"/>
           </a:xfrm>
           <a:prstGeom prst="line">
@@ -10302,7 +10302,7 @@
         </p:nvSpPr>
         <p:spPr>
           <a:xfrm>
-            <a:off x="4922688" y="1192696"/>
+            <a:off x="4922688" y="1389644"/>
             <a:ext cx="2007704" cy="636105"/>
           </a:xfrm>
           <a:prstGeom prst="roundRect">
@@ -10380,7 +10380,7 @@
         </p:nvCxnSpPr>
         <p:spPr>
           <a:xfrm flipH="1">
-            <a:off x="5926540" y="636105"/>
+            <a:off x="5926540" y="833053"/>
             <a:ext cx="1" cy="556591"/>
           </a:xfrm>
           <a:prstGeom prst="straightConnector1">
@@ -10426,7 +10426,7 @@
         </p:nvSpPr>
         <p:spPr>
           <a:xfrm>
-            <a:off x="5919424" y="636105"/>
+            <a:off x="5919424" y="833053"/>
             <a:ext cx="713657" cy="369332"/>
           </a:xfrm>
           <a:prstGeom prst="rect">
@@ -10464,7 +10464,7 @@
         </p:nvSpPr>
         <p:spPr>
           <a:xfrm>
-            <a:off x="4922688" y="2405270"/>
+            <a:off x="4922688" y="2433402"/>
             <a:ext cx="2007704" cy="636105"/>
           </a:xfrm>
           <a:prstGeom prst="roundRect">
@@ -10541,8 +10541,8 @@
         </p:nvCxnSpPr>
         <p:spPr>
           <a:xfrm>
-            <a:off x="5926540" y="1828801"/>
-            <a:ext cx="0" cy="576469"/>
+            <a:off x="5926540" y="2025749"/>
+            <a:ext cx="0" cy="407653"/>
           </a:xfrm>
           <a:prstGeom prst="straightConnector1">
             <a:avLst/>
@@ -10587,7 +10587,7 @@
         </p:nvSpPr>
         <p:spPr>
           <a:xfrm>
-            <a:off x="5919424" y="1932369"/>
+            <a:off x="5919424" y="2016773"/>
             <a:ext cx="591829" cy="369332"/>
           </a:xfrm>
           <a:prstGeom prst="rect">
@@ -10628,8 +10628,8 @@
         </p:nvCxnSpPr>
         <p:spPr>
           <a:xfrm>
-            <a:off x="6430123" y="318053"/>
-            <a:ext cx="500269" cy="2405270"/>
+            <a:off x="6430123" y="515001"/>
+            <a:ext cx="500269" cy="2236454"/>
           </a:xfrm>
           <a:prstGeom prst="curvedConnector3">
             <a:avLst>
@@ -10677,7 +10677,7 @@
         </p:nvSpPr>
         <p:spPr>
           <a:xfrm>
-            <a:off x="7223900" y="1336022"/>
+            <a:off x="7223900" y="1532970"/>
             <a:ext cx="713657" cy="369332"/>
           </a:xfrm>
           <a:prstGeom prst="rect">
@@ -10719,7 +10719,7 @@
         </p:nvSpPr>
         <p:spPr>
           <a:xfrm>
-            <a:off x="5181106" y="3617844"/>
+            <a:off x="5181106" y="3434960"/>
             <a:ext cx="1490867" cy="636105"/>
           </a:xfrm>
           <a:prstGeom prst="roundRect">
@@ -10787,8 +10787,8 @@
         </p:nvCxnSpPr>
         <p:spPr>
           <a:xfrm flipV="1">
-            <a:off x="5926540" y="3041375"/>
-            <a:ext cx="0" cy="576469"/>
+            <a:off x="5926540" y="3069507"/>
+            <a:ext cx="0" cy="365453"/>
           </a:xfrm>
           <a:prstGeom prst="straightConnector1">
             <a:avLst/>
@@ -10833,7 +10833,7 @@
         </p:nvSpPr>
         <p:spPr>
           <a:xfrm>
-            <a:off x="9786723" y="4803910"/>
+            <a:off x="9786723" y="4621026"/>
             <a:ext cx="1007165" cy="636105"/>
           </a:xfrm>
           <a:prstGeom prst="roundRect">
@@ -10907,7 +10907,7 @@
         </p:nvSpPr>
         <p:spPr>
           <a:xfrm>
-            <a:off x="2309189" y="3617844"/>
+            <a:off x="2309189" y="3434960"/>
             <a:ext cx="1490867" cy="636105"/>
           </a:xfrm>
           <a:prstGeom prst="roundRect">
@@ -10975,7 +10975,7 @@
         </p:nvCxnSpPr>
         <p:spPr>
           <a:xfrm>
-            <a:off x="3800056" y="3935897"/>
+            <a:off x="3800056" y="3753013"/>
             <a:ext cx="1381050" cy="0"/>
           </a:xfrm>
           <a:prstGeom prst="straightConnector1">
@@ -11021,7 +11021,7 @@
         </p:nvSpPr>
         <p:spPr>
           <a:xfrm>
-            <a:off x="9551500" y="2405270"/>
+            <a:off x="9551500" y="2222386"/>
             <a:ext cx="1477611" cy="636105"/>
           </a:xfrm>
           <a:prstGeom prst="roundRect">
@@ -11111,7 +11111,7 @@
         </p:nvCxnSpPr>
         <p:spPr>
           <a:xfrm>
-            <a:off x="6671973" y="3935897"/>
+            <a:off x="6671973" y="3753013"/>
             <a:ext cx="3618333" cy="868013"/>
           </a:xfrm>
           <a:prstGeom prst="bentConnector2">
@@ -11160,7 +11160,7 @@
         </p:nvCxnSpPr>
         <p:spPr>
           <a:xfrm flipV="1">
-            <a:off x="10793888" y="2723323"/>
+            <a:off x="10793888" y="2540439"/>
             <a:ext cx="235223" cy="2398640"/>
           </a:xfrm>
           <a:prstGeom prst="bentConnector3">
@@ -11208,7 +11208,7 @@
         </p:nvSpPr>
         <p:spPr>
           <a:xfrm>
-            <a:off x="11297471" y="3299842"/>
+            <a:off x="11297471" y="3116958"/>
             <a:ext cx="894529" cy="954107"/>
           </a:xfrm>
           <a:prstGeom prst="rect">
@@ -11284,7 +11284,7 @@
         </p:blipFill>
         <p:spPr>
           <a:xfrm>
-            <a:off x="9616100" y="6158944"/>
+            <a:off x="9616100" y="5976060"/>
             <a:ext cx="341247" cy="341247"/>
           </a:xfrm>
           <a:prstGeom prst="rect">
@@ -11324,7 +11324,7 @@
         </p:blipFill>
         <p:spPr>
           <a:xfrm>
-            <a:off x="10119682" y="6158943"/>
+            <a:off x="10119682" y="5976059"/>
             <a:ext cx="341247" cy="341247"/>
           </a:xfrm>
           <a:prstGeom prst="rect">
@@ -11364,7 +11364,7 @@
         </p:blipFill>
         <p:spPr>
           <a:xfrm>
-            <a:off x="10623264" y="6158942"/>
+            <a:off x="10623264" y="5976058"/>
             <a:ext cx="341247" cy="341247"/>
           </a:xfrm>
           <a:prstGeom prst="rect">
@@ -11393,7 +11393,7 @@
         </p:nvCxnSpPr>
         <p:spPr>
           <a:xfrm rot="5400000">
-            <a:off x="9679051" y="5547688"/>
+            <a:off x="9679051" y="5364804"/>
             <a:ext cx="718929" cy="503582"/>
           </a:xfrm>
           <a:prstGeom prst="bentConnector3">
@@ -11441,7 +11441,7 @@
         </p:nvCxnSpPr>
         <p:spPr>
           <a:xfrm rot="16200000" flipH="1">
-            <a:off x="10182634" y="5547687"/>
+            <a:off x="10182634" y="5364803"/>
             <a:ext cx="718927" cy="503582"/>
           </a:xfrm>
           <a:prstGeom prst="bentConnector3">
@@ -11489,7 +11489,7 @@
         </p:nvCxnSpPr>
         <p:spPr>
           <a:xfrm>
-            <a:off x="10290306" y="5440015"/>
+            <a:off x="10290306" y="5257131"/>
             <a:ext cx="0" cy="718928"/>
           </a:xfrm>
           <a:prstGeom prst="straightConnector1">
@@ -11534,7 +11534,7 @@
         </p:nvSpPr>
         <p:spPr>
           <a:xfrm>
-            <a:off x="7003951" y="4874279"/>
+            <a:off x="7003951" y="4691395"/>
             <a:ext cx="1007165" cy="512727"/>
           </a:xfrm>
           <a:prstGeom prst="roundRect">
@@ -11616,7 +11616,7 @@
         </p:nvSpPr>
         <p:spPr>
           <a:xfrm>
-            <a:off x="8246339" y="4874279"/>
+            <a:off x="8246339" y="4691395"/>
             <a:ext cx="1007165" cy="512727"/>
           </a:xfrm>
           <a:prstGeom prst="roundRect">
@@ -11701,7 +11701,7 @@
         </p:nvCxnSpPr>
         <p:spPr>
           <a:xfrm>
-            <a:off x="6671973" y="3935897"/>
+            <a:off x="6671973" y="3753013"/>
             <a:ext cx="1456755" cy="863839"/>
           </a:xfrm>
           <a:prstGeom prst="bentConnector2">
@@ -11746,7 +11746,7 @@
         </p:nvSpPr>
         <p:spPr>
           <a:xfrm>
-            <a:off x="10300668" y="5466682"/>
+            <a:off x="10300668" y="5283798"/>
             <a:ext cx="543739" cy="307777"/>
           </a:xfrm>
           <a:prstGeom prst="rect">
@@ -11791,7 +11791,7 @@
         </p:nvSpPr>
         <p:spPr>
           <a:xfrm>
-            <a:off x="5414607" y="4803909"/>
+            <a:off x="5414607" y="4621025"/>
             <a:ext cx="1007165" cy="636105"/>
           </a:xfrm>
           <a:prstGeom prst="roundRect">
@@ -11855,7 +11855,7 @@
         </p:nvSpPr>
         <p:spPr>
           <a:xfrm>
-            <a:off x="3900547" y="4803909"/>
+            <a:off x="3900547" y="4621025"/>
             <a:ext cx="1007165" cy="636105"/>
           </a:xfrm>
           <a:prstGeom prst="roundRect">
@@ -11922,7 +11922,7 @@
         </p:nvCxnSpPr>
         <p:spPr>
           <a:xfrm flipH="1">
-            <a:off x="5918190" y="4253949"/>
+            <a:off x="5918190" y="4071065"/>
             <a:ext cx="8350" cy="549960"/>
           </a:xfrm>
           <a:prstGeom prst="straightConnector1">
@@ -11971,7 +11971,7 @@
         </p:nvCxnSpPr>
         <p:spPr>
           <a:xfrm rot="10800000" flipV="1">
-            <a:off x="4404130" y="3935897"/>
+            <a:off x="4404130" y="3753013"/>
             <a:ext cx="776976" cy="868012"/>
           </a:xfrm>
           <a:prstGeom prst="bentConnector2">
@@ -12017,7 +12017,7 @@
         </p:nvGrpSpPr>
         <p:grpSpPr>
           <a:xfrm>
-            <a:off x="4600952" y="5768025"/>
+            <a:off x="4600952" y="5585141"/>
             <a:ext cx="2638906" cy="871316"/>
             <a:chOff x="4033067" y="5377064"/>
             <a:chExt cx="2638906" cy="871316"/>
@@ -12399,7 +12399,7 @@
         </p:nvCxnSpPr>
         <p:spPr>
           <a:xfrm>
-            <a:off x="5918190" y="5440014"/>
+            <a:off x="5918190" y="5257130"/>
             <a:ext cx="2215" cy="328011"/>
           </a:xfrm>
           <a:prstGeom prst="straightConnector1">
@@ -12445,7 +12445,7 @@
         </p:nvSpPr>
         <p:spPr>
           <a:xfrm>
-            <a:off x="5937364" y="5435493"/>
+            <a:off x="5937364" y="5252609"/>
             <a:ext cx="543739" cy="307777"/>
           </a:xfrm>
           <a:prstGeom prst="rect">
@@ -12490,7 +12490,7 @@
         </p:nvSpPr>
         <p:spPr>
           <a:xfrm>
-            <a:off x="210381" y="5425217"/>
+            <a:off x="210381" y="5242333"/>
             <a:ext cx="1007165" cy="636105"/>
           </a:xfrm>
           <a:prstGeom prst="roundRect">
@@ -12571,7 +12571,7 @@
         </p:nvCxnSpPr>
         <p:spPr>
           <a:xfrm rot="16200000" flipH="1">
-            <a:off x="3028175" y="3747110"/>
+            <a:off x="3028175" y="3564226"/>
             <a:ext cx="578019" cy="5206441"/>
           </a:xfrm>
           <a:prstGeom prst="bentConnector3">
@@ -12623,7 +12623,7 @@
         </p:nvCxnSpPr>
         <p:spPr>
           <a:xfrm flipV="1">
-            <a:off x="1217546" y="5440014"/>
+            <a:off x="1217546" y="5257130"/>
             <a:ext cx="3186584" cy="303256"/>
           </a:xfrm>
           <a:prstGeom prst="bentConnector2">
@@ -12672,7 +12672,7 @@
         </p:nvCxnSpPr>
         <p:spPr>
           <a:xfrm>
-            <a:off x="4907712" y="5121962"/>
+            <a:off x="4907712" y="4939078"/>
             <a:ext cx="506895" cy="0"/>
           </a:xfrm>
           <a:prstGeom prst="straightConnector1">
@@ -12718,7 +12718,7 @@
         </p:nvSpPr>
         <p:spPr>
           <a:xfrm>
-            <a:off x="5597741" y="5433845"/>
+            <a:off x="5597741" y="5250961"/>
             <a:ext cx="364202" cy="307777"/>
           </a:xfrm>
           <a:prstGeom prst="rect">
@@ -12759,7 +12759,7 @@
         </p:nvSpPr>
         <p:spPr>
           <a:xfrm>
-            <a:off x="2872521" y="6596607"/>
+            <a:off x="2872521" y="6413723"/>
             <a:ext cx="364202" cy="307777"/>
           </a:xfrm>
           <a:prstGeom prst="rect">
@@ -12800,7 +12800,7 @@
         </p:nvSpPr>
         <p:spPr>
           <a:xfrm>
-            <a:off x="2869204" y="5450288"/>
+            <a:off x="2869204" y="5267404"/>
             <a:ext cx="364202" cy="307777"/>
           </a:xfrm>
           <a:prstGeom prst="rect">
@@ -12841,7 +12841,7 @@
         </p:nvSpPr>
         <p:spPr>
           <a:xfrm>
-            <a:off x="4985916" y="4828665"/>
+            <a:off x="4985916" y="4645781"/>
             <a:ext cx="364202" cy="307777"/>
           </a:xfrm>
           <a:prstGeom prst="rect">
@@ -12886,7 +12886,7 @@
         </p:nvCxnSpPr>
         <p:spPr>
           <a:xfrm rot="5400000" flipH="1" flipV="1">
-            <a:off x="3005423" y="2512450"/>
+            <a:off x="3005423" y="2329566"/>
             <a:ext cx="621308" cy="5204226"/>
           </a:xfrm>
           <a:prstGeom prst="curvedConnector3">

--- a/dc3/doc/iot-dc3-architecture.pptx
+++ b/dc3/doc/iot-dc3-architecture.pptx
@@ -5,7 +5,7 @@
     <p:sldMasterId id="2147483648" r:id="rId1"/>
   </p:sldMasterIdLst>
   <p:notesMasterIdLst>
-    <p:notesMasterId r:id="rId9"/>
+    <p:notesMasterId r:id="rId10"/>
   </p:notesMasterIdLst>
   <p:sldIdLst>
     <p:sldId id="256" r:id="rId2"/>
@@ -15,6 +15,7 @@
     <p:sldId id="260" r:id="rId6"/>
     <p:sldId id="261" r:id="rId7"/>
     <p:sldId id="262" r:id="rId8"/>
+    <p:sldId id="263" r:id="rId9"/>
   </p:sldIdLst>
   <p:sldSz cx="12192000" cy="6858000"/>
   <p:notesSz cx="6858000" cy="9144000"/>
@@ -203,7 +204,7 @@
           <a:p>
             <a:fld id="{6EE3B9A8-D85C-445A-8AE4-653E2C11D910}" type="datetimeFigureOut">
               <a:rPr lang="zh-CN" altLang="en-US" smtClean="0"/>
-              <a:t>2019/7/22</a:t>
+              <a:t>2019/9/16</a:t>
             </a:fld>
             <a:endParaRPr lang="zh-CN" altLang="en-US"/>
           </a:p>
@@ -785,7 +786,7 @@
           <a:p>
             <a:fld id="{9BF28833-E291-4948-8DAA-251BCB67763B}" type="datetimeFigureOut">
               <a:rPr lang="zh-CN" altLang="en-US" smtClean="0"/>
-              <a:t>2019/7/22</a:t>
+              <a:t>2019/9/16</a:t>
             </a:fld>
             <a:endParaRPr lang="zh-CN" altLang="en-US"/>
           </a:p>
@@ -983,7 +984,7 @@
           <a:p>
             <a:fld id="{9BF28833-E291-4948-8DAA-251BCB67763B}" type="datetimeFigureOut">
               <a:rPr lang="zh-CN" altLang="en-US" smtClean="0"/>
-              <a:t>2019/7/22</a:t>
+              <a:t>2019/9/16</a:t>
             </a:fld>
             <a:endParaRPr lang="zh-CN" altLang="en-US"/>
           </a:p>
@@ -1191,7 +1192,7 @@
           <a:p>
             <a:fld id="{9BF28833-E291-4948-8DAA-251BCB67763B}" type="datetimeFigureOut">
               <a:rPr lang="zh-CN" altLang="en-US" smtClean="0"/>
-              <a:t>2019/7/22</a:t>
+              <a:t>2019/9/16</a:t>
             </a:fld>
             <a:endParaRPr lang="zh-CN" altLang="en-US"/>
           </a:p>
@@ -1389,7 +1390,7 @@
           <a:p>
             <a:fld id="{9BF28833-E291-4948-8DAA-251BCB67763B}" type="datetimeFigureOut">
               <a:rPr lang="zh-CN" altLang="en-US" smtClean="0"/>
-              <a:t>2019/7/22</a:t>
+              <a:t>2019/9/16</a:t>
             </a:fld>
             <a:endParaRPr lang="zh-CN" altLang="en-US"/>
           </a:p>
@@ -1664,7 +1665,7 @@
           <a:p>
             <a:fld id="{9BF28833-E291-4948-8DAA-251BCB67763B}" type="datetimeFigureOut">
               <a:rPr lang="zh-CN" altLang="en-US" smtClean="0"/>
-              <a:t>2019/7/22</a:t>
+              <a:t>2019/9/16</a:t>
             </a:fld>
             <a:endParaRPr lang="zh-CN" altLang="en-US"/>
           </a:p>
@@ -1929,7 +1930,7 @@
           <a:p>
             <a:fld id="{9BF28833-E291-4948-8DAA-251BCB67763B}" type="datetimeFigureOut">
               <a:rPr lang="zh-CN" altLang="en-US" smtClean="0"/>
-              <a:t>2019/7/22</a:t>
+              <a:t>2019/9/16</a:t>
             </a:fld>
             <a:endParaRPr lang="zh-CN" altLang="en-US"/>
           </a:p>
@@ -2341,7 +2342,7 @@
           <a:p>
             <a:fld id="{9BF28833-E291-4948-8DAA-251BCB67763B}" type="datetimeFigureOut">
               <a:rPr lang="zh-CN" altLang="en-US" smtClean="0"/>
-              <a:t>2019/7/22</a:t>
+              <a:t>2019/9/16</a:t>
             </a:fld>
             <a:endParaRPr lang="zh-CN" altLang="en-US"/>
           </a:p>
@@ -2482,7 +2483,7 @@
           <a:p>
             <a:fld id="{9BF28833-E291-4948-8DAA-251BCB67763B}" type="datetimeFigureOut">
               <a:rPr lang="zh-CN" altLang="en-US" smtClean="0"/>
-              <a:t>2019/7/22</a:t>
+              <a:t>2019/9/16</a:t>
             </a:fld>
             <a:endParaRPr lang="zh-CN" altLang="en-US"/>
           </a:p>
@@ -2595,7 +2596,7 @@
           <a:p>
             <a:fld id="{9BF28833-E291-4948-8DAA-251BCB67763B}" type="datetimeFigureOut">
               <a:rPr lang="zh-CN" altLang="en-US" smtClean="0"/>
-              <a:t>2019/7/22</a:t>
+              <a:t>2019/9/16</a:t>
             </a:fld>
             <a:endParaRPr lang="zh-CN" altLang="en-US"/>
           </a:p>
@@ -2906,7 +2907,7 @@
           <a:p>
             <a:fld id="{9BF28833-E291-4948-8DAA-251BCB67763B}" type="datetimeFigureOut">
               <a:rPr lang="zh-CN" altLang="en-US" smtClean="0"/>
-              <a:t>2019/7/22</a:t>
+              <a:t>2019/9/16</a:t>
             </a:fld>
             <a:endParaRPr lang="zh-CN" altLang="en-US"/>
           </a:p>
@@ -3194,7 +3195,7 @@
           <a:p>
             <a:fld id="{9BF28833-E291-4948-8DAA-251BCB67763B}" type="datetimeFigureOut">
               <a:rPr lang="zh-CN" altLang="en-US" smtClean="0"/>
-              <a:t>2019/7/22</a:t>
+              <a:t>2019/9/16</a:t>
             </a:fld>
             <a:endParaRPr lang="zh-CN" altLang="en-US"/>
           </a:p>
@@ -3435,7 +3436,7 @@
           <a:p>
             <a:fld id="{9BF28833-E291-4948-8DAA-251BCB67763B}" type="datetimeFigureOut">
               <a:rPr lang="zh-CN" altLang="en-US" smtClean="0"/>
-              <a:t>2019/7/22</a:t>
+              <a:t>2019/9/16</a:t>
             </a:fld>
             <a:endParaRPr lang="zh-CN" altLang="en-US"/>
           </a:p>
@@ -4963,7 +4964,7 @@
           <p:nvPr/>
         </p:nvPicPr>
         <p:blipFill>
-          <a:blip r:embed="rId3">
+          <a:blip r:embed="rId3" cstate="hqprint">
             <a:extLst>
               <a:ext uri="{28A0092B-C50C-407E-A947-70E740481C1C}">
                 <a14:useLocalDpi xmlns:a14="http://schemas.microsoft.com/office/drawing/2010/main" val="0"/>
@@ -11271,7 +11272,7 @@
           <p:nvPr/>
         </p:nvPicPr>
         <p:blipFill>
-          <a:blip r:embed="rId2">
+          <a:blip r:embed="rId2" cstate="hqprint">
             <a:extLst>
               <a:ext uri="{28A0092B-C50C-407E-A947-70E740481C1C}">
                 <a14:useLocalDpi xmlns:a14="http://schemas.microsoft.com/office/drawing/2010/main" val="0"/>
@@ -11311,7 +11312,7 @@
           <p:nvPr/>
         </p:nvPicPr>
         <p:blipFill>
-          <a:blip r:embed="rId2">
+          <a:blip r:embed="rId2" cstate="hqprint">
             <a:extLst>
               <a:ext uri="{28A0092B-C50C-407E-A947-70E740481C1C}">
                 <a14:useLocalDpi xmlns:a14="http://schemas.microsoft.com/office/drawing/2010/main" val="0"/>
@@ -11351,7 +11352,7 @@
           <p:nvPr/>
         </p:nvPicPr>
         <p:blipFill>
-          <a:blip r:embed="rId2">
+          <a:blip r:embed="rId2" cstate="hqprint">
             <a:extLst>
               <a:ext uri="{28A0092B-C50C-407E-A947-70E740481C1C}">
                 <a14:useLocalDpi xmlns:a14="http://schemas.microsoft.com/office/drawing/2010/main" val="0"/>
@@ -20811,6 +20812,1248 @@
 </p:sld>
 </file>
 
+<file path=ppt/slides/slide8.xml><?xml version="1.0" encoding="utf-8"?>
+<p:sld xmlns:a="http://schemas.openxmlformats.org/drawingml/2006/main" xmlns:r="http://schemas.openxmlformats.org/officeDocument/2006/relationships" xmlns:p="http://schemas.openxmlformats.org/presentationml/2006/main">
+  <p:cSld>
+    <p:spTree>
+      <p:nvGrpSpPr>
+        <p:cNvPr id="1" name=""/>
+        <p:cNvGrpSpPr/>
+        <p:nvPr/>
+      </p:nvGrpSpPr>
+      <p:grpSpPr>
+        <a:xfrm>
+          <a:off x="0" y="0"/>
+          <a:ext cx="0" cy="0"/>
+          <a:chOff x="0" y="0"/>
+          <a:chExt cx="0" cy="0"/>
+        </a:xfrm>
+      </p:grpSpPr>
+      <p:sp>
+        <p:nvSpPr>
+          <p:cNvPr id="11" name="圆角矩形 10"/>
+          <p:cNvSpPr/>
+          <p:nvPr/>
+        </p:nvSpPr>
+        <p:spPr>
+          <a:xfrm>
+            <a:off x="5335478" y="2053159"/>
+            <a:ext cx="1109708" cy="779754"/>
+          </a:xfrm>
+          <a:prstGeom prst="roundRect">
+            <a:avLst>
+              <a:gd name="adj" fmla="val 7576"/>
+            </a:avLst>
+          </a:prstGeom>
+          <a:noFill/>
+        </p:spPr>
+        <p:style>
+          <a:lnRef idx="2">
+            <a:schemeClr val="accent1">
+              <a:shade val="50000"/>
+            </a:schemeClr>
+          </a:lnRef>
+          <a:fillRef idx="1">
+            <a:schemeClr val="accent1"/>
+          </a:fillRef>
+          <a:effectRef idx="0">
+            <a:schemeClr val="accent1"/>
+          </a:effectRef>
+          <a:fontRef idx="minor">
+            <a:schemeClr val="lt1"/>
+          </a:fontRef>
+        </p:style>
+        <p:txBody>
+          <a:bodyPr rtlCol="0" anchor="ctr"/>
+          <a:lstStyle/>
+          <a:p>
+            <a:pPr algn="ctr"/>
+            <a:r>
+              <a:rPr lang="zh-CN" altLang="en-US" sz="1200" dirty="0">
+                <a:solidFill>
+                  <a:schemeClr val="tx1"/>
+                </a:solidFill>
+              </a:rPr>
+              <a:t>定时</a:t>
+            </a:r>
+            <a:r>
+              <a:rPr lang="zh-CN" altLang="en-US" sz="1200" dirty="0" smtClean="0">
+                <a:solidFill>
+                  <a:schemeClr val="tx1"/>
+                </a:solidFill>
+              </a:rPr>
+              <a:t>调度</a:t>
+            </a:r>
+            <a:r>
+              <a:rPr lang="en-US" altLang="zh-CN" sz="1200" dirty="0" smtClean="0">
+                <a:solidFill>
+                  <a:schemeClr val="tx1"/>
+                </a:solidFill>
+              </a:rPr>
+              <a:t>Schedule</a:t>
+            </a:r>
+            <a:endParaRPr lang="zh-CN" altLang="en-US" sz="1200" dirty="0">
+              <a:solidFill>
+                <a:schemeClr val="tx1"/>
+              </a:solidFill>
+            </a:endParaRPr>
+          </a:p>
+        </p:txBody>
+      </p:sp>
+      <p:sp>
+        <p:nvSpPr>
+          <p:cNvPr id="12" name="文本框 11">
+            <a:extLst>
+              <a:ext uri="{FF2B5EF4-FFF2-40B4-BE49-F238E27FC236}">
+                <a16:creationId xmlns:a16="http://schemas.microsoft.com/office/drawing/2014/main" id="{2B2718B9-7626-4AA9-9D14-FA0A0F76E4AD}"/>
+              </a:ext>
+            </a:extLst>
+          </p:cNvPr>
+          <p:cNvSpPr txBox="1"/>
+          <p:nvPr/>
+        </p:nvSpPr>
+        <p:spPr>
+          <a:xfrm>
+            <a:off x="92442" y="376290"/>
+            <a:ext cx="3418450" cy="369332"/>
+          </a:xfrm>
+          <a:prstGeom prst="rect">
+            <a:avLst/>
+          </a:prstGeom>
+          <a:noFill/>
+        </p:spPr>
+        <p:txBody>
+          <a:bodyPr wrap="square" rtlCol="0">
+            <a:spAutoFit/>
+          </a:bodyPr>
+          <a:lstStyle/>
+          <a:p>
+            <a:r>
+              <a:rPr lang="zh-CN" altLang="en-US" dirty="0" smtClean="0"/>
+              <a:t>任务调度逻辑</a:t>
+            </a:r>
+            <a:r>
+              <a:rPr lang="zh-CN" altLang="en-US" dirty="0" smtClean="0"/>
+              <a:t>流程图</a:t>
+            </a:r>
+            <a:endParaRPr lang="zh-CN" altLang="en-US" dirty="0"/>
+          </a:p>
+        </p:txBody>
+      </p:sp>
+      <p:sp>
+        <p:nvSpPr>
+          <p:cNvPr id="13" name="圆角矩形 12"/>
+          <p:cNvSpPr/>
+          <p:nvPr/>
+        </p:nvSpPr>
+        <p:spPr>
+          <a:xfrm>
+            <a:off x="6587233" y="2053159"/>
+            <a:ext cx="1109708" cy="779754"/>
+          </a:xfrm>
+          <a:prstGeom prst="roundRect">
+            <a:avLst>
+              <a:gd name="adj" fmla="val 7576"/>
+            </a:avLst>
+          </a:prstGeom>
+          <a:noFill/>
+        </p:spPr>
+        <p:style>
+          <a:lnRef idx="2">
+            <a:schemeClr val="accent1">
+              <a:shade val="50000"/>
+            </a:schemeClr>
+          </a:lnRef>
+          <a:fillRef idx="1">
+            <a:schemeClr val="accent1"/>
+          </a:fillRef>
+          <a:effectRef idx="0">
+            <a:schemeClr val="accent1"/>
+          </a:effectRef>
+          <a:fontRef idx="minor">
+            <a:schemeClr val="lt1"/>
+          </a:fontRef>
+        </p:style>
+        <p:txBody>
+          <a:bodyPr rtlCol="0" anchor="ctr"/>
+          <a:lstStyle/>
+          <a:p>
+            <a:pPr algn="ctr"/>
+            <a:r>
+              <a:rPr lang="en-US" altLang="zh-CN" sz="1200" dirty="0" smtClean="0">
+                <a:solidFill>
+                  <a:schemeClr val="tx1"/>
+                </a:solidFill>
+              </a:rPr>
+              <a:t>WEB</a:t>
+            </a:r>
+            <a:endParaRPr lang="zh-CN" altLang="en-US" sz="1200" dirty="0">
+              <a:solidFill>
+                <a:schemeClr val="tx1"/>
+              </a:solidFill>
+            </a:endParaRPr>
+          </a:p>
+        </p:txBody>
+      </p:sp>
+      <p:grpSp>
+        <p:nvGrpSpPr>
+          <p:cNvPr id="25" name="组合 24"/>
+          <p:cNvGrpSpPr/>
+          <p:nvPr/>
+        </p:nvGrpSpPr>
+        <p:grpSpPr>
+          <a:xfrm>
+            <a:off x="3728615" y="2938512"/>
+            <a:ext cx="3968326" cy="3000649"/>
+            <a:chOff x="3728615" y="2938512"/>
+            <a:chExt cx="3968326" cy="3000649"/>
+          </a:xfrm>
+        </p:grpSpPr>
+        <p:grpSp>
+          <p:nvGrpSpPr>
+            <p:cNvPr id="24" name="组合 23"/>
+            <p:cNvGrpSpPr/>
+            <p:nvPr/>
+          </p:nvGrpSpPr>
+          <p:grpSpPr>
+            <a:xfrm>
+              <a:off x="5335479" y="2938512"/>
+              <a:ext cx="2361462" cy="1819920"/>
+              <a:chOff x="5335479" y="2938512"/>
+              <a:chExt cx="2361462" cy="1819920"/>
+            </a:xfrm>
+          </p:grpSpPr>
+          <p:grpSp>
+            <p:nvGrpSpPr>
+              <p:cNvPr id="22" name="组合 21"/>
+              <p:cNvGrpSpPr/>
+              <p:nvPr/>
+            </p:nvGrpSpPr>
+            <p:grpSpPr>
+              <a:xfrm>
+                <a:off x="5335479" y="3781888"/>
+                <a:ext cx="2361462" cy="976544"/>
+                <a:chOff x="5335479" y="3781888"/>
+                <a:chExt cx="2361462" cy="976544"/>
+              </a:xfrm>
+            </p:grpSpPr>
+            <p:sp>
+              <p:nvSpPr>
+                <p:cNvPr id="4" name="圆角矩形 3"/>
+                <p:cNvSpPr/>
+                <p:nvPr/>
+              </p:nvSpPr>
+              <p:spPr>
+                <a:xfrm>
+                  <a:off x="5335479" y="3781888"/>
+                  <a:ext cx="2361462" cy="976544"/>
+                </a:xfrm>
+                <a:prstGeom prst="roundRect">
+                  <a:avLst>
+                    <a:gd name="adj" fmla="val 7576"/>
+                  </a:avLst>
+                </a:prstGeom>
+                <a:noFill/>
+              </p:spPr>
+              <p:style>
+                <a:lnRef idx="2">
+                  <a:schemeClr val="accent1">
+                    <a:shade val="50000"/>
+                  </a:schemeClr>
+                </a:lnRef>
+                <a:fillRef idx="1">
+                  <a:schemeClr val="accent1"/>
+                </a:fillRef>
+                <a:effectRef idx="0">
+                  <a:schemeClr val="accent1"/>
+                </a:effectRef>
+                <a:fontRef idx="minor">
+                  <a:schemeClr val="lt1"/>
+                </a:fontRef>
+              </p:style>
+              <p:txBody>
+                <a:bodyPr rtlCol="0" anchor="b"/>
+                <a:lstStyle/>
+                <a:p>
+                  <a:pPr algn="ctr"/>
+                  <a:r>
+                    <a:rPr lang="zh-CN" altLang="en-US" sz="1200" dirty="0" smtClean="0">
+                      <a:solidFill>
+                        <a:schemeClr val="tx1"/>
+                      </a:solidFill>
+                    </a:rPr>
+                    <a:t>设备</a:t>
+                  </a:r>
+                  <a:endParaRPr lang="zh-CN" altLang="en-US" sz="1200" dirty="0">
+                    <a:solidFill>
+                      <a:schemeClr val="tx1"/>
+                    </a:solidFill>
+                  </a:endParaRPr>
+                </a:p>
+              </p:txBody>
+            </p:sp>
+            <p:sp>
+              <p:nvSpPr>
+                <p:cNvPr id="5" name="圆角矩形 4"/>
+                <p:cNvSpPr/>
+                <p:nvPr/>
+              </p:nvSpPr>
+              <p:spPr>
+                <a:xfrm>
+                  <a:off x="5335479" y="3781888"/>
+                  <a:ext cx="1109708" cy="452761"/>
+                </a:xfrm>
+                <a:prstGeom prst="roundRect">
+                  <a:avLst/>
+                </a:prstGeom>
+                <a:noFill/>
+              </p:spPr>
+              <p:style>
+                <a:lnRef idx="2">
+                  <a:schemeClr val="accent1">
+                    <a:shade val="50000"/>
+                  </a:schemeClr>
+                </a:lnRef>
+                <a:fillRef idx="1">
+                  <a:schemeClr val="accent1"/>
+                </a:fillRef>
+                <a:effectRef idx="0">
+                  <a:schemeClr val="accent1"/>
+                </a:effectRef>
+                <a:fontRef idx="minor">
+                  <a:schemeClr val="lt1"/>
+                </a:fontRef>
+              </p:style>
+              <p:txBody>
+                <a:bodyPr rtlCol="0" anchor="ctr"/>
+                <a:lstStyle/>
+                <a:p>
+                  <a:pPr algn="ctr"/>
+                  <a:r>
+                    <a:rPr lang="en-US" altLang="zh-CN" sz="1200" dirty="0" smtClean="0">
+                      <a:solidFill>
+                        <a:schemeClr val="tx1"/>
+                      </a:solidFill>
+                    </a:rPr>
+                    <a:t>READ.REST</a:t>
+                  </a:r>
+                </a:p>
+                <a:p>
+                  <a:pPr algn="ctr"/>
+                  <a:r>
+                    <a:rPr lang="en-US" altLang="zh-CN" sz="900" dirty="0" smtClean="0">
+                      <a:solidFill>
+                        <a:schemeClr val="tx1"/>
+                      </a:solidFill>
+                    </a:rPr>
+                    <a:t>&amp; </a:t>
+                  </a:r>
+                  <a:r>
+                    <a:rPr lang="zh-CN" altLang="en-US" sz="900" dirty="0" smtClean="0">
+                      <a:solidFill>
+                        <a:schemeClr val="tx1"/>
+                      </a:solidFill>
+                    </a:rPr>
+                    <a:t>入库</a:t>
+                  </a:r>
+                  <a:endParaRPr lang="zh-CN" altLang="en-US" sz="1200" dirty="0">
+                    <a:solidFill>
+                      <a:schemeClr val="tx1"/>
+                    </a:solidFill>
+                  </a:endParaRPr>
+                </a:p>
+              </p:txBody>
+            </p:sp>
+            <p:sp>
+              <p:nvSpPr>
+                <p:cNvPr id="6" name="圆角矩形 5"/>
+                <p:cNvSpPr/>
+                <p:nvPr/>
+              </p:nvSpPr>
+              <p:spPr>
+                <a:xfrm>
+                  <a:off x="6587233" y="3781888"/>
+                  <a:ext cx="1109708" cy="452761"/>
+                </a:xfrm>
+                <a:prstGeom prst="roundRect">
+                  <a:avLst/>
+                </a:prstGeom>
+                <a:noFill/>
+              </p:spPr>
+              <p:style>
+                <a:lnRef idx="2">
+                  <a:schemeClr val="accent1">
+                    <a:shade val="50000"/>
+                  </a:schemeClr>
+                </a:lnRef>
+                <a:fillRef idx="1">
+                  <a:schemeClr val="accent1"/>
+                </a:fillRef>
+                <a:effectRef idx="0">
+                  <a:schemeClr val="accent1"/>
+                </a:effectRef>
+                <a:fontRef idx="minor">
+                  <a:schemeClr val="lt1"/>
+                </a:fontRef>
+              </p:style>
+              <p:txBody>
+                <a:bodyPr rtlCol="0" anchor="ctr"/>
+                <a:lstStyle/>
+                <a:p>
+                  <a:pPr algn="ctr"/>
+                  <a:r>
+                    <a:rPr lang="en-US" altLang="zh-CN" sz="1200" dirty="0" smtClean="0">
+                      <a:solidFill>
+                        <a:schemeClr val="tx1"/>
+                      </a:solidFill>
+                    </a:rPr>
+                    <a:t>WRITE.REST</a:t>
+                  </a:r>
+                  <a:endParaRPr lang="zh-CN" altLang="en-US" sz="1200" dirty="0">
+                    <a:solidFill>
+                      <a:schemeClr val="tx1"/>
+                    </a:solidFill>
+                  </a:endParaRPr>
+                </a:p>
+              </p:txBody>
+            </p:sp>
+          </p:grpSp>
+          <p:grpSp>
+            <p:nvGrpSpPr>
+              <p:cNvPr id="23" name="组合 22"/>
+              <p:cNvGrpSpPr/>
+              <p:nvPr/>
+            </p:nvGrpSpPr>
+            <p:grpSpPr>
+              <a:xfrm>
+                <a:off x="5700372" y="2938512"/>
+                <a:ext cx="1631672" cy="737778"/>
+                <a:chOff x="5700372" y="2938512"/>
+                <a:chExt cx="1631672" cy="737778"/>
+              </a:xfrm>
+            </p:grpSpPr>
+            <p:sp>
+              <p:nvSpPr>
+                <p:cNvPr id="9" name="燕尾形箭头 8"/>
+                <p:cNvSpPr/>
+                <p:nvPr/>
+              </p:nvSpPr>
+              <p:spPr>
+                <a:xfrm rot="5400000">
+                  <a:off x="6737685" y="3081930"/>
+                  <a:ext cx="737778" cy="450941"/>
+                </a:xfrm>
+                <a:prstGeom prst="notchedRightArrow">
+                  <a:avLst/>
+                </a:prstGeom>
+              </p:spPr>
+              <p:style>
+                <a:lnRef idx="2">
+                  <a:schemeClr val="accent2"/>
+                </a:lnRef>
+                <a:fillRef idx="1">
+                  <a:schemeClr val="lt1"/>
+                </a:fillRef>
+                <a:effectRef idx="0">
+                  <a:schemeClr val="accent2"/>
+                </a:effectRef>
+                <a:fontRef idx="minor">
+                  <a:schemeClr val="dk1"/>
+                </a:fontRef>
+              </p:style>
+              <p:txBody>
+                <a:bodyPr vert="vert270" rtlCol="0" anchor="ctr"/>
+                <a:lstStyle/>
+                <a:p>
+                  <a:pPr algn="ctr"/>
+                  <a:r>
+                    <a:rPr lang="zh-CN" altLang="en-US" dirty="0" smtClean="0"/>
+                    <a:t>写</a:t>
+                  </a:r>
+                  <a:endParaRPr lang="zh-CN" altLang="en-US" dirty="0"/>
+                </a:p>
+              </p:txBody>
+            </p:sp>
+            <p:sp>
+              <p:nvSpPr>
+                <p:cNvPr id="10" name="燕尾形箭头 9"/>
+                <p:cNvSpPr/>
+                <p:nvPr/>
+              </p:nvSpPr>
+              <p:spPr>
+                <a:xfrm rot="16200000">
+                  <a:off x="5556954" y="3081930"/>
+                  <a:ext cx="737778" cy="450941"/>
+                </a:xfrm>
+                <a:prstGeom prst="notchedRightArrow">
+                  <a:avLst/>
+                </a:prstGeom>
+              </p:spPr>
+              <p:style>
+                <a:lnRef idx="2">
+                  <a:schemeClr val="accent6"/>
+                </a:lnRef>
+                <a:fillRef idx="1">
+                  <a:schemeClr val="lt1"/>
+                </a:fillRef>
+                <a:effectRef idx="0">
+                  <a:schemeClr val="accent6"/>
+                </a:effectRef>
+                <a:fontRef idx="minor">
+                  <a:schemeClr val="dk1"/>
+                </a:fontRef>
+              </p:style>
+              <p:txBody>
+                <a:bodyPr vert="eaVert" rtlCol="0" anchor="ctr"/>
+                <a:lstStyle/>
+                <a:p>
+                  <a:pPr algn="ctr"/>
+                  <a:r>
+                    <a:rPr lang="zh-CN" altLang="en-US" dirty="0" smtClean="0"/>
+                    <a:t>读</a:t>
+                  </a:r>
+                  <a:endParaRPr lang="zh-CN" altLang="en-US" dirty="0"/>
+                </a:p>
+              </p:txBody>
+            </p:sp>
+          </p:grpSp>
+        </p:grpSp>
+        <p:grpSp>
+          <p:nvGrpSpPr>
+            <p:cNvPr id="21" name="组合 20"/>
+            <p:cNvGrpSpPr/>
+            <p:nvPr/>
+          </p:nvGrpSpPr>
+          <p:grpSpPr>
+            <a:xfrm>
+              <a:off x="3728615" y="3676290"/>
+              <a:ext cx="1438183" cy="2262871"/>
+              <a:chOff x="1154097" y="3676289"/>
+              <a:chExt cx="1438183" cy="2262871"/>
+            </a:xfrm>
+          </p:grpSpPr>
+          <p:sp>
+            <p:nvSpPr>
+              <p:cNvPr id="14" name="圆角矩形标注 13"/>
+              <p:cNvSpPr/>
+              <p:nvPr/>
+            </p:nvSpPr>
+            <p:spPr>
+              <a:xfrm>
+                <a:off x="1154097" y="3676289"/>
+                <a:ext cx="1438183" cy="2262871"/>
+              </a:xfrm>
+              <a:prstGeom prst="wedgeRoundRectCallout">
+                <a:avLst>
+                  <a:gd name="adj1" fmla="val 61882"/>
+                  <a:gd name="adj2" fmla="val -32875"/>
+                  <a:gd name="adj3" fmla="val 16667"/>
+                </a:avLst>
+              </a:prstGeom>
+              <a:noFill/>
+            </p:spPr>
+            <p:style>
+              <a:lnRef idx="2">
+                <a:schemeClr val="accent1">
+                  <a:shade val="50000"/>
+                </a:schemeClr>
+              </a:lnRef>
+              <a:fillRef idx="1">
+                <a:schemeClr val="accent1"/>
+              </a:fillRef>
+              <a:effectRef idx="0">
+                <a:schemeClr val="accent1"/>
+              </a:effectRef>
+              <a:fontRef idx="minor">
+                <a:schemeClr val="lt1"/>
+              </a:fontRef>
+            </p:style>
+            <p:txBody>
+              <a:bodyPr rtlCol="0" anchor="ctr"/>
+              <a:lstStyle/>
+              <a:p>
+                <a:pPr algn="ctr"/>
+                <a:endParaRPr lang="zh-CN" altLang="en-US"/>
+              </a:p>
+            </p:txBody>
+          </p:sp>
+          <p:grpSp>
+            <p:nvGrpSpPr>
+              <p:cNvPr id="20" name="组合 19"/>
+              <p:cNvGrpSpPr/>
+              <p:nvPr/>
+            </p:nvGrpSpPr>
+            <p:grpSpPr>
+              <a:xfrm>
+                <a:off x="1400203" y="3781888"/>
+                <a:ext cx="945970" cy="1559670"/>
+                <a:chOff x="1424368" y="3781888"/>
+                <a:chExt cx="945970" cy="1559670"/>
+              </a:xfrm>
+            </p:grpSpPr>
+            <p:sp>
+              <p:nvSpPr>
+                <p:cNvPr id="15" name="圆角矩形 14"/>
+                <p:cNvSpPr/>
+                <p:nvPr/>
+              </p:nvSpPr>
+              <p:spPr>
+                <a:xfrm>
+                  <a:off x="1424369" y="3781888"/>
+                  <a:ext cx="945969" cy="310719"/>
+                </a:xfrm>
+                <a:prstGeom prst="roundRect">
+                  <a:avLst/>
+                </a:prstGeom>
+                <a:noFill/>
+              </p:spPr>
+              <p:style>
+                <a:lnRef idx="2">
+                  <a:schemeClr val="accent1">
+                    <a:shade val="50000"/>
+                  </a:schemeClr>
+                </a:lnRef>
+                <a:fillRef idx="1">
+                  <a:schemeClr val="accent1"/>
+                </a:fillRef>
+                <a:effectRef idx="0">
+                  <a:schemeClr val="accent1"/>
+                </a:effectRef>
+                <a:fontRef idx="minor">
+                  <a:schemeClr val="lt1"/>
+                </a:fontRef>
+              </p:style>
+              <p:txBody>
+                <a:bodyPr rtlCol="0" anchor="ctr"/>
+                <a:lstStyle/>
+                <a:p>
+                  <a:pPr algn="ctr"/>
+                  <a:r>
+                    <a:rPr lang="zh-CN" altLang="en-US" sz="1200" dirty="0" smtClean="0">
+                      <a:solidFill>
+                        <a:schemeClr val="tx1"/>
+                      </a:solidFill>
+                    </a:rPr>
+                    <a:t>响应请求</a:t>
+                  </a:r>
+                  <a:endParaRPr lang="zh-CN" altLang="en-US" sz="1200" dirty="0">
+                    <a:solidFill>
+                      <a:schemeClr val="tx1"/>
+                    </a:solidFill>
+                  </a:endParaRPr>
+                </a:p>
+              </p:txBody>
+            </p:sp>
+            <p:sp>
+              <p:nvSpPr>
+                <p:cNvPr id="17" name="圆角矩形 16"/>
+                <p:cNvSpPr/>
+                <p:nvPr/>
+              </p:nvSpPr>
+              <p:spPr>
+                <a:xfrm>
+                  <a:off x="1424368" y="4198205"/>
+                  <a:ext cx="945969" cy="310719"/>
+                </a:xfrm>
+                <a:prstGeom prst="roundRect">
+                  <a:avLst/>
+                </a:prstGeom>
+                <a:noFill/>
+              </p:spPr>
+              <p:style>
+                <a:lnRef idx="2">
+                  <a:schemeClr val="accent1">
+                    <a:shade val="50000"/>
+                  </a:schemeClr>
+                </a:lnRef>
+                <a:fillRef idx="1">
+                  <a:schemeClr val="accent1"/>
+                </a:fillRef>
+                <a:effectRef idx="0">
+                  <a:schemeClr val="accent1"/>
+                </a:effectRef>
+                <a:fontRef idx="minor">
+                  <a:schemeClr val="lt1"/>
+                </a:fontRef>
+              </p:style>
+              <p:txBody>
+                <a:bodyPr rtlCol="0" anchor="ctr"/>
+                <a:lstStyle/>
+                <a:p>
+                  <a:pPr algn="ctr"/>
+                  <a:r>
+                    <a:rPr lang="zh-CN" altLang="en-US" sz="1200" dirty="0" smtClean="0">
+                      <a:solidFill>
+                        <a:schemeClr val="tx1"/>
+                      </a:solidFill>
+                    </a:rPr>
+                    <a:t>验证请求</a:t>
+                  </a:r>
+                  <a:endParaRPr lang="zh-CN" altLang="en-US" sz="1200" dirty="0">
+                    <a:solidFill>
+                      <a:schemeClr val="tx1"/>
+                    </a:solidFill>
+                  </a:endParaRPr>
+                </a:p>
+              </p:txBody>
+            </p:sp>
+            <p:sp>
+              <p:nvSpPr>
+                <p:cNvPr id="18" name="圆角矩形 17"/>
+                <p:cNvSpPr/>
+                <p:nvPr/>
+              </p:nvSpPr>
+              <p:spPr>
+                <a:xfrm>
+                  <a:off x="1424368" y="4614522"/>
+                  <a:ext cx="945969" cy="310719"/>
+                </a:xfrm>
+                <a:prstGeom prst="roundRect">
+                  <a:avLst/>
+                </a:prstGeom>
+                <a:noFill/>
+              </p:spPr>
+              <p:style>
+                <a:lnRef idx="2">
+                  <a:schemeClr val="accent1">
+                    <a:shade val="50000"/>
+                  </a:schemeClr>
+                </a:lnRef>
+                <a:fillRef idx="1">
+                  <a:schemeClr val="accent1"/>
+                </a:fillRef>
+                <a:effectRef idx="0">
+                  <a:schemeClr val="accent1"/>
+                </a:effectRef>
+                <a:fontRef idx="minor">
+                  <a:schemeClr val="lt1"/>
+                </a:fontRef>
+              </p:style>
+              <p:txBody>
+                <a:bodyPr rtlCol="0" anchor="ctr"/>
+                <a:lstStyle/>
+                <a:p>
+                  <a:pPr algn="ctr"/>
+                  <a:r>
+                    <a:rPr lang="zh-CN" altLang="en-US" sz="1200" dirty="0" smtClean="0">
+                      <a:solidFill>
+                        <a:schemeClr val="tx1"/>
+                      </a:solidFill>
+                    </a:rPr>
+                    <a:t>读取数据</a:t>
+                  </a:r>
+                  <a:endParaRPr lang="zh-CN" altLang="en-US" sz="1200" dirty="0">
+                    <a:solidFill>
+                      <a:schemeClr val="tx1"/>
+                    </a:solidFill>
+                  </a:endParaRPr>
+                </a:p>
+              </p:txBody>
+            </p:sp>
+            <p:sp>
+              <p:nvSpPr>
+                <p:cNvPr id="19" name="圆角矩形 18"/>
+                <p:cNvSpPr/>
+                <p:nvPr/>
+              </p:nvSpPr>
+              <p:spPr>
+                <a:xfrm>
+                  <a:off x="1424368" y="5030839"/>
+                  <a:ext cx="945969" cy="310719"/>
+                </a:xfrm>
+                <a:prstGeom prst="roundRect">
+                  <a:avLst/>
+                </a:prstGeom>
+                <a:noFill/>
+              </p:spPr>
+              <p:style>
+                <a:lnRef idx="2">
+                  <a:schemeClr val="accent1">
+                    <a:shade val="50000"/>
+                  </a:schemeClr>
+                </a:lnRef>
+                <a:fillRef idx="1">
+                  <a:schemeClr val="accent1"/>
+                </a:fillRef>
+                <a:effectRef idx="0">
+                  <a:schemeClr val="accent1"/>
+                </a:effectRef>
+                <a:fontRef idx="minor">
+                  <a:schemeClr val="lt1"/>
+                </a:fontRef>
+              </p:style>
+              <p:txBody>
+                <a:bodyPr rtlCol="0" anchor="ctr"/>
+                <a:lstStyle/>
+                <a:p>
+                  <a:pPr algn="ctr"/>
+                  <a:r>
+                    <a:rPr lang="zh-CN" altLang="en-US" sz="1200" dirty="0" smtClean="0">
+                      <a:solidFill>
+                        <a:schemeClr val="tx1"/>
+                      </a:solidFill>
+                    </a:rPr>
+                    <a:t>数据入库</a:t>
+                  </a:r>
+                  <a:endParaRPr lang="zh-CN" altLang="en-US" sz="1200" dirty="0">
+                    <a:solidFill>
+                      <a:schemeClr val="tx1"/>
+                    </a:solidFill>
+                  </a:endParaRPr>
+                </a:p>
+              </p:txBody>
+            </p:sp>
+          </p:grpSp>
+        </p:grpSp>
+      </p:grpSp>
+      <p:cxnSp>
+        <p:nvCxnSpPr>
+          <p:cNvPr id="27" name="直接箭头连接符 26"/>
+          <p:cNvCxnSpPr>
+            <a:stCxn id="15" idx="2"/>
+            <a:endCxn id="17" idx="0"/>
+          </p:cNvCxnSpPr>
+          <p:nvPr/>
+        </p:nvCxnSpPr>
+        <p:spPr>
+          <a:xfrm flipH="1">
+            <a:off x="4447706" y="4092608"/>
+            <a:ext cx="1" cy="105598"/>
+          </a:xfrm>
+          <a:prstGeom prst="straightConnector1">
+            <a:avLst/>
+          </a:prstGeom>
+          <a:ln>
+            <a:tailEnd type="triangle"/>
+          </a:ln>
+        </p:spPr>
+        <p:style>
+          <a:lnRef idx="1">
+            <a:schemeClr val="accent1"/>
+          </a:lnRef>
+          <a:fillRef idx="0">
+            <a:schemeClr val="accent1"/>
+          </a:fillRef>
+          <a:effectRef idx="0">
+            <a:schemeClr val="accent1"/>
+          </a:effectRef>
+          <a:fontRef idx="minor">
+            <a:schemeClr val="tx1"/>
+          </a:fontRef>
+        </p:style>
+      </p:cxnSp>
+      <p:cxnSp>
+        <p:nvCxnSpPr>
+          <p:cNvPr id="29" name="直接箭头连接符 28"/>
+          <p:cNvCxnSpPr>
+            <a:stCxn id="17" idx="2"/>
+            <a:endCxn id="18" idx="0"/>
+          </p:cNvCxnSpPr>
+          <p:nvPr/>
+        </p:nvCxnSpPr>
+        <p:spPr>
+          <a:xfrm>
+            <a:off x="4447706" y="4508925"/>
+            <a:ext cx="0" cy="105598"/>
+          </a:xfrm>
+          <a:prstGeom prst="straightConnector1">
+            <a:avLst/>
+          </a:prstGeom>
+          <a:ln>
+            <a:tailEnd type="triangle"/>
+          </a:ln>
+        </p:spPr>
+        <p:style>
+          <a:lnRef idx="1">
+            <a:schemeClr val="accent1"/>
+          </a:lnRef>
+          <a:fillRef idx="0">
+            <a:schemeClr val="accent1"/>
+          </a:fillRef>
+          <a:effectRef idx="0">
+            <a:schemeClr val="accent1"/>
+          </a:effectRef>
+          <a:fontRef idx="minor">
+            <a:schemeClr val="tx1"/>
+          </a:fontRef>
+        </p:style>
+      </p:cxnSp>
+      <p:cxnSp>
+        <p:nvCxnSpPr>
+          <p:cNvPr id="31" name="直接箭头连接符 30"/>
+          <p:cNvCxnSpPr>
+            <a:stCxn id="18" idx="2"/>
+            <a:endCxn id="19" idx="0"/>
+          </p:cNvCxnSpPr>
+          <p:nvPr/>
+        </p:nvCxnSpPr>
+        <p:spPr>
+          <a:xfrm>
+            <a:off x="4447706" y="4925242"/>
+            <a:ext cx="0" cy="105598"/>
+          </a:xfrm>
+          <a:prstGeom prst="straightConnector1">
+            <a:avLst/>
+          </a:prstGeom>
+          <a:ln>
+            <a:tailEnd type="triangle"/>
+          </a:ln>
+        </p:spPr>
+        <p:style>
+          <a:lnRef idx="1">
+            <a:schemeClr val="accent1"/>
+          </a:lnRef>
+          <a:fillRef idx="0">
+            <a:schemeClr val="accent1"/>
+          </a:fillRef>
+          <a:effectRef idx="0">
+            <a:schemeClr val="accent1"/>
+          </a:effectRef>
+          <a:fontRef idx="minor">
+            <a:schemeClr val="tx1"/>
+          </a:fontRef>
+        </p:style>
+      </p:cxnSp>
+      <p:sp>
+        <p:nvSpPr>
+          <p:cNvPr id="33" name="燕尾形 32"/>
+          <p:cNvSpPr/>
+          <p:nvPr/>
+        </p:nvSpPr>
+        <p:spPr>
+          <a:xfrm rot="5400000">
+            <a:off x="4338949" y="3565310"/>
+            <a:ext cx="217512" cy="217512"/>
+          </a:xfrm>
+          <a:prstGeom prst="chevron">
+            <a:avLst/>
+          </a:prstGeom>
+          <a:solidFill>
+            <a:schemeClr val="accent6">
+              <a:lumMod val="60000"/>
+              <a:lumOff val="40000"/>
+            </a:schemeClr>
+          </a:solidFill>
+          <a:ln>
+            <a:noFill/>
+          </a:ln>
+        </p:spPr>
+        <p:style>
+          <a:lnRef idx="2">
+            <a:schemeClr val="accent1">
+              <a:shade val="50000"/>
+            </a:schemeClr>
+          </a:lnRef>
+          <a:fillRef idx="1">
+            <a:schemeClr val="accent1"/>
+          </a:fillRef>
+          <a:effectRef idx="0">
+            <a:schemeClr val="accent1"/>
+          </a:effectRef>
+          <a:fontRef idx="minor">
+            <a:schemeClr val="lt1"/>
+          </a:fontRef>
+        </p:style>
+        <p:txBody>
+          <a:bodyPr rtlCol="0" anchor="ctr"/>
+          <a:lstStyle/>
+          <a:p>
+            <a:pPr algn="ctr"/>
+            <a:endParaRPr lang="zh-CN" altLang="en-US">
+              <a:solidFill>
+                <a:schemeClr val="tx1"/>
+              </a:solidFill>
+            </a:endParaRPr>
+          </a:p>
+        </p:txBody>
+      </p:sp>
+      <p:grpSp>
+        <p:nvGrpSpPr>
+          <p:cNvPr id="37" name="组合 36"/>
+          <p:cNvGrpSpPr/>
+          <p:nvPr/>
+        </p:nvGrpSpPr>
+        <p:grpSpPr>
+          <a:xfrm>
+            <a:off x="3819610" y="5458835"/>
+            <a:ext cx="1259727" cy="612558"/>
+            <a:chOff x="3846244" y="5432201"/>
+            <a:chExt cx="1259727" cy="612558"/>
+          </a:xfrm>
+        </p:grpSpPr>
+        <p:sp>
+          <p:nvSpPr>
+            <p:cNvPr id="35" name="流程图: 磁盘 34"/>
+            <p:cNvSpPr/>
+            <p:nvPr/>
+          </p:nvSpPr>
+          <p:spPr>
+            <a:xfrm>
+              <a:off x="4512071" y="5432201"/>
+              <a:ext cx="593900" cy="612558"/>
+            </a:xfrm>
+            <a:prstGeom prst="flowChartMagneticDisk">
+              <a:avLst/>
+            </a:prstGeom>
+          </p:spPr>
+          <p:style>
+            <a:lnRef idx="2">
+              <a:schemeClr val="accent1">
+                <a:shade val="50000"/>
+              </a:schemeClr>
+            </a:lnRef>
+            <a:fillRef idx="1">
+              <a:schemeClr val="accent1"/>
+            </a:fillRef>
+            <a:effectRef idx="0">
+              <a:schemeClr val="accent1"/>
+            </a:effectRef>
+            <a:fontRef idx="minor">
+              <a:schemeClr val="lt1"/>
+            </a:fontRef>
+          </p:style>
+          <p:txBody>
+            <a:bodyPr rtlCol="0" anchor="ctr"/>
+            <a:lstStyle/>
+            <a:p>
+              <a:pPr algn="ctr"/>
+              <a:r>
+                <a:rPr lang="en-US" altLang="zh-CN" sz="1000" dirty="0" smtClean="0"/>
+                <a:t>Mongo</a:t>
+              </a:r>
+              <a:endParaRPr lang="zh-CN" altLang="en-US" sz="1000" dirty="0"/>
+            </a:p>
+          </p:txBody>
+        </p:sp>
+        <p:sp>
+          <p:nvSpPr>
+            <p:cNvPr id="36" name="流程图: 磁盘 35"/>
+            <p:cNvSpPr/>
+            <p:nvPr/>
+          </p:nvSpPr>
+          <p:spPr>
+            <a:xfrm>
+              <a:off x="3846244" y="5432201"/>
+              <a:ext cx="593900" cy="612558"/>
+            </a:xfrm>
+            <a:prstGeom prst="flowChartMagneticDisk">
+              <a:avLst/>
+            </a:prstGeom>
+          </p:spPr>
+          <p:style>
+            <a:lnRef idx="2">
+              <a:schemeClr val="accent1">
+                <a:shade val="50000"/>
+              </a:schemeClr>
+            </a:lnRef>
+            <a:fillRef idx="1">
+              <a:schemeClr val="accent1"/>
+            </a:fillRef>
+            <a:effectRef idx="0">
+              <a:schemeClr val="accent1"/>
+            </a:effectRef>
+            <a:fontRef idx="minor">
+              <a:schemeClr val="lt1"/>
+            </a:fontRef>
+          </p:style>
+          <p:txBody>
+            <a:bodyPr rtlCol="0" anchor="ctr"/>
+            <a:lstStyle/>
+            <a:p>
+              <a:pPr algn="ctr"/>
+              <a:r>
+                <a:rPr lang="en-US" altLang="zh-CN" sz="1000" dirty="0" smtClean="0"/>
+                <a:t>SQLite</a:t>
+              </a:r>
+              <a:endParaRPr lang="zh-CN" altLang="en-US" sz="1000" dirty="0"/>
+            </a:p>
+          </p:txBody>
+        </p:sp>
+      </p:grpSp>
+      <p:sp>
+        <p:nvSpPr>
+          <p:cNvPr id="38" name="燕尾形 37"/>
+          <p:cNvSpPr/>
+          <p:nvPr/>
+        </p:nvSpPr>
+        <p:spPr>
+          <a:xfrm rot="5400000">
+            <a:off x="4338949" y="5341559"/>
+            <a:ext cx="217512" cy="217512"/>
+          </a:xfrm>
+          <a:prstGeom prst="chevron">
+            <a:avLst/>
+          </a:prstGeom>
+          <a:solidFill>
+            <a:schemeClr val="accent2">
+              <a:lumMod val="60000"/>
+              <a:lumOff val="40000"/>
+            </a:schemeClr>
+          </a:solidFill>
+          <a:ln>
+            <a:noFill/>
+          </a:ln>
+        </p:spPr>
+        <p:style>
+          <a:lnRef idx="2">
+            <a:schemeClr val="accent1">
+              <a:shade val="50000"/>
+            </a:schemeClr>
+          </a:lnRef>
+          <a:fillRef idx="1">
+            <a:schemeClr val="accent1"/>
+          </a:fillRef>
+          <a:effectRef idx="0">
+            <a:schemeClr val="accent1"/>
+          </a:effectRef>
+          <a:fontRef idx="minor">
+            <a:schemeClr val="lt1"/>
+          </a:fontRef>
+        </p:style>
+        <p:txBody>
+          <a:bodyPr rtlCol="0" anchor="ctr"/>
+          <a:lstStyle/>
+          <a:p>
+            <a:pPr algn="ctr"/>
+            <a:endParaRPr lang="zh-CN" altLang="en-US">
+              <a:solidFill>
+                <a:schemeClr val="tx1"/>
+              </a:solidFill>
+            </a:endParaRPr>
+          </a:p>
+        </p:txBody>
+      </p:sp>
+      <p:sp>
+        <p:nvSpPr>
+          <p:cNvPr id="39" name="标注: 线形(带强调线) 19">
+            <a:extLst>
+              <a:ext uri="{FF2B5EF4-FFF2-40B4-BE49-F238E27FC236}">
+                <a16:creationId xmlns:a16="http://schemas.microsoft.com/office/drawing/2014/main" id="{3A43B1FA-39B6-425E-BBBB-0E13D61FC141}"/>
+              </a:ext>
+            </a:extLst>
+          </p:cNvPr>
+          <p:cNvSpPr/>
+          <p:nvPr/>
+        </p:nvSpPr>
+        <p:spPr>
+          <a:xfrm flipH="1">
+            <a:off x="1908508" y="3044122"/>
+            <a:ext cx="1602384" cy="737766"/>
+          </a:xfrm>
+          <a:prstGeom prst="accentCallout1">
+            <a:avLst>
+              <a:gd name="adj1" fmla="val 19846"/>
+              <a:gd name="adj2" fmla="val -8333"/>
+              <a:gd name="adj3" fmla="val 72179"/>
+              <a:gd name="adj4" fmla="val -52011"/>
+            </a:avLst>
+          </a:prstGeom>
+        </p:spPr>
+        <p:style>
+          <a:lnRef idx="2">
+            <a:schemeClr val="accent1">
+              <a:shade val="50000"/>
+            </a:schemeClr>
+          </a:lnRef>
+          <a:fillRef idx="1">
+            <a:schemeClr val="accent1"/>
+          </a:fillRef>
+          <a:effectRef idx="0">
+            <a:schemeClr val="accent1"/>
+          </a:effectRef>
+          <a:fontRef idx="minor">
+            <a:schemeClr val="lt1"/>
+          </a:fontRef>
+        </p:style>
+        <p:txBody>
+          <a:bodyPr rtlCol="0" anchor="ctr"/>
+          <a:lstStyle/>
+          <a:p>
+            <a:pPr marL="171450" indent="-171450">
+              <a:buFont typeface="Wingdings" panose="05000000000000000000" pitchFamily="2" charset="2"/>
+              <a:buChar char="Ø"/>
+            </a:pPr>
+            <a:r>
+              <a:rPr lang="zh-CN" altLang="en-US" sz="1200" dirty="0" smtClean="0"/>
+              <a:t>读取全部数据点</a:t>
+            </a:r>
+            <a:endParaRPr lang="en-US" altLang="zh-CN" sz="1200" dirty="0" smtClean="0"/>
+          </a:p>
+          <a:p>
+            <a:pPr marL="171450" indent="-171450">
+              <a:buFont typeface="Wingdings" panose="05000000000000000000" pitchFamily="2" charset="2"/>
+              <a:buChar char="Ø"/>
+            </a:pPr>
+            <a:r>
+              <a:rPr lang="zh-CN" altLang="en-US" sz="1200" dirty="0" smtClean="0"/>
+              <a:t>读取单个数据</a:t>
+            </a:r>
+            <a:r>
+              <a:rPr lang="zh-CN" altLang="en-US" sz="1200" dirty="0"/>
+              <a:t>点</a:t>
+            </a:r>
+            <a:endParaRPr lang="en-US" altLang="zh-CN" sz="1200" dirty="0" smtClean="0"/>
+          </a:p>
+          <a:p>
+            <a:pPr marL="171450" indent="-171450">
+              <a:buFont typeface="Wingdings" panose="05000000000000000000" pitchFamily="2" charset="2"/>
+              <a:buChar char="Ø"/>
+            </a:pPr>
+            <a:r>
+              <a:rPr lang="zh-CN" altLang="en-US" sz="1200" dirty="0" smtClean="0"/>
+              <a:t>读取</a:t>
+            </a:r>
+            <a:r>
+              <a:rPr lang="zh-CN" altLang="en-US" sz="1200" dirty="0"/>
+              <a:t>批量数据点</a:t>
+            </a:r>
+            <a:endParaRPr lang="zh-CN" altLang="en-US" sz="1200" dirty="0"/>
+          </a:p>
+        </p:txBody>
+      </p:sp>
+      <p:sp>
+        <p:nvSpPr>
+          <p:cNvPr id="40" name="文本框 39"/>
+          <p:cNvSpPr txBox="1"/>
+          <p:nvPr/>
+        </p:nvSpPr>
+        <p:spPr>
+          <a:xfrm>
+            <a:off x="3864743" y="3154375"/>
+            <a:ext cx="508473" cy="276999"/>
+          </a:xfrm>
+          <a:prstGeom prst="rect">
+            <a:avLst/>
+          </a:prstGeom>
+          <a:noFill/>
+        </p:spPr>
+        <p:txBody>
+          <a:bodyPr wrap="none" rtlCol="0">
+            <a:spAutoFit/>
+          </a:bodyPr>
+          <a:lstStyle/>
+          <a:p>
+            <a:r>
+              <a:rPr lang="en-US" altLang="zh-CN" sz="1200" dirty="0" smtClean="0"/>
+              <a:t>REST</a:t>
+            </a:r>
+            <a:endParaRPr lang="zh-CN" altLang="en-US" sz="1200" dirty="0"/>
+          </a:p>
+        </p:txBody>
+      </p:sp>
+    </p:spTree>
+    <p:extLst>
+      <p:ext uri="{BB962C8B-B14F-4D97-AF65-F5344CB8AC3E}">
+        <p14:creationId xmlns:p14="http://schemas.microsoft.com/office/powerpoint/2010/main" val="1581948095"/>
+      </p:ext>
+    </p:extLst>
+  </p:cSld>
+  <p:clrMapOvr>
+    <a:masterClrMapping/>
+  </p:clrMapOvr>
+</p:sld>
+</file>
+
 <file path=ppt/theme/theme1.xml><?xml version="1.0" encoding="utf-8"?>
 <a:theme xmlns:a="http://schemas.openxmlformats.org/drawingml/2006/main" name="Office 主题​​">
   <a:themeElements>

--- a/dc3/doc/iot-dc3-architecture.pptx
+++ b/dc3/doc/iot-dc3-architecture.pptx
@@ -5,7 +5,7 @@
     <p:sldMasterId id="2147483648" r:id="rId1"/>
   </p:sldMasterIdLst>
   <p:notesMasterIdLst>
-    <p:notesMasterId r:id="rId10"/>
+    <p:notesMasterId r:id="rId11"/>
   </p:notesMasterIdLst>
   <p:sldIdLst>
     <p:sldId id="256" r:id="rId2"/>
@@ -16,6 +16,7 @@
     <p:sldId id="261" r:id="rId7"/>
     <p:sldId id="262" r:id="rId8"/>
     <p:sldId id="263" r:id="rId9"/>
+    <p:sldId id="264" r:id="rId10"/>
   </p:sldIdLst>
   <p:sldSz cx="12192000" cy="6858000"/>
   <p:notesSz cx="6858000" cy="9144000"/>
@@ -204,7 +205,7 @@
           <a:p>
             <a:fld id="{6EE3B9A8-D85C-445A-8AE4-653E2C11D910}" type="datetimeFigureOut">
               <a:rPr lang="zh-CN" altLang="en-US" smtClean="0"/>
-              <a:t>2019/9/16</a:t>
+              <a:t>2019/9/22</a:t>
             </a:fld>
             <a:endParaRPr lang="zh-CN" altLang="en-US"/>
           </a:p>
@@ -786,7 +787,7 @@
           <a:p>
             <a:fld id="{9BF28833-E291-4948-8DAA-251BCB67763B}" type="datetimeFigureOut">
               <a:rPr lang="zh-CN" altLang="en-US" smtClean="0"/>
-              <a:t>2019/9/16</a:t>
+              <a:t>2019/9/22</a:t>
             </a:fld>
             <a:endParaRPr lang="zh-CN" altLang="en-US"/>
           </a:p>
@@ -984,7 +985,7 @@
           <a:p>
             <a:fld id="{9BF28833-E291-4948-8DAA-251BCB67763B}" type="datetimeFigureOut">
               <a:rPr lang="zh-CN" altLang="en-US" smtClean="0"/>
-              <a:t>2019/9/16</a:t>
+              <a:t>2019/9/22</a:t>
             </a:fld>
             <a:endParaRPr lang="zh-CN" altLang="en-US"/>
           </a:p>
@@ -1192,7 +1193,7 @@
           <a:p>
             <a:fld id="{9BF28833-E291-4948-8DAA-251BCB67763B}" type="datetimeFigureOut">
               <a:rPr lang="zh-CN" altLang="en-US" smtClean="0"/>
-              <a:t>2019/9/16</a:t>
+              <a:t>2019/9/22</a:t>
             </a:fld>
             <a:endParaRPr lang="zh-CN" altLang="en-US"/>
           </a:p>
@@ -1390,7 +1391,7 @@
           <a:p>
             <a:fld id="{9BF28833-E291-4948-8DAA-251BCB67763B}" type="datetimeFigureOut">
               <a:rPr lang="zh-CN" altLang="en-US" smtClean="0"/>
-              <a:t>2019/9/16</a:t>
+              <a:t>2019/9/22</a:t>
             </a:fld>
             <a:endParaRPr lang="zh-CN" altLang="en-US"/>
           </a:p>
@@ -1665,7 +1666,7 @@
           <a:p>
             <a:fld id="{9BF28833-E291-4948-8DAA-251BCB67763B}" type="datetimeFigureOut">
               <a:rPr lang="zh-CN" altLang="en-US" smtClean="0"/>
-              <a:t>2019/9/16</a:t>
+              <a:t>2019/9/22</a:t>
             </a:fld>
             <a:endParaRPr lang="zh-CN" altLang="en-US"/>
           </a:p>
@@ -1930,7 +1931,7 @@
           <a:p>
             <a:fld id="{9BF28833-E291-4948-8DAA-251BCB67763B}" type="datetimeFigureOut">
               <a:rPr lang="zh-CN" altLang="en-US" smtClean="0"/>
-              <a:t>2019/9/16</a:t>
+              <a:t>2019/9/22</a:t>
             </a:fld>
             <a:endParaRPr lang="zh-CN" altLang="en-US"/>
           </a:p>
@@ -2342,7 +2343,7 @@
           <a:p>
             <a:fld id="{9BF28833-E291-4948-8DAA-251BCB67763B}" type="datetimeFigureOut">
               <a:rPr lang="zh-CN" altLang="en-US" smtClean="0"/>
-              <a:t>2019/9/16</a:t>
+              <a:t>2019/9/22</a:t>
             </a:fld>
             <a:endParaRPr lang="zh-CN" altLang="en-US"/>
           </a:p>
@@ -2483,7 +2484,7 @@
           <a:p>
             <a:fld id="{9BF28833-E291-4948-8DAA-251BCB67763B}" type="datetimeFigureOut">
               <a:rPr lang="zh-CN" altLang="en-US" smtClean="0"/>
-              <a:t>2019/9/16</a:t>
+              <a:t>2019/9/22</a:t>
             </a:fld>
             <a:endParaRPr lang="zh-CN" altLang="en-US"/>
           </a:p>
@@ -2596,7 +2597,7 @@
           <a:p>
             <a:fld id="{9BF28833-E291-4948-8DAA-251BCB67763B}" type="datetimeFigureOut">
               <a:rPr lang="zh-CN" altLang="en-US" smtClean="0"/>
-              <a:t>2019/9/16</a:t>
+              <a:t>2019/9/22</a:t>
             </a:fld>
             <a:endParaRPr lang="zh-CN" altLang="en-US"/>
           </a:p>
@@ -2907,7 +2908,7 @@
           <a:p>
             <a:fld id="{9BF28833-E291-4948-8DAA-251BCB67763B}" type="datetimeFigureOut">
               <a:rPr lang="zh-CN" altLang="en-US" smtClean="0"/>
-              <a:t>2019/9/16</a:t>
+              <a:t>2019/9/22</a:t>
             </a:fld>
             <a:endParaRPr lang="zh-CN" altLang="en-US"/>
           </a:p>
@@ -3195,7 +3196,7 @@
           <a:p>
             <a:fld id="{9BF28833-E291-4948-8DAA-251BCB67763B}" type="datetimeFigureOut">
               <a:rPr lang="zh-CN" altLang="en-US" smtClean="0"/>
-              <a:t>2019/9/16</a:t>
+              <a:t>2019/9/22</a:t>
             </a:fld>
             <a:endParaRPr lang="zh-CN" altLang="en-US"/>
           </a:p>
@@ -3436,7 +3437,7 @@
           <a:p>
             <a:fld id="{9BF28833-E291-4948-8DAA-251BCB67763B}" type="datetimeFigureOut">
               <a:rPr lang="zh-CN" altLang="en-US" smtClean="0"/>
-              <a:t>2019/9/16</a:t>
+              <a:t>2019/9/22</a:t>
             </a:fld>
             <a:endParaRPr lang="zh-CN" altLang="en-US"/>
           </a:p>
@@ -20837,7 +20838,7 @@
         </p:nvSpPr>
         <p:spPr>
           <a:xfrm>
-            <a:off x="5335478" y="2053159"/>
+            <a:off x="5805995" y="1644787"/>
             <a:ext cx="1109708" cy="779754"/>
           </a:xfrm>
           <a:prstGeom prst="roundRect">
@@ -20930,11 +20931,7 @@
           <a:p>
             <a:r>
               <a:rPr lang="zh-CN" altLang="en-US" dirty="0" smtClean="0"/>
-              <a:t>任务调度逻辑</a:t>
-            </a:r>
-            <a:r>
-              <a:rPr lang="zh-CN" altLang="en-US" dirty="0" smtClean="0"/>
-              <a:t>流程图</a:t>
+              <a:t>设备数据 逻辑</a:t>
             </a:r>
             <a:endParaRPr lang="zh-CN" altLang="en-US" dirty="0"/>
           </a:p>
@@ -20948,7 +20945,7 @@
         </p:nvSpPr>
         <p:spPr>
           <a:xfrm>
-            <a:off x="6587233" y="2053159"/>
+            <a:off x="7057750" y="1644787"/>
             <a:ext cx="1109708" cy="779754"/>
           </a:xfrm>
           <a:prstGeom prst="roundRect">
@@ -21003,7 +21000,7 @@
         </p:nvGrpSpPr>
         <p:grpSpPr>
           <a:xfrm>
-            <a:off x="3728615" y="2938512"/>
+            <a:off x="4199132" y="2530140"/>
             <a:ext cx="3968326" cy="3000649"/>
             <a:chOff x="3728615" y="2938512"/>
             <a:chExt cx="3968326" cy="3000649"/>
@@ -21617,7 +21614,7 @@
         </p:nvCxnSpPr>
         <p:spPr>
           <a:xfrm flipH="1">
-            <a:off x="4447706" y="4092608"/>
+            <a:off x="4918223" y="3684236"/>
             <a:ext cx="1" cy="105598"/>
           </a:xfrm>
           <a:prstGeom prst="straightConnector1">
@@ -21653,7 +21650,7 @@
         </p:nvCxnSpPr>
         <p:spPr>
           <a:xfrm>
-            <a:off x="4447706" y="4508925"/>
+            <a:off x="4918223" y="4100553"/>
             <a:ext cx="0" cy="105598"/>
           </a:xfrm>
           <a:prstGeom prst="straightConnector1">
@@ -21689,7 +21686,7 @@
         </p:nvCxnSpPr>
         <p:spPr>
           <a:xfrm>
-            <a:off x="4447706" y="4925242"/>
+            <a:off x="4918223" y="4516870"/>
             <a:ext cx="0" cy="105598"/>
           </a:xfrm>
           <a:prstGeom prst="straightConnector1">
@@ -21722,7 +21719,7 @@
         </p:nvSpPr>
         <p:spPr>
           <a:xfrm rot="5400000">
-            <a:off x="4338949" y="3565310"/>
+            <a:off x="4809466" y="3156938"/>
             <a:ext cx="217512" cy="217512"/>
           </a:xfrm>
           <a:prstGeom prst="chevron">
@@ -21775,7 +21772,7 @@
         </p:nvGrpSpPr>
         <p:grpSpPr>
           <a:xfrm>
-            <a:off x="3819610" y="5458835"/>
+            <a:off x="4290127" y="5050463"/>
             <a:ext cx="1259727" cy="612558"/>
             <a:chOff x="3846244" y="5432201"/>
             <a:chExt cx="1259727" cy="612558"/>
@@ -21878,7 +21875,7 @@
         </p:nvSpPr>
         <p:spPr>
           <a:xfrm rot="5400000">
-            <a:off x="4338949" y="5341559"/>
+            <a:off x="4809466" y="4933187"/>
             <a:ext cx="217512" cy="217512"/>
           </a:xfrm>
           <a:prstGeom prst="chevron">
@@ -21937,7 +21934,7 @@
         </p:nvSpPr>
         <p:spPr>
           <a:xfrm flipH="1">
-            <a:off x="1908508" y="3044122"/>
+            <a:off x="2379025" y="2635750"/>
             <a:ext cx="1602384" cy="737766"/>
           </a:xfrm>
           <a:prstGeom prst="accentCallout1">
@@ -22007,7 +22004,6 @@
               <a:rPr lang="zh-CN" altLang="en-US" sz="1200" dirty="0"/>
               <a:t>批量数据点</a:t>
             </a:r>
-            <a:endParaRPr lang="zh-CN" altLang="en-US" sz="1200" dirty="0"/>
           </a:p>
         </p:txBody>
       </p:sp>
@@ -22019,7 +22015,7 @@
         </p:nvSpPr>
         <p:spPr>
           <a:xfrm>
-            <a:off x="3864743" y="3154375"/>
+            <a:off x="4335260" y="2746003"/>
             <a:ext cx="508473" cy="276999"/>
           </a:xfrm>
           <a:prstGeom prst="rect">
@@ -22045,6 +22041,2716 @@
     <p:extLst>
       <p:ext uri="{BB962C8B-B14F-4D97-AF65-F5344CB8AC3E}">
         <p14:creationId xmlns:p14="http://schemas.microsoft.com/office/powerpoint/2010/main" val="1581948095"/>
+      </p:ext>
+    </p:extLst>
+  </p:cSld>
+  <p:clrMapOvr>
+    <a:masterClrMapping/>
+  </p:clrMapOvr>
+</p:sld>
+</file>
+
+<file path=ppt/slides/slide9.xml><?xml version="1.0" encoding="utf-8"?>
+<p:sld xmlns:a="http://schemas.openxmlformats.org/drawingml/2006/main" xmlns:r="http://schemas.openxmlformats.org/officeDocument/2006/relationships" xmlns:p="http://schemas.openxmlformats.org/presentationml/2006/main">
+  <p:cSld>
+    <p:spTree>
+      <p:nvGrpSpPr>
+        <p:cNvPr id="1" name=""/>
+        <p:cNvGrpSpPr/>
+        <p:nvPr/>
+      </p:nvGrpSpPr>
+      <p:grpSpPr>
+        <a:xfrm>
+          <a:off x="0" y="0"/>
+          <a:ext cx="0" cy="0"/>
+          <a:chOff x="0" y="0"/>
+          <a:chExt cx="0" cy="0"/>
+        </a:xfrm>
+      </p:grpSpPr>
+      <p:grpSp>
+        <p:nvGrpSpPr>
+          <p:cNvPr id="37" name="组合 36"/>
+          <p:cNvGrpSpPr/>
+          <p:nvPr/>
+        </p:nvGrpSpPr>
+        <p:grpSpPr>
+          <a:xfrm>
+            <a:off x="4947817" y="3400147"/>
+            <a:ext cx="3352802" cy="2423604"/>
+            <a:chOff x="1849512" y="4048217"/>
+            <a:chExt cx="3352802" cy="2423604"/>
+          </a:xfrm>
+        </p:grpSpPr>
+        <p:sp>
+          <p:nvSpPr>
+            <p:cNvPr id="4" name="圆角矩形 3"/>
+            <p:cNvSpPr/>
+            <p:nvPr/>
+          </p:nvSpPr>
+          <p:spPr>
+            <a:xfrm>
+              <a:off x="2052221" y="4441253"/>
+              <a:ext cx="1109708" cy="879830"/>
+            </a:xfrm>
+            <a:prstGeom prst="roundRect">
+              <a:avLst>
+                <a:gd name="adj" fmla="val 7576"/>
+              </a:avLst>
+            </a:prstGeom>
+            <a:noFill/>
+          </p:spPr>
+          <p:style>
+            <a:lnRef idx="2">
+              <a:schemeClr val="accent1">
+                <a:shade val="50000"/>
+              </a:schemeClr>
+            </a:lnRef>
+            <a:fillRef idx="1">
+              <a:schemeClr val="accent1"/>
+            </a:fillRef>
+            <a:effectRef idx="0">
+              <a:schemeClr val="accent1"/>
+            </a:effectRef>
+            <a:fontRef idx="minor">
+              <a:schemeClr val="lt1"/>
+            </a:fontRef>
+          </p:style>
+          <p:txBody>
+            <a:bodyPr rtlCol="0" anchor="ctr"/>
+            <a:lstStyle/>
+            <a:p>
+              <a:pPr algn="ctr"/>
+              <a:r>
+                <a:rPr lang="en-US" altLang="zh-CN" sz="1200" dirty="0" smtClean="0">
+                  <a:solidFill>
+                    <a:schemeClr val="tx1"/>
+                  </a:solidFill>
+                </a:rPr>
+                <a:t>Group</a:t>
+              </a:r>
+            </a:p>
+            <a:p>
+              <a:pPr algn="ctr"/>
+              <a:r>
+                <a:rPr lang="en-US" altLang="zh-CN" sz="1200" dirty="0" smtClean="0">
+                  <a:solidFill>
+                    <a:schemeClr val="tx1"/>
+                  </a:solidFill>
+                </a:rPr>
+                <a:t>Service</a:t>
+              </a:r>
+              <a:endParaRPr lang="zh-CN" altLang="en-US" sz="1200" dirty="0">
+                <a:solidFill>
+                  <a:schemeClr val="tx1"/>
+                </a:solidFill>
+              </a:endParaRPr>
+            </a:p>
+          </p:txBody>
+        </p:sp>
+        <p:sp>
+          <p:nvSpPr>
+            <p:cNvPr id="6" name="圆角矩形 5"/>
+            <p:cNvSpPr/>
+            <p:nvPr/>
+          </p:nvSpPr>
+          <p:spPr>
+            <a:xfrm>
+              <a:off x="3232952" y="4441253"/>
+              <a:ext cx="1232515" cy="404403"/>
+            </a:xfrm>
+            <a:prstGeom prst="roundRect">
+              <a:avLst>
+                <a:gd name="adj" fmla="val 7576"/>
+              </a:avLst>
+            </a:prstGeom>
+            <a:noFill/>
+          </p:spPr>
+          <p:style>
+            <a:lnRef idx="2">
+              <a:schemeClr val="accent1">
+                <a:shade val="50000"/>
+              </a:schemeClr>
+            </a:lnRef>
+            <a:fillRef idx="1">
+              <a:schemeClr val="accent1"/>
+            </a:fillRef>
+            <a:effectRef idx="0">
+              <a:schemeClr val="accent1"/>
+            </a:effectRef>
+            <a:fontRef idx="minor">
+              <a:schemeClr val="lt1"/>
+            </a:fontRef>
+          </p:style>
+          <p:txBody>
+            <a:bodyPr rtlCol="0" anchor="ctr"/>
+            <a:lstStyle/>
+            <a:p>
+              <a:pPr algn="ctr"/>
+              <a:r>
+                <a:rPr lang="zh-CN" altLang="en-US" sz="1200" dirty="0">
+                  <a:solidFill>
+                    <a:schemeClr val="tx1"/>
+                  </a:solidFill>
+                </a:rPr>
+                <a:t>可视化</a:t>
+              </a:r>
+            </a:p>
+          </p:txBody>
+        </p:sp>
+        <p:sp>
+          <p:nvSpPr>
+            <p:cNvPr id="7" name="圆角矩形 6"/>
+            <p:cNvSpPr/>
+            <p:nvPr/>
+          </p:nvSpPr>
+          <p:spPr>
+            <a:xfrm>
+              <a:off x="3232952" y="4916680"/>
+              <a:ext cx="1232515" cy="404403"/>
+            </a:xfrm>
+            <a:prstGeom prst="roundRect">
+              <a:avLst>
+                <a:gd name="adj" fmla="val 7576"/>
+              </a:avLst>
+            </a:prstGeom>
+            <a:noFill/>
+          </p:spPr>
+          <p:style>
+            <a:lnRef idx="2">
+              <a:schemeClr val="accent1">
+                <a:shade val="50000"/>
+              </a:schemeClr>
+            </a:lnRef>
+            <a:fillRef idx="1">
+              <a:schemeClr val="accent1"/>
+            </a:fillRef>
+            <a:effectRef idx="0">
+              <a:schemeClr val="accent1"/>
+            </a:effectRef>
+            <a:fontRef idx="minor">
+              <a:schemeClr val="lt1"/>
+            </a:fontRef>
+          </p:style>
+          <p:txBody>
+            <a:bodyPr rtlCol="0" anchor="ctr"/>
+            <a:lstStyle/>
+            <a:p>
+              <a:pPr algn="ctr"/>
+              <a:r>
+                <a:rPr lang="zh-CN" altLang="en-US" sz="1200" dirty="0" smtClean="0">
+                  <a:solidFill>
+                    <a:schemeClr val="tx1"/>
+                  </a:solidFill>
+                </a:rPr>
+                <a:t>本地数据库</a:t>
+              </a:r>
+              <a:endParaRPr lang="zh-CN" altLang="en-US" sz="1200" dirty="0">
+                <a:solidFill>
+                  <a:schemeClr val="tx1"/>
+                </a:solidFill>
+              </a:endParaRPr>
+            </a:p>
+          </p:txBody>
+        </p:sp>
+        <p:sp>
+          <p:nvSpPr>
+            <p:cNvPr id="8" name="圆角矩形 7"/>
+            <p:cNvSpPr/>
+            <p:nvPr/>
+          </p:nvSpPr>
+          <p:spPr>
+            <a:xfrm>
+              <a:off x="2052221" y="5388676"/>
+              <a:ext cx="2413246" cy="404403"/>
+            </a:xfrm>
+            <a:prstGeom prst="roundRect">
+              <a:avLst>
+                <a:gd name="adj" fmla="val 7576"/>
+              </a:avLst>
+            </a:prstGeom>
+            <a:noFill/>
+          </p:spPr>
+          <p:style>
+            <a:lnRef idx="2">
+              <a:schemeClr val="accent1">
+                <a:shade val="50000"/>
+              </a:schemeClr>
+            </a:lnRef>
+            <a:fillRef idx="1">
+              <a:schemeClr val="accent1"/>
+            </a:fillRef>
+            <a:effectRef idx="0">
+              <a:schemeClr val="accent1"/>
+            </a:effectRef>
+            <a:fontRef idx="minor">
+              <a:schemeClr val="lt1"/>
+            </a:fontRef>
+          </p:style>
+          <p:txBody>
+            <a:bodyPr rtlCol="0" anchor="ctr"/>
+            <a:lstStyle/>
+            <a:p>
+              <a:pPr algn="ctr"/>
+              <a:r>
+                <a:rPr lang="zh-CN" altLang="en-US" sz="1200" dirty="0" smtClean="0">
+                  <a:solidFill>
+                    <a:schemeClr val="tx1"/>
+                  </a:solidFill>
+                </a:rPr>
+                <a:t>协议</a:t>
+              </a:r>
+              <a:r>
+                <a:rPr lang="zh-CN" altLang="en-US" sz="1200" dirty="0">
+                  <a:solidFill>
+                    <a:schemeClr val="tx1"/>
+                  </a:solidFill>
+                </a:rPr>
+                <a:t>驱动</a:t>
+              </a:r>
+              <a:r>
+                <a:rPr lang="zh-CN" altLang="en-US" sz="1200" dirty="0" smtClean="0">
+                  <a:solidFill>
+                    <a:schemeClr val="tx1"/>
+                  </a:solidFill>
+                </a:rPr>
+                <a:t>集合</a:t>
+              </a:r>
+              <a:endParaRPr lang="zh-CN" altLang="en-US" sz="1200" dirty="0">
+                <a:solidFill>
+                  <a:schemeClr val="tx1"/>
+                </a:solidFill>
+              </a:endParaRPr>
+            </a:p>
+          </p:txBody>
+        </p:sp>
+        <p:sp>
+          <p:nvSpPr>
+            <p:cNvPr id="9" name="圆角矩形 8"/>
+            <p:cNvSpPr/>
+            <p:nvPr/>
+          </p:nvSpPr>
+          <p:spPr>
+            <a:xfrm>
+              <a:off x="2052221" y="5860672"/>
+              <a:ext cx="2413246" cy="404403"/>
+            </a:xfrm>
+            <a:prstGeom prst="roundRect">
+              <a:avLst>
+                <a:gd name="adj" fmla="val 7576"/>
+              </a:avLst>
+            </a:prstGeom>
+            <a:noFill/>
+          </p:spPr>
+          <p:style>
+            <a:lnRef idx="2">
+              <a:schemeClr val="accent1">
+                <a:shade val="50000"/>
+              </a:schemeClr>
+            </a:lnRef>
+            <a:fillRef idx="1">
+              <a:schemeClr val="accent1"/>
+            </a:fillRef>
+            <a:effectRef idx="0">
+              <a:schemeClr val="accent1"/>
+            </a:effectRef>
+            <a:fontRef idx="minor">
+              <a:schemeClr val="lt1"/>
+            </a:fontRef>
+          </p:style>
+          <p:txBody>
+            <a:bodyPr rtlCol="0" anchor="ctr"/>
+            <a:lstStyle/>
+            <a:p>
+              <a:pPr algn="ctr"/>
+              <a:r>
+                <a:rPr lang="zh-CN" altLang="en-US" sz="1200" dirty="0" smtClean="0">
+                  <a:solidFill>
+                    <a:schemeClr val="tx1"/>
+                  </a:solidFill>
+                </a:rPr>
+                <a:t>设备群</a:t>
+              </a:r>
+              <a:endParaRPr lang="zh-CN" altLang="en-US" sz="1200" dirty="0">
+                <a:solidFill>
+                  <a:schemeClr val="tx1"/>
+                </a:solidFill>
+              </a:endParaRPr>
+            </a:p>
+          </p:txBody>
+        </p:sp>
+        <p:sp>
+          <p:nvSpPr>
+            <p:cNvPr id="10" name="圆角矩形 9"/>
+            <p:cNvSpPr/>
+            <p:nvPr/>
+          </p:nvSpPr>
+          <p:spPr>
+            <a:xfrm>
+              <a:off x="1849512" y="4048217"/>
+              <a:ext cx="3352802" cy="2423604"/>
+            </a:xfrm>
+            <a:prstGeom prst="roundRect">
+              <a:avLst>
+                <a:gd name="adj" fmla="val 7576"/>
+              </a:avLst>
+            </a:prstGeom>
+            <a:noFill/>
+          </p:spPr>
+          <p:style>
+            <a:lnRef idx="2">
+              <a:schemeClr val="accent1">
+                <a:shade val="50000"/>
+              </a:schemeClr>
+            </a:lnRef>
+            <a:fillRef idx="1">
+              <a:schemeClr val="accent1"/>
+            </a:fillRef>
+            <a:effectRef idx="0">
+              <a:schemeClr val="accent1"/>
+            </a:effectRef>
+            <a:fontRef idx="minor">
+              <a:schemeClr val="lt1"/>
+            </a:fontRef>
+          </p:style>
+          <p:txBody>
+            <a:bodyPr rtlCol="0" anchor="t"/>
+            <a:lstStyle/>
+            <a:p>
+              <a:pPr algn="ctr"/>
+              <a:r>
+                <a:rPr lang="en-US" altLang="zh-CN" sz="1200" dirty="0" smtClean="0">
+                  <a:solidFill>
+                    <a:schemeClr val="tx1"/>
+                  </a:solidFill>
+                </a:rPr>
+                <a:t>Group.1~N</a:t>
+              </a:r>
+              <a:endParaRPr lang="zh-CN" altLang="en-US" sz="1200" dirty="0">
+                <a:solidFill>
+                  <a:schemeClr val="tx1"/>
+                </a:solidFill>
+              </a:endParaRPr>
+            </a:p>
+          </p:txBody>
+        </p:sp>
+        <p:sp>
+          <p:nvSpPr>
+            <p:cNvPr id="16" name="圆角矩形 15"/>
+            <p:cNvSpPr/>
+            <p:nvPr/>
+          </p:nvSpPr>
+          <p:spPr>
+            <a:xfrm>
+              <a:off x="4545369" y="4441253"/>
+              <a:ext cx="479391" cy="1823822"/>
+            </a:xfrm>
+            <a:prstGeom prst="roundRect">
+              <a:avLst>
+                <a:gd name="adj" fmla="val 7576"/>
+              </a:avLst>
+            </a:prstGeom>
+            <a:noFill/>
+          </p:spPr>
+          <p:style>
+            <a:lnRef idx="2">
+              <a:schemeClr val="accent1">
+                <a:shade val="50000"/>
+              </a:schemeClr>
+            </a:lnRef>
+            <a:fillRef idx="1">
+              <a:schemeClr val="accent1"/>
+            </a:fillRef>
+            <a:effectRef idx="0">
+              <a:schemeClr val="accent1"/>
+            </a:effectRef>
+            <a:fontRef idx="minor">
+              <a:schemeClr val="lt1"/>
+            </a:fontRef>
+          </p:style>
+          <p:txBody>
+            <a:bodyPr rtlCol="0" anchor="ctr"/>
+            <a:lstStyle/>
+            <a:p>
+              <a:pPr algn="ctr"/>
+              <a:r>
+                <a:rPr lang="zh-CN" altLang="en-US" sz="1200" dirty="0" smtClean="0">
+                  <a:solidFill>
+                    <a:schemeClr val="tx1"/>
+                  </a:solidFill>
+                </a:rPr>
+                <a:t>本地数据库</a:t>
+              </a:r>
+              <a:endParaRPr lang="zh-CN" altLang="en-US" sz="1200" dirty="0">
+                <a:solidFill>
+                  <a:schemeClr val="tx1"/>
+                </a:solidFill>
+              </a:endParaRPr>
+            </a:p>
+          </p:txBody>
+        </p:sp>
+      </p:grpSp>
+      <p:sp>
+        <p:nvSpPr>
+          <p:cNvPr id="22" name="圆角矩形 21"/>
+          <p:cNvSpPr/>
+          <p:nvPr/>
+        </p:nvSpPr>
+        <p:spPr>
+          <a:xfrm>
+            <a:off x="3932232" y="2015689"/>
+            <a:ext cx="433400" cy="1144308"/>
+          </a:xfrm>
+          <a:prstGeom prst="roundRect">
+            <a:avLst>
+              <a:gd name="adj" fmla="val 7576"/>
+            </a:avLst>
+          </a:prstGeom>
+          <a:ln>
+            <a:solidFill>
+              <a:schemeClr val="accent1">
+                <a:lumMod val="75000"/>
+              </a:schemeClr>
+            </a:solidFill>
+          </a:ln>
+        </p:spPr>
+        <p:style>
+          <a:lnRef idx="2">
+            <a:schemeClr val="dk1"/>
+          </a:lnRef>
+          <a:fillRef idx="1">
+            <a:schemeClr val="lt1"/>
+          </a:fillRef>
+          <a:effectRef idx="0">
+            <a:schemeClr val="dk1"/>
+          </a:effectRef>
+          <a:fontRef idx="minor">
+            <a:schemeClr val="dk1"/>
+          </a:fontRef>
+        </p:style>
+        <p:txBody>
+          <a:bodyPr rtlCol="0" anchor="ctr"/>
+          <a:lstStyle/>
+          <a:p>
+            <a:pPr algn="ctr"/>
+            <a:endParaRPr lang="en-US" altLang="zh-CN" sz="1200" dirty="0" smtClean="0">
+              <a:solidFill>
+                <a:schemeClr val="tx1"/>
+              </a:solidFill>
+            </a:endParaRPr>
+          </a:p>
+          <a:p>
+            <a:pPr algn="ctr"/>
+            <a:endParaRPr lang="en-US" altLang="zh-CN" sz="1200" dirty="0">
+              <a:solidFill>
+                <a:schemeClr val="tx1"/>
+              </a:solidFill>
+            </a:endParaRPr>
+          </a:p>
+          <a:p>
+            <a:pPr algn="ctr"/>
+            <a:r>
+              <a:rPr lang="zh-CN" altLang="en-US" sz="1200" dirty="0" smtClean="0">
+                <a:solidFill>
+                  <a:schemeClr val="tx1"/>
+                </a:solidFill>
+              </a:rPr>
+              <a:t>服务</a:t>
+            </a:r>
+            <a:r>
+              <a:rPr lang="en-US" altLang="zh-CN" sz="1200" dirty="0" smtClean="0">
+                <a:solidFill>
+                  <a:schemeClr val="tx1"/>
+                </a:solidFill>
+              </a:rPr>
+              <a:t>A</a:t>
+            </a:r>
+          </a:p>
+          <a:p>
+            <a:pPr algn="ctr"/>
+            <a:r>
+              <a:rPr lang="en-US" altLang="zh-CN" sz="1200" dirty="0" smtClean="0">
+                <a:solidFill>
+                  <a:schemeClr val="tx1"/>
+                </a:solidFill>
+              </a:rPr>
+              <a:t> API</a:t>
+            </a:r>
+          </a:p>
+          <a:p>
+            <a:pPr algn="ctr"/>
+            <a:endParaRPr lang="en-US" altLang="zh-CN" sz="1200" dirty="0">
+              <a:solidFill>
+                <a:schemeClr val="tx1"/>
+              </a:solidFill>
+            </a:endParaRPr>
+          </a:p>
+          <a:p>
+            <a:pPr algn="ctr"/>
+            <a:endParaRPr lang="zh-CN" altLang="en-US" sz="1200" dirty="0">
+              <a:solidFill>
+                <a:schemeClr val="tx1"/>
+              </a:solidFill>
+            </a:endParaRPr>
+          </a:p>
+        </p:txBody>
+      </p:sp>
+      <p:grpSp>
+        <p:nvGrpSpPr>
+          <p:cNvPr id="36" name="组合 35"/>
+          <p:cNvGrpSpPr/>
+          <p:nvPr/>
+        </p:nvGrpSpPr>
+        <p:grpSpPr>
+          <a:xfrm>
+            <a:off x="4947817" y="851243"/>
+            <a:ext cx="3415312" cy="1099958"/>
+            <a:chOff x="1849512" y="1499313"/>
+            <a:chExt cx="3415312" cy="1099958"/>
+          </a:xfrm>
+        </p:grpSpPr>
+        <p:sp>
+          <p:nvSpPr>
+            <p:cNvPr id="13" name="圆角矩形 12"/>
+            <p:cNvSpPr/>
+            <p:nvPr/>
+          </p:nvSpPr>
+          <p:spPr>
+            <a:xfrm>
+              <a:off x="1849512" y="1499313"/>
+              <a:ext cx="3352802" cy="1099958"/>
+            </a:xfrm>
+            <a:prstGeom prst="roundRect">
+              <a:avLst>
+                <a:gd name="adj" fmla="val 7576"/>
+              </a:avLst>
+            </a:prstGeom>
+            <a:noFill/>
+          </p:spPr>
+          <p:style>
+            <a:lnRef idx="2">
+              <a:schemeClr val="accent1">
+                <a:shade val="50000"/>
+              </a:schemeClr>
+            </a:lnRef>
+            <a:fillRef idx="1">
+              <a:schemeClr val="accent1"/>
+            </a:fillRef>
+            <a:effectRef idx="0">
+              <a:schemeClr val="accent1"/>
+            </a:effectRef>
+            <a:fontRef idx="minor">
+              <a:schemeClr val="lt1"/>
+            </a:fontRef>
+          </p:style>
+          <p:txBody>
+            <a:bodyPr rtlCol="0" anchor="t"/>
+            <a:lstStyle/>
+            <a:p>
+              <a:pPr algn="ctr"/>
+              <a:r>
+                <a:rPr lang="zh-CN" altLang="en-US" sz="1200" dirty="0" smtClean="0">
+                  <a:solidFill>
+                    <a:schemeClr val="tx1"/>
+                  </a:solidFill>
+                </a:rPr>
+                <a:t>多维数据库</a:t>
+              </a:r>
+              <a:endParaRPr lang="zh-CN" altLang="en-US" sz="1200" dirty="0">
+                <a:solidFill>
+                  <a:schemeClr val="tx1"/>
+                </a:solidFill>
+              </a:endParaRPr>
+            </a:p>
+          </p:txBody>
+        </p:sp>
+        <p:sp>
+          <p:nvSpPr>
+            <p:cNvPr id="17" name="圆角矩形 16"/>
+            <p:cNvSpPr/>
+            <p:nvPr/>
+          </p:nvSpPr>
+          <p:spPr>
+            <a:xfrm>
+              <a:off x="2751091" y="1833538"/>
+              <a:ext cx="973585" cy="404403"/>
+            </a:xfrm>
+            <a:prstGeom prst="roundRect">
+              <a:avLst>
+                <a:gd name="adj" fmla="val 7576"/>
+              </a:avLst>
+            </a:prstGeom>
+          </p:spPr>
+          <p:style>
+            <a:lnRef idx="2">
+              <a:schemeClr val="accent3"/>
+            </a:lnRef>
+            <a:fillRef idx="1">
+              <a:schemeClr val="lt1"/>
+            </a:fillRef>
+            <a:effectRef idx="0">
+              <a:schemeClr val="accent3"/>
+            </a:effectRef>
+            <a:fontRef idx="minor">
+              <a:schemeClr val="dk1"/>
+            </a:fontRef>
+          </p:style>
+          <p:txBody>
+            <a:bodyPr rtlCol="0" anchor="ctr"/>
+            <a:lstStyle/>
+            <a:p>
+              <a:pPr algn="ctr"/>
+              <a:r>
+                <a:rPr lang="en-US" altLang="zh-CN" sz="1200" dirty="0" smtClean="0">
+                  <a:solidFill>
+                    <a:schemeClr val="tx1"/>
+                  </a:solidFill>
+                </a:rPr>
+                <a:t>MongoDB</a:t>
+              </a:r>
+              <a:endParaRPr lang="zh-CN" altLang="en-US" sz="1200" dirty="0">
+                <a:solidFill>
+                  <a:schemeClr val="tx1"/>
+                </a:solidFill>
+              </a:endParaRPr>
+            </a:p>
+          </p:txBody>
+        </p:sp>
+        <p:sp>
+          <p:nvSpPr>
+            <p:cNvPr id="18" name="圆角矩形 17"/>
+            <p:cNvSpPr/>
+            <p:nvPr/>
+          </p:nvSpPr>
+          <p:spPr>
+            <a:xfrm>
+              <a:off x="3768076" y="1833538"/>
+              <a:ext cx="757565" cy="404403"/>
+            </a:xfrm>
+            <a:prstGeom prst="roundRect">
+              <a:avLst>
+                <a:gd name="adj" fmla="val 7576"/>
+              </a:avLst>
+            </a:prstGeom>
+          </p:spPr>
+          <p:style>
+            <a:lnRef idx="2">
+              <a:schemeClr val="accent3"/>
+            </a:lnRef>
+            <a:fillRef idx="1">
+              <a:schemeClr val="lt1"/>
+            </a:fillRef>
+            <a:effectRef idx="0">
+              <a:schemeClr val="accent3"/>
+            </a:effectRef>
+            <a:fontRef idx="minor">
+              <a:schemeClr val="dk1"/>
+            </a:fontRef>
+          </p:style>
+          <p:txBody>
+            <a:bodyPr rtlCol="0" anchor="ctr"/>
+            <a:lstStyle/>
+            <a:p>
+              <a:pPr algn="ctr"/>
+              <a:r>
+                <a:rPr lang="en-US" altLang="zh-CN" sz="1200" dirty="0" smtClean="0">
+                  <a:solidFill>
+                    <a:schemeClr val="tx1"/>
+                  </a:solidFill>
+                </a:rPr>
+                <a:t>MySQL</a:t>
+              </a:r>
+              <a:endParaRPr lang="zh-CN" altLang="en-US" sz="1200" dirty="0">
+                <a:solidFill>
+                  <a:schemeClr val="tx1"/>
+                </a:solidFill>
+              </a:endParaRPr>
+            </a:p>
+          </p:txBody>
+        </p:sp>
+        <p:sp>
+          <p:nvSpPr>
+            <p:cNvPr id="19" name="圆角矩形 18"/>
+            <p:cNvSpPr/>
+            <p:nvPr/>
+          </p:nvSpPr>
+          <p:spPr>
+            <a:xfrm>
+              <a:off x="4569040" y="1833538"/>
+              <a:ext cx="580006" cy="404403"/>
+            </a:xfrm>
+            <a:prstGeom prst="roundRect">
+              <a:avLst>
+                <a:gd name="adj" fmla="val 7576"/>
+              </a:avLst>
+            </a:prstGeom>
+          </p:spPr>
+          <p:style>
+            <a:lnRef idx="2">
+              <a:schemeClr val="accent3"/>
+            </a:lnRef>
+            <a:fillRef idx="1">
+              <a:schemeClr val="lt1"/>
+            </a:fillRef>
+            <a:effectRef idx="0">
+              <a:schemeClr val="accent3"/>
+            </a:effectRef>
+            <a:fontRef idx="minor">
+              <a:schemeClr val="dk1"/>
+            </a:fontRef>
+          </p:style>
+          <p:txBody>
+            <a:bodyPr rtlCol="0" anchor="ctr"/>
+            <a:lstStyle/>
+            <a:p>
+              <a:pPr algn="ctr"/>
+              <a:r>
+                <a:rPr lang="en-US" altLang="zh-CN" sz="1200" dirty="0" err="1" smtClean="0">
+                  <a:solidFill>
+                    <a:schemeClr val="tx1"/>
+                  </a:solidFill>
+                </a:rPr>
+                <a:t>Redis</a:t>
+              </a:r>
+              <a:endParaRPr lang="zh-CN" altLang="en-US" sz="1200" dirty="0">
+                <a:solidFill>
+                  <a:schemeClr val="tx1"/>
+                </a:solidFill>
+              </a:endParaRPr>
+            </a:p>
+          </p:txBody>
+        </p:sp>
+        <p:sp>
+          <p:nvSpPr>
+            <p:cNvPr id="20" name="圆角矩形 19"/>
+            <p:cNvSpPr/>
+            <p:nvPr/>
+          </p:nvSpPr>
+          <p:spPr>
+            <a:xfrm>
+              <a:off x="1902780" y="1833538"/>
+              <a:ext cx="804911" cy="404403"/>
+            </a:xfrm>
+            <a:prstGeom prst="roundRect">
+              <a:avLst>
+                <a:gd name="adj" fmla="val 7576"/>
+              </a:avLst>
+            </a:prstGeom>
+          </p:spPr>
+          <p:style>
+            <a:lnRef idx="2">
+              <a:schemeClr val="accent3"/>
+            </a:lnRef>
+            <a:fillRef idx="1">
+              <a:schemeClr val="lt1"/>
+            </a:fillRef>
+            <a:effectRef idx="0">
+              <a:schemeClr val="accent3"/>
+            </a:effectRef>
+            <a:fontRef idx="minor">
+              <a:schemeClr val="dk1"/>
+            </a:fontRef>
+          </p:style>
+          <p:txBody>
+            <a:bodyPr rtlCol="0" anchor="ctr"/>
+            <a:lstStyle/>
+            <a:p>
+              <a:pPr algn="ctr"/>
+              <a:r>
+                <a:rPr lang="en-US" altLang="zh-CN" sz="1200" dirty="0" smtClean="0">
+                  <a:solidFill>
+                    <a:schemeClr val="tx1"/>
+                  </a:solidFill>
+                </a:rPr>
+                <a:t>Neo4j</a:t>
+              </a:r>
+              <a:endParaRPr lang="zh-CN" altLang="en-US" sz="1200" dirty="0">
+                <a:solidFill>
+                  <a:schemeClr val="tx1"/>
+                </a:solidFill>
+              </a:endParaRPr>
+            </a:p>
+          </p:txBody>
+        </p:sp>
+        <p:sp>
+          <p:nvSpPr>
+            <p:cNvPr id="2" name="文本框 1"/>
+            <p:cNvSpPr txBox="1"/>
+            <p:nvPr/>
+          </p:nvSpPr>
+          <p:spPr>
+            <a:xfrm>
+              <a:off x="1956421" y="2263736"/>
+              <a:ext cx="697627" cy="246221"/>
+            </a:xfrm>
+            <a:prstGeom prst="rect">
+              <a:avLst/>
+            </a:prstGeom>
+            <a:noFill/>
+          </p:spPr>
+          <p:txBody>
+            <a:bodyPr wrap="none" rtlCol="0">
+              <a:spAutoFit/>
+            </a:bodyPr>
+            <a:lstStyle/>
+            <a:p>
+              <a:r>
+                <a:rPr lang="zh-CN" altLang="en-US" sz="1000" dirty="0" smtClean="0">
+                  <a:solidFill>
+                    <a:schemeClr val="accent1"/>
+                  </a:solidFill>
+                </a:rPr>
+                <a:t>数据图谱</a:t>
+              </a:r>
+              <a:endParaRPr lang="zh-CN" altLang="en-US" sz="1000" dirty="0">
+                <a:solidFill>
+                  <a:schemeClr val="accent1"/>
+                </a:solidFill>
+              </a:endParaRPr>
+            </a:p>
+          </p:txBody>
+        </p:sp>
+        <p:sp>
+          <p:nvSpPr>
+            <p:cNvPr id="23" name="文本框 22"/>
+            <p:cNvSpPr txBox="1"/>
+            <p:nvPr/>
+          </p:nvSpPr>
+          <p:spPr>
+            <a:xfrm>
+              <a:off x="2956526" y="2263735"/>
+              <a:ext cx="569387" cy="246221"/>
+            </a:xfrm>
+            <a:prstGeom prst="rect">
+              <a:avLst/>
+            </a:prstGeom>
+            <a:noFill/>
+          </p:spPr>
+          <p:txBody>
+            <a:bodyPr wrap="none" rtlCol="0">
+              <a:spAutoFit/>
+            </a:bodyPr>
+            <a:lstStyle/>
+            <a:p>
+              <a:r>
+                <a:rPr lang="zh-CN" altLang="en-US" sz="1000" dirty="0">
+                  <a:solidFill>
+                    <a:schemeClr val="accent6"/>
+                  </a:solidFill>
+                </a:rPr>
+                <a:t>源</a:t>
+              </a:r>
+              <a:r>
+                <a:rPr lang="zh-CN" altLang="en-US" sz="1000" dirty="0" smtClean="0">
+                  <a:solidFill>
+                    <a:schemeClr val="accent6"/>
+                  </a:solidFill>
+                </a:rPr>
+                <a:t>数据</a:t>
+              </a:r>
+              <a:endParaRPr lang="zh-CN" altLang="en-US" sz="1000" dirty="0">
+                <a:solidFill>
+                  <a:schemeClr val="accent6"/>
+                </a:solidFill>
+              </a:endParaRPr>
+            </a:p>
+          </p:txBody>
+        </p:sp>
+        <p:sp>
+          <p:nvSpPr>
+            <p:cNvPr id="24" name="文本框 23"/>
+            <p:cNvSpPr txBox="1"/>
+            <p:nvPr/>
+          </p:nvSpPr>
+          <p:spPr>
+            <a:xfrm>
+              <a:off x="3798044" y="2266626"/>
+              <a:ext cx="697627" cy="246221"/>
+            </a:xfrm>
+            <a:prstGeom prst="rect">
+              <a:avLst/>
+            </a:prstGeom>
+            <a:noFill/>
+          </p:spPr>
+          <p:txBody>
+            <a:bodyPr wrap="none" rtlCol="0">
+              <a:spAutoFit/>
+            </a:bodyPr>
+            <a:lstStyle/>
+            <a:p>
+              <a:r>
+                <a:rPr lang="zh-CN" altLang="en-US" sz="1000" dirty="0" smtClean="0">
+                  <a:solidFill>
+                    <a:srgbClr val="7030A0"/>
+                  </a:solidFill>
+                </a:rPr>
+                <a:t>关系数据</a:t>
+              </a:r>
+              <a:endParaRPr lang="zh-CN" altLang="en-US" sz="1000" dirty="0">
+                <a:solidFill>
+                  <a:srgbClr val="7030A0"/>
+                </a:solidFill>
+              </a:endParaRPr>
+            </a:p>
+          </p:txBody>
+        </p:sp>
+        <p:sp>
+          <p:nvSpPr>
+            <p:cNvPr id="25" name="文本框 24"/>
+            <p:cNvSpPr txBox="1"/>
+            <p:nvPr/>
+          </p:nvSpPr>
+          <p:spPr>
+            <a:xfrm>
+              <a:off x="4471017" y="2266801"/>
+              <a:ext cx="793807" cy="246221"/>
+            </a:xfrm>
+            <a:prstGeom prst="rect">
+              <a:avLst/>
+            </a:prstGeom>
+            <a:noFill/>
+          </p:spPr>
+          <p:txBody>
+            <a:bodyPr wrap="none" rtlCol="0">
+              <a:spAutoFit/>
+            </a:bodyPr>
+            <a:lstStyle/>
+            <a:p>
+              <a:r>
+                <a:rPr lang="zh-CN" altLang="en-US" sz="1000" dirty="0" smtClean="0">
+                  <a:solidFill>
+                    <a:srgbClr val="FF0000"/>
+                  </a:solidFill>
+                </a:rPr>
+                <a:t>缓存</a:t>
+              </a:r>
+              <a:r>
+                <a:rPr lang="en-US" altLang="zh-CN" sz="1000" dirty="0" smtClean="0">
+                  <a:solidFill>
+                    <a:srgbClr val="FF0000"/>
+                  </a:solidFill>
+                </a:rPr>
+                <a:t>&amp;</a:t>
+              </a:r>
+              <a:r>
+                <a:rPr lang="zh-CN" altLang="en-US" sz="1000" dirty="0" smtClean="0">
+                  <a:solidFill>
+                    <a:srgbClr val="FF0000"/>
+                  </a:solidFill>
+                </a:rPr>
+                <a:t>实时</a:t>
+              </a:r>
+              <a:endParaRPr lang="zh-CN" altLang="en-US" sz="1000" dirty="0">
+                <a:solidFill>
+                  <a:srgbClr val="FF0000"/>
+                </a:solidFill>
+              </a:endParaRPr>
+            </a:p>
+          </p:txBody>
+        </p:sp>
+      </p:grpSp>
+      <p:grpSp>
+        <p:nvGrpSpPr>
+          <p:cNvPr id="33" name="组合 32"/>
+          <p:cNvGrpSpPr/>
+          <p:nvPr/>
+        </p:nvGrpSpPr>
+        <p:grpSpPr>
+          <a:xfrm>
+            <a:off x="7691631" y="1985923"/>
+            <a:ext cx="449080" cy="190569"/>
+            <a:chOff x="4593326" y="2545216"/>
+            <a:chExt cx="449080" cy="190569"/>
+          </a:xfrm>
+        </p:grpSpPr>
+        <p:sp>
+          <p:nvSpPr>
+            <p:cNvPr id="5" name="燕尾形 4"/>
+            <p:cNvSpPr/>
+            <p:nvPr/>
+          </p:nvSpPr>
+          <p:spPr>
+            <a:xfrm rot="16200000">
+              <a:off x="4595023" y="2543519"/>
+              <a:ext cx="190569" cy="193963"/>
+            </a:xfrm>
+            <a:prstGeom prst="chevron">
+              <a:avLst/>
+            </a:prstGeom>
+            <a:noFill/>
+            <a:ln>
+              <a:solidFill>
+                <a:schemeClr val="accent2"/>
+              </a:solidFill>
+            </a:ln>
+          </p:spPr>
+          <p:style>
+            <a:lnRef idx="2">
+              <a:schemeClr val="accent1">
+                <a:shade val="50000"/>
+              </a:schemeClr>
+            </a:lnRef>
+            <a:fillRef idx="1">
+              <a:schemeClr val="accent1"/>
+            </a:fillRef>
+            <a:effectRef idx="0">
+              <a:schemeClr val="accent1"/>
+            </a:effectRef>
+            <a:fontRef idx="minor">
+              <a:schemeClr val="lt1"/>
+            </a:fontRef>
+          </p:style>
+          <p:txBody>
+            <a:bodyPr rtlCol="0" anchor="ctr"/>
+            <a:lstStyle/>
+            <a:p>
+              <a:pPr algn="ctr"/>
+              <a:endParaRPr lang="zh-CN" altLang="en-US">
+                <a:solidFill>
+                  <a:schemeClr val="tx1"/>
+                </a:solidFill>
+              </a:endParaRPr>
+            </a:p>
+          </p:txBody>
+        </p:sp>
+        <p:sp>
+          <p:nvSpPr>
+            <p:cNvPr id="26" name="燕尾形 25"/>
+            <p:cNvSpPr/>
+            <p:nvPr/>
+          </p:nvSpPr>
+          <p:spPr>
+            <a:xfrm rot="5400000">
+              <a:off x="4850140" y="2543519"/>
+              <a:ext cx="190569" cy="193963"/>
+            </a:xfrm>
+            <a:prstGeom prst="chevron">
+              <a:avLst/>
+            </a:prstGeom>
+            <a:noFill/>
+            <a:ln>
+              <a:solidFill>
+                <a:schemeClr val="accent1"/>
+              </a:solidFill>
+            </a:ln>
+          </p:spPr>
+          <p:style>
+            <a:lnRef idx="2">
+              <a:schemeClr val="accent1">
+                <a:shade val="50000"/>
+              </a:schemeClr>
+            </a:lnRef>
+            <a:fillRef idx="1">
+              <a:schemeClr val="accent1"/>
+            </a:fillRef>
+            <a:effectRef idx="0">
+              <a:schemeClr val="accent1"/>
+            </a:effectRef>
+            <a:fontRef idx="minor">
+              <a:schemeClr val="lt1"/>
+            </a:fontRef>
+          </p:style>
+          <p:txBody>
+            <a:bodyPr rtlCol="0" anchor="ctr"/>
+            <a:lstStyle/>
+            <a:p>
+              <a:pPr algn="ctr"/>
+              <a:endParaRPr lang="zh-CN" altLang="en-US">
+                <a:solidFill>
+                  <a:schemeClr val="tx1"/>
+                </a:solidFill>
+              </a:endParaRPr>
+            </a:p>
+          </p:txBody>
+        </p:sp>
+      </p:grpSp>
+      <p:grpSp>
+        <p:nvGrpSpPr>
+          <p:cNvPr id="35" name="组合 34"/>
+          <p:cNvGrpSpPr/>
+          <p:nvPr/>
+        </p:nvGrpSpPr>
+        <p:grpSpPr>
+          <a:xfrm>
+            <a:off x="4947817" y="2212088"/>
+            <a:ext cx="3352802" cy="522235"/>
+            <a:chOff x="1849512" y="2860158"/>
+            <a:chExt cx="3352802" cy="522235"/>
+          </a:xfrm>
+        </p:grpSpPr>
+        <p:sp>
+          <p:nvSpPr>
+            <p:cNvPr id="11" name="圆角矩形 10"/>
+            <p:cNvSpPr/>
+            <p:nvPr/>
+          </p:nvSpPr>
+          <p:spPr>
+            <a:xfrm>
+              <a:off x="1849512" y="2860160"/>
+              <a:ext cx="1115630" cy="404403"/>
+            </a:xfrm>
+            <a:prstGeom prst="roundRect">
+              <a:avLst>
+                <a:gd name="adj" fmla="val 7576"/>
+              </a:avLst>
+            </a:prstGeom>
+            <a:noFill/>
+          </p:spPr>
+          <p:style>
+            <a:lnRef idx="2">
+              <a:schemeClr val="accent1">
+                <a:shade val="50000"/>
+              </a:schemeClr>
+            </a:lnRef>
+            <a:fillRef idx="1">
+              <a:schemeClr val="accent1"/>
+            </a:fillRef>
+            <a:effectRef idx="0">
+              <a:schemeClr val="accent1"/>
+            </a:effectRef>
+            <a:fontRef idx="minor">
+              <a:schemeClr val="lt1"/>
+            </a:fontRef>
+          </p:style>
+          <p:txBody>
+            <a:bodyPr rtlCol="0" anchor="ctr"/>
+            <a:lstStyle/>
+            <a:p>
+              <a:pPr algn="ctr"/>
+              <a:r>
+                <a:rPr lang="zh-CN" altLang="en-US" sz="1200" dirty="0" smtClean="0">
+                  <a:solidFill>
+                    <a:schemeClr val="tx1"/>
+                  </a:solidFill>
+                </a:rPr>
+                <a:t>服务注册中心</a:t>
+              </a:r>
+              <a:endParaRPr lang="zh-CN" altLang="en-US" sz="1200" dirty="0">
+                <a:solidFill>
+                  <a:schemeClr val="tx1"/>
+                </a:solidFill>
+              </a:endParaRPr>
+            </a:p>
+          </p:txBody>
+        </p:sp>
+        <p:sp>
+          <p:nvSpPr>
+            <p:cNvPr id="12" name="圆角矩形 11"/>
+            <p:cNvSpPr/>
+            <p:nvPr/>
+          </p:nvSpPr>
+          <p:spPr>
+            <a:xfrm>
+              <a:off x="3040596" y="2860159"/>
+              <a:ext cx="963231" cy="404403"/>
+            </a:xfrm>
+            <a:prstGeom prst="roundRect">
+              <a:avLst>
+                <a:gd name="adj" fmla="val 7576"/>
+              </a:avLst>
+            </a:prstGeom>
+            <a:noFill/>
+          </p:spPr>
+          <p:style>
+            <a:lnRef idx="2">
+              <a:schemeClr val="accent1">
+                <a:shade val="50000"/>
+              </a:schemeClr>
+            </a:lnRef>
+            <a:fillRef idx="1">
+              <a:schemeClr val="accent1"/>
+            </a:fillRef>
+            <a:effectRef idx="0">
+              <a:schemeClr val="accent1"/>
+            </a:effectRef>
+            <a:fontRef idx="minor">
+              <a:schemeClr val="lt1"/>
+            </a:fontRef>
+          </p:style>
+          <p:txBody>
+            <a:bodyPr rtlCol="0" anchor="ctr"/>
+            <a:lstStyle/>
+            <a:p>
+              <a:pPr algn="ctr"/>
+              <a:r>
+                <a:rPr lang="zh-CN" altLang="en-US" sz="1200" smtClean="0">
+                  <a:solidFill>
+                    <a:schemeClr val="tx1"/>
+                  </a:solidFill>
+                </a:rPr>
+                <a:t>消息中间件</a:t>
+              </a:r>
+              <a:endParaRPr lang="zh-CN" altLang="en-US" sz="1200" dirty="0">
+                <a:solidFill>
+                  <a:schemeClr val="tx1"/>
+                </a:solidFill>
+              </a:endParaRPr>
+            </a:p>
+          </p:txBody>
+        </p:sp>
+        <p:sp>
+          <p:nvSpPr>
+            <p:cNvPr id="15" name="圆角矩形 14"/>
+            <p:cNvSpPr/>
+            <p:nvPr/>
+          </p:nvSpPr>
+          <p:spPr>
+            <a:xfrm>
+              <a:off x="4385569" y="2860158"/>
+              <a:ext cx="816745" cy="404403"/>
+            </a:xfrm>
+            <a:prstGeom prst="roundRect">
+              <a:avLst>
+                <a:gd name="adj" fmla="val 7576"/>
+              </a:avLst>
+            </a:prstGeom>
+            <a:noFill/>
+          </p:spPr>
+          <p:style>
+            <a:lnRef idx="2">
+              <a:schemeClr val="accent1">
+                <a:shade val="50000"/>
+              </a:schemeClr>
+            </a:lnRef>
+            <a:fillRef idx="1">
+              <a:schemeClr val="accent1"/>
+            </a:fillRef>
+            <a:effectRef idx="0">
+              <a:schemeClr val="accent1"/>
+            </a:effectRef>
+            <a:fontRef idx="minor">
+              <a:schemeClr val="lt1"/>
+            </a:fontRef>
+          </p:style>
+          <p:txBody>
+            <a:bodyPr rtlCol="0" anchor="ctr"/>
+            <a:lstStyle/>
+            <a:p>
+              <a:pPr algn="ctr"/>
+              <a:r>
+                <a:rPr lang="zh-CN" altLang="en-US" sz="1200" dirty="0" smtClean="0">
+                  <a:solidFill>
+                    <a:schemeClr val="tx1"/>
+                  </a:solidFill>
+                </a:rPr>
+                <a:t>数据服务</a:t>
+              </a:r>
+              <a:endParaRPr lang="zh-CN" altLang="en-US" sz="1200" dirty="0">
+                <a:solidFill>
+                  <a:schemeClr val="tx1"/>
+                </a:solidFill>
+              </a:endParaRPr>
+            </a:p>
+          </p:txBody>
+        </p:sp>
+        <p:sp>
+          <p:nvSpPr>
+            <p:cNvPr id="3" name="燕尾形箭头 2"/>
+            <p:cNvSpPr/>
+            <p:nvPr/>
+          </p:nvSpPr>
+          <p:spPr>
+            <a:xfrm>
+              <a:off x="4057093" y="2950950"/>
+              <a:ext cx="275209" cy="222817"/>
+            </a:xfrm>
+            <a:prstGeom prst="notchedRightArrow">
+              <a:avLst/>
+            </a:prstGeom>
+            <a:noFill/>
+            <a:ln>
+              <a:solidFill>
+                <a:srgbClr val="FF0000"/>
+              </a:solidFill>
+            </a:ln>
+          </p:spPr>
+          <p:style>
+            <a:lnRef idx="2">
+              <a:schemeClr val="accent1">
+                <a:shade val="50000"/>
+              </a:schemeClr>
+            </a:lnRef>
+            <a:fillRef idx="1">
+              <a:schemeClr val="accent1"/>
+            </a:fillRef>
+            <a:effectRef idx="0">
+              <a:schemeClr val="accent1"/>
+            </a:effectRef>
+            <a:fontRef idx="minor">
+              <a:schemeClr val="lt1"/>
+            </a:fontRef>
+          </p:style>
+          <p:txBody>
+            <a:bodyPr rtlCol="0" anchor="ctr"/>
+            <a:lstStyle/>
+            <a:p>
+              <a:pPr algn="ctr"/>
+              <a:endParaRPr lang="zh-CN" altLang="en-US"/>
+            </a:p>
+          </p:txBody>
+        </p:sp>
+        <p:cxnSp>
+          <p:nvCxnSpPr>
+            <p:cNvPr id="28" name="直接连接符 27"/>
+            <p:cNvCxnSpPr/>
+            <p:nvPr/>
+          </p:nvCxnSpPr>
+          <p:spPr>
+            <a:xfrm>
+              <a:off x="1849512" y="3382393"/>
+              <a:ext cx="3351600" cy="0"/>
+            </a:xfrm>
+            <a:prstGeom prst="line">
+              <a:avLst/>
+            </a:prstGeom>
+            <a:ln w="38100">
+              <a:solidFill>
+                <a:schemeClr val="accent6">
+                  <a:lumMod val="60000"/>
+                  <a:lumOff val="40000"/>
+                </a:schemeClr>
+              </a:solidFill>
+            </a:ln>
+          </p:spPr>
+          <p:style>
+            <a:lnRef idx="1">
+              <a:schemeClr val="accent1"/>
+            </a:lnRef>
+            <a:fillRef idx="0">
+              <a:schemeClr val="accent1"/>
+            </a:fillRef>
+            <a:effectRef idx="0">
+              <a:schemeClr val="accent1"/>
+            </a:effectRef>
+            <a:fontRef idx="minor">
+              <a:schemeClr val="tx1"/>
+            </a:fontRef>
+          </p:style>
+        </p:cxnSp>
+      </p:grpSp>
+      <p:grpSp>
+        <p:nvGrpSpPr>
+          <p:cNvPr id="34" name="组合 33"/>
+          <p:cNvGrpSpPr/>
+          <p:nvPr/>
+        </p:nvGrpSpPr>
+        <p:grpSpPr>
+          <a:xfrm>
+            <a:off x="6043016" y="2802384"/>
+            <a:ext cx="1155000" cy="523782"/>
+            <a:chOff x="2956526" y="3424762"/>
+            <a:chExt cx="1155000" cy="523782"/>
+          </a:xfrm>
+        </p:grpSpPr>
+        <p:sp>
+          <p:nvSpPr>
+            <p:cNvPr id="31" name="燕尾形 30"/>
+            <p:cNvSpPr/>
+            <p:nvPr/>
+          </p:nvSpPr>
+          <p:spPr>
+            <a:xfrm rot="16200000">
+              <a:off x="2961190" y="3420098"/>
+              <a:ext cx="523782" cy="533110"/>
+            </a:xfrm>
+            <a:prstGeom prst="chevron">
+              <a:avLst/>
+            </a:prstGeom>
+            <a:noFill/>
+            <a:ln>
+              <a:solidFill>
+                <a:schemeClr val="accent2"/>
+              </a:solidFill>
+            </a:ln>
+          </p:spPr>
+          <p:style>
+            <a:lnRef idx="2">
+              <a:schemeClr val="accent1">
+                <a:shade val="50000"/>
+              </a:schemeClr>
+            </a:lnRef>
+            <a:fillRef idx="1">
+              <a:schemeClr val="accent1"/>
+            </a:fillRef>
+            <a:effectRef idx="0">
+              <a:schemeClr val="accent1"/>
+            </a:effectRef>
+            <a:fontRef idx="minor">
+              <a:schemeClr val="lt1"/>
+            </a:fontRef>
+          </p:style>
+          <p:txBody>
+            <a:bodyPr rtlCol="0" anchor="ctr"/>
+            <a:lstStyle/>
+            <a:p>
+              <a:pPr algn="ctr"/>
+              <a:endParaRPr lang="zh-CN" altLang="en-US">
+                <a:solidFill>
+                  <a:schemeClr val="tx1"/>
+                </a:solidFill>
+              </a:endParaRPr>
+            </a:p>
+          </p:txBody>
+        </p:sp>
+        <p:sp>
+          <p:nvSpPr>
+            <p:cNvPr id="32" name="燕尾形 31"/>
+            <p:cNvSpPr/>
+            <p:nvPr/>
+          </p:nvSpPr>
+          <p:spPr>
+            <a:xfrm rot="5400000">
+              <a:off x="3583080" y="3420098"/>
+              <a:ext cx="523782" cy="533110"/>
+            </a:xfrm>
+            <a:prstGeom prst="chevron">
+              <a:avLst/>
+            </a:prstGeom>
+            <a:noFill/>
+            <a:ln>
+              <a:solidFill>
+                <a:schemeClr val="accent1"/>
+              </a:solidFill>
+            </a:ln>
+          </p:spPr>
+          <p:style>
+            <a:lnRef idx="2">
+              <a:schemeClr val="accent1">
+                <a:shade val="50000"/>
+              </a:schemeClr>
+            </a:lnRef>
+            <a:fillRef idx="1">
+              <a:schemeClr val="accent1"/>
+            </a:fillRef>
+            <a:effectRef idx="0">
+              <a:schemeClr val="accent1"/>
+            </a:effectRef>
+            <a:fontRef idx="minor">
+              <a:schemeClr val="lt1"/>
+            </a:fontRef>
+          </p:style>
+          <p:txBody>
+            <a:bodyPr rtlCol="0" anchor="ctr"/>
+            <a:lstStyle/>
+            <a:p>
+              <a:pPr algn="ctr"/>
+              <a:endParaRPr lang="zh-CN" altLang="en-US">
+                <a:solidFill>
+                  <a:schemeClr val="tx1"/>
+                </a:solidFill>
+              </a:endParaRPr>
+            </a:p>
+          </p:txBody>
+        </p:sp>
+      </p:grpSp>
+      <p:sp>
+        <p:nvSpPr>
+          <p:cNvPr id="41" name="圆角矩形 40"/>
+          <p:cNvSpPr/>
+          <p:nvPr/>
+        </p:nvSpPr>
+        <p:spPr>
+          <a:xfrm>
+            <a:off x="3923531" y="3285103"/>
+            <a:ext cx="433400" cy="1154975"/>
+          </a:xfrm>
+          <a:prstGeom prst="roundRect">
+            <a:avLst>
+              <a:gd name="adj" fmla="val 7576"/>
+            </a:avLst>
+          </a:prstGeom>
+          <a:noFill/>
+          <a:ln>
+            <a:solidFill>
+              <a:schemeClr val="accent1">
+                <a:lumMod val="75000"/>
+              </a:schemeClr>
+            </a:solidFill>
+          </a:ln>
+        </p:spPr>
+        <p:style>
+          <a:lnRef idx="2">
+            <a:schemeClr val="accent3"/>
+          </a:lnRef>
+          <a:fillRef idx="1">
+            <a:schemeClr val="lt1"/>
+          </a:fillRef>
+          <a:effectRef idx="0">
+            <a:schemeClr val="accent3"/>
+          </a:effectRef>
+          <a:fontRef idx="minor">
+            <a:schemeClr val="dk1"/>
+          </a:fontRef>
+        </p:style>
+        <p:txBody>
+          <a:bodyPr rtlCol="0" anchor="ctr"/>
+          <a:lstStyle/>
+          <a:p>
+            <a:pPr algn="ctr"/>
+            <a:endParaRPr lang="en-US" altLang="zh-CN" sz="1200" dirty="0" smtClean="0">
+              <a:solidFill>
+                <a:schemeClr val="tx1"/>
+              </a:solidFill>
+            </a:endParaRPr>
+          </a:p>
+          <a:p>
+            <a:pPr algn="ctr"/>
+            <a:endParaRPr lang="en-US" altLang="zh-CN" sz="1200" dirty="0">
+              <a:solidFill>
+                <a:schemeClr val="tx1"/>
+              </a:solidFill>
+            </a:endParaRPr>
+          </a:p>
+          <a:p>
+            <a:pPr algn="ctr"/>
+            <a:r>
+              <a:rPr lang="zh-CN" altLang="en-US" sz="1200" dirty="0" smtClean="0">
+                <a:solidFill>
+                  <a:schemeClr val="tx1"/>
+                </a:solidFill>
+              </a:rPr>
+              <a:t>服务</a:t>
+            </a:r>
+            <a:r>
+              <a:rPr lang="en-US" altLang="zh-CN" sz="1200" dirty="0" smtClean="0">
+                <a:solidFill>
+                  <a:schemeClr val="tx1"/>
+                </a:solidFill>
+              </a:rPr>
+              <a:t>B</a:t>
+            </a:r>
+          </a:p>
+          <a:p>
+            <a:pPr algn="ctr"/>
+            <a:r>
+              <a:rPr lang="en-US" altLang="zh-CN" sz="1200" dirty="0" smtClean="0">
+                <a:solidFill>
+                  <a:schemeClr val="tx1"/>
+                </a:solidFill>
+              </a:rPr>
+              <a:t> API</a:t>
+            </a:r>
+          </a:p>
+          <a:p>
+            <a:pPr algn="ctr"/>
+            <a:endParaRPr lang="en-US" altLang="zh-CN" sz="1200" dirty="0">
+              <a:solidFill>
+                <a:schemeClr val="tx1"/>
+              </a:solidFill>
+            </a:endParaRPr>
+          </a:p>
+          <a:p>
+            <a:pPr algn="ctr"/>
+            <a:endParaRPr lang="zh-CN" altLang="en-US" sz="1200" dirty="0">
+              <a:solidFill>
+                <a:schemeClr val="tx1"/>
+              </a:solidFill>
+            </a:endParaRPr>
+          </a:p>
+        </p:txBody>
+      </p:sp>
+      <p:sp>
+        <p:nvSpPr>
+          <p:cNvPr id="42" name="圆角矩形 41"/>
+          <p:cNvSpPr/>
+          <p:nvPr/>
+        </p:nvSpPr>
+        <p:spPr>
+          <a:xfrm>
+            <a:off x="3933798" y="4565183"/>
+            <a:ext cx="433400" cy="1258568"/>
+          </a:xfrm>
+          <a:prstGeom prst="roundRect">
+            <a:avLst>
+              <a:gd name="adj" fmla="val 7576"/>
+            </a:avLst>
+          </a:prstGeom>
+          <a:noFill/>
+          <a:ln>
+            <a:solidFill>
+              <a:schemeClr val="accent1">
+                <a:lumMod val="75000"/>
+              </a:schemeClr>
+            </a:solidFill>
+          </a:ln>
+        </p:spPr>
+        <p:style>
+          <a:lnRef idx="2">
+            <a:schemeClr val="accent4"/>
+          </a:lnRef>
+          <a:fillRef idx="1">
+            <a:schemeClr val="lt1"/>
+          </a:fillRef>
+          <a:effectRef idx="0">
+            <a:schemeClr val="accent4"/>
+          </a:effectRef>
+          <a:fontRef idx="minor">
+            <a:schemeClr val="dk1"/>
+          </a:fontRef>
+        </p:style>
+        <p:txBody>
+          <a:bodyPr rtlCol="0" anchor="ctr"/>
+          <a:lstStyle/>
+          <a:p>
+            <a:pPr algn="ctr"/>
+            <a:endParaRPr lang="en-US" altLang="zh-CN" sz="1200" dirty="0" smtClean="0">
+              <a:solidFill>
+                <a:schemeClr val="tx1"/>
+              </a:solidFill>
+            </a:endParaRPr>
+          </a:p>
+          <a:p>
+            <a:pPr algn="ctr"/>
+            <a:endParaRPr lang="en-US" altLang="zh-CN" sz="1200" dirty="0">
+              <a:solidFill>
+                <a:schemeClr val="tx1"/>
+              </a:solidFill>
+            </a:endParaRPr>
+          </a:p>
+          <a:p>
+            <a:pPr algn="ctr"/>
+            <a:r>
+              <a:rPr lang="zh-CN" altLang="en-US" sz="1200" dirty="0" smtClean="0">
+                <a:solidFill>
+                  <a:schemeClr val="tx1"/>
+                </a:solidFill>
+              </a:rPr>
+              <a:t>服务</a:t>
+            </a:r>
+            <a:r>
+              <a:rPr lang="en-US" altLang="zh-CN" sz="1200" dirty="0" smtClean="0">
+                <a:solidFill>
+                  <a:schemeClr val="tx1"/>
+                </a:solidFill>
+              </a:rPr>
+              <a:t>C</a:t>
+            </a:r>
+          </a:p>
+          <a:p>
+            <a:pPr algn="ctr"/>
+            <a:r>
+              <a:rPr lang="en-US" altLang="zh-CN" sz="1200" dirty="0" smtClean="0">
+                <a:solidFill>
+                  <a:schemeClr val="tx1"/>
+                </a:solidFill>
+              </a:rPr>
+              <a:t> API</a:t>
+            </a:r>
+          </a:p>
+          <a:p>
+            <a:pPr algn="ctr"/>
+            <a:endParaRPr lang="en-US" altLang="zh-CN" sz="1200" dirty="0">
+              <a:solidFill>
+                <a:schemeClr val="tx1"/>
+              </a:solidFill>
+            </a:endParaRPr>
+          </a:p>
+          <a:p>
+            <a:pPr algn="ctr"/>
+            <a:endParaRPr lang="zh-CN" altLang="en-US" sz="1200" dirty="0">
+              <a:solidFill>
+                <a:schemeClr val="tx1"/>
+              </a:solidFill>
+            </a:endParaRPr>
+          </a:p>
+        </p:txBody>
+      </p:sp>
+      <p:sp>
+        <p:nvSpPr>
+          <p:cNvPr id="53" name="圆角矩形 52"/>
+          <p:cNvSpPr/>
+          <p:nvPr/>
+        </p:nvSpPr>
+        <p:spPr>
+          <a:xfrm>
+            <a:off x="1829576" y="2525697"/>
+            <a:ext cx="1503070" cy="1484142"/>
+          </a:xfrm>
+          <a:prstGeom prst="roundRect">
+            <a:avLst>
+              <a:gd name="adj" fmla="val 7576"/>
+            </a:avLst>
+          </a:prstGeom>
+          <a:noFill/>
+          <a:ln w="19050">
+            <a:solidFill>
+              <a:srgbClr val="FFFF00"/>
+            </a:solidFill>
+          </a:ln>
+        </p:spPr>
+        <p:style>
+          <a:lnRef idx="2">
+            <a:schemeClr val="accent1">
+              <a:shade val="50000"/>
+            </a:schemeClr>
+          </a:lnRef>
+          <a:fillRef idx="1">
+            <a:schemeClr val="accent1"/>
+          </a:fillRef>
+          <a:effectRef idx="0">
+            <a:schemeClr val="accent1"/>
+          </a:effectRef>
+          <a:fontRef idx="minor">
+            <a:schemeClr val="lt1"/>
+          </a:fontRef>
+        </p:style>
+        <p:txBody>
+          <a:bodyPr rtlCol="0" anchor="ctr"/>
+          <a:lstStyle/>
+          <a:p>
+            <a:r>
+              <a:rPr lang="zh-CN" altLang="en-US" sz="1200" dirty="0" smtClean="0">
+                <a:solidFill>
+                  <a:schemeClr val="tx1"/>
+                </a:solidFill>
+              </a:rPr>
+              <a:t>网关</a:t>
+            </a:r>
+            <a:endParaRPr lang="zh-CN" altLang="en-US" sz="1200" dirty="0">
+              <a:solidFill>
+                <a:schemeClr val="tx1"/>
+              </a:solidFill>
+            </a:endParaRPr>
+          </a:p>
+        </p:txBody>
+      </p:sp>
+      <p:cxnSp>
+        <p:nvCxnSpPr>
+          <p:cNvPr id="55" name="直接箭头连接符 54"/>
+          <p:cNvCxnSpPr>
+            <a:stCxn id="53" idx="3"/>
+            <a:endCxn id="22" idx="1"/>
+          </p:cNvCxnSpPr>
+          <p:nvPr/>
+        </p:nvCxnSpPr>
+        <p:spPr>
+          <a:xfrm flipV="1">
+            <a:off x="3332646" y="2587843"/>
+            <a:ext cx="599586" cy="679925"/>
+          </a:xfrm>
+          <a:prstGeom prst="straightConnector1">
+            <a:avLst/>
+          </a:prstGeom>
+          <a:ln w="3175">
+            <a:solidFill>
+              <a:schemeClr val="accent6">
+                <a:lumMod val="60000"/>
+                <a:lumOff val="40000"/>
+              </a:schemeClr>
+            </a:solidFill>
+            <a:headEnd type="triangle"/>
+            <a:tailEnd type="triangle"/>
+          </a:ln>
+        </p:spPr>
+        <p:style>
+          <a:lnRef idx="1">
+            <a:schemeClr val="accent1"/>
+          </a:lnRef>
+          <a:fillRef idx="0">
+            <a:schemeClr val="accent1"/>
+          </a:fillRef>
+          <a:effectRef idx="0">
+            <a:schemeClr val="accent1"/>
+          </a:effectRef>
+          <a:fontRef idx="minor">
+            <a:schemeClr val="tx1"/>
+          </a:fontRef>
+        </p:style>
+      </p:cxnSp>
+      <p:cxnSp>
+        <p:nvCxnSpPr>
+          <p:cNvPr id="57" name="直接箭头连接符 56"/>
+          <p:cNvCxnSpPr>
+            <a:stCxn id="53" idx="3"/>
+            <a:endCxn id="42" idx="1"/>
+          </p:cNvCxnSpPr>
+          <p:nvPr/>
+        </p:nvCxnSpPr>
+        <p:spPr>
+          <a:xfrm>
+            <a:off x="3332646" y="3267768"/>
+            <a:ext cx="601152" cy="1926699"/>
+          </a:xfrm>
+          <a:prstGeom prst="straightConnector1">
+            <a:avLst/>
+          </a:prstGeom>
+          <a:ln w="3175">
+            <a:solidFill>
+              <a:schemeClr val="accent6">
+                <a:lumMod val="60000"/>
+                <a:lumOff val="40000"/>
+              </a:schemeClr>
+            </a:solidFill>
+            <a:headEnd type="triangle"/>
+            <a:tailEnd type="triangle"/>
+          </a:ln>
+        </p:spPr>
+        <p:style>
+          <a:lnRef idx="1">
+            <a:schemeClr val="accent1"/>
+          </a:lnRef>
+          <a:fillRef idx="0">
+            <a:schemeClr val="accent1"/>
+          </a:fillRef>
+          <a:effectRef idx="0">
+            <a:schemeClr val="accent1"/>
+          </a:effectRef>
+          <a:fontRef idx="minor">
+            <a:schemeClr val="tx1"/>
+          </a:fontRef>
+        </p:style>
+      </p:cxnSp>
+      <p:cxnSp>
+        <p:nvCxnSpPr>
+          <p:cNvPr id="59" name="直接箭头连接符 58"/>
+          <p:cNvCxnSpPr>
+            <a:stCxn id="53" idx="3"/>
+            <a:endCxn id="41" idx="1"/>
+          </p:cNvCxnSpPr>
+          <p:nvPr/>
+        </p:nvCxnSpPr>
+        <p:spPr>
+          <a:xfrm>
+            <a:off x="3332646" y="3267768"/>
+            <a:ext cx="590885" cy="594823"/>
+          </a:xfrm>
+          <a:prstGeom prst="straightConnector1">
+            <a:avLst/>
+          </a:prstGeom>
+          <a:ln w="3175">
+            <a:solidFill>
+              <a:schemeClr val="accent6">
+                <a:lumMod val="60000"/>
+                <a:lumOff val="40000"/>
+              </a:schemeClr>
+            </a:solidFill>
+            <a:headEnd type="triangle"/>
+            <a:tailEnd type="triangle"/>
+          </a:ln>
+        </p:spPr>
+        <p:style>
+          <a:lnRef idx="1">
+            <a:schemeClr val="accent1"/>
+          </a:lnRef>
+          <a:fillRef idx="0">
+            <a:schemeClr val="accent1"/>
+          </a:fillRef>
+          <a:effectRef idx="0">
+            <a:schemeClr val="accent1"/>
+          </a:effectRef>
+          <a:fontRef idx="minor">
+            <a:schemeClr val="tx1"/>
+          </a:fontRef>
+        </p:style>
+      </p:cxnSp>
+      <p:sp>
+        <p:nvSpPr>
+          <p:cNvPr id="60" name="圆角矩形 59"/>
+          <p:cNvSpPr/>
+          <p:nvPr/>
+        </p:nvSpPr>
+        <p:spPr>
+          <a:xfrm>
+            <a:off x="3932232" y="851243"/>
+            <a:ext cx="923852" cy="1099958"/>
+          </a:xfrm>
+          <a:prstGeom prst="roundRect">
+            <a:avLst>
+              <a:gd name="adj" fmla="val 7576"/>
+            </a:avLst>
+          </a:prstGeom>
+          <a:solidFill>
+            <a:schemeClr val="accent5">
+              <a:lumMod val="20000"/>
+              <a:lumOff val="80000"/>
+            </a:schemeClr>
+          </a:solidFill>
+          <a:ln>
+            <a:solidFill>
+              <a:schemeClr val="accent5">
+                <a:lumMod val="75000"/>
+              </a:schemeClr>
+            </a:solidFill>
+          </a:ln>
+        </p:spPr>
+        <p:style>
+          <a:lnRef idx="2">
+            <a:schemeClr val="accent1">
+              <a:shade val="50000"/>
+            </a:schemeClr>
+          </a:lnRef>
+          <a:fillRef idx="1">
+            <a:schemeClr val="accent1"/>
+          </a:fillRef>
+          <a:effectRef idx="0">
+            <a:schemeClr val="accent1"/>
+          </a:effectRef>
+          <a:fontRef idx="minor">
+            <a:schemeClr val="lt1"/>
+          </a:fontRef>
+        </p:style>
+        <p:txBody>
+          <a:bodyPr rtlCol="0" anchor="ctr"/>
+          <a:lstStyle/>
+          <a:p>
+            <a:pPr algn="ctr"/>
+            <a:r>
+              <a:rPr lang="zh-CN" altLang="en-US" sz="1200" dirty="0" smtClean="0">
+                <a:solidFill>
+                  <a:schemeClr val="tx1"/>
+                </a:solidFill>
+              </a:rPr>
+              <a:t>统一</a:t>
+            </a:r>
+            <a:endParaRPr lang="en-US" altLang="zh-CN" sz="1200" dirty="0" smtClean="0">
+              <a:solidFill>
+                <a:schemeClr val="tx1"/>
+              </a:solidFill>
+            </a:endParaRPr>
+          </a:p>
+          <a:p>
+            <a:pPr algn="ctr"/>
+            <a:r>
+              <a:rPr lang="zh-CN" altLang="en-US" sz="1200" dirty="0">
+                <a:solidFill>
+                  <a:schemeClr val="tx1"/>
+                </a:solidFill>
+              </a:rPr>
+              <a:t>权限</a:t>
+            </a:r>
+            <a:r>
+              <a:rPr lang="zh-CN" altLang="en-US" sz="1200" dirty="0" smtClean="0">
+                <a:solidFill>
+                  <a:schemeClr val="tx1"/>
+                </a:solidFill>
+              </a:rPr>
+              <a:t>中心</a:t>
+            </a:r>
+            <a:endParaRPr lang="zh-CN" altLang="en-US" sz="1200" dirty="0">
+              <a:solidFill>
+                <a:schemeClr val="tx1"/>
+              </a:solidFill>
+            </a:endParaRPr>
+          </a:p>
+        </p:txBody>
+      </p:sp>
+      <p:cxnSp>
+        <p:nvCxnSpPr>
+          <p:cNvPr id="72" name="直接箭头连接符 71"/>
+          <p:cNvCxnSpPr>
+            <a:stCxn id="10" idx="1"/>
+            <a:endCxn id="22" idx="3"/>
+          </p:cNvCxnSpPr>
+          <p:nvPr/>
+        </p:nvCxnSpPr>
+        <p:spPr>
+          <a:xfrm flipH="1" flipV="1">
+            <a:off x="4365632" y="2587843"/>
+            <a:ext cx="582185" cy="2024106"/>
+          </a:xfrm>
+          <a:prstGeom prst="straightConnector1">
+            <a:avLst/>
+          </a:prstGeom>
+          <a:ln w="3175">
+            <a:solidFill>
+              <a:schemeClr val="accent4">
+                <a:lumMod val="60000"/>
+                <a:lumOff val="40000"/>
+              </a:schemeClr>
+            </a:solidFill>
+            <a:headEnd type="triangle"/>
+            <a:tailEnd type="triangle"/>
+          </a:ln>
+        </p:spPr>
+        <p:style>
+          <a:lnRef idx="1">
+            <a:schemeClr val="accent1"/>
+          </a:lnRef>
+          <a:fillRef idx="0">
+            <a:schemeClr val="accent1"/>
+          </a:fillRef>
+          <a:effectRef idx="0">
+            <a:schemeClr val="accent1"/>
+          </a:effectRef>
+          <a:fontRef idx="minor">
+            <a:schemeClr val="tx1"/>
+          </a:fontRef>
+        </p:style>
+      </p:cxnSp>
+      <p:cxnSp>
+        <p:nvCxnSpPr>
+          <p:cNvPr id="75" name="直接箭头连接符 74"/>
+          <p:cNvCxnSpPr>
+            <a:stCxn id="10" idx="1"/>
+            <a:endCxn id="41" idx="3"/>
+          </p:cNvCxnSpPr>
+          <p:nvPr/>
+        </p:nvCxnSpPr>
+        <p:spPr>
+          <a:xfrm flipH="1" flipV="1">
+            <a:off x="4356931" y="3862591"/>
+            <a:ext cx="590886" cy="749358"/>
+          </a:xfrm>
+          <a:prstGeom prst="straightConnector1">
+            <a:avLst/>
+          </a:prstGeom>
+          <a:ln w="3175">
+            <a:solidFill>
+              <a:schemeClr val="accent4">
+                <a:lumMod val="60000"/>
+                <a:lumOff val="40000"/>
+              </a:schemeClr>
+            </a:solidFill>
+            <a:headEnd type="triangle"/>
+            <a:tailEnd type="triangle"/>
+          </a:ln>
+        </p:spPr>
+        <p:style>
+          <a:lnRef idx="1">
+            <a:schemeClr val="accent1"/>
+          </a:lnRef>
+          <a:fillRef idx="0">
+            <a:schemeClr val="accent1"/>
+          </a:fillRef>
+          <a:effectRef idx="0">
+            <a:schemeClr val="accent1"/>
+          </a:effectRef>
+          <a:fontRef idx="minor">
+            <a:schemeClr val="tx1"/>
+          </a:fontRef>
+        </p:style>
+      </p:cxnSp>
+      <p:cxnSp>
+        <p:nvCxnSpPr>
+          <p:cNvPr id="78" name="直接箭头连接符 77"/>
+          <p:cNvCxnSpPr>
+            <a:stCxn id="10" idx="1"/>
+            <a:endCxn id="42" idx="3"/>
+          </p:cNvCxnSpPr>
+          <p:nvPr/>
+        </p:nvCxnSpPr>
+        <p:spPr>
+          <a:xfrm flipH="1">
+            <a:off x="4367198" y="4611949"/>
+            <a:ext cx="580619" cy="582518"/>
+          </a:xfrm>
+          <a:prstGeom prst="straightConnector1">
+            <a:avLst/>
+          </a:prstGeom>
+          <a:ln w="3175">
+            <a:solidFill>
+              <a:schemeClr val="accent4">
+                <a:lumMod val="60000"/>
+                <a:lumOff val="40000"/>
+              </a:schemeClr>
+            </a:solidFill>
+            <a:headEnd type="triangle"/>
+            <a:tailEnd type="triangle"/>
+          </a:ln>
+        </p:spPr>
+        <p:style>
+          <a:lnRef idx="1">
+            <a:schemeClr val="accent1"/>
+          </a:lnRef>
+          <a:fillRef idx="0">
+            <a:schemeClr val="accent1"/>
+          </a:fillRef>
+          <a:effectRef idx="0">
+            <a:schemeClr val="accent1"/>
+          </a:effectRef>
+          <a:fontRef idx="minor">
+            <a:schemeClr val="tx1"/>
+          </a:fontRef>
+        </p:style>
+      </p:cxnSp>
+      <p:sp>
+        <p:nvSpPr>
+          <p:cNvPr id="81" name="下弧形箭头 80"/>
+          <p:cNvSpPr/>
+          <p:nvPr/>
+        </p:nvSpPr>
+        <p:spPr>
+          <a:xfrm>
+            <a:off x="4464978" y="1861886"/>
+            <a:ext cx="284085" cy="170878"/>
+          </a:xfrm>
+          <a:prstGeom prst="curvedUpArrow">
+            <a:avLst/>
+          </a:prstGeom>
+          <a:noFill/>
+        </p:spPr>
+        <p:style>
+          <a:lnRef idx="2">
+            <a:schemeClr val="accent1">
+              <a:shade val="50000"/>
+            </a:schemeClr>
+          </a:lnRef>
+          <a:fillRef idx="1">
+            <a:schemeClr val="accent1"/>
+          </a:fillRef>
+          <a:effectRef idx="0">
+            <a:schemeClr val="accent1"/>
+          </a:effectRef>
+          <a:fontRef idx="minor">
+            <a:schemeClr val="lt1"/>
+          </a:fontRef>
+        </p:style>
+        <p:txBody>
+          <a:bodyPr rtlCol="0" anchor="ctr"/>
+          <a:lstStyle/>
+          <a:p>
+            <a:pPr algn="ctr"/>
+            <a:endParaRPr lang="zh-CN" altLang="en-US">
+              <a:solidFill>
+                <a:schemeClr val="tx1"/>
+              </a:solidFill>
+            </a:endParaRPr>
+          </a:p>
+        </p:txBody>
+      </p:sp>
+      <p:sp>
+        <p:nvSpPr>
+          <p:cNvPr id="82" name="圆角矩形 81"/>
+          <p:cNvSpPr/>
+          <p:nvPr/>
+        </p:nvSpPr>
+        <p:spPr>
+          <a:xfrm>
+            <a:off x="2831635" y="2652003"/>
+            <a:ext cx="400355" cy="1246100"/>
+          </a:xfrm>
+          <a:prstGeom prst="roundRect">
+            <a:avLst>
+              <a:gd name="adj" fmla="val 7576"/>
+            </a:avLst>
+          </a:prstGeom>
+          <a:ln>
+            <a:solidFill>
+              <a:schemeClr val="bg1">
+                <a:lumMod val="85000"/>
+              </a:schemeClr>
+            </a:solidFill>
+          </a:ln>
+        </p:spPr>
+        <p:style>
+          <a:lnRef idx="2">
+            <a:schemeClr val="dk1"/>
+          </a:lnRef>
+          <a:fillRef idx="1">
+            <a:schemeClr val="lt1"/>
+          </a:fillRef>
+          <a:effectRef idx="0">
+            <a:schemeClr val="dk1"/>
+          </a:effectRef>
+          <a:fontRef idx="minor">
+            <a:schemeClr val="dk1"/>
+          </a:fontRef>
+        </p:style>
+        <p:txBody>
+          <a:bodyPr rtlCol="0" anchor="ctr"/>
+          <a:lstStyle/>
+          <a:p>
+            <a:pPr algn="ctr"/>
+            <a:r>
+              <a:rPr lang="zh-CN" altLang="en-US" sz="1200" dirty="0" smtClean="0">
+                <a:solidFill>
+                  <a:schemeClr val="tx1"/>
+                </a:solidFill>
+              </a:rPr>
+              <a:t>非法拦截</a:t>
+            </a:r>
+            <a:endParaRPr lang="zh-CN" altLang="en-US" sz="1200" dirty="0">
+              <a:solidFill>
+                <a:schemeClr val="tx1"/>
+              </a:solidFill>
+            </a:endParaRPr>
+          </a:p>
+        </p:txBody>
+      </p:sp>
+      <p:sp>
+        <p:nvSpPr>
+          <p:cNvPr id="83" name="圆角矩形 82"/>
+          <p:cNvSpPr/>
+          <p:nvPr/>
+        </p:nvSpPr>
+        <p:spPr>
+          <a:xfrm>
+            <a:off x="2348213" y="2652003"/>
+            <a:ext cx="400355" cy="1246100"/>
+          </a:xfrm>
+          <a:prstGeom prst="roundRect">
+            <a:avLst>
+              <a:gd name="adj" fmla="val 7576"/>
+            </a:avLst>
+          </a:prstGeom>
+          <a:ln>
+            <a:solidFill>
+              <a:schemeClr val="bg1">
+                <a:lumMod val="85000"/>
+              </a:schemeClr>
+            </a:solidFill>
+          </a:ln>
+        </p:spPr>
+        <p:style>
+          <a:lnRef idx="2">
+            <a:schemeClr val="dk1"/>
+          </a:lnRef>
+          <a:fillRef idx="1">
+            <a:schemeClr val="lt1"/>
+          </a:fillRef>
+          <a:effectRef idx="0">
+            <a:schemeClr val="dk1"/>
+          </a:effectRef>
+          <a:fontRef idx="minor">
+            <a:schemeClr val="dk1"/>
+          </a:fontRef>
+        </p:style>
+        <p:txBody>
+          <a:bodyPr rtlCol="0" anchor="ctr"/>
+          <a:lstStyle/>
+          <a:p>
+            <a:pPr algn="ctr"/>
+            <a:r>
+              <a:rPr lang="zh-CN" altLang="en-US" sz="1200" dirty="0" smtClean="0">
+                <a:solidFill>
+                  <a:schemeClr val="tx1"/>
+                </a:solidFill>
+              </a:rPr>
+              <a:t>限流</a:t>
+            </a:r>
+            <a:endParaRPr lang="zh-CN" altLang="en-US" sz="1200" dirty="0">
+              <a:solidFill>
+                <a:schemeClr val="tx1"/>
+              </a:solidFill>
+            </a:endParaRPr>
+          </a:p>
+        </p:txBody>
+      </p:sp>
+      <p:sp>
+        <p:nvSpPr>
+          <p:cNvPr id="89" name="燕尾形箭头 88"/>
+          <p:cNvSpPr/>
+          <p:nvPr/>
+        </p:nvSpPr>
+        <p:spPr>
+          <a:xfrm>
+            <a:off x="1526344" y="3174908"/>
+            <a:ext cx="275209" cy="222817"/>
+          </a:xfrm>
+          <a:prstGeom prst="notchedRightArrow">
+            <a:avLst/>
+          </a:prstGeom>
+          <a:noFill/>
+          <a:ln>
+            <a:solidFill>
+              <a:srgbClr val="FF0000"/>
+            </a:solidFill>
+          </a:ln>
+        </p:spPr>
+        <p:style>
+          <a:lnRef idx="2">
+            <a:schemeClr val="accent1">
+              <a:shade val="50000"/>
+            </a:schemeClr>
+          </a:lnRef>
+          <a:fillRef idx="1">
+            <a:schemeClr val="accent1"/>
+          </a:fillRef>
+          <a:effectRef idx="0">
+            <a:schemeClr val="accent1"/>
+          </a:effectRef>
+          <a:fontRef idx="minor">
+            <a:schemeClr val="lt1"/>
+          </a:fontRef>
+        </p:style>
+        <p:txBody>
+          <a:bodyPr rtlCol="0" anchor="ctr"/>
+          <a:lstStyle/>
+          <a:p>
+            <a:pPr algn="ctr"/>
+            <a:endParaRPr lang="zh-CN" altLang="en-US"/>
+          </a:p>
+        </p:txBody>
+      </p:sp>
+      <p:cxnSp>
+        <p:nvCxnSpPr>
+          <p:cNvPr id="90" name="直接箭头连接符 89"/>
+          <p:cNvCxnSpPr>
+            <a:stCxn id="11" idx="1"/>
+            <a:endCxn id="22" idx="3"/>
+          </p:cNvCxnSpPr>
+          <p:nvPr/>
+        </p:nvCxnSpPr>
+        <p:spPr>
+          <a:xfrm flipH="1">
+            <a:off x="4365632" y="2414292"/>
+            <a:ext cx="582185" cy="173551"/>
+          </a:xfrm>
+          <a:prstGeom prst="straightConnector1">
+            <a:avLst/>
+          </a:prstGeom>
+          <a:ln w="3175">
+            <a:solidFill>
+              <a:srgbClr val="00B0F0"/>
+            </a:solidFill>
+            <a:prstDash val="dash"/>
+            <a:headEnd type="triangle"/>
+            <a:tailEnd type="triangle"/>
+          </a:ln>
+        </p:spPr>
+        <p:style>
+          <a:lnRef idx="1">
+            <a:schemeClr val="accent1"/>
+          </a:lnRef>
+          <a:fillRef idx="0">
+            <a:schemeClr val="accent1"/>
+          </a:fillRef>
+          <a:effectRef idx="0">
+            <a:schemeClr val="accent1"/>
+          </a:effectRef>
+          <a:fontRef idx="minor">
+            <a:schemeClr val="tx1"/>
+          </a:fontRef>
+        </p:style>
+      </p:cxnSp>
+      <p:cxnSp>
+        <p:nvCxnSpPr>
+          <p:cNvPr id="93" name="直接箭头连接符 92"/>
+          <p:cNvCxnSpPr>
+            <a:stCxn id="11" idx="1"/>
+            <a:endCxn id="41" idx="3"/>
+          </p:cNvCxnSpPr>
+          <p:nvPr/>
+        </p:nvCxnSpPr>
+        <p:spPr>
+          <a:xfrm flipH="1">
+            <a:off x="4356931" y="2414292"/>
+            <a:ext cx="590886" cy="1448299"/>
+          </a:xfrm>
+          <a:prstGeom prst="straightConnector1">
+            <a:avLst/>
+          </a:prstGeom>
+          <a:ln w="3175">
+            <a:solidFill>
+              <a:srgbClr val="00B0F0"/>
+            </a:solidFill>
+            <a:prstDash val="dash"/>
+            <a:headEnd type="triangle"/>
+            <a:tailEnd type="triangle"/>
+          </a:ln>
+        </p:spPr>
+        <p:style>
+          <a:lnRef idx="1">
+            <a:schemeClr val="accent1"/>
+          </a:lnRef>
+          <a:fillRef idx="0">
+            <a:schemeClr val="accent1"/>
+          </a:fillRef>
+          <a:effectRef idx="0">
+            <a:schemeClr val="accent1"/>
+          </a:effectRef>
+          <a:fontRef idx="minor">
+            <a:schemeClr val="tx1"/>
+          </a:fontRef>
+        </p:style>
+      </p:cxnSp>
+      <p:cxnSp>
+        <p:nvCxnSpPr>
+          <p:cNvPr id="96" name="直接箭头连接符 95"/>
+          <p:cNvCxnSpPr>
+            <a:stCxn id="11" idx="1"/>
+            <a:endCxn id="42" idx="3"/>
+          </p:cNvCxnSpPr>
+          <p:nvPr/>
+        </p:nvCxnSpPr>
+        <p:spPr>
+          <a:xfrm flipH="1">
+            <a:off x="4367198" y="2414292"/>
+            <a:ext cx="580619" cy="2780175"/>
+          </a:xfrm>
+          <a:prstGeom prst="straightConnector1">
+            <a:avLst/>
+          </a:prstGeom>
+          <a:ln w="3175">
+            <a:solidFill>
+              <a:srgbClr val="00B0F0"/>
+            </a:solidFill>
+            <a:prstDash val="dash"/>
+            <a:headEnd type="triangle"/>
+            <a:tailEnd type="triangle"/>
+          </a:ln>
+        </p:spPr>
+        <p:style>
+          <a:lnRef idx="1">
+            <a:schemeClr val="accent1"/>
+          </a:lnRef>
+          <a:fillRef idx="0">
+            <a:schemeClr val="accent1"/>
+          </a:fillRef>
+          <a:effectRef idx="0">
+            <a:schemeClr val="accent1"/>
+          </a:effectRef>
+          <a:fontRef idx="minor">
+            <a:schemeClr val="tx1"/>
+          </a:fontRef>
+        </p:style>
+      </p:cxnSp>
+      <p:cxnSp>
+        <p:nvCxnSpPr>
+          <p:cNvPr id="99" name="直接箭头连接符 98"/>
+          <p:cNvCxnSpPr>
+            <a:stCxn id="11" idx="2"/>
+            <a:endCxn id="4" idx="0"/>
+          </p:cNvCxnSpPr>
+          <p:nvPr/>
+        </p:nvCxnSpPr>
+        <p:spPr>
+          <a:xfrm>
+            <a:off x="5505632" y="2616493"/>
+            <a:ext cx="199748" cy="1176690"/>
+          </a:xfrm>
+          <a:prstGeom prst="straightConnector1">
+            <a:avLst/>
+          </a:prstGeom>
+          <a:ln w="3175">
+            <a:solidFill>
+              <a:srgbClr val="00B0F0"/>
+            </a:solidFill>
+            <a:prstDash val="dash"/>
+            <a:headEnd type="triangle"/>
+            <a:tailEnd type="triangle"/>
+          </a:ln>
+        </p:spPr>
+        <p:style>
+          <a:lnRef idx="1">
+            <a:schemeClr val="accent1"/>
+          </a:lnRef>
+          <a:fillRef idx="0">
+            <a:schemeClr val="accent1"/>
+          </a:fillRef>
+          <a:effectRef idx="0">
+            <a:schemeClr val="accent1"/>
+          </a:effectRef>
+          <a:fontRef idx="minor">
+            <a:schemeClr val="tx1"/>
+          </a:fontRef>
+        </p:style>
+      </p:cxnSp>
+      <p:cxnSp>
+        <p:nvCxnSpPr>
+          <p:cNvPr id="102" name="直接箭头连接符 101"/>
+          <p:cNvCxnSpPr>
+            <a:stCxn id="11" idx="2"/>
+            <a:endCxn id="8" idx="0"/>
+          </p:cNvCxnSpPr>
+          <p:nvPr/>
+        </p:nvCxnSpPr>
+        <p:spPr>
+          <a:xfrm>
+            <a:off x="5505632" y="2616493"/>
+            <a:ext cx="851517" cy="2124113"/>
+          </a:xfrm>
+          <a:prstGeom prst="straightConnector1">
+            <a:avLst/>
+          </a:prstGeom>
+          <a:ln w="3175">
+            <a:solidFill>
+              <a:srgbClr val="00B0F0"/>
+            </a:solidFill>
+            <a:prstDash val="dash"/>
+            <a:headEnd type="triangle"/>
+            <a:tailEnd type="triangle"/>
+          </a:ln>
+        </p:spPr>
+        <p:style>
+          <a:lnRef idx="1">
+            <a:schemeClr val="accent1"/>
+          </a:lnRef>
+          <a:fillRef idx="0">
+            <a:schemeClr val="accent1"/>
+          </a:fillRef>
+          <a:effectRef idx="0">
+            <a:schemeClr val="accent1"/>
+          </a:effectRef>
+          <a:fontRef idx="minor">
+            <a:schemeClr val="tx1"/>
+          </a:fontRef>
+        </p:style>
+      </p:cxnSp>
+      <p:sp>
+        <p:nvSpPr>
+          <p:cNvPr id="111" name="圆角矩形 110"/>
+          <p:cNvSpPr/>
+          <p:nvPr/>
+        </p:nvSpPr>
+        <p:spPr>
+          <a:xfrm>
+            <a:off x="8577432" y="2302880"/>
+            <a:ext cx="433400" cy="2437726"/>
+          </a:xfrm>
+          <a:prstGeom prst="roundRect">
+            <a:avLst>
+              <a:gd name="adj" fmla="val 7576"/>
+            </a:avLst>
+          </a:prstGeom>
+          <a:ln>
+            <a:solidFill>
+              <a:schemeClr val="accent2"/>
+            </a:solidFill>
+          </a:ln>
+        </p:spPr>
+        <p:style>
+          <a:lnRef idx="2">
+            <a:schemeClr val="dk1"/>
+          </a:lnRef>
+          <a:fillRef idx="1">
+            <a:schemeClr val="lt1"/>
+          </a:fillRef>
+          <a:effectRef idx="0">
+            <a:schemeClr val="dk1"/>
+          </a:effectRef>
+          <a:fontRef idx="minor">
+            <a:schemeClr val="dk1"/>
+          </a:fontRef>
+        </p:style>
+        <p:txBody>
+          <a:bodyPr rtlCol="0" anchor="ctr"/>
+          <a:lstStyle/>
+          <a:p>
+            <a:pPr algn="ctr"/>
+            <a:r>
+              <a:rPr lang="zh-CN" altLang="en-US" sz="1200" dirty="0" smtClean="0">
+                <a:solidFill>
+                  <a:schemeClr val="tx1"/>
+                </a:solidFill>
+              </a:rPr>
+              <a:t>数据可视化</a:t>
+            </a:r>
+            <a:endParaRPr lang="zh-CN" altLang="en-US" sz="1200" dirty="0">
+              <a:solidFill>
+                <a:schemeClr val="tx1"/>
+              </a:solidFill>
+            </a:endParaRPr>
+          </a:p>
+        </p:txBody>
+      </p:sp>
+      <p:sp>
+        <p:nvSpPr>
+          <p:cNvPr id="112" name="圆角矩形 111"/>
+          <p:cNvSpPr/>
+          <p:nvPr/>
+        </p:nvSpPr>
+        <p:spPr>
+          <a:xfrm>
+            <a:off x="8577432" y="851243"/>
+            <a:ext cx="433400" cy="1360845"/>
+          </a:xfrm>
+          <a:prstGeom prst="roundRect">
+            <a:avLst>
+              <a:gd name="adj" fmla="val 7576"/>
+            </a:avLst>
+          </a:prstGeom>
+          <a:ln>
+            <a:solidFill>
+              <a:schemeClr val="accent2"/>
+            </a:solidFill>
+          </a:ln>
+        </p:spPr>
+        <p:style>
+          <a:lnRef idx="2">
+            <a:schemeClr val="dk1"/>
+          </a:lnRef>
+          <a:fillRef idx="1">
+            <a:schemeClr val="lt1"/>
+          </a:fillRef>
+          <a:effectRef idx="0">
+            <a:schemeClr val="dk1"/>
+          </a:effectRef>
+          <a:fontRef idx="minor">
+            <a:schemeClr val="dk1"/>
+          </a:fontRef>
+        </p:style>
+        <p:txBody>
+          <a:bodyPr rtlCol="0" anchor="ctr"/>
+          <a:lstStyle/>
+          <a:p>
+            <a:pPr algn="ctr"/>
+            <a:r>
+              <a:rPr lang="zh-CN" altLang="en-US" sz="1200" dirty="0" smtClean="0">
+                <a:solidFill>
+                  <a:schemeClr val="tx1"/>
+                </a:solidFill>
+              </a:rPr>
+              <a:t>管理系统</a:t>
+            </a:r>
+            <a:endParaRPr lang="zh-CN" altLang="en-US" sz="1200" dirty="0">
+              <a:solidFill>
+                <a:schemeClr val="tx1"/>
+              </a:solidFill>
+            </a:endParaRPr>
+          </a:p>
+        </p:txBody>
+      </p:sp>
+      <p:sp>
+        <p:nvSpPr>
+          <p:cNvPr id="113" name="圆角矩形 112"/>
+          <p:cNvSpPr/>
+          <p:nvPr/>
+        </p:nvSpPr>
+        <p:spPr>
+          <a:xfrm>
+            <a:off x="8577432" y="4831398"/>
+            <a:ext cx="433400" cy="992353"/>
+          </a:xfrm>
+          <a:prstGeom prst="roundRect">
+            <a:avLst>
+              <a:gd name="adj" fmla="val 7576"/>
+            </a:avLst>
+          </a:prstGeom>
+          <a:ln>
+            <a:solidFill>
+              <a:schemeClr val="accent2"/>
+            </a:solidFill>
+          </a:ln>
+        </p:spPr>
+        <p:style>
+          <a:lnRef idx="2">
+            <a:schemeClr val="dk1"/>
+          </a:lnRef>
+          <a:fillRef idx="1">
+            <a:schemeClr val="lt1"/>
+          </a:fillRef>
+          <a:effectRef idx="0">
+            <a:schemeClr val="dk1"/>
+          </a:effectRef>
+          <a:fontRef idx="minor">
+            <a:schemeClr val="dk1"/>
+          </a:fontRef>
+        </p:style>
+        <p:txBody>
+          <a:bodyPr rtlCol="0" anchor="ctr"/>
+          <a:lstStyle/>
+          <a:p>
+            <a:pPr algn="ctr"/>
+            <a:r>
+              <a:rPr lang="zh-CN" altLang="en-US" sz="1200" dirty="0" smtClean="0">
+                <a:solidFill>
+                  <a:schemeClr val="tx1"/>
+                </a:solidFill>
+              </a:rPr>
+              <a:t>服务模块</a:t>
+            </a:r>
+            <a:endParaRPr lang="zh-CN" altLang="en-US" sz="1200" dirty="0">
+              <a:solidFill>
+                <a:schemeClr val="tx1"/>
+              </a:solidFill>
+            </a:endParaRPr>
+          </a:p>
+        </p:txBody>
+      </p:sp>
+    </p:spTree>
+    <p:extLst>
+      <p:ext uri="{BB962C8B-B14F-4D97-AF65-F5344CB8AC3E}">
+        <p14:creationId xmlns:p14="http://schemas.microsoft.com/office/powerpoint/2010/main" val="671352038"/>
       </p:ext>
     </p:extLst>
   </p:cSld>

--- a/dc3/doc/iot-dc3-architecture.pptx
+++ b/dc3/doc/iot-dc3-architecture.pptx
@@ -205,7 +205,7 @@
           <a:p>
             <a:fld id="{6EE3B9A8-D85C-445A-8AE4-653E2C11D910}" type="datetimeFigureOut">
               <a:rPr lang="zh-CN" altLang="en-US" smtClean="0"/>
-              <a:t>2019/9/22</a:t>
+              <a:t>2019/10/11</a:t>
             </a:fld>
             <a:endParaRPr lang="zh-CN" altLang="en-US"/>
           </a:p>
@@ -787,7 +787,7 @@
           <a:p>
             <a:fld id="{9BF28833-E291-4948-8DAA-251BCB67763B}" type="datetimeFigureOut">
               <a:rPr lang="zh-CN" altLang="en-US" smtClean="0"/>
-              <a:t>2019/9/22</a:t>
+              <a:t>2019/10/11</a:t>
             </a:fld>
             <a:endParaRPr lang="zh-CN" altLang="en-US"/>
           </a:p>
@@ -985,7 +985,7 @@
           <a:p>
             <a:fld id="{9BF28833-E291-4948-8DAA-251BCB67763B}" type="datetimeFigureOut">
               <a:rPr lang="zh-CN" altLang="en-US" smtClean="0"/>
-              <a:t>2019/9/22</a:t>
+              <a:t>2019/10/11</a:t>
             </a:fld>
             <a:endParaRPr lang="zh-CN" altLang="en-US"/>
           </a:p>
@@ -1193,7 +1193,7 @@
           <a:p>
             <a:fld id="{9BF28833-E291-4948-8DAA-251BCB67763B}" type="datetimeFigureOut">
               <a:rPr lang="zh-CN" altLang="en-US" smtClean="0"/>
-              <a:t>2019/9/22</a:t>
+              <a:t>2019/10/11</a:t>
             </a:fld>
             <a:endParaRPr lang="zh-CN" altLang="en-US"/>
           </a:p>
@@ -1391,7 +1391,7 @@
           <a:p>
             <a:fld id="{9BF28833-E291-4948-8DAA-251BCB67763B}" type="datetimeFigureOut">
               <a:rPr lang="zh-CN" altLang="en-US" smtClean="0"/>
-              <a:t>2019/9/22</a:t>
+              <a:t>2019/10/11</a:t>
             </a:fld>
             <a:endParaRPr lang="zh-CN" altLang="en-US"/>
           </a:p>
@@ -1666,7 +1666,7 @@
           <a:p>
             <a:fld id="{9BF28833-E291-4948-8DAA-251BCB67763B}" type="datetimeFigureOut">
               <a:rPr lang="zh-CN" altLang="en-US" smtClean="0"/>
-              <a:t>2019/9/22</a:t>
+              <a:t>2019/10/11</a:t>
             </a:fld>
             <a:endParaRPr lang="zh-CN" altLang="en-US"/>
           </a:p>
@@ -1931,7 +1931,7 @@
           <a:p>
             <a:fld id="{9BF28833-E291-4948-8DAA-251BCB67763B}" type="datetimeFigureOut">
               <a:rPr lang="zh-CN" altLang="en-US" smtClean="0"/>
-              <a:t>2019/9/22</a:t>
+              <a:t>2019/10/11</a:t>
             </a:fld>
             <a:endParaRPr lang="zh-CN" altLang="en-US"/>
           </a:p>
@@ -2343,7 +2343,7 @@
           <a:p>
             <a:fld id="{9BF28833-E291-4948-8DAA-251BCB67763B}" type="datetimeFigureOut">
               <a:rPr lang="zh-CN" altLang="en-US" smtClean="0"/>
-              <a:t>2019/9/22</a:t>
+              <a:t>2019/10/11</a:t>
             </a:fld>
             <a:endParaRPr lang="zh-CN" altLang="en-US"/>
           </a:p>
@@ -2484,7 +2484,7 @@
           <a:p>
             <a:fld id="{9BF28833-E291-4948-8DAA-251BCB67763B}" type="datetimeFigureOut">
               <a:rPr lang="zh-CN" altLang="en-US" smtClean="0"/>
-              <a:t>2019/9/22</a:t>
+              <a:t>2019/10/11</a:t>
             </a:fld>
             <a:endParaRPr lang="zh-CN" altLang="en-US"/>
           </a:p>
@@ -2597,7 +2597,7 @@
           <a:p>
             <a:fld id="{9BF28833-E291-4948-8DAA-251BCB67763B}" type="datetimeFigureOut">
               <a:rPr lang="zh-CN" altLang="en-US" smtClean="0"/>
-              <a:t>2019/9/22</a:t>
+              <a:t>2019/10/11</a:t>
             </a:fld>
             <a:endParaRPr lang="zh-CN" altLang="en-US"/>
           </a:p>
@@ -2908,7 +2908,7 @@
           <a:p>
             <a:fld id="{9BF28833-E291-4948-8DAA-251BCB67763B}" type="datetimeFigureOut">
               <a:rPr lang="zh-CN" altLang="en-US" smtClean="0"/>
-              <a:t>2019/9/22</a:t>
+              <a:t>2019/10/11</a:t>
             </a:fld>
             <a:endParaRPr lang="zh-CN" altLang="en-US"/>
           </a:p>
@@ -3196,7 +3196,7 @@
           <a:p>
             <a:fld id="{9BF28833-E291-4948-8DAA-251BCB67763B}" type="datetimeFigureOut">
               <a:rPr lang="zh-CN" altLang="en-US" smtClean="0"/>
-              <a:t>2019/9/22</a:t>
+              <a:t>2019/10/11</a:t>
             </a:fld>
             <a:endParaRPr lang="zh-CN" altLang="en-US"/>
           </a:p>
@@ -3437,7 +3437,7 @@
           <a:p>
             <a:fld id="{9BF28833-E291-4948-8DAA-251BCB67763B}" type="datetimeFigureOut">
               <a:rPr lang="zh-CN" altLang="en-US" smtClean="0"/>
-              <a:t>2019/9/22</a:t>
+              <a:t>2019/10/11</a:t>
             </a:fld>
             <a:endParaRPr lang="zh-CN" altLang="en-US"/>
           </a:p>
